--- a/HandsOn/Group02/presentation/Group02_SafeCycling.pptx
+++ b/HandsOn/Group02/presentation/Group02_SafeCycling.pptx
@@ -123,12 +123,2691 @@
 <p1510:revInfo xmlns:a="http://schemas.openxmlformats.org/drawingml/2006/main" xmlns:r="http://schemas.openxmlformats.org/officeDocument/2006/relationships" xmlns:p1510="http://schemas.microsoft.com/office/powerpoint/2015/10/main">
   <p1510:revLst>
     <p1510:client id="{4E616808-9538-8CD8-6D09-8B6624E15E80}" v="210" dt="2021-11-11T19:56:02.183"/>
-    <p1510:client id="{91B751D0-0EC8-6C07-9B45-EA793EB24F2B}" v="38" dt="2021-11-12T07:05:38.828"/>
+    <p1510:client id="{522DEB6F-C5FE-2419-92D6-645C10D4E916}" v="38" dt="2021-11-12T11:58:48.481"/>
+    <p1510:client id="{91B751D0-0EC8-6C07-9B45-EA793EB24F2B}" v="42" dt="2021-11-12T12:17:58.721"/>
+    <p1510:client id="{BA61EA95-211E-DD98-13B5-B0F9381B1E0E}" v="3" dt="2021-11-12T11:39:00.848"/>
     <p1510:client id="{D773014C-231C-E9BF-EDF8-87612E21EE26}" v="66" dt="2021-11-11T16:48:23.724"/>
     <p1510:client id="{DA59AE99-952A-6AFC-BA44-0FBB5990E17B}" v="472" dt="2021-11-11T22:56:11.453"/>
     <p1510:client id="{DDA4C2D1-061D-4DB2-BE66-906845DF43D4}" v="500" dt="2021-11-10T16:59:35.264"/>
   </p1510:revLst>
 </p1510:revInfo>
+</file>
+
+<file path=ppt/changesInfos/changesInfo1.xml><?xml version="1.0" encoding="utf-8"?>
+<pc:chgInfo xmlns:a="http://schemas.openxmlformats.org/drawingml/2006/main" xmlns:r="http://schemas.openxmlformats.org/officeDocument/2006/relationships" xmlns:ac="http://schemas.microsoft.com/office/drawing/2013/main/command" xmlns:pc="http://schemas.microsoft.com/office/powerpoint/2013/main/command">
+  <pc:docChgLst>
+    <pc:chgData name="LICIA DULCE RUIZ CENTNER" userId="S::ld.ruiz@alumnos.upm.es::95fad373-be20-4cc8-9c4b-4294f4e033a5" providerId="AD" clId="Web-{DA59AE99-952A-6AFC-BA44-0FBB5990E17B}"/>
+    <pc:docChg chg="modSld">
+      <pc:chgData name="LICIA DULCE RUIZ CENTNER" userId="S::ld.ruiz@alumnos.upm.es::95fad373-be20-4cc8-9c4b-4294f4e033a5" providerId="AD" clId="Web-{DA59AE99-952A-6AFC-BA44-0FBB5990E17B}" dt="2021-11-11T22:56:11.453" v="461" actId="20577"/>
+      <pc:docMkLst>
+        <pc:docMk/>
+      </pc:docMkLst>
+      <pc:sldChg chg="modSp">
+        <pc:chgData name="LICIA DULCE RUIZ CENTNER" userId="S::ld.ruiz@alumnos.upm.es::95fad373-be20-4cc8-9c4b-4294f4e033a5" providerId="AD" clId="Web-{DA59AE99-952A-6AFC-BA44-0FBB5990E17B}" dt="2021-11-11T22:13:11.546" v="344" actId="20577"/>
+        <pc:sldMkLst>
+          <pc:docMk/>
+          <pc:sldMk cId="746235981" sldId="259"/>
+        </pc:sldMkLst>
+        <pc:spChg chg="mod">
+          <ac:chgData name="LICIA DULCE RUIZ CENTNER" userId="S::ld.ruiz@alumnos.upm.es::95fad373-be20-4cc8-9c4b-4294f4e033a5" providerId="AD" clId="Web-{DA59AE99-952A-6AFC-BA44-0FBB5990E17B}" dt="2021-11-11T22:13:11.546" v="344" actId="20577"/>
+          <ac:spMkLst>
+            <pc:docMk/>
+            <pc:sldMk cId="746235981" sldId="259"/>
+            <ac:spMk id="2" creationId="{D18B4473-1E80-40CE-8FD4-1214A9CF14F1}"/>
+          </ac:spMkLst>
+        </pc:spChg>
+      </pc:sldChg>
+      <pc:sldChg chg="modSp modTransition">
+        <pc:chgData name="LICIA DULCE RUIZ CENTNER" userId="S::ld.ruiz@alumnos.upm.es::95fad373-be20-4cc8-9c4b-4294f4e033a5" providerId="AD" clId="Web-{DA59AE99-952A-6AFC-BA44-0FBB5990E17B}" dt="2021-11-11T22:56:11.453" v="461" actId="20577"/>
+        <pc:sldMkLst>
+          <pc:docMk/>
+          <pc:sldMk cId="3809662723" sldId="261"/>
+        </pc:sldMkLst>
+        <pc:spChg chg="mod">
+          <ac:chgData name="LICIA DULCE RUIZ CENTNER" userId="S::ld.ruiz@alumnos.upm.es::95fad373-be20-4cc8-9c4b-4294f4e033a5" providerId="AD" clId="Web-{DA59AE99-952A-6AFC-BA44-0FBB5990E17B}" dt="2021-11-11T22:56:11.453" v="461" actId="20577"/>
+          <ac:spMkLst>
+            <pc:docMk/>
+            <pc:sldMk cId="3809662723" sldId="261"/>
+            <ac:spMk id="2" creationId="{E233E1E2-E019-476B-8741-64DA930D5D18}"/>
+          </ac:spMkLst>
+        </pc:spChg>
+      </pc:sldChg>
+      <pc:sldChg chg="addSp delSp modSp modTransition delAnim modAnim">
+        <pc:chgData name="LICIA DULCE RUIZ CENTNER" userId="S::ld.ruiz@alumnos.upm.es::95fad373-be20-4cc8-9c4b-4294f4e033a5" providerId="AD" clId="Web-{DA59AE99-952A-6AFC-BA44-0FBB5990E17B}" dt="2021-11-11T22:12:19.793" v="342"/>
+        <pc:sldMkLst>
+          <pc:docMk/>
+          <pc:sldMk cId="3362291158" sldId="262"/>
+        </pc:sldMkLst>
+        <pc:spChg chg="mod">
+          <ac:chgData name="LICIA DULCE RUIZ CENTNER" userId="S::ld.ruiz@alumnos.upm.es::95fad373-be20-4cc8-9c4b-4294f4e033a5" providerId="AD" clId="Web-{DA59AE99-952A-6AFC-BA44-0FBB5990E17B}" dt="2021-11-11T22:12:19.793" v="342"/>
+          <ac:spMkLst>
+            <pc:docMk/>
+            <pc:sldMk cId="3362291158" sldId="262"/>
+            <ac:spMk id="2" creationId="{817AB747-7478-4EF0-8961-191A79DCD887}"/>
+          </ac:spMkLst>
+        </pc:spChg>
+        <pc:spChg chg="add mod">
+          <ac:chgData name="LICIA DULCE RUIZ CENTNER" userId="S::ld.ruiz@alumnos.upm.es::95fad373-be20-4cc8-9c4b-4294f4e033a5" providerId="AD" clId="Web-{DA59AE99-952A-6AFC-BA44-0FBB5990E17B}" dt="2021-11-11T22:12:14.449" v="341"/>
+          <ac:spMkLst>
+            <pc:docMk/>
+            <pc:sldMk cId="3362291158" sldId="262"/>
+            <ac:spMk id="41" creationId="{8B979A9D-199F-48AE-BA27-CBFD785B79EB}"/>
+          </ac:spMkLst>
+        </pc:spChg>
+        <pc:spChg chg="del">
+          <ac:chgData name="LICIA DULCE RUIZ CENTNER" userId="S::ld.ruiz@alumnos.upm.es::95fad373-be20-4cc8-9c4b-4294f4e033a5" providerId="AD" clId="Web-{DA59AE99-952A-6AFC-BA44-0FBB5990E17B}" dt="2021-11-11T22:03:16.797" v="112"/>
+          <ac:spMkLst>
+            <pc:docMk/>
+            <pc:sldMk cId="3362291158" sldId="262"/>
+            <ac:spMk id="51" creationId="{C162DF2A-64D1-4AA9-BA42-8A4063EADE09}"/>
+          </ac:spMkLst>
+        </pc:spChg>
+        <pc:spChg chg="del">
+          <ac:chgData name="LICIA DULCE RUIZ CENTNER" userId="S::ld.ruiz@alumnos.upm.es::95fad373-be20-4cc8-9c4b-4294f4e033a5" providerId="AD" clId="Web-{DA59AE99-952A-6AFC-BA44-0FBB5990E17B}" dt="2021-11-11T22:03:16.797" v="112"/>
+          <ac:spMkLst>
+            <pc:docMk/>
+            <pc:sldMk cId="3362291158" sldId="262"/>
+            <ac:spMk id="53" creationId="{5D7C1373-63AF-4A75-909E-990E05356670}"/>
+          </ac:spMkLst>
+        </pc:spChg>
+        <pc:spChg chg="del">
+          <ac:chgData name="LICIA DULCE RUIZ CENTNER" userId="S::ld.ruiz@alumnos.upm.es::95fad373-be20-4cc8-9c4b-4294f4e033a5" providerId="AD" clId="Web-{DA59AE99-952A-6AFC-BA44-0FBB5990E17B}" dt="2021-11-11T22:03:16.797" v="112"/>
+          <ac:spMkLst>
+            <pc:docMk/>
+            <pc:sldMk cId="3362291158" sldId="262"/>
+            <ac:spMk id="55" creationId="{5BDAAE7A-177F-4691-8F07-36CBBA6113AB}"/>
+          </ac:spMkLst>
+        </pc:spChg>
+        <pc:spChg chg="del">
+          <ac:chgData name="LICIA DULCE RUIZ CENTNER" userId="S::ld.ruiz@alumnos.upm.es::95fad373-be20-4cc8-9c4b-4294f4e033a5" providerId="AD" clId="Web-{DA59AE99-952A-6AFC-BA44-0FBB5990E17B}" dt="2021-11-11T22:03:16.797" v="112"/>
+          <ac:spMkLst>
+            <pc:docMk/>
+            <pc:sldMk cId="3362291158" sldId="262"/>
+            <ac:spMk id="57" creationId="{5BF82D1D-28BC-4216-A1EA-F7D9C6D1AA82}"/>
+          </ac:spMkLst>
+        </pc:spChg>
+        <pc:spChg chg="del">
+          <ac:chgData name="LICIA DULCE RUIZ CENTNER" userId="S::ld.ruiz@alumnos.upm.es::95fad373-be20-4cc8-9c4b-4294f4e033a5" providerId="AD" clId="Web-{DA59AE99-952A-6AFC-BA44-0FBB5990E17B}" dt="2021-11-11T22:03:16.797" v="112"/>
+          <ac:spMkLst>
+            <pc:docMk/>
+            <pc:sldMk cId="3362291158" sldId="262"/>
+            <ac:spMk id="59" creationId="{60A1DC48-C242-4442-822C-570436B809FC}"/>
+          </ac:spMkLst>
+        </pc:spChg>
+        <pc:spChg chg="add">
+          <ac:chgData name="LICIA DULCE RUIZ CENTNER" userId="S::ld.ruiz@alumnos.upm.es::95fad373-be20-4cc8-9c4b-4294f4e033a5" providerId="AD" clId="Web-{DA59AE99-952A-6AFC-BA44-0FBB5990E17B}" dt="2021-11-11T22:03:16.797" v="112"/>
+          <ac:spMkLst>
+            <pc:docMk/>
+            <pc:sldMk cId="3362291158" sldId="262"/>
+            <ac:spMk id="64" creationId="{80516254-1D9F-4F3A-9870-3A3280BE2BFE}"/>
+          </ac:spMkLst>
+        </pc:spChg>
+        <pc:spChg chg="add">
+          <ac:chgData name="LICIA DULCE RUIZ CENTNER" userId="S::ld.ruiz@alumnos.upm.es::95fad373-be20-4cc8-9c4b-4294f4e033a5" providerId="AD" clId="Web-{DA59AE99-952A-6AFC-BA44-0FBB5990E17B}" dt="2021-11-11T22:03:16.797" v="112"/>
+          <ac:spMkLst>
+            <pc:docMk/>
+            <pc:sldMk cId="3362291158" sldId="262"/>
+            <ac:spMk id="66" creationId="{FC14672B-27A5-4CDA-ABAF-5E4CF4B41C23}"/>
+          </ac:spMkLst>
+        </pc:spChg>
+        <pc:spChg chg="add">
+          <ac:chgData name="LICIA DULCE RUIZ CENTNER" userId="S::ld.ruiz@alumnos.upm.es::95fad373-be20-4cc8-9c4b-4294f4e033a5" providerId="AD" clId="Web-{DA59AE99-952A-6AFC-BA44-0FBB5990E17B}" dt="2021-11-11T22:03:16.797" v="112"/>
+          <ac:spMkLst>
+            <pc:docMk/>
+            <pc:sldMk cId="3362291158" sldId="262"/>
+            <ac:spMk id="70" creationId="{9A206779-5C74-4555-94BC-5845C92EC3A8}"/>
+          </ac:spMkLst>
+        </pc:spChg>
+        <pc:graphicFrameChg chg="del modGraphic">
+          <ac:chgData name="LICIA DULCE RUIZ CENTNER" userId="S::ld.ruiz@alumnos.upm.es::95fad373-be20-4cc8-9c4b-4294f4e033a5" providerId="AD" clId="Web-{DA59AE99-952A-6AFC-BA44-0FBB5990E17B}" dt="2021-11-11T21:59:47.114" v="35"/>
+          <ac:graphicFrameMkLst>
+            <pc:docMk/>
+            <pc:sldMk cId="3362291158" sldId="262"/>
+            <ac:graphicFrameMk id="440" creationId="{C43A7F83-ADC1-4199-90EA-449B4D0F0E7C}"/>
+          </ac:graphicFrameMkLst>
+        </pc:graphicFrameChg>
+        <pc:picChg chg="add del mod">
+          <ac:chgData name="LICIA DULCE RUIZ CENTNER" userId="S::ld.ruiz@alumnos.upm.es::95fad373-be20-4cc8-9c4b-4294f4e033a5" providerId="AD" clId="Web-{DA59AE99-952A-6AFC-BA44-0FBB5990E17B}" dt="2021-11-11T22:01:48.277" v="49"/>
+          <ac:picMkLst>
+            <pc:docMk/>
+            <pc:sldMk cId="3362291158" sldId="262"/>
+            <ac:picMk id="38" creationId="{B5B9C422-E993-4BF2-812A-5AB0686E2C4A}"/>
+          </ac:picMkLst>
+        </pc:picChg>
+        <pc:picChg chg="add del mod">
+          <ac:chgData name="LICIA DULCE RUIZ CENTNER" userId="S::ld.ruiz@alumnos.upm.es::95fad373-be20-4cc8-9c4b-4294f4e033a5" providerId="AD" clId="Web-{DA59AE99-952A-6AFC-BA44-0FBB5990E17B}" dt="2021-11-11T22:01:33.370" v="39"/>
+          <ac:picMkLst>
+            <pc:docMk/>
+            <pc:sldMk cId="3362291158" sldId="262"/>
+            <ac:picMk id="39" creationId="{C5AEEA8A-75E4-4AA5-B3C7-1E90BD46CDCF}"/>
+          </ac:picMkLst>
+        </pc:picChg>
+        <pc:cxnChg chg="add">
+          <ac:chgData name="LICIA DULCE RUIZ CENTNER" userId="S::ld.ruiz@alumnos.upm.es::95fad373-be20-4cc8-9c4b-4294f4e033a5" providerId="AD" clId="Web-{DA59AE99-952A-6AFC-BA44-0FBB5990E17B}" dt="2021-11-11T22:03:16.797" v="112"/>
+          <ac:cxnSpMkLst>
+            <pc:docMk/>
+            <pc:sldMk cId="3362291158" sldId="262"/>
+            <ac:cxnSpMk id="68" creationId="{8D89589C-2C90-4407-A995-05EC3DD7AB14}"/>
+          </ac:cxnSpMkLst>
+        </pc:cxnChg>
+      </pc:sldChg>
+      <pc:sldChg chg="addSp delSp modSp modTransition">
+        <pc:chgData name="LICIA DULCE RUIZ CENTNER" userId="S::ld.ruiz@alumnos.upm.es::95fad373-be20-4cc8-9c4b-4294f4e033a5" providerId="AD" clId="Web-{DA59AE99-952A-6AFC-BA44-0FBB5990E17B}" dt="2021-11-11T22:55:56.203" v="455" actId="20577"/>
+        <pc:sldMkLst>
+          <pc:docMk/>
+          <pc:sldMk cId="1168108605" sldId="263"/>
+        </pc:sldMkLst>
+        <pc:spChg chg="mod">
+          <ac:chgData name="LICIA DULCE RUIZ CENTNER" userId="S::ld.ruiz@alumnos.upm.es::95fad373-be20-4cc8-9c4b-4294f4e033a5" providerId="AD" clId="Web-{DA59AE99-952A-6AFC-BA44-0FBB5990E17B}" dt="2021-11-11T22:55:56.203" v="455" actId="20577"/>
+          <ac:spMkLst>
+            <pc:docMk/>
+            <pc:sldMk cId="1168108605" sldId="263"/>
+            <ac:spMk id="2" creationId="{26BEDC25-1D7B-4DDA-A2B6-8441E3984999}"/>
+          </ac:spMkLst>
+        </pc:spChg>
+        <pc:spChg chg="del">
+          <ac:chgData name="LICIA DULCE RUIZ CENTNER" userId="S::ld.ruiz@alumnos.upm.es::95fad373-be20-4cc8-9c4b-4294f4e033a5" providerId="AD" clId="Web-{DA59AE99-952A-6AFC-BA44-0FBB5990E17B}" dt="2021-11-11T21:56:00.946" v="19"/>
+          <ac:spMkLst>
+            <pc:docMk/>
+            <pc:sldMk cId="1168108605" sldId="263"/>
+            <ac:spMk id="22" creationId="{A566E947-FB18-4E34-92A1-7AE6603498AE}"/>
+          </ac:spMkLst>
+        </pc:spChg>
+        <pc:spChg chg="del">
+          <ac:chgData name="LICIA DULCE RUIZ CENTNER" userId="S::ld.ruiz@alumnos.upm.es::95fad373-be20-4cc8-9c4b-4294f4e033a5" providerId="AD" clId="Web-{DA59AE99-952A-6AFC-BA44-0FBB5990E17B}" dt="2021-11-11T21:56:00.946" v="19"/>
+          <ac:spMkLst>
+            <pc:docMk/>
+            <pc:sldMk cId="1168108605" sldId="263"/>
+            <ac:spMk id="24" creationId="{7E1FB687-F018-4798-90C8-38F1111E1A6B}"/>
+          </ac:spMkLst>
+        </pc:spChg>
+        <pc:spChg chg="del">
+          <ac:chgData name="LICIA DULCE RUIZ CENTNER" userId="S::ld.ruiz@alumnos.upm.es::95fad373-be20-4cc8-9c4b-4294f4e033a5" providerId="AD" clId="Web-{DA59AE99-952A-6AFC-BA44-0FBB5990E17B}" dt="2021-11-11T21:56:00.946" v="19"/>
+          <ac:spMkLst>
+            <pc:docMk/>
+            <pc:sldMk cId="1168108605" sldId="263"/>
+            <ac:spMk id="26" creationId="{99BAA161-AE24-467D-9AE2-A99E23CD71CD}"/>
+          </ac:spMkLst>
+        </pc:spChg>
+        <pc:spChg chg="add del mod">
+          <ac:chgData name="LICIA DULCE RUIZ CENTNER" userId="S::ld.ruiz@alumnos.upm.es::95fad373-be20-4cc8-9c4b-4294f4e033a5" providerId="AD" clId="Web-{DA59AE99-952A-6AFC-BA44-0FBB5990E17B}" dt="2021-11-11T21:55:35.445" v="15"/>
+          <ac:spMkLst>
+            <pc:docMk/>
+            <pc:sldMk cId="1168108605" sldId="263"/>
+            <ac:spMk id="29" creationId="{BB892AB5-D55D-4A5C-B42F-C09698407904}"/>
+          </ac:spMkLst>
+        </pc:spChg>
+        <pc:spChg chg="add mod">
+          <ac:chgData name="LICIA DULCE RUIZ CENTNER" userId="S::ld.ruiz@alumnos.upm.es::95fad373-be20-4cc8-9c4b-4294f4e033a5" providerId="AD" clId="Web-{DA59AE99-952A-6AFC-BA44-0FBB5990E17B}" dt="2021-11-11T22:53:12.011" v="439" actId="20577"/>
+          <ac:spMkLst>
+            <pc:docMk/>
+            <pc:sldMk cId="1168108605" sldId="263"/>
+            <ac:spMk id="52" creationId="{20AAB45A-FB01-4B86-BA72-FB4275D50482}"/>
+          </ac:spMkLst>
+        </pc:spChg>
+        <pc:spChg chg="add">
+          <ac:chgData name="LICIA DULCE RUIZ CENTNER" userId="S::ld.ruiz@alumnos.upm.es::95fad373-be20-4cc8-9c4b-4294f4e033a5" providerId="AD" clId="Web-{DA59AE99-952A-6AFC-BA44-0FBB5990E17B}" dt="2021-11-11T21:56:00.946" v="19"/>
+          <ac:spMkLst>
+            <pc:docMk/>
+            <pc:sldMk cId="1168108605" sldId="263"/>
+            <ac:spMk id="57" creationId="{29DC5A77-10C9-4ECF-B7EB-8D917F36A9EE}"/>
+          </ac:spMkLst>
+        </pc:spChg>
+        <pc:spChg chg="add">
+          <ac:chgData name="LICIA DULCE RUIZ CENTNER" userId="S::ld.ruiz@alumnos.upm.es::95fad373-be20-4cc8-9c4b-4294f4e033a5" providerId="AD" clId="Web-{DA59AE99-952A-6AFC-BA44-0FBB5990E17B}" dt="2021-11-11T21:56:00.946" v="19"/>
+          <ac:spMkLst>
+            <pc:docMk/>
+            <pc:sldMk cId="1168108605" sldId="263"/>
+            <ac:spMk id="59" creationId="{2FFE28B5-FB16-49A9-B851-3C35FAC0CACB}"/>
+          </ac:spMkLst>
+        </pc:spChg>
+        <pc:spChg chg="add">
+          <ac:chgData name="LICIA DULCE RUIZ CENTNER" userId="S::ld.ruiz@alumnos.upm.es::95fad373-be20-4cc8-9c4b-4294f4e033a5" providerId="AD" clId="Web-{DA59AE99-952A-6AFC-BA44-0FBB5990E17B}" dt="2021-11-11T21:56:00.946" v="19"/>
+          <ac:spMkLst>
+            <pc:docMk/>
+            <pc:sldMk cId="1168108605" sldId="263"/>
+            <ac:spMk id="61" creationId="{01014442-855A-4E0F-8D09-C314661A48B9}"/>
+          </ac:spMkLst>
+        </pc:spChg>
+        <pc:spChg chg="add">
+          <ac:chgData name="LICIA DULCE RUIZ CENTNER" userId="S::ld.ruiz@alumnos.upm.es::95fad373-be20-4cc8-9c4b-4294f4e033a5" providerId="AD" clId="Web-{DA59AE99-952A-6AFC-BA44-0FBB5990E17B}" dt="2021-11-11T21:56:00.946" v="19"/>
+          <ac:spMkLst>
+            <pc:docMk/>
+            <pc:sldMk cId="1168108605" sldId="263"/>
+            <ac:spMk id="63" creationId="{9B1ABF09-86CF-414E-88A5-2B84CC7232A9}"/>
+          </ac:spMkLst>
+        </pc:spChg>
+        <pc:spChg chg="add">
+          <ac:chgData name="LICIA DULCE RUIZ CENTNER" userId="S::ld.ruiz@alumnos.upm.es::95fad373-be20-4cc8-9c4b-4294f4e033a5" providerId="AD" clId="Web-{DA59AE99-952A-6AFC-BA44-0FBB5990E17B}" dt="2021-11-11T21:56:00.946" v="19"/>
+          <ac:spMkLst>
+            <pc:docMk/>
+            <pc:sldMk cId="1168108605" sldId="263"/>
+            <ac:spMk id="65" creationId="{3FE91770-CDBB-4D24-94E5-AD484F36CE87}"/>
+          </ac:spMkLst>
+        </pc:spChg>
+        <pc:graphicFrameChg chg="add del">
+          <ac:chgData name="LICIA DULCE RUIZ CENTNER" userId="S::ld.ruiz@alumnos.upm.es::95fad373-be20-4cc8-9c4b-4294f4e033a5" providerId="AD" clId="Web-{DA59AE99-952A-6AFC-BA44-0FBB5990E17B}" dt="2021-11-11T21:55:46.493" v="16"/>
+          <ac:graphicFrameMkLst>
+            <pc:docMk/>
+            <pc:sldMk cId="1168108605" sldId="263"/>
+            <ac:graphicFrameMk id="18" creationId="{247E2F81-D0D6-46F0-9E42-5911416520CD}"/>
+          </ac:graphicFrameMkLst>
+        </pc:graphicFrameChg>
+        <pc:picChg chg="add mod">
+          <ac:chgData name="LICIA DULCE RUIZ CENTNER" userId="S::ld.ruiz@alumnos.upm.es::95fad373-be20-4cc8-9c4b-4294f4e033a5" providerId="AD" clId="Web-{DA59AE99-952A-6AFC-BA44-0FBB5990E17B}" dt="2021-11-11T21:57:34.482" v="34" actId="1076"/>
+          <ac:picMkLst>
+            <pc:docMk/>
+            <pc:sldMk cId="1168108605" sldId="263"/>
+            <ac:picMk id="53" creationId="{A56E0CE5-AA55-4C48-BA2C-E321A655BA62}"/>
+          </ac:picMkLst>
+        </pc:picChg>
+      </pc:sldChg>
+      <pc:sldChg chg="modSp modTransition">
+        <pc:chgData name="LICIA DULCE RUIZ CENTNER" userId="S::ld.ruiz@alumnos.upm.es::95fad373-be20-4cc8-9c4b-4294f4e033a5" providerId="AD" clId="Web-{DA59AE99-952A-6AFC-BA44-0FBB5990E17B}" dt="2021-11-11T22:55:52.359" v="454" actId="20577"/>
+        <pc:sldMkLst>
+          <pc:docMk/>
+          <pc:sldMk cId="563055934" sldId="265"/>
+        </pc:sldMkLst>
+        <pc:spChg chg="mod">
+          <ac:chgData name="LICIA DULCE RUIZ CENTNER" userId="S::ld.ruiz@alumnos.upm.es::95fad373-be20-4cc8-9c4b-4294f4e033a5" providerId="AD" clId="Web-{DA59AE99-952A-6AFC-BA44-0FBB5990E17B}" dt="2021-11-11T22:55:52.359" v="454" actId="20577"/>
+          <ac:spMkLst>
+            <pc:docMk/>
+            <pc:sldMk cId="563055934" sldId="265"/>
+            <ac:spMk id="2" creationId="{CFB905B1-2247-4DAB-A182-FC44990CFFD8}"/>
+          </ac:spMkLst>
+        </pc:spChg>
+        <pc:spChg chg="mod">
+          <ac:chgData name="LICIA DULCE RUIZ CENTNER" userId="S::ld.ruiz@alumnos.upm.es::95fad373-be20-4cc8-9c4b-4294f4e033a5" providerId="AD" clId="Web-{DA59AE99-952A-6AFC-BA44-0FBB5990E17B}" dt="2021-11-11T22:52:56.636" v="435" actId="20577"/>
+          <ac:spMkLst>
+            <pc:docMk/>
+            <pc:sldMk cId="563055934" sldId="265"/>
+            <ac:spMk id="3" creationId="{70D07863-05EE-46E1-B147-27C3E2F10DAD}"/>
+          </ac:spMkLst>
+        </pc:spChg>
+        <pc:picChg chg="mod">
+          <ac:chgData name="LICIA DULCE RUIZ CENTNER" userId="S::ld.ruiz@alumnos.upm.es::95fad373-be20-4cc8-9c4b-4294f4e033a5" providerId="AD" clId="Web-{DA59AE99-952A-6AFC-BA44-0FBB5990E17B}" dt="2021-11-11T22:09:39.363" v="264" actId="1076"/>
+          <ac:picMkLst>
+            <pc:docMk/>
+            <pc:sldMk cId="563055934" sldId="265"/>
+            <ac:picMk id="4" creationId="{BDAE8DA3-F557-40D3-B46D-763F2CD3DA08}"/>
+          </ac:picMkLst>
+        </pc:picChg>
+      </pc:sldChg>
+      <pc:sldChg chg="modTransition">
+        <pc:chgData name="LICIA DULCE RUIZ CENTNER" userId="S::ld.ruiz@alumnos.upm.es::95fad373-be20-4cc8-9c4b-4294f4e033a5" providerId="AD" clId="Web-{DA59AE99-952A-6AFC-BA44-0FBB5990E17B}" dt="2021-11-11T21:54:10.034" v="11"/>
+        <pc:sldMkLst>
+          <pc:docMk/>
+          <pc:sldMk cId="3669290555" sldId="267"/>
+        </pc:sldMkLst>
+      </pc:sldChg>
+      <pc:sldChg chg="addSp delSp modSp modTransition">
+        <pc:chgData name="LICIA DULCE RUIZ CENTNER" userId="S::ld.ruiz@alumnos.upm.es::95fad373-be20-4cc8-9c4b-4294f4e033a5" providerId="AD" clId="Web-{DA59AE99-952A-6AFC-BA44-0FBB5990E17B}" dt="2021-11-11T22:55:59.953" v="456" actId="20577"/>
+        <pc:sldMkLst>
+          <pc:docMk/>
+          <pc:sldMk cId="2771584652" sldId="268"/>
+        </pc:sldMkLst>
+        <pc:spChg chg="mod">
+          <ac:chgData name="LICIA DULCE RUIZ CENTNER" userId="S::ld.ruiz@alumnos.upm.es::95fad373-be20-4cc8-9c4b-4294f4e033a5" providerId="AD" clId="Web-{DA59AE99-952A-6AFC-BA44-0FBB5990E17B}" dt="2021-11-11T22:55:59.953" v="456" actId="20577"/>
+          <ac:spMkLst>
+            <pc:docMk/>
+            <pc:sldMk cId="2771584652" sldId="268"/>
+            <ac:spMk id="2" creationId="{CFB905B1-2247-4DAB-A182-FC44990CFFD8}"/>
+          </ac:spMkLst>
+        </pc:spChg>
+        <pc:spChg chg="add del mod">
+          <ac:chgData name="LICIA DULCE RUIZ CENTNER" userId="S::ld.ruiz@alumnos.upm.es::95fad373-be20-4cc8-9c4b-4294f4e033a5" providerId="AD" clId="Web-{DA59AE99-952A-6AFC-BA44-0FBB5990E17B}" dt="2021-11-11T22:10:46.398" v="278"/>
+          <ac:spMkLst>
+            <pc:docMk/>
+            <pc:sldMk cId="2771584652" sldId="268"/>
+            <ac:spMk id="3" creationId="{5D1C9EA6-2894-47BB-9754-4DBD244C29E9}"/>
+          </ac:spMkLst>
+        </pc:spChg>
+        <pc:spChg chg="add mod">
+          <ac:chgData name="LICIA DULCE RUIZ CENTNER" userId="S::ld.ruiz@alumnos.upm.es::95fad373-be20-4cc8-9c4b-4294f4e033a5" providerId="AD" clId="Web-{DA59AE99-952A-6AFC-BA44-0FBB5990E17B}" dt="2021-11-11T22:11:56.948" v="337" actId="20577"/>
+          <ac:spMkLst>
+            <pc:docMk/>
+            <pc:sldMk cId="2771584652" sldId="268"/>
+            <ac:spMk id="4" creationId="{54128A53-82D7-489E-9BF7-A5F9478771C4}"/>
+          </ac:spMkLst>
+        </pc:spChg>
+        <pc:picChg chg="del">
+          <ac:chgData name="LICIA DULCE RUIZ CENTNER" userId="S::ld.ruiz@alumnos.upm.es::95fad373-be20-4cc8-9c4b-4294f4e033a5" providerId="AD" clId="Web-{DA59AE99-952A-6AFC-BA44-0FBB5990E17B}" dt="2021-11-11T22:10:24.991" v="273"/>
+          <ac:picMkLst>
+            <pc:docMk/>
+            <pc:sldMk cId="2771584652" sldId="268"/>
+            <ac:picMk id="5" creationId="{7E5DAC5E-92BE-44C4-B7E8-E7CBEBF9FDB3}"/>
+          </ac:picMkLst>
+        </pc:picChg>
+      </pc:sldChg>
+    </pc:docChg>
+  </pc:docChgLst>
+  <pc:docChgLst>
+    <pc:chgData name="JOSE LUIS COMINO APARICIO" userId="S::joseluis.comino.aparicio@alumnos.upm.es::334ccc3e-eb1a-4def-b6cf-1ff3276047bb" providerId="AD" clId="Web-{522DEB6F-C5FE-2419-92D6-645C10D4E916}"/>
+    <pc:docChg chg="modSld">
+      <pc:chgData name="JOSE LUIS COMINO APARICIO" userId="S::joseluis.comino.aparicio@alumnos.upm.es::334ccc3e-eb1a-4def-b6cf-1ff3276047bb" providerId="AD" clId="Web-{522DEB6F-C5FE-2419-92D6-645C10D4E916}" dt="2021-11-12T11:58:48.481" v="43" actId="20577"/>
+      <pc:docMkLst>
+        <pc:docMk/>
+      </pc:docMkLst>
+      <pc:sldChg chg="addSp delSp modSp">
+        <pc:chgData name="JOSE LUIS COMINO APARICIO" userId="S::joseluis.comino.aparicio@alumnos.upm.es::334ccc3e-eb1a-4def-b6cf-1ff3276047bb" providerId="AD" clId="Web-{522DEB6F-C5FE-2419-92D6-645C10D4E916}" dt="2021-11-12T11:58:48.481" v="43" actId="20577"/>
+        <pc:sldMkLst>
+          <pc:docMk/>
+          <pc:sldMk cId="1168108605" sldId="263"/>
+        </pc:sldMkLst>
+        <pc:spChg chg="add del">
+          <ac:chgData name="JOSE LUIS COMINO APARICIO" userId="S::joseluis.comino.aparicio@alumnos.upm.es::334ccc3e-eb1a-4def-b6cf-1ff3276047bb" providerId="AD" clId="Web-{522DEB6F-C5FE-2419-92D6-645C10D4E916}" dt="2021-11-12T11:57:11.616" v="5"/>
+          <ac:spMkLst>
+            <pc:docMk/>
+            <pc:sldMk cId="1168108605" sldId="263"/>
+            <ac:spMk id="3" creationId="{0B233C84-314B-4004-AADB-B6D2F60E881F}"/>
+          </ac:spMkLst>
+        </pc:spChg>
+        <pc:spChg chg="add del">
+          <ac:chgData name="JOSE LUIS COMINO APARICIO" userId="S::joseluis.comino.aparicio@alumnos.upm.es::334ccc3e-eb1a-4def-b6cf-1ff3276047bb" providerId="AD" clId="Web-{522DEB6F-C5FE-2419-92D6-645C10D4E916}" dt="2021-11-12T11:57:10.600" v="4"/>
+          <ac:spMkLst>
+            <pc:docMk/>
+            <pc:sldMk cId="1168108605" sldId="263"/>
+            <ac:spMk id="4" creationId="{9B668770-1668-45CE-82FD-35DA81F05F17}"/>
+          </ac:spMkLst>
+        </pc:spChg>
+        <pc:spChg chg="add del">
+          <ac:chgData name="JOSE LUIS COMINO APARICIO" userId="S::joseluis.comino.aparicio@alumnos.upm.es::334ccc3e-eb1a-4def-b6cf-1ff3276047bb" providerId="AD" clId="Web-{522DEB6F-C5FE-2419-92D6-645C10D4E916}" dt="2021-11-12T11:57:08.131" v="3"/>
+          <ac:spMkLst>
+            <pc:docMk/>
+            <pc:sldMk cId="1168108605" sldId="263"/>
+            <ac:spMk id="5" creationId="{E613E004-5BF4-4A7B-B536-2BAB75FD81D8}"/>
+          </ac:spMkLst>
+        </pc:spChg>
+        <pc:spChg chg="mod">
+          <ac:chgData name="JOSE LUIS COMINO APARICIO" userId="S::joseluis.comino.aparicio@alumnos.upm.es::334ccc3e-eb1a-4def-b6cf-1ff3276047bb" providerId="AD" clId="Web-{522DEB6F-C5FE-2419-92D6-645C10D4E916}" dt="2021-11-12T11:58:48.481" v="43" actId="20577"/>
+          <ac:spMkLst>
+            <pc:docMk/>
+            <pc:sldMk cId="1168108605" sldId="263"/>
+            <ac:spMk id="52" creationId="{20AAB45A-FB01-4B86-BA72-FB4275D50482}"/>
+          </ac:spMkLst>
+        </pc:spChg>
+      </pc:sldChg>
+    </pc:docChg>
+  </pc:docChgLst>
+  <pc:docChgLst>
+    <pc:chgData name="JOSE LUIS COMINO APARICIO" userId="S::joseluis.comino.aparicio@alumnos.upm.es::334ccc3e-eb1a-4def-b6cf-1ff3276047bb" providerId="AD" clId="Web-{BA61EA95-211E-DD98-13B5-B0F9381B1E0E}"/>
+    <pc:docChg chg="modSld">
+      <pc:chgData name="JOSE LUIS COMINO APARICIO" userId="S::joseluis.comino.aparicio@alumnos.upm.es::334ccc3e-eb1a-4def-b6cf-1ff3276047bb" providerId="AD" clId="Web-{BA61EA95-211E-DD98-13B5-B0F9381B1E0E}" dt="2021-11-12T11:38:58.708" v="1" actId="20577"/>
+      <pc:docMkLst>
+        <pc:docMk/>
+      </pc:docMkLst>
+      <pc:sldChg chg="modSp">
+        <pc:chgData name="JOSE LUIS COMINO APARICIO" userId="S::joseluis.comino.aparicio@alumnos.upm.es::334ccc3e-eb1a-4def-b6cf-1ff3276047bb" providerId="AD" clId="Web-{BA61EA95-211E-DD98-13B5-B0F9381B1E0E}" dt="2021-11-12T11:38:58.708" v="1" actId="20577"/>
+        <pc:sldMkLst>
+          <pc:docMk/>
+          <pc:sldMk cId="2771584652" sldId="268"/>
+        </pc:sldMkLst>
+        <pc:spChg chg="mod">
+          <ac:chgData name="JOSE LUIS COMINO APARICIO" userId="S::joseluis.comino.aparicio@alumnos.upm.es::334ccc3e-eb1a-4def-b6cf-1ff3276047bb" providerId="AD" clId="Web-{BA61EA95-211E-DD98-13B5-B0F9381B1E0E}" dt="2021-11-12T11:38:58.708" v="1" actId="20577"/>
+          <ac:spMkLst>
+            <pc:docMk/>
+            <pc:sldMk cId="2771584652" sldId="268"/>
+            <ac:spMk id="4" creationId="{54128A53-82D7-489E-9BF7-A5F9478771C4}"/>
+          </ac:spMkLst>
+        </pc:spChg>
+      </pc:sldChg>
+    </pc:docChg>
+  </pc:docChgLst>
+  <pc:docChgLst>
+    <pc:chgData name="LICIA DULCE RUIZ CENTNER" userId="S::ld.ruiz@alumnos.upm.es::95fad373-be20-4cc8-9c4b-4294f4e033a5" providerId="AD" clId="Web-{4E616808-9538-8CD8-6D09-8B6624E15E80}"/>
+    <pc:docChg chg="addSld delSld modSld">
+      <pc:chgData name="LICIA DULCE RUIZ CENTNER" userId="S::ld.ruiz@alumnos.upm.es::95fad373-be20-4cc8-9c4b-4294f4e033a5" providerId="AD" clId="Web-{4E616808-9538-8CD8-6D09-8B6624E15E80}" dt="2021-11-11T19:56:02.183" v="271"/>
+      <pc:docMkLst>
+        <pc:docMk/>
+      </pc:docMkLst>
+      <pc:sldChg chg="modSp">
+        <pc:chgData name="LICIA DULCE RUIZ CENTNER" userId="S::ld.ruiz@alumnos.upm.es::95fad373-be20-4cc8-9c4b-4294f4e033a5" providerId="AD" clId="Web-{4E616808-9538-8CD8-6D09-8B6624E15E80}" dt="2021-11-11T19:56:02.183" v="271"/>
+        <pc:sldMkLst>
+          <pc:docMk/>
+          <pc:sldMk cId="746235981" sldId="259"/>
+        </pc:sldMkLst>
+        <pc:spChg chg="mod">
+          <ac:chgData name="LICIA DULCE RUIZ CENTNER" userId="S::ld.ruiz@alumnos.upm.es::95fad373-be20-4cc8-9c4b-4294f4e033a5" providerId="AD" clId="Web-{4E616808-9538-8CD8-6D09-8B6624E15E80}" dt="2021-11-11T19:30:26.835" v="15"/>
+          <ac:spMkLst>
+            <pc:docMk/>
+            <pc:sldMk cId="746235981" sldId="259"/>
+            <ac:spMk id="2" creationId="{D18B4473-1E80-40CE-8FD4-1214A9CF14F1}"/>
+          </ac:spMkLst>
+        </pc:spChg>
+        <pc:spChg chg="mod">
+          <ac:chgData name="LICIA DULCE RUIZ CENTNER" userId="S::ld.ruiz@alumnos.upm.es::95fad373-be20-4cc8-9c4b-4294f4e033a5" providerId="AD" clId="Web-{4E616808-9538-8CD8-6D09-8B6624E15E80}" dt="2021-11-11T19:56:02.183" v="271"/>
+          <ac:spMkLst>
+            <pc:docMk/>
+            <pc:sldMk cId="746235981" sldId="259"/>
+            <ac:spMk id="3" creationId="{A2C9DC9A-0911-48D9-B8A9-568CD2ADC702}"/>
+          </ac:spMkLst>
+        </pc:spChg>
+        <pc:picChg chg="mod">
+          <ac:chgData name="LICIA DULCE RUIZ CENTNER" userId="S::ld.ruiz@alumnos.upm.es::95fad373-be20-4cc8-9c4b-4294f4e033a5" providerId="AD" clId="Web-{4E616808-9538-8CD8-6D09-8B6624E15E80}" dt="2021-11-11T19:30:16.787" v="13" actId="1076"/>
+          <ac:picMkLst>
+            <pc:docMk/>
+            <pc:sldMk cId="746235981" sldId="259"/>
+            <ac:picMk id="4" creationId="{ED8A6B77-F45A-4FFB-9EE2-1D896B88D940}"/>
+          </ac:picMkLst>
+        </pc:picChg>
+      </pc:sldChg>
+      <pc:sldChg chg="modSp">
+        <pc:chgData name="LICIA DULCE RUIZ CENTNER" userId="S::ld.ruiz@alumnos.upm.es::95fad373-be20-4cc8-9c4b-4294f4e033a5" providerId="AD" clId="Web-{4E616808-9538-8CD8-6D09-8B6624E15E80}" dt="2021-11-11T19:35:02.950" v="120"/>
+        <pc:sldMkLst>
+          <pc:docMk/>
+          <pc:sldMk cId="2619609178" sldId="260"/>
+        </pc:sldMkLst>
+        <pc:spChg chg="mod">
+          <ac:chgData name="LICIA DULCE RUIZ CENTNER" userId="S::ld.ruiz@alumnos.upm.es::95fad373-be20-4cc8-9c4b-4294f4e033a5" providerId="AD" clId="Web-{4E616808-9538-8CD8-6D09-8B6624E15E80}" dt="2021-11-11T19:34:52.528" v="119"/>
+          <ac:spMkLst>
+            <pc:docMk/>
+            <pc:sldMk cId="2619609178" sldId="260"/>
+            <ac:spMk id="2" creationId="{144AEA20-8EB1-4778-AE36-9AEFA1FA78D9}"/>
+          </ac:spMkLst>
+        </pc:spChg>
+        <pc:spChg chg="mod">
+          <ac:chgData name="LICIA DULCE RUIZ CENTNER" userId="S::ld.ruiz@alumnos.upm.es::95fad373-be20-4cc8-9c4b-4294f4e033a5" providerId="AD" clId="Web-{4E616808-9538-8CD8-6D09-8B6624E15E80}" dt="2021-11-11T19:35:02.950" v="120"/>
+          <ac:spMkLst>
+            <pc:docMk/>
+            <pc:sldMk cId="2619609178" sldId="260"/>
+            <ac:spMk id="3" creationId="{571852AB-255F-423F-8A1E-9B67E4580243}"/>
+          </ac:spMkLst>
+        </pc:spChg>
+      </pc:sldChg>
+      <pc:sldChg chg="addSp delSp modSp mod setBg addAnim">
+        <pc:chgData name="LICIA DULCE RUIZ CENTNER" userId="S::ld.ruiz@alumnos.upm.es::95fad373-be20-4cc8-9c4b-4294f4e033a5" providerId="AD" clId="Web-{4E616808-9538-8CD8-6D09-8B6624E15E80}" dt="2021-11-11T19:48:48.312" v="251"/>
+        <pc:sldMkLst>
+          <pc:docMk/>
+          <pc:sldMk cId="3362291158" sldId="262"/>
+        </pc:sldMkLst>
+        <pc:spChg chg="mod">
+          <ac:chgData name="LICIA DULCE RUIZ CENTNER" userId="S::ld.ruiz@alumnos.upm.es::95fad373-be20-4cc8-9c4b-4294f4e033a5" providerId="AD" clId="Web-{4E616808-9538-8CD8-6D09-8B6624E15E80}" dt="2021-11-11T19:47:42.076" v="239" actId="1076"/>
+          <ac:spMkLst>
+            <pc:docMk/>
+            <pc:sldMk cId="3362291158" sldId="262"/>
+            <ac:spMk id="2" creationId="{817AB747-7478-4EF0-8961-191A79DCD887}"/>
+          </ac:spMkLst>
+        </pc:spChg>
+        <pc:spChg chg="add del mod">
+          <ac:chgData name="LICIA DULCE RUIZ CENTNER" userId="S::ld.ruiz@alumnos.upm.es::95fad373-be20-4cc8-9c4b-4294f4e033a5" providerId="AD" clId="Web-{4E616808-9538-8CD8-6D09-8B6624E15E80}" dt="2021-11-11T19:41:26.052" v="199"/>
+          <ac:spMkLst>
+            <pc:docMk/>
+            <pc:sldMk cId="3362291158" sldId="262"/>
+            <ac:spMk id="3" creationId="{96EED233-BFE4-443E-9ACD-ABEE29B3245D}"/>
+          </ac:spMkLst>
+        </pc:spChg>
+        <pc:spChg chg="add del">
+          <ac:chgData name="LICIA DULCE RUIZ CENTNER" userId="S::ld.ruiz@alumnos.upm.es::95fad373-be20-4cc8-9c4b-4294f4e033a5" providerId="AD" clId="Web-{4E616808-9538-8CD8-6D09-8B6624E15E80}" dt="2021-11-11T19:42:40.819" v="205"/>
+          <ac:spMkLst>
+            <pc:docMk/>
+            <pc:sldMk cId="3362291158" sldId="262"/>
+            <ac:spMk id="19" creationId="{29DC5A77-10C9-4ECF-B7EB-8D917F36A9EE}"/>
+          </ac:spMkLst>
+        </pc:spChg>
+        <pc:spChg chg="add del">
+          <ac:chgData name="LICIA DULCE RUIZ CENTNER" userId="S::ld.ruiz@alumnos.upm.es::95fad373-be20-4cc8-9c4b-4294f4e033a5" providerId="AD" clId="Web-{4E616808-9538-8CD8-6D09-8B6624E15E80}" dt="2021-11-11T19:42:40.819" v="205"/>
+          <ac:spMkLst>
+            <pc:docMk/>
+            <pc:sldMk cId="3362291158" sldId="262"/>
+            <ac:spMk id="21" creationId="{2FFE28B5-FB16-49A9-B851-3C35FAC0CACB}"/>
+          </ac:spMkLst>
+        </pc:spChg>
+        <pc:spChg chg="add del">
+          <ac:chgData name="LICIA DULCE RUIZ CENTNER" userId="S::ld.ruiz@alumnos.upm.es::95fad373-be20-4cc8-9c4b-4294f4e033a5" providerId="AD" clId="Web-{4E616808-9538-8CD8-6D09-8B6624E15E80}" dt="2021-11-11T19:42:40.819" v="205"/>
+          <ac:spMkLst>
+            <pc:docMk/>
+            <pc:sldMk cId="3362291158" sldId="262"/>
+            <ac:spMk id="23" creationId="{01014442-855A-4E0F-8D09-C314661A48B9}"/>
+          </ac:spMkLst>
+        </pc:spChg>
+        <pc:spChg chg="add del">
+          <ac:chgData name="LICIA DULCE RUIZ CENTNER" userId="S::ld.ruiz@alumnos.upm.es::95fad373-be20-4cc8-9c4b-4294f4e033a5" providerId="AD" clId="Web-{4E616808-9538-8CD8-6D09-8B6624E15E80}" dt="2021-11-11T19:42:40.819" v="205"/>
+          <ac:spMkLst>
+            <pc:docMk/>
+            <pc:sldMk cId="3362291158" sldId="262"/>
+            <ac:spMk id="25" creationId="{9B1ABF09-86CF-414E-88A5-2B84CC7232A9}"/>
+          </ac:spMkLst>
+        </pc:spChg>
+        <pc:spChg chg="add del">
+          <ac:chgData name="LICIA DULCE RUIZ CENTNER" userId="S::ld.ruiz@alumnos.upm.es::95fad373-be20-4cc8-9c4b-4294f4e033a5" providerId="AD" clId="Web-{4E616808-9538-8CD8-6D09-8B6624E15E80}" dt="2021-11-11T19:42:40.819" v="205"/>
+          <ac:spMkLst>
+            <pc:docMk/>
+            <pc:sldMk cId="3362291158" sldId="262"/>
+            <ac:spMk id="27" creationId="{3FE91770-CDBB-4D24-94E5-AD484F36CE87}"/>
+          </ac:spMkLst>
+        </pc:spChg>
+        <pc:spChg chg="add del">
+          <ac:chgData name="LICIA DULCE RUIZ CENTNER" userId="S::ld.ruiz@alumnos.upm.es::95fad373-be20-4cc8-9c4b-4294f4e033a5" providerId="AD" clId="Web-{4E616808-9538-8CD8-6D09-8B6624E15E80}" dt="2021-11-11T19:37:43.172" v="140"/>
+          <ac:spMkLst>
+            <pc:docMk/>
+            <pc:sldMk cId="3362291158" sldId="262"/>
+            <ac:spMk id="30" creationId="{CDF7C9B3-01BE-4D46-ACA2-312DFE36A143}"/>
+          </ac:spMkLst>
+        </pc:spChg>
+        <pc:spChg chg="add del">
+          <ac:chgData name="LICIA DULCE RUIZ CENTNER" userId="S::ld.ruiz@alumnos.upm.es::95fad373-be20-4cc8-9c4b-4294f4e033a5" providerId="AD" clId="Web-{4E616808-9538-8CD8-6D09-8B6624E15E80}" dt="2021-11-11T19:37:46.047" v="142"/>
+          <ac:spMkLst>
+            <pc:docMk/>
+            <pc:sldMk cId="3362291158" sldId="262"/>
+            <ac:spMk id="32" creationId="{A652E5D6-E378-4614-BCBD-8663DD15B353}"/>
+          </ac:spMkLst>
+        </pc:spChg>
+        <pc:spChg chg="add del">
+          <ac:chgData name="LICIA DULCE RUIZ CENTNER" userId="S::ld.ruiz@alumnos.upm.es::95fad373-be20-4cc8-9c4b-4294f4e033a5" providerId="AD" clId="Web-{4E616808-9538-8CD8-6D09-8B6624E15E80}" dt="2021-11-11T19:37:25.297" v="138"/>
+          <ac:spMkLst>
+            <pc:docMk/>
+            <pc:sldMk cId="3362291158" sldId="262"/>
+            <ac:spMk id="33" creationId="{A652E5D6-E378-4614-BCBD-8663DD15B353}"/>
+          </ac:spMkLst>
+        </pc:spChg>
+        <pc:spChg chg="add del">
+          <ac:chgData name="LICIA DULCE RUIZ CENTNER" userId="S::ld.ruiz@alumnos.upm.es::95fad373-be20-4cc8-9c4b-4294f4e033a5" providerId="AD" clId="Web-{4E616808-9538-8CD8-6D09-8B6624E15E80}" dt="2021-11-11T19:37:46.047" v="142"/>
+          <ac:spMkLst>
+            <pc:docMk/>
+            <pc:sldMk cId="3362291158" sldId="262"/>
+            <ac:spMk id="34" creationId="{3A287AC3-AACF-4ADB-9F73-125E714D93CD}"/>
+          </ac:spMkLst>
+        </pc:spChg>
+        <pc:spChg chg="add del">
+          <ac:chgData name="LICIA DULCE RUIZ CENTNER" userId="S::ld.ruiz@alumnos.upm.es::95fad373-be20-4cc8-9c4b-4294f4e033a5" providerId="AD" clId="Web-{4E616808-9538-8CD8-6D09-8B6624E15E80}" dt="2021-11-11T19:37:25.297" v="138"/>
+          <ac:spMkLst>
+            <pc:docMk/>
+            <pc:sldMk cId="3362291158" sldId="262"/>
+            <ac:spMk id="35" creationId="{3A287AC3-AACF-4ADB-9F73-125E714D93CD}"/>
+          </ac:spMkLst>
+        </pc:spChg>
+        <pc:spChg chg="add del">
+          <ac:chgData name="LICIA DULCE RUIZ CENTNER" userId="S::ld.ruiz@alumnos.upm.es::95fad373-be20-4cc8-9c4b-4294f4e033a5" providerId="AD" clId="Web-{4E616808-9538-8CD8-6D09-8B6624E15E80}" dt="2021-11-11T19:38:11.642" v="144"/>
+          <ac:spMkLst>
+            <pc:docMk/>
+            <pc:sldMk cId="3362291158" sldId="262"/>
+            <ac:spMk id="37" creationId="{A652E5D6-E378-4614-BCBD-8663DD15B353}"/>
+          </ac:spMkLst>
+        </pc:spChg>
+        <pc:spChg chg="add del">
+          <ac:chgData name="LICIA DULCE RUIZ CENTNER" userId="S::ld.ruiz@alumnos.upm.es::95fad373-be20-4cc8-9c4b-4294f4e033a5" providerId="AD" clId="Web-{4E616808-9538-8CD8-6D09-8B6624E15E80}" dt="2021-11-11T19:38:11.642" v="144"/>
+          <ac:spMkLst>
+            <pc:docMk/>
+            <pc:sldMk cId="3362291158" sldId="262"/>
+            <ac:spMk id="38" creationId="{3A287AC3-AACF-4ADB-9F73-125E714D93CD}"/>
+          </ac:spMkLst>
+        </pc:spChg>
+        <pc:spChg chg="add del">
+          <ac:chgData name="LICIA DULCE RUIZ CENTNER" userId="S::ld.ruiz@alumnos.upm.es::95fad373-be20-4cc8-9c4b-4294f4e033a5" providerId="AD" clId="Web-{4E616808-9538-8CD8-6D09-8B6624E15E80}" dt="2021-11-11T19:46:00.089" v="225"/>
+          <ac:spMkLst>
+            <pc:docMk/>
+            <pc:sldMk cId="3362291158" sldId="262"/>
+            <ac:spMk id="41" creationId="{C162DF2A-64D1-4AA9-BA42-8A4063EADE09}"/>
+          </ac:spMkLst>
+        </pc:spChg>
+        <pc:spChg chg="add del">
+          <ac:chgData name="LICIA DULCE RUIZ CENTNER" userId="S::ld.ruiz@alumnos.upm.es::95fad373-be20-4cc8-9c4b-4294f4e033a5" providerId="AD" clId="Web-{4E616808-9538-8CD8-6D09-8B6624E15E80}" dt="2021-11-11T19:46:00.089" v="225"/>
+          <ac:spMkLst>
+            <pc:docMk/>
+            <pc:sldMk cId="3362291158" sldId="262"/>
+            <ac:spMk id="42" creationId="{5D7C1373-63AF-4A75-909E-990E05356670}"/>
+          </ac:spMkLst>
+        </pc:spChg>
+        <pc:spChg chg="add del">
+          <ac:chgData name="LICIA DULCE RUIZ CENTNER" userId="S::ld.ruiz@alumnos.upm.es::95fad373-be20-4cc8-9c4b-4294f4e033a5" providerId="AD" clId="Web-{4E616808-9538-8CD8-6D09-8B6624E15E80}" dt="2021-11-11T19:46:00.089" v="225"/>
+          <ac:spMkLst>
+            <pc:docMk/>
+            <pc:sldMk cId="3362291158" sldId="262"/>
+            <ac:spMk id="43" creationId="{2F4AD318-2FB6-4C6E-931E-58E404FA18CD}"/>
+          </ac:spMkLst>
+        </pc:spChg>
+        <pc:spChg chg="add del">
+          <ac:chgData name="LICIA DULCE RUIZ CENTNER" userId="S::ld.ruiz@alumnos.upm.es::95fad373-be20-4cc8-9c4b-4294f4e033a5" providerId="AD" clId="Web-{4E616808-9538-8CD8-6D09-8B6624E15E80}" dt="2021-11-11T19:46:00.089" v="225"/>
+          <ac:spMkLst>
+            <pc:docMk/>
+            <pc:sldMk cId="3362291158" sldId="262"/>
+            <ac:spMk id="44" creationId="{1A118E35-1CBF-4863-8497-F4DF1A166D2D}"/>
+          </ac:spMkLst>
+        </pc:spChg>
+        <pc:spChg chg="add del">
+          <ac:chgData name="LICIA DULCE RUIZ CENTNER" userId="S::ld.ruiz@alumnos.upm.es::95fad373-be20-4cc8-9c4b-4294f4e033a5" providerId="AD" clId="Web-{4E616808-9538-8CD8-6D09-8B6624E15E80}" dt="2021-11-11T19:39:11.330" v="147"/>
+          <ac:spMkLst>
+            <pc:docMk/>
+            <pc:sldMk cId="3362291158" sldId="262"/>
+            <ac:spMk id="45" creationId="{A566E947-FB18-4E34-92A1-7AE6603498AE}"/>
+          </ac:spMkLst>
+        </pc:spChg>
+        <pc:spChg chg="add del">
+          <ac:chgData name="LICIA DULCE RUIZ CENTNER" userId="S::ld.ruiz@alumnos.upm.es::95fad373-be20-4cc8-9c4b-4294f4e033a5" providerId="AD" clId="Web-{4E616808-9538-8CD8-6D09-8B6624E15E80}" dt="2021-11-11T19:46:00.089" v="225"/>
+          <ac:spMkLst>
+            <pc:docMk/>
+            <pc:sldMk cId="3362291158" sldId="262"/>
+            <ac:spMk id="46" creationId="{6E187274-5DC2-4BE0-AF99-925D6D973550}"/>
+          </ac:spMkLst>
+        </pc:spChg>
+        <pc:spChg chg="add del">
+          <ac:chgData name="LICIA DULCE RUIZ CENTNER" userId="S::ld.ruiz@alumnos.upm.es::95fad373-be20-4cc8-9c4b-4294f4e033a5" providerId="AD" clId="Web-{4E616808-9538-8CD8-6D09-8B6624E15E80}" dt="2021-11-11T19:39:11.330" v="147"/>
+          <ac:spMkLst>
+            <pc:docMk/>
+            <pc:sldMk cId="3362291158" sldId="262"/>
+            <ac:spMk id="47" creationId="{7E1FB687-F018-4798-90C8-38F1111E1A6B}"/>
+          </ac:spMkLst>
+        </pc:spChg>
+        <pc:spChg chg="add del">
+          <ac:chgData name="LICIA DULCE RUIZ CENTNER" userId="S::ld.ruiz@alumnos.upm.es::95fad373-be20-4cc8-9c4b-4294f4e033a5" providerId="AD" clId="Web-{4E616808-9538-8CD8-6D09-8B6624E15E80}" dt="2021-11-11T19:39:11.330" v="147"/>
+          <ac:spMkLst>
+            <pc:docMk/>
+            <pc:sldMk cId="3362291158" sldId="262"/>
+            <ac:spMk id="49" creationId="{99BAA161-AE24-467D-9AE2-A99E23CD71CD}"/>
+          </ac:spMkLst>
+        </pc:spChg>
+        <pc:spChg chg="add">
+          <ac:chgData name="LICIA DULCE RUIZ CENTNER" userId="S::ld.ruiz@alumnos.upm.es::95fad373-be20-4cc8-9c4b-4294f4e033a5" providerId="AD" clId="Web-{4E616808-9538-8CD8-6D09-8B6624E15E80}" dt="2021-11-11T19:46:00.089" v="225"/>
+          <ac:spMkLst>
+            <pc:docMk/>
+            <pc:sldMk cId="3362291158" sldId="262"/>
+            <ac:spMk id="51" creationId="{C162DF2A-64D1-4AA9-BA42-8A4063EADE09}"/>
+          </ac:spMkLst>
+        </pc:spChg>
+        <pc:spChg chg="add">
+          <ac:chgData name="LICIA DULCE RUIZ CENTNER" userId="S::ld.ruiz@alumnos.upm.es::95fad373-be20-4cc8-9c4b-4294f4e033a5" providerId="AD" clId="Web-{4E616808-9538-8CD8-6D09-8B6624E15E80}" dt="2021-11-11T19:46:00.089" v="225"/>
+          <ac:spMkLst>
+            <pc:docMk/>
+            <pc:sldMk cId="3362291158" sldId="262"/>
+            <ac:spMk id="53" creationId="{5D7C1373-63AF-4A75-909E-990E05356670}"/>
+          </ac:spMkLst>
+        </pc:spChg>
+        <pc:spChg chg="add">
+          <ac:chgData name="LICIA DULCE RUIZ CENTNER" userId="S::ld.ruiz@alumnos.upm.es::95fad373-be20-4cc8-9c4b-4294f4e033a5" providerId="AD" clId="Web-{4E616808-9538-8CD8-6D09-8B6624E15E80}" dt="2021-11-11T19:46:00.089" v="225"/>
+          <ac:spMkLst>
+            <pc:docMk/>
+            <pc:sldMk cId="3362291158" sldId="262"/>
+            <ac:spMk id="55" creationId="{5BDAAE7A-177F-4691-8F07-36CBBA6113AB}"/>
+          </ac:spMkLst>
+        </pc:spChg>
+        <pc:spChg chg="add">
+          <ac:chgData name="LICIA DULCE RUIZ CENTNER" userId="S::ld.ruiz@alumnos.upm.es::95fad373-be20-4cc8-9c4b-4294f4e033a5" providerId="AD" clId="Web-{4E616808-9538-8CD8-6D09-8B6624E15E80}" dt="2021-11-11T19:46:00.089" v="225"/>
+          <ac:spMkLst>
+            <pc:docMk/>
+            <pc:sldMk cId="3362291158" sldId="262"/>
+            <ac:spMk id="57" creationId="{5BF82D1D-28BC-4216-A1EA-F7D9C6D1AA82}"/>
+          </ac:spMkLst>
+        </pc:spChg>
+        <pc:spChg chg="add">
+          <ac:chgData name="LICIA DULCE RUIZ CENTNER" userId="S::ld.ruiz@alumnos.upm.es::95fad373-be20-4cc8-9c4b-4294f4e033a5" providerId="AD" clId="Web-{4E616808-9538-8CD8-6D09-8B6624E15E80}" dt="2021-11-11T19:46:00.089" v="225"/>
+          <ac:spMkLst>
+            <pc:docMk/>
+            <pc:sldMk cId="3362291158" sldId="262"/>
+            <ac:spMk id="59" creationId="{60A1DC48-C242-4442-822C-570436B809FC}"/>
+          </ac:spMkLst>
+        </pc:spChg>
+        <pc:spChg chg="add del mod">
+          <ac:chgData name="LICIA DULCE RUIZ CENTNER" userId="S::ld.ruiz@alumnos.upm.es::95fad373-be20-4cc8-9c4b-4294f4e033a5" providerId="AD" clId="Web-{4E616808-9538-8CD8-6D09-8B6624E15E80}" dt="2021-11-11T19:41:29.458" v="200"/>
+          <ac:spMkLst>
+            <pc:docMk/>
+            <pc:sldMk cId="3362291158" sldId="262"/>
+            <ac:spMk id="328" creationId="{263AA550-7E59-46C5-A1CF-77156E5B4DF9}"/>
+          </ac:spMkLst>
+        </pc:spChg>
+        <pc:graphicFrameChg chg="add del">
+          <ac:chgData name="LICIA DULCE RUIZ CENTNER" userId="S::ld.ruiz@alumnos.upm.es::95fad373-be20-4cc8-9c4b-4294f4e033a5" providerId="AD" clId="Web-{4E616808-9538-8CD8-6D09-8B6624E15E80}" dt="2021-11-11T19:37:25.297" v="138"/>
+          <ac:graphicFrameMkLst>
+            <pc:docMk/>
+            <pc:sldMk cId="3362291158" sldId="262"/>
+            <ac:graphicFrameMk id="29" creationId="{238E3521-F083-4C99-8E12-F129D1CBCF4B}"/>
+          </ac:graphicFrameMkLst>
+        </pc:graphicFrameChg>
+        <pc:graphicFrameChg chg="add del">
+          <ac:chgData name="LICIA DULCE RUIZ CENTNER" userId="S::ld.ruiz@alumnos.upm.es::95fad373-be20-4cc8-9c4b-4294f4e033a5" providerId="AD" clId="Web-{4E616808-9538-8CD8-6D09-8B6624E15E80}" dt="2021-11-11T19:37:43.172" v="140"/>
+          <ac:graphicFrameMkLst>
+            <pc:docMk/>
+            <pc:sldMk cId="3362291158" sldId="262"/>
+            <ac:graphicFrameMk id="31" creationId="{D1F29FFB-5214-48CF-B7F8-BBBFC41328D5}"/>
+          </ac:graphicFrameMkLst>
+        </pc:graphicFrameChg>
+        <pc:graphicFrameChg chg="add del">
+          <ac:chgData name="LICIA DULCE RUIZ CENTNER" userId="S::ld.ruiz@alumnos.upm.es::95fad373-be20-4cc8-9c4b-4294f4e033a5" providerId="AD" clId="Web-{4E616808-9538-8CD8-6D09-8B6624E15E80}" dt="2021-11-11T19:37:46.047" v="142"/>
+          <ac:graphicFrameMkLst>
+            <pc:docMk/>
+            <pc:sldMk cId="3362291158" sldId="262"/>
+            <ac:graphicFrameMk id="36" creationId="{238E3521-F083-4C99-8E12-F129D1CBCF4B}"/>
+          </ac:graphicFrameMkLst>
+        </pc:graphicFrameChg>
+        <pc:graphicFrameChg chg="add del">
+          <ac:chgData name="LICIA DULCE RUIZ CENTNER" userId="S::ld.ruiz@alumnos.upm.es::95fad373-be20-4cc8-9c4b-4294f4e033a5" providerId="AD" clId="Web-{4E616808-9538-8CD8-6D09-8B6624E15E80}" dt="2021-11-11T19:38:11.642" v="144"/>
+          <ac:graphicFrameMkLst>
+            <pc:docMk/>
+            <pc:sldMk cId="3362291158" sldId="262"/>
+            <ac:graphicFrameMk id="39" creationId="{54ABBD2E-82D7-4BF1-8F59-7453E0D1014C}"/>
+          </ac:graphicFrameMkLst>
+        </pc:graphicFrameChg>
+        <pc:graphicFrameChg chg="add del mod modGraphic">
+          <ac:chgData name="LICIA DULCE RUIZ CENTNER" userId="S::ld.ruiz@alumnos.upm.es::95fad373-be20-4cc8-9c4b-4294f4e033a5" providerId="AD" clId="Web-{4E616808-9538-8CD8-6D09-8B6624E15E80}" dt="2021-11-11T19:39:12.424" v="148"/>
+          <ac:graphicFrameMkLst>
+            <pc:docMk/>
+            <pc:sldMk cId="3362291158" sldId="262"/>
+            <ac:graphicFrameMk id="40" creationId="{3C981CAD-B923-4DA9-ABD5-07D8B3E43311}"/>
+          </ac:graphicFrameMkLst>
+        </pc:graphicFrameChg>
+        <pc:graphicFrameChg chg="add del mod modGraphic">
+          <ac:chgData name="LICIA DULCE RUIZ CENTNER" userId="S::ld.ruiz@alumnos.upm.es::95fad373-be20-4cc8-9c4b-4294f4e033a5" providerId="AD" clId="Web-{4E616808-9538-8CD8-6D09-8B6624E15E80}" dt="2021-11-11T19:42:20.850" v="204"/>
+          <ac:graphicFrameMkLst>
+            <pc:docMk/>
+            <pc:sldMk cId="3362291158" sldId="262"/>
+            <ac:graphicFrameMk id="98" creationId="{83BAA335-8AD7-4F67-8838-F0D14517013C}"/>
+          </ac:graphicFrameMkLst>
+        </pc:graphicFrameChg>
+        <pc:graphicFrameChg chg="add del mod modGraphic">
+          <ac:chgData name="LICIA DULCE RUIZ CENTNER" userId="S::ld.ruiz@alumnos.upm.es::95fad373-be20-4cc8-9c4b-4294f4e033a5" providerId="AD" clId="Web-{4E616808-9538-8CD8-6D09-8B6624E15E80}" dt="2021-11-11T19:45:49.370" v="224"/>
+          <ac:graphicFrameMkLst>
+            <pc:docMk/>
+            <pc:sldMk cId="3362291158" sldId="262"/>
+            <ac:graphicFrameMk id="369" creationId="{C43A7F83-ADC1-4199-90EA-449B4D0F0E7C}"/>
+          </ac:graphicFrameMkLst>
+        </pc:graphicFrameChg>
+        <pc:graphicFrameChg chg="add mod modGraphic">
+          <ac:chgData name="LICIA DULCE RUIZ CENTNER" userId="S::ld.ruiz@alumnos.upm.es::95fad373-be20-4cc8-9c4b-4294f4e033a5" providerId="AD" clId="Web-{4E616808-9538-8CD8-6D09-8B6624E15E80}" dt="2021-11-11T19:48:48.312" v="251"/>
+          <ac:graphicFrameMkLst>
+            <pc:docMk/>
+            <pc:sldMk cId="3362291158" sldId="262"/>
+            <ac:graphicFrameMk id="440" creationId="{C43A7F83-ADC1-4199-90EA-449B4D0F0E7C}"/>
+          </ac:graphicFrameMkLst>
+        </pc:graphicFrameChg>
+      </pc:sldChg>
+      <pc:sldChg chg="addSp delSp modSp">
+        <pc:chgData name="LICIA DULCE RUIZ CENTNER" userId="S::ld.ruiz@alumnos.upm.es::95fad373-be20-4cc8-9c4b-4294f4e033a5" providerId="AD" clId="Web-{4E616808-9538-8CD8-6D09-8B6624E15E80}" dt="2021-11-11T19:52:16.785" v="270"/>
+        <pc:sldMkLst>
+          <pc:docMk/>
+          <pc:sldMk cId="1168108605" sldId="263"/>
+        </pc:sldMkLst>
+        <pc:spChg chg="mod">
+          <ac:chgData name="LICIA DULCE RUIZ CENTNER" userId="S::ld.ruiz@alumnos.upm.es::95fad373-be20-4cc8-9c4b-4294f4e033a5" providerId="AD" clId="Web-{4E616808-9538-8CD8-6D09-8B6624E15E80}" dt="2021-11-11T19:52:16.785" v="270"/>
+          <ac:spMkLst>
+            <pc:docMk/>
+            <pc:sldMk cId="1168108605" sldId="263"/>
+            <ac:spMk id="2" creationId="{26BEDC25-1D7B-4DDA-A2B6-8441E3984999}"/>
+          </ac:spMkLst>
+        </pc:spChg>
+        <pc:spChg chg="del mod">
+          <ac:chgData name="LICIA DULCE RUIZ CENTNER" userId="S::ld.ruiz@alumnos.upm.es::95fad373-be20-4cc8-9c4b-4294f4e033a5" providerId="AD" clId="Web-{4E616808-9538-8CD8-6D09-8B6624E15E80}" dt="2021-11-11T19:51:41.753" v="269"/>
+          <ac:spMkLst>
+            <pc:docMk/>
+            <pc:sldMk cId="1168108605" sldId="263"/>
+            <ac:spMk id="3" creationId="{1F48A7C9-09B2-4562-A2C8-8EA51122C7DF}"/>
+          </ac:spMkLst>
+        </pc:spChg>
+        <pc:spChg chg="del">
+          <ac:chgData name="LICIA DULCE RUIZ CENTNER" userId="S::ld.ruiz@alumnos.upm.es::95fad373-be20-4cc8-9c4b-4294f4e033a5" providerId="AD" clId="Web-{4E616808-9538-8CD8-6D09-8B6624E15E80}" dt="2021-11-11T19:51:41.753" v="269"/>
+          <ac:spMkLst>
+            <pc:docMk/>
+            <pc:sldMk cId="1168108605" sldId="263"/>
+            <ac:spMk id="8" creationId="{29DC5A77-10C9-4ECF-B7EB-8D917F36A9EE}"/>
+          </ac:spMkLst>
+        </pc:spChg>
+        <pc:spChg chg="del">
+          <ac:chgData name="LICIA DULCE RUIZ CENTNER" userId="S::ld.ruiz@alumnos.upm.es::95fad373-be20-4cc8-9c4b-4294f4e033a5" providerId="AD" clId="Web-{4E616808-9538-8CD8-6D09-8B6624E15E80}" dt="2021-11-11T19:51:41.753" v="269"/>
+          <ac:spMkLst>
+            <pc:docMk/>
+            <pc:sldMk cId="1168108605" sldId="263"/>
+            <ac:spMk id="10" creationId="{2FFE28B5-FB16-49A9-B851-3C35FAC0CACB}"/>
+          </ac:spMkLst>
+        </pc:spChg>
+        <pc:spChg chg="del">
+          <ac:chgData name="LICIA DULCE RUIZ CENTNER" userId="S::ld.ruiz@alumnos.upm.es::95fad373-be20-4cc8-9c4b-4294f4e033a5" providerId="AD" clId="Web-{4E616808-9538-8CD8-6D09-8B6624E15E80}" dt="2021-11-11T19:51:41.753" v="269"/>
+          <ac:spMkLst>
+            <pc:docMk/>
+            <pc:sldMk cId="1168108605" sldId="263"/>
+            <ac:spMk id="12" creationId="{01014442-855A-4E0F-8D09-C314661A48B9}"/>
+          </ac:spMkLst>
+        </pc:spChg>
+        <pc:spChg chg="del">
+          <ac:chgData name="LICIA DULCE RUIZ CENTNER" userId="S::ld.ruiz@alumnos.upm.es::95fad373-be20-4cc8-9c4b-4294f4e033a5" providerId="AD" clId="Web-{4E616808-9538-8CD8-6D09-8B6624E15E80}" dt="2021-11-11T19:51:41.753" v="269"/>
+          <ac:spMkLst>
+            <pc:docMk/>
+            <pc:sldMk cId="1168108605" sldId="263"/>
+            <ac:spMk id="14" creationId="{9B1ABF09-86CF-414E-88A5-2B84CC7232A9}"/>
+          </ac:spMkLst>
+        </pc:spChg>
+        <pc:spChg chg="del">
+          <ac:chgData name="LICIA DULCE RUIZ CENTNER" userId="S::ld.ruiz@alumnos.upm.es::95fad373-be20-4cc8-9c4b-4294f4e033a5" providerId="AD" clId="Web-{4E616808-9538-8CD8-6D09-8B6624E15E80}" dt="2021-11-11T19:51:41.753" v="269"/>
+          <ac:spMkLst>
+            <pc:docMk/>
+            <pc:sldMk cId="1168108605" sldId="263"/>
+            <ac:spMk id="16" creationId="{3FE91770-CDBB-4D24-94E5-AD484F36CE87}"/>
+          </ac:spMkLst>
+        </pc:spChg>
+        <pc:spChg chg="add">
+          <ac:chgData name="LICIA DULCE RUIZ CENTNER" userId="S::ld.ruiz@alumnos.upm.es::95fad373-be20-4cc8-9c4b-4294f4e033a5" providerId="AD" clId="Web-{4E616808-9538-8CD8-6D09-8B6624E15E80}" dt="2021-11-11T19:51:41.753" v="269"/>
+          <ac:spMkLst>
+            <pc:docMk/>
+            <pc:sldMk cId="1168108605" sldId="263"/>
+            <ac:spMk id="22" creationId="{A566E947-FB18-4E34-92A1-7AE6603498AE}"/>
+          </ac:spMkLst>
+        </pc:spChg>
+        <pc:spChg chg="add">
+          <ac:chgData name="LICIA DULCE RUIZ CENTNER" userId="S::ld.ruiz@alumnos.upm.es::95fad373-be20-4cc8-9c4b-4294f4e033a5" providerId="AD" clId="Web-{4E616808-9538-8CD8-6D09-8B6624E15E80}" dt="2021-11-11T19:51:41.753" v="269"/>
+          <ac:spMkLst>
+            <pc:docMk/>
+            <pc:sldMk cId="1168108605" sldId="263"/>
+            <ac:spMk id="24" creationId="{7E1FB687-F018-4798-90C8-38F1111E1A6B}"/>
+          </ac:spMkLst>
+        </pc:spChg>
+        <pc:spChg chg="add">
+          <ac:chgData name="LICIA DULCE RUIZ CENTNER" userId="S::ld.ruiz@alumnos.upm.es::95fad373-be20-4cc8-9c4b-4294f4e033a5" providerId="AD" clId="Web-{4E616808-9538-8CD8-6D09-8B6624E15E80}" dt="2021-11-11T19:51:41.753" v="269"/>
+          <ac:spMkLst>
+            <pc:docMk/>
+            <pc:sldMk cId="1168108605" sldId="263"/>
+            <ac:spMk id="26" creationId="{99BAA161-AE24-467D-9AE2-A99E23CD71CD}"/>
+          </ac:spMkLst>
+        </pc:spChg>
+        <pc:graphicFrameChg chg="add">
+          <ac:chgData name="LICIA DULCE RUIZ CENTNER" userId="S::ld.ruiz@alumnos.upm.es::95fad373-be20-4cc8-9c4b-4294f4e033a5" providerId="AD" clId="Web-{4E616808-9538-8CD8-6D09-8B6624E15E80}" dt="2021-11-11T19:51:41.753" v="269"/>
+          <ac:graphicFrameMkLst>
+            <pc:docMk/>
+            <pc:sldMk cId="1168108605" sldId="263"/>
+            <ac:graphicFrameMk id="18" creationId="{247E2F81-D0D6-46F0-9E42-5911416520CD}"/>
+          </ac:graphicFrameMkLst>
+        </pc:graphicFrameChg>
+      </pc:sldChg>
+      <pc:sldChg chg="delSp modSp del">
+        <pc:chgData name="LICIA DULCE RUIZ CENTNER" userId="S::ld.ruiz@alumnos.upm.es::95fad373-be20-4cc8-9c4b-4294f4e033a5" providerId="AD" clId="Web-{4E616808-9538-8CD8-6D09-8B6624E15E80}" dt="2021-11-11T19:49:39.985" v="259"/>
+        <pc:sldMkLst>
+          <pc:docMk/>
+          <pc:sldMk cId="3745277621" sldId="264"/>
+        </pc:sldMkLst>
+        <pc:spChg chg="mod">
+          <ac:chgData name="LICIA DULCE RUIZ CENTNER" userId="S::ld.ruiz@alumnos.upm.es::95fad373-be20-4cc8-9c4b-4294f4e033a5" providerId="AD" clId="Web-{4E616808-9538-8CD8-6D09-8B6624E15E80}" dt="2021-11-11T19:32:15.274" v="99" actId="20577"/>
+          <ac:spMkLst>
+            <pc:docMk/>
+            <pc:sldMk cId="3745277621" sldId="264"/>
+            <ac:spMk id="3" creationId="{99E60AE2-4A82-456B-9544-B5CFF1B314AA}"/>
+          </ac:spMkLst>
+        </pc:spChg>
+        <pc:picChg chg="del">
+          <ac:chgData name="LICIA DULCE RUIZ CENTNER" userId="S::ld.ruiz@alumnos.upm.es::95fad373-be20-4cc8-9c4b-4294f4e033a5" providerId="AD" clId="Web-{4E616808-9538-8CD8-6D09-8B6624E15E80}" dt="2021-11-11T19:49:23.250" v="253"/>
+          <ac:picMkLst>
+            <pc:docMk/>
+            <pc:sldMk cId="3745277621" sldId="264"/>
+            <ac:picMk id="4" creationId="{8D7D3740-DABD-44D4-B302-755A945FB061}"/>
+          </ac:picMkLst>
+        </pc:picChg>
+      </pc:sldChg>
+      <pc:sldChg chg="addSp modSp">
+        <pc:chgData name="LICIA DULCE RUIZ CENTNER" userId="S::ld.ruiz@alumnos.upm.es::95fad373-be20-4cc8-9c4b-4294f4e033a5" providerId="AD" clId="Web-{4E616808-9538-8CD8-6D09-8B6624E15E80}" dt="2021-11-11T19:35:24.560" v="123"/>
+        <pc:sldMkLst>
+          <pc:docMk/>
+          <pc:sldMk cId="563055934" sldId="265"/>
+        </pc:sldMkLst>
+        <pc:spChg chg="mod">
+          <ac:chgData name="LICIA DULCE RUIZ CENTNER" userId="S::ld.ruiz@alumnos.upm.es::95fad373-be20-4cc8-9c4b-4294f4e033a5" providerId="AD" clId="Web-{4E616808-9538-8CD8-6D09-8B6624E15E80}" dt="2021-11-11T19:34:33.559" v="117"/>
+          <ac:spMkLst>
+            <pc:docMk/>
+            <pc:sldMk cId="563055934" sldId="265"/>
+            <ac:spMk id="2" creationId="{CFB905B1-2247-4DAB-A182-FC44990CFFD8}"/>
+          </ac:spMkLst>
+        </pc:spChg>
+        <pc:spChg chg="mod">
+          <ac:chgData name="LICIA DULCE RUIZ CENTNER" userId="S::ld.ruiz@alumnos.upm.es::95fad373-be20-4cc8-9c4b-4294f4e033a5" providerId="AD" clId="Web-{4E616808-9538-8CD8-6D09-8B6624E15E80}" dt="2021-11-11T19:35:24.560" v="123"/>
+          <ac:spMkLst>
+            <pc:docMk/>
+            <pc:sldMk cId="563055934" sldId="265"/>
+            <ac:spMk id="3" creationId="{70D07863-05EE-46E1-B147-27C3E2F10DAD}"/>
+          </ac:spMkLst>
+        </pc:spChg>
+        <pc:picChg chg="add mod">
+          <ac:chgData name="LICIA DULCE RUIZ CENTNER" userId="S::ld.ruiz@alumnos.upm.es::95fad373-be20-4cc8-9c4b-4294f4e033a5" providerId="AD" clId="Web-{4E616808-9538-8CD8-6D09-8B6624E15E80}" dt="2021-11-11T19:34:28.496" v="116" actId="1076"/>
+          <ac:picMkLst>
+            <pc:docMk/>
+            <pc:sldMk cId="563055934" sldId="265"/>
+            <ac:picMk id="4" creationId="{BDAE8DA3-F557-40D3-B46D-763F2CD3DA08}"/>
+          </ac:picMkLst>
+        </pc:picChg>
+      </pc:sldChg>
+      <pc:sldChg chg="del">
+        <pc:chgData name="LICIA DULCE RUIZ CENTNER" userId="S::ld.ruiz@alumnos.upm.es::95fad373-be20-4cc8-9c4b-4294f4e033a5" providerId="AD" clId="Web-{4E616808-9538-8CD8-6D09-8B6624E15E80}" dt="2021-11-11T19:32:26.603" v="100"/>
+        <pc:sldMkLst>
+          <pc:docMk/>
+          <pc:sldMk cId="3156274014" sldId="266"/>
+        </pc:sldMkLst>
+      </pc:sldChg>
+      <pc:sldChg chg="addSp delSp modSp add replId">
+        <pc:chgData name="LICIA DULCE RUIZ CENTNER" userId="S::ld.ruiz@alumnos.upm.es::95fad373-be20-4cc8-9c4b-4294f4e033a5" providerId="AD" clId="Web-{4E616808-9538-8CD8-6D09-8B6624E15E80}" dt="2021-11-11T19:50:35.736" v="266" actId="1076"/>
+        <pc:sldMkLst>
+          <pc:docMk/>
+          <pc:sldMk cId="2771584652" sldId="268"/>
+        </pc:sldMkLst>
+        <pc:spChg chg="mod">
+          <ac:chgData name="LICIA DULCE RUIZ CENTNER" userId="S::ld.ruiz@alumnos.upm.es::95fad373-be20-4cc8-9c4b-4294f4e033a5" providerId="AD" clId="Web-{4E616808-9538-8CD8-6D09-8B6624E15E80}" dt="2021-11-11T19:49:34.172" v="258" actId="20577"/>
+          <ac:spMkLst>
+            <pc:docMk/>
+            <pc:sldMk cId="2771584652" sldId="268"/>
+            <ac:spMk id="2" creationId="{CFB905B1-2247-4DAB-A182-FC44990CFFD8}"/>
+          </ac:spMkLst>
+        </pc:spChg>
+        <pc:spChg chg="del mod">
+          <ac:chgData name="LICIA DULCE RUIZ CENTNER" userId="S::ld.ruiz@alumnos.upm.es::95fad373-be20-4cc8-9c4b-4294f4e033a5" providerId="AD" clId="Web-{4E616808-9538-8CD8-6D09-8B6624E15E80}" dt="2021-11-11T19:50:23.236" v="263"/>
+          <ac:spMkLst>
+            <pc:docMk/>
+            <pc:sldMk cId="2771584652" sldId="268"/>
+            <ac:spMk id="3" creationId="{70D07863-05EE-46E1-B147-27C3E2F10DAD}"/>
+          </ac:spMkLst>
+        </pc:spChg>
+        <pc:spChg chg="add del mod">
+          <ac:chgData name="LICIA DULCE RUIZ CENTNER" userId="S::ld.ruiz@alumnos.upm.es::95fad373-be20-4cc8-9c4b-4294f4e033a5" providerId="AD" clId="Web-{4E616808-9538-8CD8-6D09-8B6624E15E80}" dt="2021-11-11T19:50:28.330" v="265"/>
+          <ac:spMkLst>
+            <pc:docMk/>
+            <pc:sldMk cId="2771584652" sldId="268"/>
+            <ac:spMk id="7" creationId="{AEDBA35C-E802-40DB-9B35-F56E66FEC9F2}"/>
+          </ac:spMkLst>
+        </pc:spChg>
+        <pc:picChg chg="del">
+          <ac:chgData name="LICIA DULCE RUIZ CENTNER" userId="S::ld.ruiz@alumnos.upm.es::95fad373-be20-4cc8-9c4b-4294f4e033a5" providerId="AD" clId="Web-{4E616808-9538-8CD8-6D09-8B6624E15E80}" dt="2021-11-11T19:49:28.032" v="255"/>
+          <ac:picMkLst>
+            <pc:docMk/>
+            <pc:sldMk cId="2771584652" sldId="268"/>
+            <ac:picMk id="4" creationId="{BDAE8DA3-F557-40D3-B46D-763F2CD3DA08}"/>
+          </ac:picMkLst>
+        </pc:picChg>
+        <pc:picChg chg="add mod">
+          <ac:chgData name="LICIA DULCE RUIZ CENTNER" userId="S::ld.ruiz@alumnos.upm.es::95fad373-be20-4cc8-9c4b-4294f4e033a5" providerId="AD" clId="Web-{4E616808-9538-8CD8-6D09-8B6624E15E80}" dt="2021-11-11T19:50:35.736" v="266" actId="1076"/>
+          <ac:picMkLst>
+            <pc:docMk/>
+            <pc:sldMk cId="2771584652" sldId="268"/>
+            <ac:picMk id="5" creationId="{7E5DAC5E-92BE-44C4-B7E8-E7CBEBF9FDB3}"/>
+          </ac:picMkLst>
+        </pc:picChg>
+      </pc:sldChg>
+    </pc:docChg>
+  </pc:docChgLst>
+  <pc:docChgLst>
+    <pc:chgData name="LICIA DULCE RUIZ CENTNER" userId="S::ld.ruiz@alumnos.upm.es::95fad373-be20-4cc8-9c4b-4294f4e033a5" providerId="AD" clId="Web-{D773014C-231C-E9BF-EDF8-87612E21EE26}"/>
+    <pc:docChg chg="modSld">
+      <pc:chgData name="LICIA DULCE RUIZ CENTNER" userId="S::ld.ruiz@alumnos.upm.es::95fad373-be20-4cc8-9c4b-4294f4e033a5" providerId="AD" clId="Web-{D773014C-231C-E9BF-EDF8-87612E21EE26}" dt="2021-11-11T16:48:23.724" v="64" actId="1076"/>
+      <pc:docMkLst>
+        <pc:docMk/>
+      </pc:docMkLst>
+      <pc:sldChg chg="addSp delSp modSp">
+        <pc:chgData name="LICIA DULCE RUIZ CENTNER" userId="S::ld.ruiz@alumnos.upm.es::95fad373-be20-4cc8-9c4b-4294f4e033a5" providerId="AD" clId="Web-{D773014C-231C-E9BF-EDF8-87612E21EE26}" dt="2021-11-11T16:46:07.674" v="52"/>
+        <pc:sldMkLst>
+          <pc:docMk/>
+          <pc:sldMk cId="2619609178" sldId="260"/>
+        </pc:sldMkLst>
+        <pc:picChg chg="del">
+          <ac:chgData name="LICIA DULCE RUIZ CENTNER" userId="S::ld.ruiz@alumnos.upm.es::95fad373-be20-4cc8-9c4b-4294f4e033a5" providerId="AD" clId="Web-{D773014C-231C-E9BF-EDF8-87612E21EE26}" dt="2021-11-11T16:03:05.828" v="30"/>
+          <ac:picMkLst>
+            <pc:docMk/>
+            <pc:sldMk cId="2619609178" sldId="260"/>
+            <ac:picMk id="4" creationId="{C2A42512-10E5-44D4-B7E1-0EB3491444B6}"/>
+          </ac:picMkLst>
+        </pc:picChg>
+        <pc:picChg chg="add del mod modCrop">
+          <ac:chgData name="LICIA DULCE RUIZ CENTNER" userId="S::ld.ruiz@alumnos.upm.es::95fad373-be20-4cc8-9c4b-4294f4e033a5" providerId="AD" clId="Web-{D773014C-231C-E9BF-EDF8-87612E21EE26}" dt="2021-11-11T16:15:53.597" v="32"/>
+          <ac:picMkLst>
+            <pc:docMk/>
+            <pc:sldMk cId="2619609178" sldId="260"/>
+            <ac:picMk id="7" creationId="{35E83E1B-2955-46E2-94B5-8B832870FB1C}"/>
+          </ac:picMkLst>
+        </pc:picChg>
+        <pc:picChg chg="add mod ord modCrop">
+          <ac:chgData name="LICIA DULCE RUIZ CENTNER" userId="S::ld.ruiz@alumnos.upm.es::95fad373-be20-4cc8-9c4b-4294f4e033a5" providerId="AD" clId="Web-{D773014C-231C-E9BF-EDF8-87612E21EE26}" dt="2021-11-11T16:30:10.760" v="49" actId="1076"/>
+          <ac:picMkLst>
+            <pc:docMk/>
+            <pc:sldMk cId="2619609178" sldId="260"/>
+            <ac:picMk id="8" creationId="{62A7A8F7-1983-41FC-AE1C-68A9E6D52A40}"/>
+          </ac:picMkLst>
+        </pc:picChg>
+        <pc:picChg chg="add del mod">
+          <ac:chgData name="LICIA DULCE RUIZ CENTNER" userId="S::ld.ruiz@alumnos.upm.es::95fad373-be20-4cc8-9c4b-4294f4e033a5" providerId="AD" clId="Web-{D773014C-231C-E9BF-EDF8-87612E21EE26}" dt="2021-11-11T16:46:07.674" v="52"/>
+          <ac:picMkLst>
+            <pc:docMk/>
+            <pc:sldMk cId="2619609178" sldId="260"/>
+            <ac:picMk id="9" creationId="{26A4AA2E-3E31-4761-8463-23D228C26C7A}"/>
+          </ac:picMkLst>
+        </pc:picChg>
+      </pc:sldChg>
+      <pc:sldChg chg="addSp delSp modSp">
+        <pc:chgData name="LICIA DULCE RUIZ CENTNER" userId="S::ld.ruiz@alumnos.upm.es::95fad373-be20-4cc8-9c4b-4294f4e033a5" providerId="AD" clId="Web-{D773014C-231C-E9BF-EDF8-87612E21EE26}" dt="2021-11-11T16:48:23.724" v="64" actId="1076"/>
+        <pc:sldMkLst>
+          <pc:docMk/>
+          <pc:sldMk cId="3809662723" sldId="261"/>
+        </pc:sldMkLst>
+        <pc:spChg chg="mod">
+          <ac:chgData name="LICIA DULCE RUIZ CENTNER" userId="S::ld.ruiz@alumnos.upm.es::95fad373-be20-4cc8-9c4b-4294f4e033a5" providerId="AD" clId="Web-{D773014C-231C-E9BF-EDF8-87612E21EE26}" dt="2021-11-11T16:47:25.707" v="53"/>
+          <ac:spMkLst>
+            <pc:docMk/>
+            <pc:sldMk cId="3809662723" sldId="261"/>
+            <ac:spMk id="2" creationId="{E233E1E2-E019-476B-8741-64DA930D5D18}"/>
+          </ac:spMkLst>
+        </pc:spChg>
+        <pc:spChg chg="del">
+          <ac:chgData name="LICIA DULCE RUIZ CENTNER" userId="S::ld.ruiz@alumnos.upm.es::95fad373-be20-4cc8-9c4b-4294f4e033a5" providerId="AD" clId="Web-{D773014C-231C-E9BF-EDF8-87612E21EE26}" dt="2021-11-11T16:47:25.707" v="53"/>
+          <ac:spMkLst>
+            <pc:docMk/>
+            <pc:sldMk cId="3809662723" sldId="261"/>
+            <ac:spMk id="17" creationId="{29DC5A77-10C9-4ECF-B7EB-8D917F36A9EE}"/>
+          </ac:spMkLst>
+        </pc:spChg>
+        <pc:spChg chg="del">
+          <ac:chgData name="LICIA DULCE RUIZ CENTNER" userId="S::ld.ruiz@alumnos.upm.es::95fad373-be20-4cc8-9c4b-4294f4e033a5" providerId="AD" clId="Web-{D773014C-231C-E9BF-EDF8-87612E21EE26}" dt="2021-11-11T16:47:25.707" v="53"/>
+          <ac:spMkLst>
+            <pc:docMk/>
+            <pc:sldMk cId="3809662723" sldId="261"/>
+            <ac:spMk id="19" creationId="{2FFE28B5-FB16-49A9-B851-3C35FAC0CACB}"/>
+          </ac:spMkLst>
+        </pc:spChg>
+        <pc:spChg chg="del">
+          <ac:chgData name="LICIA DULCE RUIZ CENTNER" userId="S::ld.ruiz@alumnos.upm.es::95fad373-be20-4cc8-9c4b-4294f4e033a5" providerId="AD" clId="Web-{D773014C-231C-E9BF-EDF8-87612E21EE26}" dt="2021-11-11T16:47:25.707" v="53"/>
+          <ac:spMkLst>
+            <pc:docMk/>
+            <pc:sldMk cId="3809662723" sldId="261"/>
+            <ac:spMk id="21" creationId="{01014442-855A-4E0F-8D09-C314661A48B9}"/>
+          </ac:spMkLst>
+        </pc:spChg>
+        <pc:spChg chg="del">
+          <ac:chgData name="LICIA DULCE RUIZ CENTNER" userId="S::ld.ruiz@alumnos.upm.es::95fad373-be20-4cc8-9c4b-4294f4e033a5" providerId="AD" clId="Web-{D773014C-231C-E9BF-EDF8-87612E21EE26}" dt="2021-11-11T16:47:25.707" v="53"/>
+          <ac:spMkLst>
+            <pc:docMk/>
+            <pc:sldMk cId="3809662723" sldId="261"/>
+            <ac:spMk id="23" creationId="{9B1ABF09-86CF-414E-88A5-2B84CC7232A9}"/>
+          </ac:spMkLst>
+        </pc:spChg>
+        <pc:spChg chg="del">
+          <ac:chgData name="LICIA DULCE RUIZ CENTNER" userId="S::ld.ruiz@alumnos.upm.es::95fad373-be20-4cc8-9c4b-4294f4e033a5" providerId="AD" clId="Web-{D773014C-231C-E9BF-EDF8-87612E21EE26}" dt="2021-11-11T16:47:25.707" v="53"/>
+          <ac:spMkLst>
+            <pc:docMk/>
+            <pc:sldMk cId="3809662723" sldId="261"/>
+            <ac:spMk id="25" creationId="{3FE91770-CDBB-4D24-94E5-AD484F36CE87}"/>
+          </ac:spMkLst>
+        </pc:spChg>
+        <pc:spChg chg="add">
+          <ac:chgData name="LICIA DULCE RUIZ CENTNER" userId="S::ld.ruiz@alumnos.upm.es::95fad373-be20-4cc8-9c4b-4294f4e033a5" providerId="AD" clId="Web-{D773014C-231C-E9BF-EDF8-87612E21EE26}" dt="2021-11-11T16:47:25.707" v="53"/>
+          <ac:spMkLst>
+            <pc:docMk/>
+            <pc:sldMk cId="3809662723" sldId="261"/>
+            <ac:spMk id="30" creationId="{64C9EE1D-12BB-43F7-9A2A-893578DCA63A}"/>
+          </ac:spMkLst>
+        </pc:spChg>
+        <pc:spChg chg="add">
+          <ac:chgData name="LICIA DULCE RUIZ CENTNER" userId="S::ld.ruiz@alumnos.upm.es::95fad373-be20-4cc8-9c4b-4294f4e033a5" providerId="AD" clId="Web-{D773014C-231C-E9BF-EDF8-87612E21EE26}" dt="2021-11-11T16:47:25.707" v="53"/>
+          <ac:spMkLst>
+            <pc:docMk/>
+            <pc:sldMk cId="3809662723" sldId="261"/>
+            <ac:spMk id="32" creationId="{43962A31-C54E-4762-B155-59777FED1C75}"/>
+          </ac:spMkLst>
+        </pc:spChg>
+        <pc:spChg chg="add">
+          <ac:chgData name="LICIA DULCE RUIZ CENTNER" userId="S::ld.ruiz@alumnos.upm.es::95fad373-be20-4cc8-9c4b-4294f4e033a5" providerId="AD" clId="Web-{D773014C-231C-E9BF-EDF8-87612E21EE26}" dt="2021-11-11T16:47:25.707" v="53"/>
+          <ac:spMkLst>
+            <pc:docMk/>
+            <pc:sldMk cId="3809662723" sldId="261"/>
+            <ac:spMk id="34" creationId="{4B392D36-B685-45E0-B197-6EE5D748093B}"/>
+          </ac:spMkLst>
+        </pc:spChg>
+        <pc:spChg chg="add">
+          <ac:chgData name="LICIA DULCE RUIZ CENTNER" userId="S::ld.ruiz@alumnos.upm.es::95fad373-be20-4cc8-9c4b-4294f4e033a5" providerId="AD" clId="Web-{D773014C-231C-E9BF-EDF8-87612E21EE26}" dt="2021-11-11T16:47:25.707" v="53"/>
+          <ac:spMkLst>
+            <pc:docMk/>
+            <pc:sldMk cId="3809662723" sldId="261"/>
+            <ac:spMk id="36" creationId="{9DCA8533-CC5E-4754-9A04-047EDE49E0F9}"/>
+          </ac:spMkLst>
+        </pc:spChg>
+        <pc:picChg chg="mod ord">
+          <ac:chgData name="LICIA DULCE RUIZ CENTNER" userId="S::ld.ruiz@alumnos.upm.es::95fad373-be20-4cc8-9c4b-4294f4e033a5" providerId="AD" clId="Web-{D773014C-231C-E9BF-EDF8-87612E21EE26}" dt="2021-11-11T16:48:23.724" v="64" actId="1076"/>
+          <ac:picMkLst>
+            <pc:docMk/>
+            <pc:sldMk cId="3809662723" sldId="261"/>
+            <ac:picMk id="7" creationId="{03AB0C80-59A0-4DF7-B980-BC07C224C1D0}"/>
+          </ac:picMkLst>
+        </pc:picChg>
+        <pc:picChg chg="mod">
+          <ac:chgData name="LICIA DULCE RUIZ CENTNER" userId="S::ld.ruiz@alumnos.upm.es::95fad373-be20-4cc8-9c4b-4294f4e033a5" providerId="AD" clId="Web-{D773014C-231C-E9BF-EDF8-87612E21EE26}" dt="2021-11-11T16:47:40.942" v="57" actId="1076"/>
+          <ac:picMkLst>
+            <pc:docMk/>
+            <pc:sldMk cId="3809662723" sldId="261"/>
+            <ac:picMk id="8" creationId="{49ED9351-468D-4AB5-9336-E485EB15D0E0}"/>
+          </ac:picMkLst>
+        </pc:picChg>
+        <pc:picChg chg="mod">
+          <ac:chgData name="LICIA DULCE RUIZ CENTNER" userId="S::ld.ruiz@alumnos.upm.es::95fad373-be20-4cc8-9c4b-4294f4e033a5" providerId="AD" clId="Web-{D773014C-231C-E9BF-EDF8-87612E21EE26}" dt="2021-11-11T16:48:20.849" v="63" actId="1076"/>
+          <ac:picMkLst>
+            <pc:docMk/>
+            <pc:sldMk cId="3809662723" sldId="261"/>
+            <ac:picMk id="15" creationId="{2B6FC49B-3804-40ED-994F-7C97FD410F29}"/>
+          </ac:picMkLst>
+        </pc:picChg>
+      </pc:sldChg>
+      <pc:sldChg chg="modSp">
+        <pc:chgData name="LICIA DULCE RUIZ CENTNER" userId="S::ld.ruiz@alumnos.upm.es::95fad373-be20-4cc8-9c4b-4294f4e033a5" providerId="AD" clId="Web-{D773014C-231C-E9BF-EDF8-87612E21EE26}" dt="2021-11-11T14:39:14.372" v="4" actId="20577"/>
+        <pc:sldMkLst>
+          <pc:docMk/>
+          <pc:sldMk cId="3362291158" sldId="262"/>
+        </pc:sldMkLst>
+        <pc:spChg chg="mod">
+          <ac:chgData name="LICIA DULCE RUIZ CENTNER" userId="S::ld.ruiz@alumnos.upm.es::95fad373-be20-4cc8-9c4b-4294f4e033a5" providerId="AD" clId="Web-{D773014C-231C-E9BF-EDF8-87612E21EE26}" dt="2021-11-11T14:39:14.372" v="4" actId="20577"/>
+          <ac:spMkLst>
+            <pc:docMk/>
+            <pc:sldMk cId="3362291158" sldId="262"/>
+            <ac:spMk id="3" creationId="{96EED233-BFE4-443E-9ACD-ABEE29B3245D}"/>
+          </ac:spMkLst>
+        </pc:spChg>
+      </pc:sldChg>
+      <pc:sldChg chg="addSp delSp modSp">
+        <pc:chgData name="LICIA DULCE RUIZ CENTNER" userId="S::ld.ruiz@alumnos.upm.es::95fad373-be20-4cc8-9c4b-4294f4e033a5" providerId="AD" clId="Web-{D773014C-231C-E9BF-EDF8-87612E21EE26}" dt="2021-11-11T14:41:53.616" v="13"/>
+        <pc:sldMkLst>
+          <pc:docMk/>
+          <pc:sldMk cId="3745277621" sldId="264"/>
+        </pc:sldMkLst>
+        <pc:spChg chg="mod">
+          <ac:chgData name="LICIA DULCE RUIZ CENTNER" userId="S::ld.ruiz@alumnos.upm.es::95fad373-be20-4cc8-9c4b-4294f4e033a5" providerId="AD" clId="Web-{D773014C-231C-E9BF-EDF8-87612E21EE26}" dt="2021-11-11T14:41:53.616" v="13"/>
+          <ac:spMkLst>
+            <pc:docMk/>
+            <pc:sldMk cId="3745277621" sldId="264"/>
+            <ac:spMk id="2" creationId="{860FE49A-936E-4374-902A-5FEDFD129365}"/>
+          </ac:spMkLst>
+        </pc:spChg>
+        <pc:spChg chg="mod">
+          <ac:chgData name="LICIA DULCE RUIZ CENTNER" userId="S::ld.ruiz@alumnos.upm.es::95fad373-be20-4cc8-9c4b-4294f4e033a5" providerId="AD" clId="Web-{D773014C-231C-E9BF-EDF8-87612E21EE26}" dt="2021-11-11T14:41:53.616" v="13"/>
+          <ac:spMkLst>
+            <pc:docMk/>
+            <pc:sldMk cId="3745277621" sldId="264"/>
+            <ac:spMk id="3" creationId="{99E60AE2-4A82-456B-9544-B5CFF1B314AA}"/>
+          </ac:spMkLst>
+        </pc:spChg>
+        <pc:spChg chg="del">
+          <ac:chgData name="LICIA DULCE RUIZ CENTNER" userId="S::ld.ruiz@alumnos.upm.es::95fad373-be20-4cc8-9c4b-4294f4e033a5" providerId="AD" clId="Web-{D773014C-231C-E9BF-EDF8-87612E21EE26}" dt="2021-11-11T14:41:53.616" v="13"/>
+          <ac:spMkLst>
+            <pc:docMk/>
+            <pc:sldMk cId="3745277621" sldId="264"/>
+            <ac:spMk id="8" creationId="{29DC5A77-10C9-4ECF-B7EB-8D917F36A9EE}"/>
+          </ac:spMkLst>
+        </pc:spChg>
+        <pc:spChg chg="del">
+          <ac:chgData name="LICIA DULCE RUIZ CENTNER" userId="S::ld.ruiz@alumnos.upm.es::95fad373-be20-4cc8-9c4b-4294f4e033a5" providerId="AD" clId="Web-{D773014C-231C-E9BF-EDF8-87612E21EE26}" dt="2021-11-11T14:41:53.616" v="13"/>
+          <ac:spMkLst>
+            <pc:docMk/>
+            <pc:sldMk cId="3745277621" sldId="264"/>
+            <ac:spMk id="10" creationId="{2FFE28B5-FB16-49A9-B851-3C35FAC0CACB}"/>
+          </ac:spMkLst>
+        </pc:spChg>
+        <pc:spChg chg="del">
+          <ac:chgData name="LICIA DULCE RUIZ CENTNER" userId="S::ld.ruiz@alumnos.upm.es::95fad373-be20-4cc8-9c4b-4294f4e033a5" providerId="AD" clId="Web-{D773014C-231C-E9BF-EDF8-87612E21EE26}" dt="2021-11-11T14:41:53.616" v="13"/>
+          <ac:spMkLst>
+            <pc:docMk/>
+            <pc:sldMk cId="3745277621" sldId="264"/>
+            <ac:spMk id="12" creationId="{01014442-855A-4E0F-8D09-C314661A48B9}"/>
+          </ac:spMkLst>
+        </pc:spChg>
+        <pc:spChg chg="del">
+          <ac:chgData name="LICIA DULCE RUIZ CENTNER" userId="S::ld.ruiz@alumnos.upm.es::95fad373-be20-4cc8-9c4b-4294f4e033a5" providerId="AD" clId="Web-{D773014C-231C-E9BF-EDF8-87612E21EE26}" dt="2021-11-11T14:41:53.616" v="13"/>
+          <ac:spMkLst>
+            <pc:docMk/>
+            <pc:sldMk cId="3745277621" sldId="264"/>
+            <ac:spMk id="14" creationId="{9B1ABF09-86CF-414E-88A5-2B84CC7232A9}"/>
+          </ac:spMkLst>
+        </pc:spChg>
+        <pc:spChg chg="del">
+          <ac:chgData name="LICIA DULCE RUIZ CENTNER" userId="S::ld.ruiz@alumnos.upm.es::95fad373-be20-4cc8-9c4b-4294f4e033a5" providerId="AD" clId="Web-{D773014C-231C-E9BF-EDF8-87612E21EE26}" dt="2021-11-11T14:41:53.616" v="13"/>
+          <ac:spMkLst>
+            <pc:docMk/>
+            <pc:sldMk cId="3745277621" sldId="264"/>
+            <ac:spMk id="16" creationId="{3FE91770-CDBB-4D24-94E5-AD484F36CE87}"/>
+          </ac:spMkLst>
+        </pc:spChg>
+        <pc:spChg chg="add">
+          <ac:chgData name="LICIA DULCE RUIZ CENTNER" userId="S::ld.ruiz@alumnos.upm.es::95fad373-be20-4cc8-9c4b-4294f4e033a5" providerId="AD" clId="Web-{D773014C-231C-E9BF-EDF8-87612E21EE26}" dt="2021-11-11T14:41:53.616" v="13"/>
+          <ac:spMkLst>
+            <pc:docMk/>
+            <pc:sldMk cId="3745277621" sldId="264"/>
+            <ac:spMk id="21" creationId="{A35CBD63-8F8F-47DC-9CE7-159E6161D872}"/>
+          </ac:spMkLst>
+        </pc:spChg>
+        <pc:spChg chg="add">
+          <ac:chgData name="LICIA DULCE RUIZ CENTNER" userId="S::ld.ruiz@alumnos.upm.es::95fad373-be20-4cc8-9c4b-4294f4e033a5" providerId="AD" clId="Web-{D773014C-231C-E9BF-EDF8-87612E21EE26}" dt="2021-11-11T14:41:53.616" v="13"/>
+          <ac:spMkLst>
+            <pc:docMk/>
+            <pc:sldMk cId="3745277621" sldId="264"/>
+            <ac:spMk id="23" creationId="{CA0E3486-FD49-4921-B4F4-E5BB5C88AC79}"/>
+          </ac:spMkLst>
+        </pc:spChg>
+        <pc:spChg chg="add">
+          <ac:chgData name="LICIA DULCE RUIZ CENTNER" userId="S::ld.ruiz@alumnos.upm.es::95fad373-be20-4cc8-9c4b-4294f4e033a5" providerId="AD" clId="Web-{D773014C-231C-E9BF-EDF8-87612E21EE26}" dt="2021-11-11T14:41:53.616" v="13"/>
+          <ac:spMkLst>
+            <pc:docMk/>
+            <pc:sldMk cId="3745277621" sldId="264"/>
+            <ac:spMk id="25" creationId="{83B4A72C-2924-4CE2-8674-7E02E182ED6D}"/>
+          </ac:spMkLst>
+        </pc:spChg>
+        <pc:picChg chg="add mod">
+          <ac:chgData name="LICIA DULCE RUIZ CENTNER" userId="S::ld.ruiz@alumnos.upm.es::95fad373-be20-4cc8-9c4b-4294f4e033a5" providerId="AD" clId="Web-{D773014C-231C-E9BF-EDF8-87612E21EE26}" dt="2021-11-11T14:41:53.616" v="13"/>
+          <ac:picMkLst>
+            <pc:docMk/>
+            <pc:sldMk cId="3745277621" sldId="264"/>
+            <ac:picMk id="4" creationId="{8D7D3740-DABD-44D4-B302-755A945FB061}"/>
+          </ac:picMkLst>
+        </pc:picChg>
+      </pc:sldChg>
+      <pc:sldChg chg="modSp">
+        <pc:chgData name="LICIA DULCE RUIZ CENTNER" userId="S::ld.ruiz@alumnos.upm.es::95fad373-be20-4cc8-9c4b-4294f4e033a5" providerId="AD" clId="Web-{D773014C-231C-E9BF-EDF8-87612E21EE26}" dt="2021-11-11T14:39:19.732" v="7" actId="20577"/>
+        <pc:sldMkLst>
+          <pc:docMk/>
+          <pc:sldMk cId="563055934" sldId="265"/>
+        </pc:sldMkLst>
+        <pc:spChg chg="mod">
+          <ac:chgData name="LICIA DULCE RUIZ CENTNER" userId="S::ld.ruiz@alumnos.upm.es::95fad373-be20-4cc8-9c4b-4294f4e033a5" providerId="AD" clId="Web-{D773014C-231C-E9BF-EDF8-87612E21EE26}" dt="2021-11-11T14:39:19.732" v="7" actId="20577"/>
+          <ac:spMkLst>
+            <pc:docMk/>
+            <pc:sldMk cId="563055934" sldId="265"/>
+            <ac:spMk id="3" creationId="{70D07863-05EE-46E1-B147-27C3E2F10DAD}"/>
+          </ac:spMkLst>
+        </pc:spChg>
+      </pc:sldChg>
+    </pc:docChg>
+  </pc:docChgLst>
+  <pc:docChgLst>
+    <pc:chgData name="LICIA DULCE RUIZ CENTNER" userId="S::ld.ruiz@alumnos.upm.es::95fad373-be20-4cc8-9c4b-4294f4e033a5" providerId="AD" clId="Web-{DDA4C2D1-061D-4DB2-BE66-906845DF43D4}"/>
+    <pc:docChg chg="addSld delSld modSld addMainMaster delMainMaster">
+      <pc:chgData name="LICIA DULCE RUIZ CENTNER" userId="S::ld.ruiz@alumnos.upm.es::95fad373-be20-4cc8-9c4b-4294f4e033a5" providerId="AD" clId="Web-{DDA4C2D1-061D-4DB2-BE66-906845DF43D4}" dt="2021-11-10T16:59:35.264" v="435"/>
+      <pc:docMkLst>
+        <pc:docMk/>
+      </pc:docMkLst>
+      <pc:sldChg chg="addSp delSp modSp del mod setBg setClrOvrMap">
+        <pc:chgData name="LICIA DULCE RUIZ CENTNER" userId="S::ld.ruiz@alumnos.upm.es::95fad373-be20-4cc8-9c4b-4294f4e033a5" providerId="AD" clId="Web-{DDA4C2D1-061D-4DB2-BE66-906845DF43D4}" dt="2021-11-10T14:40:22.295" v="47"/>
+        <pc:sldMkLst>
+          <pc:docMk/>
+          <pc:sldMk cId="109857222" sldId="256"/>
+        </pc:sldMkLst>
+        <pc:spChg chg="mod">
+          <ac:chgData name="LICIA DULCE RUIZ CENTNER" userId="S::ld.ruiz@alumnos.upm.es::95fad373-be20-4cc8-9c4b-4294f4e033a5" providerId="AD" clId="Web-{DDA4C2D1-061D-4DB2-BE66-906845DF43D4}" dt="2021-11-10T14:15:29.769" v="11" actId="20577"/>
+          <ac:spMkLst>
+            <pc:docMk/>
+            <pc:sldMk cId="109857222" sldId="256"/>
+            <ac:spMk id="2" creationId="{00000000-0000-0000-0000-000000000000}"/>
+          </ac:spMkLst>
+        </pc:spChg>
+        <pc:spChg chg="mod">
+          <ac:chgData name="LICIA DULCE RUIZ CENTNER" userId="S::ld.ruiz@alumnos.upm.es::95fad373-be20-4cc8-9c4b-4294f4e033a5" providerId="AD" clId="Web-{DDA4C2D1-061D-4DB2-BE66-906845DF43D4}" dt="2021-11-10T14:15:38.598" v="19" actId="20577"/>
+          <ac:spMkLst>
+            <pc:docMk/>
+            <pc:sldMk cId="109857222" sldId="256"/>
+            <ac:spMk id="3" creationId="{00000000-0000-0000-0000-000000000000}"/>
+          </ac:spMkLst>
+        </pc:spChg>
+        <pc:spChg chg="add">
+          <ac:chgData name="LICIA DULCE RUIZ CENTNER" userId="S::ld.ruiz@alumnos.upm.es::95fad373-be20-4cc8-9c4b-4294f4e033a5" providerId="AD" clId="Web-{DDA4C2D1-061D-4DB2-BE66-906845DF43D4}" dt="2021-11-10T14:15:14.799" v="3"/>
+          <ac:spMkLst>
+            <pc:docMk/>
+            <pc:sldMk cId="109857222" sldId="256"/>
+            <ac:spMk id="6" creationId="{71B2258F-86CA-4D4D-8270-BC05FCDEBFB3}"/>
+          </ac:spMkLst>
+        </pc:spChg>
+        <pc:spChg chg="add del">
+          <ac:chgData name="LICIA DULCE RUIZ CENTNER" userId="S::ld.ruiz@alumnos.upm.es::95fad373-be20-4cc8-9c4b-4294f4e033a5" providerId="AD" clId="Web-{DDA4C2D1-061D-4DB2-BE66-906845DF43D4}" dt="2021-11-10T14:15:14.784" v="2"/>
+          <ac:spMkLst>
+            <pc:docMk/>
+            <pc:sldMk cId="109857222" sldId="256"/>
+            <ac:spMk id="9" creationId="{87CC2527-562A-4F69-B487-4371E5B243E7}"/>
+          </ac:spMkLst>
+        </pc:spChg>
+        <pc:picChg chg="add del">
+          <ac:chgData name="LICIA DULCE RUIZ CENTNER" userId="S::ld.ruiz@alumnos.upm.es::95fad373-be20-4cc8-9c4b-4294f4e033a5" providerId="AD" clId="Web-{DDA4C2D1-061D-4DB2-BE66-906845DF43D4}" dt="2021-11-10T14:15:14.784" v="2"/>
+          <ac:picMkLst>
+            <pc:docMk/>
+            <pc:sldMk cId="109857222" sldId="256"/>
+            <ac:picMk id="5" creationId="{BCDDEF53-A9AF-4E5E-A136-C33176674289}"/>
+          </ac:picMkLst>
+        </pc:picChg>
+        <pc:picChg chg="add">
+          <ac:chgData name="LICIA DULCE RUIZ CENTNER" userId="S::ld.ruiz@alumnos.upm.es::95fad373-be20-4cc8-9c4b-4294f4e033a5" providerId="AD" clId="Web-{DDA4C2D1-061D-4DB2-BE66-906845DF43D4}" dt="2021-11-10T14:15:14.799" v="3"/>
+          <ac:picMkLst>
+            <pc:docMk/>
+            <pc:sldMk cId="109857222" sldId="256"/>
+            <ac:picMk id="7" creationId="{C519A419-A11A-437B-A47C-541CE9AADB91}"/>
+          </ac:picMkLst>
+        </pc:picChg>
+        <pc:cxnChg chg="add del">
+          <ac:chgData name="LICIA DULCE RUIZ CENTNER" userId="S::ld.ruiz@alumnos.upm.es::95fad373-be20-4cc8-9c4b-4294f4e033a5" providerId="AD" clId="Web-{DDA4C2D1-061D-4DB2-BE66-906845DF43D4}" dt="2021-11-10T14:15:14.784" v="2"/>
+          <ac:cxnSpMkLst>
+            <pc:docMk/>
+            <pc:sldMk cId="109857222" sldId="256"/>
+            <ac:cxnSpMk id="11" creationId="{BCDAEC91-5BCE-4B55-9CC0-43EF94CB734B}"/>
+          </ac:cxnSpMkLst>
+        </pc:cxnChg>
+      </pc:sldChg>
+      <pc:sldChg chg="addSp delSp modSp new del mod setBg">
+        <pc:chgData name="LICIA DULCE RUIZ CENTNER" userId="S::ld.ruiz@alumnos.upm.es::95fad373-be20-4cc8-9c4b-4294f4e033a5" providerId="AD" clId="Web-{DDA4C2D1-061D-4DB2-BE66-906845DF43D4}" dt="2021-11-10T14:40:30.545" v="48"/>
+        <pc:sldMkLst>
+          <pc:docMk/>
+          <pc:sldMk cId="681054907" sldId="257"/>
+        </pc:sldMkLst>
+        <pc:spChg chg="mod ord">
+          <ac:chgData name="LICIA DULCE RUIZ CENTNER" userId="S::ld.ruiz@alumnos.upm.es::95fad373-be20-4cc8-9c4b-4294f4e033a5" providerId="AD" clId="Web-{DDA4C2D1-061D-4DB2-BE66-906845DF43D4}" dt="2021-11-10T14:17:38.089" v="28"/>
+          <ac:spMkLst>
+            <pc:docMk/>
+            <pc:sldMk cId="681054907" sldId="257"/>
+            <ac:spMk id="2" creationId="{7F27B960-C8BE-4F3F-A1EB-0ECABDE681D0}"/>
+          </ac:spMkLst>
+        </pc:spChg>
+        <pc:spChg chg="del">
+          <ac:chgData name="LICIA DULCE RUIZ CENTNER" userId="S::ld.ruiz@alumnos.upm.es::95fad373-be20-4cc8-9c4b-4294f4e033a5" providerId="AD" clId="Web-{DDA4C2D1-061D-4DB2-BE66-906845DF43D4}" dt="2021-11-10T14:15:53.755" v="20"/>
+          <ac:spMkLst>
+            <pc:docMk/>
+            <pc:sldMk cId="681054907" sldId="257"/>
+            <ac:spMk id="3" creationId="{C308D8E3-6562-4CD7-A828-D8A23654D672}"/>
+          </ac:spMkLst>
+        </pc:spChg>
+        <pc:spChg chg="add mod">
+          <ac:chgData name="LICIA DULCE RUIZ CENTNER" userId="S::ld.ruiz@alumnos.upm.es::95fad373-be20-4cc8-9c4b-4294f4e033a5" providerId="AD" clId="Web-{DDA4C2D1-061D-4DB2-BE66-906845DF43D4}" dt="2021-11-10T14:17:38.089" v="28"/>
+          <ac:spMkLst>
+            <pc:docMk/>
+            <pc:sldMk cId="681054907" sldId="257"/>
+            <ac:spMk id="6" creationId="{74A79829-EEF4-490D-956B-20720AC9C596}"/>
+          </ac:spMkLst>
+        </pc:spChg>
+        <pc:spChg chg="add del">
+          <ac:chgData name="LICIA DULCE RUIZ CENTNER" userId="S::ld.ruiz@alumnos.upm.es::95fad373-be20-4cc8-9c4b-4294f4e033a5" providerId="AD" clId="Web-{DDA4C2D1-061D-4DB2-BE66-906845DF43D4}" dt="2021-11-10T14:17:07.368" v="22"/>
+          <ac:spMkLst>
+            <pc:docMk/>
+            <pc:sldMk cId="681054907" sldId="257"/>
+            <ac:spMk id="8" creationId="{C27D7A02-907B-496F-BA7E-AA3780733CA7}"/>
+          </ac:spMkLst>
+        </pc:spChg>
+        <pc:spChg chg="add del">
+          <ac:chgData name="LICIA DULCE RUIZ CENTNER" userId="S::ld.ruiz@alumnos.upm.es::95fad373-be20-4cc8-9c4b-4294f4e033a5" providerId="AD" clId="Web-{DDA4C2D1-061D-4DB2-BE66-906845DF43D4}" dt="2021-11-10T14:17:07.368" v="22"/>
+          <ac:spMkLst>
+            <pc:docMk/>
+            <pc:sldMk cId="681054907" sldId="257"/>
+            <ac:spMk id="10" creationId="{0FBA5268-0AE7-4CAD-9537-D0EB09E76406}"/>
+          </ac:spMkLst>
+        </pc:spChg>
+        <pc:spChg chg="add del">
+          <ac:chgData name="LICIA DULCE RUIZ CENTNER" userId="S::ld.ruiz@alumnos.upm.es::95fad373-be20-4cc8-9c4b-4294f4e033a5" providerId="AD" clId="Web-{DDA4C2D1-061D-4DB2-BE66-906845DF43D4}" dt="2021-11-10T14:17:07.368" v="22"/>
+          <ac:spMkLst>
+            <pc:docMk/>
+            <pc:sldMk cId="681054907" sldId="257"/>
+            <ac:spMk id="12" creationId="{088D065B-39DA-4077-B9CF-E489CE4C0169}"/>
+          </ac:spMkLst>
+        </pc:spChg>
+        <pc:spChg chg="add del">
+          <ac:chgData name="LICIA DULCE RUIZ CENTNER" userId="S::ld.ruiz@alumnos.upm.es::95fad373-be20-4cc8-9c4b-4294f4e033a5" providerId="AD" clId="Web-{DDA4C2D1-061D-4DB2-BE66-906845DF43D4}" dt="2021-11-10T14:17:38.089" v="28"/>
+          <ac:spMkLst>
+            <pc:docMk/>
+            <pc:sldMk cId="681054907" sldId="257"/>
+            <ac:spMk id="17" creationId="{87CC2527-562A-4F69-B487-4371E5B243E7}"/>
+          </ac:spMkLst>
+        </pc:spChg>
+        <pc:spChg chg="add">
+          <ac:chgData name="LICIA DULCE RUIZ CENTNER" userId="S::ld.ruiz@alumnos.upm.es::95fad373-be20-4cc8-9c4b-4294f4e033a5" providerId="AD" clId="Web-{DDA4C2D1-061D-4DB2-BE66-906845DF43D4}" dt="2021-11-10T14:17:38.089" v="28"/>
+          <ac:spMkLst>
+            <pc:docMk/>
+            <pc:sldMk cId="681054907" sldId="257"/>
+            <ac:spMk id="24" creationId="{87CC2527-562A-4F69-B487-4371E5B243E7}"/>
+          </ac:spMkLst>
+        </pc:spChg>
+        <pc:picChg chg="add del mod">
+          <ac:chgData name="LICIA DULCE RUIZ CENTNER" userId="S::ld.ruiz@alumnos.upm.es::95fad373-be20-4cc8-9c4b-4294f4e033a5" providerId="AD" clId="Web-{DDA4C2D1-061D-4DB2-BE66-906845DF43D4}" dt="2021-11-10T14:17:15.900" v="23"/>
+          <ac:picMkLst>
+            <pc:docMk/>
+            <pc:sldMk cId="681054907" sldId="257"/>
+            <ac:picMk id="4" creationId="{88D76A97-D698-43A3-8667-DBB1E29B4F01}"/>
+          </ac:picMkLst>
+        </pc:picChg>
+        <pc:picChg chg="add mod">
+          <ac:chgData name="LICIA DULCE RUIZ CENTNER" userId="S::ld.ruiz@alumnos.upm.es::95fad373-be20-4cc8-9c4b-4294f4e033a5" providerId="AD" clId="Web-{DDA4C2D1-061D-4DB2-BE66-906845DF43D4}" dt="2021-11-10T14:17:38.089" v="28"/>
+          <ac:picMkLst>
+            <pc:docMk/>
+            <pc:sldMk cId="681054907" sldId="257"/>
+            <ac:picMk id="5" creationId="{1824D04E-5160-4F4B-9CCB-D170839BDB23}"/>
+          </ac:picMkLst>
+        </pc:picChg>
+        <pc:cxnChg chg="add del">
+          <ac:chgData name="LICIA DULCE RUIZ CENTNER" userId="S::ld.ruiz@alumnos.upm.es::95fad373-be20-4cc8-9c4b-4294f4e033a5" providerId="AD" clId="Web-{DDA4C2D1-061D-4DB2-BE66-906845DF43D4}" dt="2021-11-10T14:17:38.089" v="28"/>
+          <ac:cxnSpMkLst>
+            <pc:docMk/>
+            <pc:sldMk cId="681054907" sldId="257"/>
+            <ac:cxnSpMk id="19" creationId="{BCDAEC91-5BCE-4B55-9CC0-43EF94CB734B}"/>
+          </ac:cxnSpMkLst>
+        </pc:cxnChg>
+        <pc:cxnChg chg="add">
+          <ac:chgData name="LICIA DULCE RUIZ CENTNER" userId="S::ld.ruiz@alumnos.upm.es::95fad373-be20-4cc8-9c4b-4294f4e033a5" providerId="AD" clId="Web-{DDA4C2D1-061D-4DB2-BE66-906845DF43D4}" dt="2021-11-10T14:17:38.089" v="28"/>
+          <ac:cxnSpMkLst>
+            <pc:docMk/>
+            <pc:sldMk cId="681054907" sldId="257"/>
+            <ac:cxnSpMk id="26" creationId="{BCDAEC91-5BCE-4B55-9CC0-43EF94CB734B}"/>
+          </ac:cxnSpMkLst>
+        </pc:cxnChg>
+      </pc:sldChg>
+      <pc:sldChg chg="addSp delSp modSp new del mod modClrScheme chgLayout">
+        <pc:chgData name="LICIA DULCE RUIZ CENTNER" userId="S::ld.ruiz@alumnos.upm.es::95fad373-be20-4cc8-9c4b-4294f4e033a5" providerId="AD" clId="Web-{DDA4C2D1-061D-4DB2-BE66-906845DF43D4}" dt="2021-11-10T16:58:18.747" v="434"/>
+        <pc:sldMkLst>
+          <pc:docMk/>
+          <pc:sldMk cId="1393632755" sldId="258"/>
+        </pc:sldMkLst>
+        <pc:spChg chg="mod ord">
+          <ac:chgData name="LICIA DULCE RUIZ CENTNER" userId="S::ld.ruiz@alumnos.upm.es::95fad373-be20-4cc8-9c4b-4294f4e033a5" providerId="AD" clId="Web-{DDA4C2D1-061D-4DB2-BE66-906845DF43D4}" dt="2021-11-10T14:41:25.095" v="50"/>
+          <ac:spMkLst>
+            <pc:docMk/>
+            <pc:sldMk cId="1393632755" sldId="258"/>
+            <ac:spMk id="2" creationId="{9FF13434-9382-4EB9-AB82-20624DBFD33A}"/>
+          </ac:spMkLst>
+        </pc:spChg>
+        <pc:spChg chg="del">
+          <ac:chgData name="LICIA DULCE RUIZ CENTNER" userId="S::ld.ruiz@alumnos.upm.es::95fad373-be20-4cc8-9c4b-4294f4e033a5" providerId="AD" clId="Web-{DDA4C2D1-061D-4DB2-BE66-906845DF43D4}" dt="2021-11-10T14:29:20.537" v="30"/>
+          <ac:spMkLst>
+            <pc:docMk/>
+            <pc:sldMk cId="1393632755" sldId="258"/>
+            <ac:spMk id="3" creationId="{24E90FAA-7533-470C-8216-9396716B4A69}"/>
+          </ac:spMkLst>
+        </pc:spChg>
+        <pc:picChg chg="add mod ord">
+          <ac:chgData name="LICIA DULCE RUIZ CENTNER" userId="S::ld.ruiz@alumnos.upm.es::95fad373-be20-4cc8-9c4b-4294f4e033a5" providerId="AD" clId="Web-{DDA4C2D1-061D-4DB2-BE66-906845DF43D4}" dt="2021-11-10T14:41:25.095" v="50"/>
+          <ac:picMkLst>
+            <pc:docMk/>
+            <pc:sldMk cId="1393632755" sldId="258"/>
+            <ac:picMk id="4" creationId="{8212C7F7-4906-4B4C-BD95-EBD6B2C7253F}"/>
+          </ac:picMkLst>
+        </pc:picChg>
+      </pc:sldChg>
+      <pc:sldChg chg="addSp delSp modSp new mod setBg modClrScheme setClrOvrMap delDesignElem chgLayout">
+        <pc:chgData name="LICIA DULCE RUIZ CENTNER" userId="S::ld.ruiz@alumnos.upm.es::95fad373-be20-4cc8-9c4b-4294f4e033a5" providerId="AD" clId="Web-{DDA4C2D1-061D-4DB2-BE66-906845DF43D4}" dt="2021-11-10T16:57:38.527" v="430"/>
+        <pc:sldMkLst>
+          <pc:docMk/>
+          <pc:sldMk cId="746235981" sldId="259"/>
+        </pc:sldMkLst>
+        <pc:spChg chg="mod ord">
+          <ac:chgData name="LICIA DULCE RUIZ CENTNER" userId="S::ld.ruiz@alumnos.upm.es::95fad373-be20-4cc8-9c4b-4294f4e033a5" providerId="AD" clId="Web-{DDA4C2D1-061D-4DB2-BE66-906845DF43D4}" dt="2021-11-10T16:57:38.527" v="430"/>
+          <ac:spMkLst>
+            <pc:docMk/>
+            <pc:sldMk cId="746235981" sldId="259"/>
+            <ac:spMk id="2" creationId="{D18B4473-1E80-40CE-8FD4-1214A9CF14F1}"/>
+          </ac:spMkLst>
+        </pc:spChg>
+        <pc:spChg chg="add mod">
+          <ac:chgData name="LICIA DULCE RUIZ CENTNER" userId="S::ld.ruiz@alumnos.upm.es::95fad373-be20-4cc8-9c4b-4294f4e033a5" providerId="AD" clId="Web-{DDA4C2D1-061D-4DB2-BE66-906845DF43D4}" dt="2021-11-10T16:57:38.527" v="430"/>
+          <ac:spMkLst>
+            <pc:docMk/>
+            <pc:sldMk cId="746235981" sldId="259"/>
+            <ac:spMk id="3" creationId="{A2C9DC9A-0911-48D9-B8A9-568CD2ADC702}"/>
+          </ac:spMkLst>
+        </pc:spChg>
+        <pc:spChg chg="del">
+          <ac:chgData name="LICIA DULCE RUIZ CENTNER" userId="S::ld.ruiz@alumnos.upm.es::95fad373-be20-4cc8-9c4b-4294f4e033a5" providerId="AD" clId="Web-{DDA4C2D1-061D-4DB2-BE66-906845DF43D4}" dt="2021-11-10T14:38:56.040" v="32"/>
+          <ac:spMkLst>
+            <pc:docMk/>
+            <pc:sldMk cId="746235981" sldId="259"/>
+            <ac:spMk id="3" creationId="{E6748E23-5847-460F-83EA-87D38D00081C}"/>
+          </ac:spMkLst>
+        </pc:spChg>
+        <pc:spChg chg="add del">
+          <ac:chgData name="LICIA DULCE RUIZ CENTNER" userId="S::ld.ruiz@alumnos.upm.es::95fad373-be20-4cc8-9c4b-4294f4e033a5" providerId="AD" clId="Web-{DDA4C2D1-061D-4DB2-BE66-906845DF43D4}" dt="2021-11-10T16:57:38.527" v="430"/>
+          <ac:spMkLst>
+            <pc:docMk/>
+            <pc:sldMk cId="746235981" sldId="259"/>
+            <ac:spMk id="6" creationId="{17115F77-2FAE-4CA7-9A7F-10D5F2C8F831}"/>
+          </ac:spMkLst>
+        </pc:spChg>
+        <pc:spChg chg="add del">
+          <ac:chgData name="LICIA DULCE RUIZ CENTNER" userId="S::ld.ruiz@alumnos.upm.es::95fad373-be20-4cc8-9c4b-4294f4e033a5" providerId="AD" clId="Web-{DDA4C2D1-061D-4DB2-BE66-906845DF43D4}" dt="2021-11-10T16:57:38.527" v="430"/>
+          <ac:spMkLst>
+            <pc:docMk/>
+            <pc:sldMk cId="746235981" sldId="259"/>
+            <ac:spMk id="7" creationId="{5CD4C046-A04C-46CC-AFA3-6B0621F628C8}"/>
+          </ac:spMkLst>
+        </pc:spChg>
+        <pc:spChg chg="add del">
+          <ac:chgData name="LICIA DULCE RUIZ CENTNER" userId="S::ld.ruiz@alumnos.upm.es::95fad373-be20-4cc8-9c4b-4294f4e033a5" providerId="AD" clId="Web-{DDA4C2D1-061D-4DB2-BE66-906845DF43D4}" dt="2021-11-10T14:41:25.095" v="50"/>
+          <ac:spMkLst>
+            <pc:docMk/>
+            <pc:sldMk cId="746235981" sldId="259"/>
+            <ac:spMk id="9" creationId="{87CC2527-562A-4F69-B487-4371E5B243E7}"/>
+          </ac:spMkLst>
+        </pc:spChg>
+        <pc:spChg chg="add del">
+          <ac:chgData name="LICIA DULCE RUIZ CENTNER" userId="S::ld.ruiz@alumnos.upm.es::95fad373-be20-4cc8-9c4b-4294f4e033a5" providerId="AD" clId="Web-{DDA4C2D1-061D-4DB2-BE66-906845DF43D4}" dt="2021-11-10T16:57:38.527" v="430"/>
+          <ac:spMkLst>
+            <pc:docMk/>
+            <pc:sldMk cId="746235981" sldId="259"/>
+            <ac:spMk id="13" creationId="{BC512124-0D13-4ED9-80B7-52AE15B6B41F}"/>
+          </ac:spMkLst>
+        </pc:spChg>
+        <pc:spChg chg="add del">
+          <ac:chgData name="LICIA DULCE RUIZ CENTNER" userId="S::ld.ruiz@alumnos.upm.es::95fad373-be20-4cc8-9c4b-4294f4e033a5" providerId="AD" clId="Web-{DDA4C2D1-061D-4DB2-BE66-906845DF43D4}" dt="2021-11-10T16:57:38.527" v="430"/>
+          <ac:spMkLst>
+            <pc:docMk/>
+            <pc:sldMk cId="746235981" sldId="259"/>
+            <ac:spMk id="18" creationId="{DADC4F84-175A-4AB1-916C-1E5796E1E0D3}"/>
+          </ac:spMkLst>
+        </pc:spChg>
+        <pc:picChg chg="add mod ord">
+          <ac:chgData name="LICIA DULCE RUIZ CENTNER" userId="S::ld.ruiz@alumnos.upm.es::95fad373-be20-4cc8-9c4b-4294f4e033a5" providerId="AD" clId="Web-{DDA4C2D1-061D-4DB2-BE66-906845DF43D4}" dt="2021-11-10T16:57:38.527" v="430"/>
+          <ac:picMkLst>
+            <pc:docMk/>
+            <pc:sldMk cId="746235981" sldId="259"/>
+            <ac:picMk id="4" creationId="{ED8A6B77-F45A-4FFB-9EE2-1D896B88D940}"/>
+          </ac:picMkLst>
+        </pc:picChg>
+        <pc:cxnChg chg="add del">
+          <ac:chgData name="LICIA DULCE RUIZ CENTNER" userId="S::ld.ruiz@alumnos.upm.es::95fad373-be20-4cc8-9c4b-4294f4e033a5" providerId="AD" clId="Web-{DDA4C2D1-061D-4DB2-BE66-906845DF43D4}" dt="2021-11-10T14:41:25.095" v="50"/>
+          <ac:cxnSpMkLst>
+            <pc:docMk/>
+            <pc:sldMk cId="746235981" sldId="259"/>
+            <ac:cxnSpMk id="11" creationId="{BCDAEC91-5BCE-4B55-9CC0-43EF94CB734B}"/>
+          </ac:cxnSpMkLst>
+        </pc:cxnChg>
+      </pc:sldChg>
+      <pc:sldChg chg="addSp delSp modSp new mod modTransition setBg modClrScheme delDesignElem chgLayout">
+        <pc:chgData name="LICIA DULCE RUIZ CENTNER" userId="S::ld.ruiz@alumnos.upm.es::95fad373-be20-4cc8-9c4b-4294f4e033a5" providerId="AD" clId="Web-{DDA4C2D1-061D-4DB2-BE66-906845DF43D4}" dt="2021-11-10T16:59:35.264" v="435"/>
+        <pc:sldMkLst>
+          <pc:docMk/>
+          <pc:sldMk cId="2619609178" sldId="260"/>
+        </pc:sldMkLst>
+        <pc:spChg chg="mod ord">
+          <ac:chgData name="LICIA DULCE RUIZ CENTNER" userId="S::ld.ruiz@alumnos.upm.es::95fad373-be20-4cc8-9c4b-4294f4e033a5" providerId="AD" clId="Web-{DDA4C2D1-061D-4DB2-BE66-906845DF43D4}" dt="2021-11-10T15:00:35.637" v="56" actId="20577"/>
+          <ac:spMkLst>
+            <pc:docMk/>
+            <pc:sldMk cId="2619609178" sldId="260"/>
+            <ac:spMk id="2" creationId="{144AEA20-8EB1-4778-AE36-9AEFA1FA78D9}"/>
+          </ac:spMkLst>
+        </pc:spChg>
+        <pc:spChg chg="mod ord">
+          <ac:chgData name="LICIA DULCE RUIZ CENTNER" userId="S::ld.ruiz@alumnos.upm.es::95fad373-be20-4cc8-9c4b-4294f4e033a5" providerId="AD" clId="Web-{DDA4C2D1-061D-4DB2-BE66-906845DF43D4}" dt="2021-11-10T15:01:07.513" v="84" actId="20577"/>
+          <ac:spMkLst>
+            <pc:docMk/>
+            <pc:sldMk cId="2619609178" sldId="260"/>
+            <ac:spMk id="3" creationId="{571852AB-255F-423F-8A1E-9B67E4580243}"/>
+          </ac:spMkLst>
+        </pc:spChg>
+        <pc:spChg chg="add">
+          <ac:chgData name="LICIA DULCE RUIZ CENTNER" userId="S::ld.ruiz@alumnos.upm.es::95fad373-be20-4cc8-9c4b-4294f4e033a5" providerId="AD" clId="Web-{DDA4C2D1-061D-4DB2-BE66-906845DF43D4}" dt="2021-11-10T14:41:47.237" v="51"/>
+          <ac:spMkLst>
+            <pc:docMk/>
+            <pc:sldMk cId="2619609178" sldId="260"/>
+            <ac:spMk id="5" creationId="{FF1D7602-6D2D-46C2-A7B2-434F3678DCB3}"/>
+          </ac:spMkLst>
+        </pc:spChg>
+        <pc:spChg chg="add">
+          <ac:chgData name="LICIA DULCE RUIZ CENTNER" userId="S::ld.ruiz@alumnos.upm.es::95fad373-be20-4cc8-9c4b-4294f4e033a5" providerId="AD" clId="Web-{DDA4C2D1-061D-4DB2-BE66-906845DF43D4}" dt="2021-11-10T14:41:47.237" v="51"/>
+          <ac:spMkLst>
+            <pc:docMk/>
+            <pc:sldMk cId="2619609178" sldId="260"/>
+            <ac:spMk id="6" creationId="{35539253-EA7C-41D9-9930-0923683AA3F6}"/>
+          </ac:spMkLst>
+        </pc:spChg>
+        <pc:spChg chg="add del">
+          <ac:chgData name="LICIA DULCE RUIZ CENTNER" userId="S::ld.ruiz@alumnos.upm.es::95fad373-be20-4cc8-9c4b-4294f4e033a5" providerId="AD" clId="Web-{DDA4C2D1-061D-4DB2-BE66-906845DF43D4}" dt="2021-11-10T14:41:25.095" v="50"/>
+          <ac:spMkLst>
+            <pc:docMk/>
+            <pc:sldMk cId="2619609178" sldId="260"/>
+            <ac:spMk id="8" creationId="{429917F3-0560-4C6F-B265-458B218C4B87}"/>
+          </ac:spMkLst>
+        </pc:spChg>
+        <pc:grpChg chg="add del">
+          <ac:chgData name="LICIA DULCE RUIZ CENTNER" userId="S::ld.ruiz@alumnos.upm.es::95fad373-be20-4cc8-9c4b-4294f4e033a5" providerId="AD" clId="Web-{DDA4C2D1-061D-4DB2-BE66-906845DF43D4}" dt="2021-11-10T14:41:25.095" v="50"/>
+          <ac:grpSpMkLst>
+            <pc:docMk/>
+            <pc:sldMk cId="2619609178" sldId="260"/>
+            <ac:grpSpMk id="10" creationId="{AA39BAE7-7EB8-4E22-BCBB-F00F514DB7EA}"/>
+          </ac:grpSpMkLst>
+        </pc:grpChg>
+        <pc:picChg chg="add mod">
+          <ac:chgData name="LICIA DULCE RUIZ CENTNER" userId="S::ld.ruiz@alumnos.upm.es::95fad373-be20-4cc8-9c4b-4294f4e033a5" providerId="AD" clId="Web-{DDA4C2D1-061D-4DB2-BE66-906845DF43D4}" dt="2021-11-10T16:58:00.590" v="433" actId="1076"/>
+          <ac:picMkLst>
+            <pc:docMk/>
+            <pc:sldMk cId="2619609178" sldId="260"/>
+            <ac:picMk id="4" creationId="{C2A42512-10E5-44D4-B7E1-0EB3491444B6}"/>
+          </ac:picMkLst>
+        </pc:picChg>
+        <pc:cxnChg chg="add">
+          <ac:chgData name="LICIA DULCE RUIZ CENTNER" userId="S::ld.ruiz@alumnos.upm.es::95fad373-be20-4cc8-9c4b-4294f4e033a5" providerId="AD" clId="Web-{DDA4C2D1-061D-4DB2-BE66-906845DF43D4}" dt="2021-11-10T14:41:47.237" v="51"/>
+          <ac:cxnSpMkLst>
+            <pc:docMk/>
+            <pc:sldMk cId="2619609178" sldId="260"/>
+            <ac:cxnSpMk id="12" creationId="{8D89589C-2C90-4407-A995-05EC3DD7AB14}"/>
+          </ac:cxnSpMkLst>
+        </pc:cxnChg>
+      </pc:sldChg>
+      <pc:sldChg chg="addSp delSp modSp new add del mod setBg">
+        <pc:chgData name="LICIA DULCE RUIZ CENTNER" userId="S::ld.ruiz@alumnos.upm.es::95fad373-be20-4cc8-9c4b-4294f4e033a5" providerId="AD" clId="Web-{DDA4C2D1-061D-4DB2-BE66-906845DF43D4}" dt="2021-11-10T16:24:34.366" v="363" actId="1076"/>
+        <pc:sldMkLst>
+          <pc:docMk/>
+          <pc:sldMk cId="3809662723" sldId="261"/>
+        </pc:sldMkLst>
+        <pc:spChg chg="mod">
+          <ac:chgData name="LICIA DULCE RUIZ CENTNER" userId="S::ld.ruiz@alumnos.upm.es::95fad373-be20-4cc8-9c4b-4294f4e033a5" providerId="AD" clId="Web-{DDA4C2D1-061D-4DB2-BE66-906845DF43D4}" dt="2021-11-10T15:07:53.634" v="124"/>
+          <ac:spMkLst>
+            <pc:docMk/>
+            <pc:sldMk cId="3809662723" sldId="261"/>
+            <ac:spMk id="2" creationId="{E233E1E2-E019-476B-8741-64DA930D5D18}"/>
+          </ac:spMkLst>
+        </pc:spChg>
+        <pc:spChg chg="del mod">
+          <ac:chgData name="LICIA DULCE RUIZ CENTNER" userId="S::ld.ruiz@alumnos.upm.es::95fad373-be20-4cc8-9c4b-4294f4e033a5" providerId="AD" clId="Web-{DDA4C2D1-061D-4DB2-BE66-906845DF43D4}" dt="2021-11-10T16:18:35.607" v="342"/>
+          <ac:spMkLst>
+            <pc:docMk/>
+            <pc:sldMk cId="3809662723" sldId="261"/>
+            <ac:spMk id="3" creationId="{26CB4D22-6F6C-445D-B664-A2CDFA324536}"/>
+          </ac:spMkLst>
+        </pc:spChg>
+        <pc:spChg chg="add del mod">
+          <ac:chgData name="LICIA DULCE RUIZ CENTNER" userId="S::ld.ruiz@alumnos.upm.es::95fad373-be20-4cc8-9c4b-4294f4e033a5" providerId="AD" clId="Web-{DDA4C2D1-061D-4DB2-BE66-906845DF43D4}" dt="2021-11-10T16:18:38.622" v="343"/>
+          <ac:spMkLst>
+            <pc:docMk/>
+            <pc:sldMk cId="3809662723" sldId="261"/>
+            <ac:spMk id="6" creationId="{50886F24-998A-4C85-98C8-5F6A0EC1321F}"/>
+          </ac:spMkLst>
+        </pc:spChg>
+        <pc:spChg chg="add del">
+          <ac:chgData name="LICIA DULCE RUIZ CENTNER" userId="S::ld.ruiz@alumnos.upm.es::95fad373-be20-4cc8-9c4b-4294f4e033a5" providerId="AD" clId="Web-{DDA4C2D1-061D-4DB2-BE66-906845DF43D4}" dt="2021-11-10T15:07:53.634" v="124"/>
+          <ac:spMkLst>
+            <pc:docMk/>
+            <pc:sldMk cId="3809662723" sldId="261"/>
+            <ac:spMk id="8" creationId="{5DB23C2B-2054-4D8B-9E98-9190F8E05EAD}"/>
+          </ac:spMkLst>
+        </pc:spChg>
+        <pc:spChg chg="add del">
+          <ac:chgData name="LICIA DULCE RUIZ CENTNER" userId="S::ld.ruiz@alumnos.upm.es::95fad373-be20-4cc8-9c4b-4294f4e033a5" providerId="AD" clId="Web-{DDA4C2D1-061D-4DB2-BE66-906845DF43D4}" dt="2021-11-10T15:07:53.634" v="124"/>
+          <ac:spMkLst>
+            <pc:docMk/>
+            <pc:sldMk cId="3809662723" sldId="261"/>
+            <ac:spMk id="10" creationId="{8797B5BC-9873-45F9-97D6-298FB5AF08FF}"/>
+          </ac:spMkLst>
+        </pc:spChg>
+        <pc:spChg chg="add del">
+          <ac:chgData name="LICIA DULCE RUIZ CENTNER" userId="S::ld.ruiz@alumnos.upm.es::95fad373-be20-4cc8-9c4b-4294f4e033a5" providerId="AD" clId="Web-{DDA4C2D1-061D-4DB2-BE66-906845DF43D4}" dt="2021-11-10T15:07:53.634" v="124"/>
+          <ac:spMkLst>
+            <pc:docMk/>
+            <pc:sldMk cId="3809662723" sldId="261"/>
+            <ac:spMk id="12" creationId="{665C2FCD-09A4-4B4B-AA73-F330DFE91799}"/>
+          </ac:spMkLst>
+        </pc:spChg>
+        <pc:spChg chg="add">
+          <ac:chgData name="LICIA DULCE RUIZ CENTNER" userId="S::ld.ruiz@alumnos.upm.es::95fad373-be20-4cc8-9c4b-4294f4e033a5" providerId="AD" clId="Web-{DDA4C2D1-061D-4DB2-BE66-906845DF43D4}" dt="2021-11-10T15:07:53.634" v="124"/>
+          <ac:spMkLst>
+            <pc:docMk/>
+            <pc:sldMk cId="3809662723" sldId="261"/>
+            <ac:spMk id="17" creationId="{29DC5A77-10C9-4ECF-B7EB-8D917F36A9EE}"/>
+          </ac:spMkLst>
+        </pc:spChg>
+        <pc:spChg chg="add">
+          <ac:chgData name="LICIA DULCE RUIZ CENTNER" userId="S::ld.ruiz@alumnos.upm.es::95fad373-be20-4cc8-9c4b-4294f4e033a5" providerId="AD" clId="Web-{DDA4C2D1-061D-4DB2-BE66-906845DF43D4}" dt="2021-11-10T15:07:53.634" v="124"/>
+          <ac:spMkLst>
+            <pc:docMk/>
+            <pc:sldMk cId="3809662723" sldId="261"/>
+            <ac:spMk id="19" creationId="{2FFE28B5-FB16-49A9-B851-3C35FAC0CACB}"/>
+          </ac:spMkLst>
+        </pc:spChg>
+        <pc:spChg chg="add">
+          <ac:chgData name="LICIA DULCE RUIZ CENTNER" userId="S::ld.ruiz@alumnos.upm.es::95fad373-be20-4cc8-9c4b-4294f4e033a5" providerId="AD" clId="Web-{DDA4C2D1-061D-4DB2-BE66-906845DF43D4}" dt="2021-11-10T15:07:53.634" v="124"/>
+          <ac:spMkLst>
+            <pc:docMk/>
+            <pc:sldMk cId="3809662723" sldId="261"/>
+            <ac:spMk id="21" creationId="{01014442-855A-4E0F-8D09-C314661A48B9}"/>
+          </ac:spMkLst>
+        </pc:spChg>
+        <pc:spChg chg="add">
+          <ac:chgData name="LICIA DULCE RUIZ CENTNER" userId="S::ld.ruiz@alumnos.upm.es::95fad373-be20-4cc8-9c4b-4294f4e033a5" providerId="AD" clId="Web-{DDA4C2D1-061D-4DB2-BE66-906845DF43D4}" dt="2021-11-10T15:07:53.634" v="124"/>
+          <ac:spMkLst>
+            <pc:docMk/>
+            <pc:sldMk cId="3809662723" sldId="261"/>
+            <ac:spMk id="23" creationId="{9B1ABF09-86CF-414E-88A5-2B84CC7232A9}"/>
+          </ac:spMkLst>
+        </pc:spChg>
+        <pc:spChg chg="add">
+          <ac:chgData name="LICIA DULCE RUIZ CENTNER" userId="S::ld.ruiz@alumnos.upm.es::95fad373-be20-4cc8-9c4b-4294f4e033a5" providerId="AD" clId="Web-{DDA4C2D1-061D-4DB2-BE66-906845DF43D4}" dt="2021-11-10T15:07:53.634" v="124"/>
+          <ac:spMkLst>
+            <pc:docMk/>
+            <pc:sldMk cId="3809662723" sldId="261"/>
+            <ac:spMk id="25" creationId="{3FE91770-CDBB-4D24-94E5-AD484F36CE87}"/>
+          </ac:spMkLst>
+        </pc:spChg>
+        <pc:graphicFrameChg chg="add del mod modGraphic">
+          <ac:chgData name="LICIA DULCE RUIZ CENTNER" userId="S::ld.ruiz@alumnos.upm.es::95fad373-be20-4cc8-9c4b-4294f4e033a5" providerId="AD" clId="Web-{DDA4C2D1-061D-4DB2-BE66-906845DF43D4}" dt="2021-11-10T16:21:12.689" v="349"/>
+          <ac:graphicFrameMkLst>
+            <pc:docMk/>
+            <pc:sldMk cId="3809662723" sldId="261"/>
+            <ac:graphicFrameMk id="9" creationId="{D8D8025B-D049-4220-B335-0749BFE31DB8}"/>
+          </ac:graphicFrameMkLst>
+        </pc:graphicFrameChg>
+        <pc:picChg chg="add del mod">
+          <ac:chgData name="LICIA DULCE RUIZ CENTNER" userId="S::ld.ruiz@alumnos.upm.es::95fad373-be20-4cc8-9c4b-4294f4e033a5" providerId="AD" clId="Web-{DDA4C2D1-061D-4DB2-BE66-906845DF43D4}" dt="2021-11-10T16:23:01.957" v="356"/>
+          <ac:picMkLst>
+            <pc:docMk/>
+            <pc:sldMk cId="3809662723" sldId="261"/>
+            <ac:picMk id="4" creationId="{65EA9A58-7AF4-49D2-9CBD-95F12CC19B5A}"/>
+          </ac:picMkLst>
+        </pc:picChg>
+        <pc:picChg chg="add mod ord">
+          <ac:chgData name="LICIA DULCE RUIZ CENTNER" userId="S::ld.ruiz@alumnos.upm.es::95fad373-be20-4cc8-9c4b-4294f4e033a5" providerId="AD" clId="Web-{DDA4C2D1-061D-4DB2-BE66-906845DF43D4}" dt="2021-11-10T16:21:52.518" v="353" actId="1076"/>
+          <ac:picMkLst>
+            <pc:docMk/>
+            <pc:sldMk cId="3809662723" sldId="261"/>
+            <ac:picMk id="7" creationId="{03AB0C80-59A0-4DF7-B980-BC07C224C1D0}"/>
+          </ac:picMkLst>
+        </pc:picChg>
+        <pc:picChg chg="add mod">
+          <ac:chgData name="LICIA DULCE RUIZ CENTNER" userId="S::ld.ruiz@alumnos.upm.es::95fad373-be20-4cc8-9c4b-4294f4e033a5" providerId="AD" clId="Web-{DDA4C2D1-061D-4DB2-BE66-906845DF43D4}" dt="2021-11-10T16:24:34.366" v="363" actId="1076"/>
+          <ac:picMkLst>
+            <pc:docMk/>
+            <pc:sldMk cId="3809662723" sldId="261"/>
+            <ac:picMk id="8" creationId="{49ED9351-468D-4AB5-9336-E485EB15D0E0}"/>
+          </ac:picMkLst>
+        </pc:picChg>
+        <pc:picChg chg="add del mod">
+          <ac:chgData name="LICIA DULCE RUIZ CENTNER" userId="S::ld.ruiz@alumnos.upm.es::95fad373-be20-4cc8-9c4b-4294f4e033a5" providerId="AD" clId="Web-{DDA4C2D1-061D-4DB2-BE66-906845DF43D4}" dt="2021-11-10T16:23:07.817" v="358"/>
+          <ac:picMkLst>
+            <pc:docMk/>
+            <pc:sldMk cId="3809662723" sldId="261"/>
+            <ac:picMk id="14" creationId="{66A3ED16-1AAE-447A-9796-61B995E12BB0}"/>
+          </ac:picMkLst>
+        </pc:picChg>
+        <pc:picChg chg="add mod">
+          <ac:chgData name="LICIA DULCE RUIZ CENTNER" userId="S::ld.ruiz@alumnos.upm.es::95fad373-be20-4cc8-9c4b-4294f4e033a5" providerId="AD" clId="Web-{DDA4C2D1-061D-4DB2-BE66-906845DF43D4}" dt="2021-11-10T16:24:31.694" v="362" actId="1076"/>
+          <ac:picMkLst>
+            <pc:docMk/>
+            <pc:sldMk cId="3809662723" sldId="261"/>
+            <ac:picMk id="15" creationId="{2B6FC49B-3804-40ED-994F-7C97FD410F29}"/>
+          </ac:picMkLst>
+        </pc:picChg>
+      </pc:sldChg>
+      <pc:sldChg chg="addSp delSp modSp new mod setBg">
+        <pc:chgData name="LICIA DULCE RUIZ CENTNER" userId="S::ld.ruiz@alumnos.upm.es::95fad373-be20-4cc8-9c4b-4294f4e033a5" providerId="AD" clId="Web-{DDA4C2D1-061D-4DB2-BE66-906845DF43D4}" dt="2021-11-10T16:28:07.403" v="375"/>
+        <pc:sldMkLst>
+          <pc:docMk/>
+          <pc:sldMk cId="3362291158" sldId="262"/>
+        </pc:sldMkLst>
+        <pc:spChg chg="mod">
+          <ac:chgData name="LICIA DULCE RUIZ CENTNER" userId="S::ld.ruiz@alumnos.upm.es::95fad373-be20-4cc8-9c4b-4294f4e033a5" providerId="AD" clId="Web-{DDA4C2D1-061D-4DB2-BE66-906845DF43D4}" dt="2021-11-10T15:07:49.228" v="123"/>
+          <ac:spMkLst>
+            <pc:docMk/>
+            <pc:sldMk cId="3362291158" sldId="262"/>
+            <ac:spMk id="2" creationId="{817AB747-7478-4EF0-8961-191A79DCD887}"/>
+          </ac:spMkLst>
+        </pc:spChg>
+        <pc:spChg chg="mod">
+          <ac:chgData name="LICIA DULCE RUIZ CENTNER" userId="S::ld.ruiz@alumnos.upm.es::95fad373-be20-4cc8-9c4b-4294f4e033a5" providerId="AD" clId="Web-{DDA4C2D1-061D-4DB2-BE66-906845DF43D4}" dt="2021-11-10T16:28:07.403" v="375"/>
+          <ac:spMkLst>
+            <pc:docMk/>
+            <pc:sldMk cId="3362291158" sldId="262"/>
+            <ac:spMk id="3" creationId="{96EED233-BFE4-443E-9ACD-ABEE29B3245D}"/>
+          </ac:spMkLst>
+        </pc:spChg>
+        <pc:spChg chg="add del">
+          <ac:chgData name="LICIA DULCE RUIZ CENTNER" userId="S::ld.ruiz@alumnos.upm.es::95fad373-be20-4cc8-9c4b-4294f4e033a5" providerId="AD" clId="Web-{DDA4C2D1-061D-4DB2-BE66-906845DF43D4}" dt="2021-11-10T15:07:49.228" v="123"/>
+          <ac:spMkLst>
+            <pc:docMk/>
+            <pc:sldMk cId="3362291158" sldId="262"/>
+            <ac:spMk id="8" creationId="{80516254-1D9F-4F3A-9870-3A3280BE2BFE}"/>
+          </ac:spMkLst>
+        </pc:spChg>
+        <pc:spChg chg="add del">
+          <ac:chgData name="LICIA DULCE RUIZ CENTNER" userId="S::ld.ruiz@alumnos.upm.es::95fad373-be20-4cc8-9c4b-4294f4e033a5" providerId="AD" clId="Web-{DDA4C2D1-061D-4DB2-BE66-906845DF43D4}" dt="2021-11-10T15:07:49.228" v="123"/>
+          <ac:spMkLst>
+            <pc:docMk/>
+            <pc:sldMk cId="3362291158" sldId="262"/>
+            <ac:spMk id="10" creationId="{FC14672B-27A5-4CDA-ABAF-5E4CF4B41C23}"/>
+          </ac:spMkLst>
+        </pc:spChg>
+        <pc:spChg chg="add del">
+          <ac:chgData name="LICIA DULCE RUIZ CENTNER" userId="S::ld.ruiz@alumnos.upm.es::95fad373-be20-4cc8-9c4b-4294f4e033a5" providerId="AD" clId="Web-{DDA4C2D1-061D-4DB2-BE66-906845DF43D4}" dt="2021-11-10T15:07:49.228" v="123"/>
+          <ac:spMkLst>
+            <pc:docMk/>
+            <pc:sldMk cId="3362291158" sldId="262"/>
+            <ac:spMk id="14" creationId="{9A206779-5C74-4555-94BC-5845C92EC3A8}"/>
+          </ac:spMkLst>
+        </pc:spChg>
+        <pc:spChg chg="add">
+          <ac:chgData name="LICIA DULCE RUIZ CENTNER" userId="S::ld.ruiz@alumnos.upm.es::95fad373-be20-4cc8-9c4b-4294f4e033a5" providerId="AD" clId="Web-{DDA4C2D1-061D-4DB2-BE66-906845DF43D4}" dt="2021-11-10T15:07:49.228" v="123"/>
+          <ac:spMkLst>
+            <pc:docMk/>
+            <pc:sldMk cId="3362291158" sldId="262"/>
+            <ac:spMk id="19" creationId="{29DC5A77-10C9-4ECF-B7EB-8D917F36A9EE}"/>
+          </ac:spMkLst>
+        </pc:spChg>
+        <pc:spChg chg="add">
+          <ac:chgData name="LICIA DULCE RUIZ CENTNER" userId="S::ld.ruiz@alumnos.upm.es::95fad373-be20-4cc8-9c4b-4294f4e033a5" providerId="AD" clId="Web-{DDA4C2D1-061D-4DB2-BE66-906845DF43D4}" dt="2021-11-10T15:07:49.228" v="123"/>
+          <ac:spMkLst>
+            <pc:docMk/>
+            <pc:sldMk cId="3362291158" sldId="262"/>
+            <ac:spMk id="21" creationId="{2FFE28B5-FB16-49A9-B851-3C35FAC0CACB}"/>
+          </ac:spMkLst>
+        </pc:spChg>
+        <pc:spChg chg="add">
+          <ac:chgData name="LICIA DULCE RUIZ CENTNER" userId="S::ld.ruiz@alumnos.upm.es::95fad373-be20-4cc8-9c4b-4294f4e033a5" providerId="AD" clId="Web-{DDA4C2D1-061D-4DB2-BE66-906845DF43D4}" dt="2021-11-10T15:07:49.228" v="123"/>
+          <ac:spMkLst>
+            <pc:docMk/>
+            <pc:sldMk cId="3362291158" sldId="262"/>
+            <ac:spMk id="23" creationId="{01014442-855A-4E0F-8D09-C314661A48B9}"/>
+          </ac:spMkLst>
+        </pc:spChg>
+        <pc:spChg chg="add">
+          <ac:chgData name="LICIA DULCE RUIZ CENTNER" userId="S::ld.ruiz@alumnos.upm.es::95fad373-be20-4cc8-9c4b-4294f4e033a5" providerId="AD" clId="Web-{DDA4C2D1-061D-4DB2-BE66-906845DF43D4}" dt="2021-11-10T15:07:49.228" v="123"/>
+          <ac:spMkLst>
+            <pc:docMk/>
+            <pc:sldMk cId="3362291158" sldId="262"/>
+            <ac:spMk id="25" creationId="{9B1ABF09-86CF-414E-88A5-2B84CC7232A9}"/>
+          </ac:spMkLst>
+        </pc:spChg>
+        <pc:spChg chg="add">
+          <ac:chgData name="LICIA DULCE RUIZ CENTNER" userId="S::ld.ruiz@alumnos.upm.es::95fad373-be20-4cc8-9c4b-4294f4e033a5" providerId="AD" clId="Web-{DDA4C2D1-061D-4DB2-BE66-906845DF43D4}" dt="2021-11-10T15:07:49.228" v="123"/>
+          <ac:spMkLst>
+            <pc:docMk/>
+            <pc:sldMk cId="3362291158" sldId="262"/>
+            <ac:spMk id="27" creationId="{3FE91770-CDBB-4D24-94E5-AD484F36CE87}"/>
+          </ac:spMkLst>
+        </pc:spChg>
+        <pc:cxnChg chg="add del">
+          <ac:chgData name="LICIA DULCE RUIZ CENTNER" userId="S::ld.ruiz@alumnos.upm.es::95fad373-be20-4cc8-9c4b-4294f4e033a5" providerId="AD" clId="Web-{DDA4C2D1-061D-4DB2-BE66-906845DF43D4}" dt="2021-11-10T15:07:49.228" v="123"/>
+          <ac:cxnSpMkLst>
+            <pc:docMk/>
+            <pc:sldMk cId="3362291158" sldId="262"/>
+            <ac:cxnSpMk id="12" creationId="{8D89589C-2C90-4407-A995-05EC3DD7AB14}"/>
+          </ac:cxnSpMkLst>
+        </pc:cxnChg>
+      </pc:sldChg>
+      <pc:sldChg chg="addSp modSp new mod setBg">
+        <pc:chgData name="LICIA DULCE RUIZ CENTNER" userId="S::ld.ruiz@alumnos.upm.es::95fad373-be20-4cc8-9c4b-4294f4e033a5" providerId="AD" clId="Web-{DDA4C2D1-061D-4DB2-BE66-906845DF43D4}" dt="2021-11-10T16:35:57.853" v="392" actId="20577"/>
+        <pc:sldMkLst>
+          <pc:docMk/>
+          <pc:sldMk cId="1168108605" sldId="263"/>
+        </pc:sldMkLst>
+        <pc:spChg chg="mod">
+          <ac:chgData name="LICIA DULCE RUIZ CENTNER" userId="S::ld.ruiz@alumnos.upm.es::95fad373-be20-4cc8-9c4b-4294f4e033a5" providerId="AD" clId="Web-{DDA4C2D1-061D-4DB2-BE66-906845DF43D4}" dt="2021-11-10T15:08:05.900" v="127"/>
+          <ac:spMkLst>
+            <pc:docMk/>
+            <pc:sldMk cId="1168108605" sldId="263"/>
+            <ac:spMk id="2" creationId="{26BEDC25-1D7B-4DDA-A2B6-8441E3984999}"/>
+          </ac:spMkLst>
+        </pc:spChg>
+        <pc:spChg chg="mod">
+          <ac:chgData name="LICIA DULCE RUIZ CENTNER" userId="S::ld.ruiz@alumnos.upm.es::95fad373-be20-4cc8-9c4b-4294f4e033a5" providerId="AD" clId="Web-{DDA4C2D1-061D-4DB2-BE66-906845DF43D4}" dt="2021-11-10T16:35:57.853" v="392" actId="20577"/>
+          <ac:spMkLst>
+            <pc:docMk/>
+            <pc:sldMk cId="1168108605" sldId="263"/>
+            <ac:spMk id="3" creationId="{1F48A7C9-09B2-4562-A2C8-8EA51122C7DF}"/>
+          </ac:spMkLst>
+        </pc:spChg>
+        <pc:spChg chg="add">
+          <ac:chgData name="LICIA DULCE RUIZ CENTNER" userId="S::ld.ruiz@alumnos.upm.es::95fad373-be20-4cc8-9c4b-4294f4e033a5" providerId="AD" clId="Web-{DDA4C2D1-061D-4DB2-BE66-906845DF43D4}" dt="2021-11-10T15:08:05.900" v="127"/>
+          <ac:spMkLst>
+            <pc:docMk/>
+            <pc:sldMk cId="1168108605" sldId="263"/>
+            <ac:spMk id="8" creationId="{29DC5A77-10C9-4ECF-B7EB-8D917F36A9EE}"/>
+          </ac:spMkLst>
+        </pc:spChg>
+        <pc:spChg chg="add">
+          <ac:chgData name="LICIA DULCE RUIZ CENTNER" userId="S::ld.ruiz@alumnos.upm.es::95fad373-be20-4cc8-9c4b-4294f4e033a5" providerId="AD" clId="Web-{DDA4C2D1-061D-4DB2-BE66-906845DF43D4}" dt="2021-11-10T15:08:05.900" v="127"/>
+          <ac:spMkLst>
+            <pc:docMk/>
+            <pc:sldMk cId="1168108605" sldId="263"/>
+            <ac:spMk id="10" creationId="{2FFE28B5-FB16-49A9-B851-3C35FAC0CACB}"/>
+          </ac:spMkLst>
+        </pc:spChg>
+        <pc:spChg chg="add">
+          <ac:chgData name="LICIA DULCE RUIZ CENTNER" userId="S::ld.ruiz@alumnos.upm.es::95fad373-be20-4cc8-9c4b-4294f4e033a5" providerId="AD" clId="Web-{DDA4C2D1-061D-4DB2-BE66-906845DF43D4}" dt="2021-11-10T15:08:05.900" v="127"/>
+          <ac:spMkLst>
+            <pc:docMk/>
+            <pc:sldMk cId="1168108605" sldId="263"/>
+            <ac:spMk id="12" creationId="{01014442-855A-4E0F-8D09-C314661A48B9}"/>
+          </ac:spMkLst>
+        </pc:spChg>
+        <pc:spChg chg="add">
+          <ac:chgData name="LICIA DULCE RUIZ CENTNER" userId="S::ld.ruiz@alumnos.upm.es::95fad373-be20-4cc8-9c4b-4294f4e033a5" providerId="AD" clId="Web-{DDA4C2D1-061D-4DB2-BE66-906845DF43D4}" dt="2021-11-10T15:08:05.900" v="127"/>
+          <ac:spMkLst>
+            <pc:docMk/>
+            <pc:sldMk cId="1168108605" sldId="263"/>
+            <ac:spMk id="14" creationId="{9B1ABF09-86CF-414E-88A5-2B84CC7232A9}"/>
+          </ac:spMkLst>
+        </pc:spChg>
+        <pc:spChg chg="add">
+          <ac:chgData name="LICIA DULCE RUIZ CENTNER" userId="S::ld.ruiz@alumnos.upm.es::95fad373-be20-4cc8-9c4b-4294f4e033a5" providerId="AD" clId="Web-{DDA4C2D1-061D-4DB2-BE66-906845DF43D4}" dt="2021-11-10T15:08:05.900" v="127"/>
+          <ac:spMkLst>
+            <pc:docMk/>
+            <pc:sldMk cId="1168108605" sldId="263"/>
+            <ac:spMk id="16" creationId="{3FE91770-CDBB-4D24-94E5-AD484F36CE87}"/>
+          </ac:spMkLst>
+        </pc:spChg>
+      </pc:sldChg>
+      <pc:sldChg chg="addSp modSp new mod setBg">
+        <pc:chgData name="LICIA DULCE RUIZ CENTNER" userId="S::ld.ruiz@alumnos.upm.es::95fad373-be20-4cc8-9c4b-4294f4e033a5" providerId="AD" clId="Web-{DDA4C2D1-061D-4DB2-BE66-906845DF43D4}" dt="2021-11-10T16:33:06.879" v="390" actId="20577"/>
+        <pc:sldMkLst>
+          <pc:docMk/>
+          <pc:sldMk cId="3745277621" sldId="264"/>
+        </pc:sldMkLst>
+        <pc:spChg chg="mod">
+          <ac:chgData name="LICIA DULCE RUIZ CENTNER" userId="S::ld.ruiz@alumnos.upm.es::95fad373-be20-4cc8-9c4b-4294f4e033a5" providerId="AD" clId="Web-{DDA4C2D1-061D-4DB2-BE66-906845DF43D4}" dt="2021-11-10T15:08:02.525" v="126"/>
+          <ac:spMkLst>
+            <pc:docMk/>
+            <pc:sldMk cId="3745277621" sldId="264"/>
+            <ac:spMk id="2" creationId="{860FE49A-936E-4374-902A-5FEDFD129365}"/>
+          </ac:spMkLst>
+        </pc:spChg>
+        <pc:spChg chg="mod">
+          <ac:chgData name="LICIA DULCE RUIZ CENTNER" userId="S::ld.ruiz@alumnos.upm.es::95fad373-be20-4cc8-9c4b-4294f4e033a5" providerId="AD" clId="Web-{DDA4C2D1-061D-4DB2-BE66-906845DF43D4}" dt="2021-11-10T16:33:06.879" v="390" actId="20577"/>
+          <ac:spMkLst>
+            <pc:docMk/>
+            <pc:sldMk cId="3745277621" sldId="264"/>
+            <ac:spMk id="3" creationId="{99E60AE2-4A82-456B-9544-B5CFF1B314AA}"/>
+          </ac:spMkLst>
+        </pc:spChg>
+        <pc:spChg chg="add">
+          <ac:chgData name="LICIA DULCE RUIZ CENTNER" userId="S::ld.ruiz@alumnos.upm.es::95fad373-be20-4cc8-9c4b-4294f4e033a5" providerId="AD" clId="Web-{DDA4C2D1-061D-4DB2-BE66-906845DF43D4}" dt="2021-11-10T15:08:02.525" v="126"/>
+          <ac:spMkLst>
+            <pc:docMk/>
+            <pc:sldMk cId="3745277621" sldId="264"/>
+            <ac:spMk id="8" creationId="{29DC5A77-10C9-4ECF-B7EB-8D917F36A9EE}"/>
+          </ac:spMkLst>
+        </pc:spChg>
+        <pc:spChg chg="add">
+          <ac:chgData name="LICIA DULCE RUIZ CENTNER" userId="S::ld.ruiz@alumnos.upm.es::95fad373-be20-4cc8-9c4b-4294f4e033a5" providerId="AD" clId="Web-{DDA4C2D1-061D-4DB2-BE66-906845DF43D4}" dt="2021-11-10T15:08:02.525" v="126"/>
+          <ac:spMkLst>
+            <pc:docMk/>
+            <pc:sldMk cId="3745277621" sldId="264"/>
+            <ac:spMk id="10" creationId="{2FFE28B5-FB16-49A9-B851-3C35FAC0CACB}"/>
+          </ac:spMkLst>
+        </pc:spChg>
+        <pc:spChg chg="add">
+          <ac:chgData name="LICIA DULCE RUIZ CENTNER" userId="S::ld.ruiz@alumnos.upm.es::95fad373-be20-4cc8-9c4b-4294f4e033a5" providerId="AD" clId="Web-{DDA4C2D1-061D-4DB2-BE66-906845DF43D4}" dt="2021-11-10T15:08:02.525" v="126"/>
+          <ac:spMkLst>
+            <pc:docMk/>
+            <pc:sldMk cId="3745277621" sldId="264"/>
+            <ac:spMk id="12" creationId="{01014442-855A-4E0F-8D09-C314661A48B9}"/>
+          </ac:spMkLst>
+        </pc:spChg>
+        <pc:spChg chg="add">
+          <ac:chgData name="LICIA DULCE RUIZ CENTNER" userId="S::ld.ruiz@alumnos.upm.es::95fad373-be20-4cc8-9c4b-4294f4e033a5" providerId="AD" clId="Web-{DDA4C2D1-061D-4DB2-BE66-906845DF43D4}" dt="2021-11-10T15:08:02.525" v="126"/>
+          <ac:spMkLst>
+            <pc:docMk/>
+            <pc:sldMk cId="3745277621" sldId="264"/>
+            <ac:spMk id="14" creationId="{9B1ABF09-86CF-414E-88A5-2B84CC7232A9}"/>
+          </ac:spMkLst>
+        </pc:spChg>
+        <pc:spChg chg="add">
+          <ac:chgData name="LICIA DULCE RUIZ CENTNER" userId="S::ld.ruiz@alumnos.upm.es::95fad373-be20-4cc8-9c4b-4294f4e033a5" providerId="AD" clId="Web-{DDA4C2D1-061D-4DB2-BE66-906845DF43D4}" dt="2021-11-10T15:08:02.525" v="126"/>
+          <ac:spMkLst>
+            <pc:docMk/>
+            <pc:sldMk cId="3745277621" sldId="264"/>
+            <ac:spMk id="16" creationId="{3FE91770-CDBB-4D24-94E5-AD484F36CE87}"/>
+          </ac:spMkLst>
+        </pc:spChg>
+      </pc:sldChg>
+      <pc:sldChg chg="addSp modSp new mod setBg">
+        <pc:chgData name="LICIA DULCE RUIZ CENTNER" userId="S::ld.ruiz@alumnos.upm.es::95fad373-be20-4cc8-9c4b-4294f4e033a5" providerId="AD" clId="Web-{DDA4C2D1-061D-4DB2-BE66-906845DF43D4}" dt="2021-11-10T16:29:10.639" v="386"/>
+        <pc:sldMkLst>
+          <pc:docMk/>
+          <pc:sldMk cId="563055934" sldId="265"/>
+        </pc:sldMkLst>
+        <pc:spChg chg="mod">
+          <ac:chgData name="LICIA DULCE RUIZ CENTNER" userId="S::ld.ruiz@alumnos.upm.es::95fad373-be20-4cc8-9c4b-4294f4e033a5" providerId="AD" clId="Web-{DDA4C2D1-061D-4DB2-BE66-906845DF43D4}" dt="2021-11-10T15:07:58.806" v="125"/>
+          <ac:spMkLst>
+            <pc:docMk/>
+            <pc:sldMk cId="563055934" sldId="265"/>
+            <ac:spMk id="2" creationId="{CFB905B1-2247-4DAB-A182-FC44990CFFD8}"/>
+          </ac:spMkLst>
+        </pc:spChg>
+        <pc:spChg chg="mod">
+          <ac:chgData name="LICIA DULCE RUIZ CENTNER" userId="S::ld.ruiz@alumnos.upm.es::95fad373-be20-4cc8-9c4b-4294f4e033a5" providerId="AD" clId="Web-{DDA4C2D1-061D-4DB2-BE66-906845DF43D4}" dt="2021-11-10T16:29:10.639" v="386"/>
+          <ac:spMkLst>
+            <pc:docMk/>
+            <pc:sldMk cId="563055934" sldId="265"/>
+            <ac:spMk id="3" creationId="{70D07863-05EE-46E1-B147-27C3E2F10DAD}"/>
+          </ac:spMkLst>
+        </pc:spChg>
+        <pc:spChg chg="add">
+          <ac:chgData name="LICIA DULCE RUIZ CENTNER" userId="S::ld.ruiz@alumnos.upm.es::95fad373-be20-4cc8-9c4b-4294f4e033a5" providerId="AD" clId="Web-{DDA4C2D1-061D-4DB2-BE66-906845DF43D4}" dt="2021-11-10T15:07:58.806" v="125"/>
+          <ac:spMkLst>
+            <pc:docMk/>
+            <pc:sldMk cId="563055934" sldId="265"/>
+            <ac:spMk id="8" creationId="{29DC5A77-10C9-4ECF-B7EB-8D917F36A9EE}"/>
+          </ac:spMkLst>
+        </pc:spChg>
+        <pc:spChg chg="add">
+          <ac:chgData name="LICIA DULCE RUIZ CENTNER" userId="S::ld.ruiz@alumnos.upm.es::95fad373-be20-4cc8-9c4b-4294f4e033a5" providerId="AD" clId="Web-{DDA4C2D1-061D-4DB2-BE66-906845DF43D4}" dt="2021-11-10T15:07:58.806" v="125"/>
+          <ac:spMkLst>
+            <pc:docMk/>
+            <pc:sldMk cId="563055934" sldId="265"/>
+            <ac:spMk id="10" creationId="{2FFE28B5-FB16-49A9-B851-3C35FAC0CACB}"/>
+          </ac:spMkLst>
+        </pc:spChg>
+        <pc:spChg chg="add">
+          <ac:chgData name="LICIA DULCE RUIZ CENTNER" userId="S::ld.ruiz@alumnos.upm.es::95fad373-be20-4cc8-9c4b-4294f4e033a5" providerId="AD" clId="Web-{DDA4C2D1-061D-4DB2-BE66-906845DF43D4}" dt="2021-11-10T15:07:58.806" v="125"/>
+          <ac:spMkLst>
+            <pc:docMk/>
+            <pc:sldMk cId="563055934" sldId="265"/>
+            <ac:spMk id="12" creationId="{01014442-855A-4E0F-8D09-C314661A48B9}"/>
+          </ac:spMkLst>
+        </pc:spChg>
+        <pc:spChg chg="add">
+          <ac:chgData name="LICIA DULCE RUIZ CENTNER" userId="S::ld.ruiz@alumnos.upm.es::95fad373-be20-4cc8-9c4b-4294f4e033a5" providerId="AD" clId="Web-{DDA4C2D1-061D-4DB2-BE66-906845DF43D4}" dt="2021-11-10T15:07:58.806" v="125"/>
+          <ac:spMkLst>
+            <pc:docMk/>
+            <pc:sldMk cId="563055934" sldId="265"/>
+            <ac:spMk id="14" creationId="{9B1ABF09-86CF-414E-88A5-2B84CC7232A9}"/>
+          </ac:spMkLst>
+        </pc:spChg>
+        <pc:spChg chg="add">
+          <ac:chgData name="LICIA DULCE RUIZ CENTNER" userId="S::ld.ruiz@alumnos.upm.es::95fad373-be20-4cc8-9c4b-4294f4e033a5" providerId="AD" clId="Web-{DDA4C2D1-061D-4DB2-BE66-906845DF43D4}" dt="2021-11-10T15:07:58.806" v="125"/>
+          <ac:spMkLst>
+            <pc:docMk/>
+            <pc:sldMk cId="563055934" sldId="265"/>
+            <ac:spMk id="16" creationId="{3FE91770-CDBB-4D24-94E5-AD484F36CE87}"/>
+          </ac:spMkLst>
+        </pc:spChg>
+      </pc:sldChg>
+      <pc:sldChg chg="delSp add del replId">
+        <pc:chgData name="LICIA DULCE RUIZ CENTNER" userId="S::ld.ruiz@alumnos.upm.es::95fad373-be20-4cc8-9c4b-4294f4e033a5" providerId="AD" clId="Web-{DDA4C2D1-061D-4DB2-BE66-906845DF43D4}" dt="2021-11-10T16:26:12.243" v="365"/>
+        <pc:sldMkLst>
+          <pc:docMk/>
+          <pc:sldMk cId="941959656" sldId="266"/>
+        </pc:sldMkLst>
+        <pc:picChg chg="del">
+          <ac:chgData name="LICIA DULCE RUIZ CENTNER" userId="S::ld.ruiz@alumnos.upm.es::95fad373-be20-4cc8-9c4b-4294f4e033a5" providerId="AD" clId="Web-{DDA4C2D1-061D-4DB2-BE66-906845DF43D4}" dt="2021-11-10T16:24:52.257" v="364"/>
+          <ac:picMkLst>
+            <pc:docMk/>
+            <pc:sldMk cId="941959656" sldId="266"/>
+            <ac:picMk id="4" creationId="{65EA9A58-7AF4-49D2-9CBD-95F12CC19B5A}"/>
+          </ac:picMkLst>
+        </pc:picChg>
+      </pc:sldChg>
+      <pc:sldChg chg="addSp modSp new mod setBg">
+        <pc:chgData name="LICIA DULCE RUIZ CENTNER" userId="S::ld.ruiz@alumnos.upm.es::95fad373-be20-4cc8-9c4b-4294f4e033a5" providerId="AD" clId="Web-{DDA4C2D1-061D-4DB2-BE66-906845DF43D4}" dt="2021-11-10T16:52:57.535" v="402" actId="20577"/>
+        <pc:sldMkLst>
+          <pc:docMk/>
+          <pc:sldMk cId="3156274014" sldId="266"/>
+        </pc:sldMkLst>
+        <pc:spChg chg="mod">
+          <ac:chgData name="LICIA DULCE RUIZ CENTNER" userId="S::ld.ruiz@alumnos.upm.es::95fad373-be20-4cc8-9c4b-4294f4e033a5" providerId="AD" clId="Web-{DDA4C2D1-061D-4DB2-BE66-906845DF43D4}" dt="2021-11-10T16:36:09.322" v="400" actId="20577"/>
+          <ac:spMkLst>
+            <pc:docMk/>
+            <pc:sldMk cId="3156274014" sldId="266"/>
+            <ac:spMk id="2" creationId="{A4233108-85F4-46B1-995D-2A699CC72955}"/>
+          </ac:spMkLst>
+        </pc:spChg>
+        <pc:spChg chg="mod">
+          <ac:chgData name="LICIA DULCE RUIZ CENTNER" userId="S::ld.ruiz@alumnos.upm.es::95fad373-be20-4cc8-9c4b-4294f4e033a5" providerId="AD" clId="Web-{DDA4C2D1-061D-4DB2-BE66-906845DF43D4}" dt="2021-11-10T16:52:57.535" v="402" actId="20577"/>
+          <ac:spMkLst>
+            <pc:docMk/>
+            <pc:sldMk cId="3156274014" sldId="266"/>
+            <ac:spMk id="3" creationId="{B520888F-B9C5-4FA6-83F7-86C42A3AB5FD}"/>
+          </ac:spMkLst>
+        </pc:spChg>
+        <pc:spChg chg="add">
+          <ac:chgData name="LICIA DULCE RUIZ CENTNER" userId="S::ld.ruiz@alumnos.upm.es::95fad373-be20-4cc8-9c4b-4294f4e033a5" providerId="AD" clId="Web-{DDA4C2D1-061D-4DB2-BE66-906845DF43D4}" dt="2021-11-10T16:36:03.103" v="394"/>
+          <ac:spMkLst>
+            <pc:docMk/>
+            <pc:sldMk cId="3156274014" sldId="266"/>
+            <ac:spMk id="8" creationId="{29DC5A77-10C9-4ECF-B7EB-8D917F36A9EE}"/>
+          </ac:spMkLst>
+        </pc:spChg>
+        <pc:spChg chg="add">
+          <ac:chgData name="LICIA DULCE RUIZ CENTNER" userId="S::ld.ruiz@alumnos.upm.es::95fad373-be20-4cc8-9c4b-4294f4e033a5" providerId="AD" clId="Web-{DDA4C2D1-061D-4DB2-BE66-906845DF43D4}" dt="2021-11-10T16:36:03.103" v="394"/>
+          <ac:spMkLst>
+            <pc:docMk/>
+            <pc:sldMk cId="3156274014" sldId="266"/>
+            <ac:spMk id="10" creationId="{2FFE28B5-FB16-49A9-B851-3C35FAC0CACB}"/>
+          </ac:spMkLst>
+        </pc:spChg>
+        <pc:spChg chg="add">
+          <ac:chgData name="LICIA DULCE RUIZ CENTNER" userId="S::ld.ruiz@alumnos.upm.es::95fad373-be20-4cc8-9c4b-4294f4e033a5" providerId="AD" clId="Web-{DDA4C2D1-061D-4DB2-BE66-906845DF43D4}" dt="2021-11-10T16:36:03.103" v="394"/>
+          <ac:spMkLst>
+            <pc:docMk/>
+            <pc:sldMk cId="3156274014" sldId="266"/>
+            <ac:spMk id="12" creationId="{01014442-855A-4E0F-8D09-C314661A48B9}"/>
+          </ac:spMkLst>
+        </pc:spChg>
+        <pc:spChg chg="add">
+          <ac:chgData name="LICIA DULCE RUIZ CENTNER" userId="S::ld.ruiz@alumnos.upm.es::95fad373-be20-4cc8-9c4b-4294f4e033a5" providerId="AD" clId="Web-{DDA4C2D1-061D-4DB2-BE66-906845DF43D4}" dt="2021-11-10T16:36:03.103" v="394"/>
+          <ac:spMkLst>
+            <pc:docMk/>
+            <pc:sldMk cId="3156274014" sldId="266"/>
+            <ac:spMk id="14" creationId="{9B1ABF09-86CF-414E-88A5-2B84CC7232A9}"/>
+          </ac:spMkLst>
+        </pc:spChg>
+        <pc:spChg chg="add">
+          <ac:chgData name="LICIA DULCE RUIZ CENTNER" userId="S::ld.ruiz@alumnos.upm.es::95fad373-be20-4cc8-9c4b-4294f4e033a5" providerId="AD" clId="Web-{DDA4C2D1-061D-4DB2-BE66-906845DF43D4}" dt="2021-11-10T16:36:03.103" v="394"/>
+          <ac:spMkLst>
+            <pc:docMk/>
+            <pc:sldMk cId="3156274014" sldId="266"/>
+            <ac:spMk id="16" creationId="{3FE91770-CDBB-4D24-94E5-AD484F36CE87}"/>
+          </ac:spMkLst>
+        </pc:spChg>
+      </pc:sldChg>
+      <pc:sldChg chg="addSp delSp modSp new mod setBg addAnim delAnim setClrOvrMap">
+        <pc:chgData name="LICIA DULCE RUIZ CENTNER" userId="S::ld.ruiz@alumnos.upm.es::95fad373-be20-4cc8-9c4b-4294f4e033a5" providerId="AD" clId="Web-{DDA4C2D1-061D-4DB2-BE66-906845DF43D4}" dt="2021-11-10T16:56:56.073" v="428"/>
+        <pc:sldMkLst>
+          <pc:docMk/>
+          <pc:sldMk cId="3669290555" sldId="267"/>
+        </pc:sldMkLst>
+        <pc:spChg chg="mod">
+          <ac:chgData name="LICIA DULCE RUIZ CENTNER" userId="S::ld.ruiz@alumnos.upm.es::95fad373-be20-4cc8-9c4b-4294f4e033a5" providerId="AD" clId="Web-{DDA4C2D1-061D-4DB2-BE66-906845DF43D4}" dt="2021-11-10T16:56:56.073" v="428"/>
+          <ac:spMkLst>
+            <pc:docMk/>
+            <pc:sldMk cId="3669290555" sldId="267"/>
+            <ac:spMk id="2" creationId="{03A3988C-D70F-4D1C-9322-5D82E40CFFEF}"/>
+          </ac:spMkLst>
+        </pc:spChg>
+        <pc:spChg chg="del">
+          <ac:chgData name="LICIA DULCE RUIZ CENTNER" userId="S::ld.ruiz@alumnos.upm.es::95fad373-be20-4cc8-9c4b-4294f4e033a5" providerId="AD" clId="Web-{DDA4C2D1-061D-4DB2-BE66-906845DF43D4}" dt="2021-11-10T16:52:58.285" v="405"/>
+          <ac:spMkLst>
+            <pc:docMk/>
+            <pc:sldMk cId="3669290555" sldId="267"/>
+            <ac:spMk id="3" creationId="{12B718F8-9487-47DF-92FA-9423E4CF9B8A}"/>
+          </ac:spMkLst>
+        </pc:spChg>
+        <pc:spChg chg="add del mod">
+          <ac:chgData name="LICIA DULCE RUIZ CENTNER" userId="S::ld.ruiz@alumnos.upm.es::95fad373-be20-4cc8-9c4b-4294f4e033a5" providerId="AD" clId="Web-{DDA4C2D1-061D-4DB2-BE66-906845DF43D4}" dt="2021-11-10T16:55:49.212" v="419"/>
+          <ac:spMkLst>
+            <pc:docMk/>
+            <pc:sldMk cId="3669290555" sldId="267"/>
+            <ac:spMk id="4" creationId="{2217D179-35A1-402B-AF1F-D8969E2AF305}"/>
+          </ac:spMkLst>
+        </pc:spChg>
+        <pc:spChg chg="add del mod">
+          <ac:chgData name="LICIA DULCE RUIZ CENTNER" userId="S::ld.ruiz@alumnos.upm.es::95fad373-be20-4cc8-9c4b-4294f4e033a5" providerId="AD" clId="Web-{DDA4C2D1-061D-4DB2-BE66-906845DF43D4}" dt="2021-11-10T16:54:49.460" v="417"/>
+          <ac:spMkLst>
+            <pc:docMk/>
+            <pc:sldMk cId="3669290555" sldId="267"/>
+            <ac:spMk id="7" creationId="{3D9B905A-2D28-4017-91F9-4C070DC9F3FB}"/>
+          </ac:spMkLst>
+        </pc:spChg>
+        <pc:spChg chg="add del">
+          <ac:chgData name="LICIA DULCE RUIZ CENTNER" userId="S::ld.ruiz@alumnos.upm.es::95fad373-be20-4cc8-9c4b-4294f4e033a5" providerId="AD" clId="Web-{DDA4C2D1-061D-4DB2-BE66-906845DF43D4}" dt="2021-11-10T16:55:42.508" v="418"/>
+          <ac:spMkLst>
+            <pc:docMk/>
+            <pc:sldMk cId="3669290555" sldId="267"/>
+            <ac:spMk id="10" creationId="{5A133C1E-CB83-47F3-8F35-94C2A7C58EE2}"/>
+          </ac:spMkLst>
+        </pc:spChg>
+        <pc:spChg chg="add del">
+          <ac:chgData name="LICIA DULCE RUIZ CENTNER" userId="S::ld.ruiz@alumnos.upm.es::95fad373-be20-4cc8-9c4b-4294f4e033a5" providerId="AD" clId="Web-{DDA4C2D1-061D-4DB2-BE66-906845DF43D4}" dt="2021-11-10T16:55:42.508" v="418"/>
+          <ac:spMkLst>
+            <pc:docMk/>
+            <pc:sldMk cId="3669290555" sldId="267"/>
+            <ac:spMk id="12" creationId="{289E943A-225D-44B1-B345-D7FDBA43C1CE}"/>
+          </ac:spMkLst>
+        </pc:spChg>
+        <pc:spChg chg="add del">
+          <ac:chgData name="LICIA DULCE RUIZ CENTNER" userId="S::ld.ruiz@alumnos.upm.es::95fad373-be20-4cc8-9c4b-4294f4e033a5" providerId="AD" clId="Web-{DDA4C2D1-061D-4DB2-BE66-906845DF43D4}" dt="2021-11-10T16:56:56.073" v="428"/>
+          <ac:spMkLst>
+            <pc:docMk/>
+            <pc:sldMk cId="3669290555" sldId="267"/>
+            <ac:spMk id="17" creationId="{696A55C8-89F1-439D-863D-E208C0AC880F}"/>
+          </ac:spMkLst>
+        </pc:spChg>
+        <pc:spChg chg="add del">
+          <ac:chgData name="LICIA DULCE RUIZ CENTNER" userId="S::ld.ruiz@alumnos.upm.es::95fad373-be20-4cc8-9c4b-4294f4e033a5" providerId="AD" clId="Web-{DDA4C2D1-061D-4DB2-BE66-906845DF43D4}" dt="2021-11-10T16:56:56.073" v="428"/>
+          <ac:spMkLst>
+            <pc:docMk/>
+            <pc:sldMk cId="3669290555" sldId="267"/>
+            <ac:spMk id="19" creationId="{E4A1FD7E-EAEC-40B9-B75B-432F9DA75BA8}"/>
+          </ac:spMkLst>
+        </pc:spChg>
+        <pc:spChg chg="add del">
+          <ac:chgData name="LICIA DULCE RUIZ CENTNER" userId="S::ld.ruiz@alumnos.upm.es::95fad373-be20-4cc8-9c4b-4294f4e033a5" providerId="AD" clId="Web-{DDA4C2D1-061D-4DB2-BE66-906845DF43D4}" dt="2021-11-10T16:56:56.073" v="428"/>
+          <ac:spMkLst>
+            <pc:docMk/>
+            <pc:sldMk cId="3669290555" sldId="267"/>
+            <ac:spMk id="21" creationId="{AC88629E-396B-4C99-B284-F30AABDF2E1D}"/>
+          </ac:spMkLst>
+        </pc:spChg>
+        <pc:spChg chg="add del">
+          <ac:chgData name="LICIA DULCE RUIZ CENTNER" userId="S::ld.ruiz@alumnos.upm.es::95fad373-be20-4cc8-9c4b-4294f4e033a5" providerId="AD" clId="Web-{DDA4C2D1-061D-4DB2-BE66-906845DF43D4}" dt="2021-11-10T16:56:56.073" v="427"/>
+          <ac:spMkLst>
+            <pc:docMk/>
+            <pc:sldMk cId="3669290555" sldId="267"/>
+            <ac:spMk id="23" creationId="{17115F77-2FAE-4CA7-9A7F-10D5F2C8F831}"/>
+          </ac:spMkLst>
+        </pc:spChg>
+        <pc:spChg chg="add del">
+          <ac:chgData name="LICIA DULCE RUIZ CENTNER" userId="S::ld.ruiz@alumnos.upm.es::95fad373-be20-4cc8-9c4b-4294f4e033a5" providerId="AD" clId="Web-{DDA4C2D1-061D-4DB2-BE66-906845DF43D4}" dt="2021-11-10T16:56:56.073" v="427"/>
+          <ac:spMkLst>
+            <pc:docMk/>
+            <pc:sldMk cId="3669290555" sldId="267"/>
+            <ac:spMk id="24" creationId="{5CD4C046-A04C-46CC-AFA3-6B0621F628C8}"/>
+          </ac:spMkLst>
+        </pc:spChg>
+        <pc:spChg chg="add del">
+          <ac:chgData name="LICIA DULCE RUIZ CENTNER" userId="S::ld.ruiz@alumnos.upm.es::95fad373-be20-4cc8-9c4b-4294f4e033a5" providerId="AD" clId="Web-{DDA4C2D1-061D-4DB2-BE66-906845DF43D4}" dt="2021-11-10T16:56:56.073" v="427"/>
+          <ac:spMkLst>
+            <pc:docMk/>
+            <pc:sldMk cId="3669290555" sldId="267"/>
+            <ac:spMk id="25" creationId="{BC512124-0D13-4ED9-80B7-52AE15B6B41F}"/>
+          </ac:spMkLst>
+        </pc:spChg>
+        <pc:spChg chg="add del">
+          <ac:chgData name="LICIA DULCE RUIZ CENTNER" userId="S::ld.ruiz@alumnos.upm.es::95fad373-be20-4cc8-9c4b-4294f4e033a5" providerId="AD" clId="Web-{DDA4C2D1-061D-4DB2-BE66-906845DF43D4}" dt="2021-11-10T16:56:24.072" v="425"/>
+          <ac:spMkLst>
+            <pc:docMk/>
+            <pc:sldMk cId="3669290555" sldId="267"/>
+            <ac:spMk id="26" creationId="{17115F77-2FAE-4CA7-9A7F-10D5F2C8F831}"/>
+          </ac:spMkLst>
+        </pc:spChg>
+        <pc:spChg chg="add">
+          <ac:chgData name="LICIA DULCE RUIZ CENTNER" userId="S::ld.ruiz@alumnos.upm.es::95fad373-be20-4cc8-9c4b-4294f4e033a5" providerId="AD" clId="Web-{DDA4C2D1-061D-4DB2-BE66-906845DF43D4}" dt="2021-11-10T16:56:56.073" v="428"/>
+          <ac:spMkLst>
+            <pc:docMk/>
+            <pc:sldMk cId="3669290555" sldId="267"/>
+            <ac:spMk id="27" creationId="{17115F77-2FAE-4CA7-9A7F-10D5F2C8F831}"/>
+          </ac:spMkLst>
+        </pc:spChg>
+        <pc:spChg chg="add del">
+          <ac:chgData name="LICIA DULCE RUIZ CENTNER" userId="S::ld.ruiz@alumnos.upm.es::95fad373-be20-4cc8-9c4b-4294f4e033a5" providerId="AD" clId="Web-{DDA4C2D1-061D-4DB2-BE66-906845DF43D4}" dt="2021-11-10T16:56:24.072" v="425"/>
+          <ac:spMkLst>
+            <pc:docMk/>
+            <pc:sldMk cId="3669290555" sldId="267"/>
+            <ac:spMk id="28" creationId="{5CD4C046-A04C-46CC-AFA3-6B0621F628C8}"/>
+          </ac:spMkLst>
+        </pc:spChg>
+        <pc:spChg chg="add">
+          <ac:chgData name="LICIA DULCE RUIZ CENTNER" userId="S::ld.ruiz@alumnos.upm.es::95fad373-be20-4cc8-9c4b-4294f4e033a5" providerId="AD" clId="Web-{DDA4C2D1-061D-4DB2-BE66-906845DF43D4}" dt="2021-11-10T16:56:56.073" v="428"/>
+          <ac:spMkLst>
+            <pc:docMk/>
+            <pc:sldMk cId="3669290555" sldId="267"/>
+            <ac:spMk id="29" creationId="{5CD4C046-A04C-46CC-AFA3-6B0621F628C8}"/>
+          </ac:spMkLst>
+        </pc:spChg>
+        <pc:spChg chg="add del">
+          <ac:chgData name="LICIA DULCE RUIZ CENTNER" userId="S::ld.ruiz@alumnos.upm.es::95fad373-be20-4cc8-9c4b-4294f4e033a5" providerId="AD" clId="Web-{DDA4C2D1-061D-4DB2-BE66-906845DF43D4}" dt="2021-11-10T16:56:24.072" v="425"/>
+          <ac:spMkLst>
+            <pc:docMk/>
+            <pc:sldMk cId="3669290555" sldId="267"/>
+            <ac:spMk id="30" creationId="{BC512124-0D13-4ED9-80B7-52AE15B6B41F}"/>
+          </ac:spMkLst>
+        </pc:spChg>
+        <pc:spChg chg="add">
+          <ac:chgData name="LICIA DULCE RUIZ CENTNER" userId="S::ld.ruiz@alumnos.upm.es::95fad373-be20-4cc8-9c4b-4294f4e033a5" providerId="AD" clId="Web-{DDA4C2D1-061D-4DB2-BE66-906845DF43D4}" dt="2021-11-10T16:56:56.073" v="428"/>
+          <ac:spMkLst>
+            <pc:docMk/>
+            <pc:sldMk cId="3669290555" sldId="267"/>
+            <ac:spMk id="31" creationId="{710875C1-007B-4C82-ABEB-347319FB5EFF}"/>
+          </ac:spMkLst>
+        </pc:spChg>
+        <pc:spChg chg="add del">
+          <ac:chgData name="LICIA DULCE RUIZ CENTNER" userId="S::ld.ruiz@alumnos.upm.es::95fad373-be20-4cc8-9c4b-4294f4e033a5" providerId="AD" clId="Web-{DDA4C2D1-061D-4DB2-BE66-906845DF43D4}" dt="2021-11-10T16:56:24.072" v="425"/>
+          <ac:spMkLst>
+            <pc:docMk/>
+            <pc:sldMk cId="3669290555" sldId="267"/>
+            <ac:spMk id="32" creationId="{D4ABACDC-BD54-40F3-9047-8298C77C2DD6}"/>
+          </ac:spMkLst>
+        </pc:spChg>
+        <pc:spChg chg="add">
+          <ac:chgData name="LICIA DULCE RUIZ CENTNER" userId="S::ld.ruiz@alumnos.upm.es::95fad373-be20-4cc8-9c4b-4294f4e033a5" providerId="AD" clId="Web-{DDA4C2D1-061D-4DB2-BE66-906845DF43D4}" dt="2021-11-10T16:56:56.073" v="428"/>
+          <ac:spMkLst>
+            <pc:docMk/>
+            <pc:sldMk cId="3669290555" sldId="267"/>
+            <ac:spMk id="33" creationId="{F2F14D3C-F5C1-46E0-84D4-C16EC720F4F3}"/>
+          </ac:spMkLst>
+        </pc:spChg>
+        <pc:spChg chg="add del">
+          <ac:chgData name="LICIA DULCE RUIZ CENTNER" userId="S::ld.ruiz@alumnos.upm.es::95fad373-be20-4cc8-9c4b-4294f4e033a5" providerId="AD" clId="Web-{DDA4C2D1-061D-4DB2-BE66-906845DF43D4}" dt="2021-11-10T16:56:24.072" v="425"/>
+          <ac:spMkLst>
+            <pc:docMk/>
+            <pc:sldMk cId="3669290555" sldId="267"/>
+            <ac:spMk id="34" creationId="{B76CB7CA-05C2-4EE8-A97F-B5F3A4F89DA4}"/>
+          </ac:spMkLst>
+        </pc:spChg>
+        <pc:spChg chg="add">
+          <ac:chgData name="LICIA DULCE RUIZ CENTNER" userId="S::ld.ruiz@alumnos.upm.es::95fad373-be20-4cc8-9c4b-4294f4e033a5" providerId="AD" clId="Web-{DDA4C2D1-061D-4DB2-BE66-906845DF43D4}" dt="2021-11-10T16:56:56.073" v="428"/>
+          <ac:spMkLst>
+            <pc:docMk/>
+            <pc:sldMk cId="3669290555" sldId="267"/>
+            <ac:spMk id="35" creationId="{B9128101-8127-4BEB-A4BB-3B530DD4F2B1}"/>
+          </ac:spMkLst>
+        </pc:spChg>
+        <pc:picChg chg="add del mod ord">
+          <ac:chgData name="LICIA DULCE RUIZ CENTNER" userId="S::ld.ruiz@alumnos.upm.es::95fad373-be20-4cc8-9c4b-4294f4e033a5" providerId="AD" clId="Web-{DDA4C2D1-061D-4DB2-BE66-906845DF43D4}" dt="2021-11-10T16:54:44.460" v="415"/>
+          <ac:picMkLst>
+            <pc:docMk/>
+            <pc:sldMk cId="3669290555" sldId="267"/>
+            <ac:picMk id="5" creationId="{33B76969-BE72-4D53-ACB0-EC56DF47702B}"/>
+          </ac:picMkLst>
+        </pc:picChg>
+        <pc:picChg chg="add mod ord">
+          <ac:chgData name="LICIA DULCE RUIZ CENTNER" userId="S::ld.ruiz@alumnos.upm.es::95fad373-be20-4cc8-9c4b-4294f4e033a5" providerId="AD" clId="Web-{DDA4C2D1-061D-4DB2-BE66-906845DF43D4}" dt="2021-11-10T16:56:56.073" v="428"/>
+          <ac:picMkLst>
+            <pc:docMk/>
+            <pc:sldMk cId="3669290555" sldId="267"/>
+            <ac:picMk id="6" creationId="{75CA0F5F-4964-45C0-A89C-B274DB3E0836}"/>
+          </ac:picMkLst>
+        </pc:picChg>
+      </pc:sldChg>
+      <pc:sldMasterChg chg="del delSldLayout">
+        <pc:chgData name="LICIA DULCE RUIZ CENTNER" userId="S::ld.ruiz@alumnos.upm.es::95fad373-be20-4cc8-9c4b-4294f4e033a5" providerId="AD" clId="Web-{DDA4C2D1-061D-4DB2-BE66-906845DF43D4}" dt="2021-11-10T14:41:25.095" v="50"/>
+        <pc:sldMasterMkLst>
+          <pc:docMk/>
+          <pc:sldMasterMk cId="2460954070" sldId="2147483660"/>
+        </pc:sldMasterMkLst>
+        <pc:sldLayoutChg chg="del">
+          <pc:chgData name="LICIA DULCE RUIZ CENTNER" userId="S::ld.ruiz@alumnos.upm.es::95fad373-be20-4cc8-9c4b-4294f4e033a5" providerId="AD" clId="Web-{DDA4C2D1-061D-4DB2-BE66-906845DF43D4}" dt="2021-11-10T14:41:25.095" v="50"/>
+          <pc:sldLayoutMkLst>
+            <pc:docMk/>
+            <pc:sldMasterMk cId="2460954070" sldId="2147483660"/>
+            <pc:sldLayoutMk cId="2385387890" sldId="2147483661"/>
+          </pc:sldLayoutMkLst>
+        </pc:sldLayoutChg>
+        <pc:sldLayoutChg chg="del">
+          <pc:chgData name="LICIA DULCE RUIZ CENTNER" userId="S::ld.ruiz@alumnos.upm.es::95fad373-be20-4cc8-9c4b-4294f4e033a5" providerId="AD" clId="Web-{DDA4C2D1-061D-4DB2-BE66-906845DF43D4}" dt="2021-11-10T14:41:25.095" v="50"/>
+          <pc:sldLayoutMkLst>
+            <pc:docMk/>
+            <pc:sldMasterMk cId="2460954070" sldId="2147483660"/>
+            <pc:sldLayoutMk cId="949138452" sldId="2147483662"/>
+          </pc:sldLayoutMkLst>
+        </pc:sldLayoutChg>
+        <pc:sldLayoutChg chg="del">
+          <pc:chgData name="LICIA DULCE RUIZ CENTNER" userId="S::ld.ruiz@alumnos.upm.es::95fad373-be20-4cc8-9c4b-4294f4e033a5" providerId="AD" clId="Web-{DDA4C2D1-061D-4DB2-BE66-906845DF43D4}" dt="2021-11-10T14:41:25.095" v="50"/>
+          <pc:sldLayoutMkLst>
+            <pc:docMk/>
+            <pc:sldMasterMk cId="2460954070" sldId="2147483660"/>
+            <pc:sldLayoutMk cId="2591524520" sldId="2147483663"/>
+          </pc:sldLayoutMkLst>
+        </pc:sldLayoutChg>
+        <pc:sldLayoutChg chg="del">
+          <pc:chgData name="LICIA DULCE RUIZ CENTNER" userId="S::ld.ruiz@alumnos.upm.es::95fad373-be20-4cc8-9c4b-4294f4e033a5" providerId="AD" clId="Web-{DDA4C2D1-061D-4DB2-BE66-906845DF43D4}" dt="2021-11-10T14:41:25.095" v="50"/>
+          <pc:sldLayoutMkLst>
+            <pc:docMk/>
+            <pc:sldMasterMk cId="2460954070" sldId="2147483660"/>
+            <pc:sldLayoutMk cId="1203092039" sldId="2147483664"/>
+          </pc:sldLayoutMkLst>
+        </pc:sldLayoutChg>
+        <pc:sldLayoutChg chg="del">
+          <pc:chgData name="LICIA DULCE RUIZ CENTNER" userId="S::ld.ruiz@alumnos.upm.es::95fad373-be20-4cc8-9c4b-4294f4e033a5" providerId="AD" clId="Web-{DDA4C2D1-061D-4DB2-BE66-906845DF43D4}" dt="2021-11-10T14:41:25.095" v="50"/>
+          <pc:sldLayoutMkLst>
+            <pc:docMk/>
+            <pc:sldMasterMk cId="2460954070" sldId="2147483660"/>
+            <pc:sldLayoutMk cId="3733172339" sldId="2147483665"/>
+          </pc:sldLayoutMkLst>
+        </pc:sldLayoutChg>
+        <pc:sldLayoutChg chg="del">
+          <pc:chgData name="LICIA DULCE RUIZ CENTNER" userId="S::ld.ruiz@alumnos.upm.es::95fad373-be20-4cc8-9c4b-4294f4e033a5" providerId="AD" clId="Web-{DDA4C2D1-061D-4DB2-BE66-906845DF43D4}" dt="2021-11-10T14:41:25.095" v="50"/>
+          <pc:sldLayoutMkLst>
+            <pc:docMk/>
+            <pc:sldMasterMk cId="2460954070" sldId="2147483660"/>
+            <pc:sldLayoutMk cId="3210312558" sldId="2147483666"/>
+          </pc:sldLayoutMkLst>
+        </pc:sldLayoutChg>
+        <pc:sldLayoutChg chg="del">
+          <pc:chgData name="LICIA DULCE RUIZ CENTNER" userId="S::ld.ruiz@alumnos.upm.es::95fad373-be20-4cc8-9c4b-4294f4e033a5" providerId="AD" clId="Web-{DDA4C2D1-061D-4DB2-BE66-906845DF43D4}" dt="2021-11-10T14:41:25.095" v="50"/>
+          <pc:sldLayoutMkLst>
+            <pc:docMk/>
+            <pc:sldMasterMk cId="2460954070" sldId="2147483660"/>
+            <pc:sldLayoutMk cId="3146388984" sldId="2147483667"/>
+          </pc:sldLayoutMkLst>
+        </pc:sldLayoutChg>
+        <pc:sldLayoutChg chg="del">
+          <pc:chgData name="LICIA DULCE RUIZ CENTNER" userId="S::ld.ruiz@alumnos.upm.es::95fad373-be20-4cc8-9c4b-4294f4e033a5" providerId="AD" clId="Web-{DDA4C2D1-061D-4DB2-BE66-906845DF43D4}" dt="2021-11-10T14:41:25.095" v="50"/>
+          <pc:sldLayoutMkLst>
+            <pc:docMk/>
+            <pc:sldMasterMk cId="2460954070" sldId="2147483660"/>
+            <pc:sldLayoutMk cId="3171841454" sldId="2147483668"/>
+          </pc:sldLayoutMkLst>
+        </pc:sldLayoutChg>
+        <pc:sldLayoutChg chg="del">
+          <pc:chgData name="LICIA DULCE RUIZ CENTNER" userId="S::ld.ruiz@alumnos.upm.es::95fad373-be20-4cc8-9c4b-4294f4e033a5" providerId="AD" clId="Web-{DDA4C2D1-061D-4DB2-BE66-906845DF43D4}" dt="2021-11-10T14:41:25.095" v="50"/>
+          <pc:sldLayoutMkLst>
+            <pc:docMk/>
+            <pc:sldMasterMk cId="2460954070" sldId="2147483660"/>
+            <pc:sldLayoutMk cId="1718958274" sldId="2147483669"/>
+          </pc:sldLayoutMkLst>
+        </pc:sldLayoutChg>
+        <pc:sldLayoutChg chg="del">
+          <pc:chgData name="LICIA DULCE RUIZ CENTNER" userId="S::ld.ruiz@alumnos.upm.es::95fad373-be20-4cc8-9c4b-4294f4e033a5" providerId="AD" clId="Web-{DDA4C2D1-061D-4DB2-BE66-906845DF43D4}" dt="2021-11-10T14:41:25.095" v="50"/>
+          <pc:sldLayoutMkLst>
+            <pc:docMk/>
+            <pc:sldMasterMk cId="2460954070" sldId="2147483660"/>
+            <pc:sldLayoutMk cId="2202905451" sldId="2147483670"/>
+          </pc:sldLayoutMkLst>
+        </pc:sldLayoutChg>
+        <pc:sldLayoutChg chg="del">
+          <pc:chgData name="LICIA DULCE RUIZ CENTNER" userId="S::ld.ruiz@alumnos.upm.es::95fad373-be20-4cc8-9c4b-4294f4e033a5" providerId="AD" clId="Web-{DDA4C2D1-061D-4DB2-BE66-906845DF43D4}" dt="2021-11-10T14:41:25.095" v="50"/>
+          <pc:sldLayoutMkLst>
+            <pc:docMk/>
+            <pc:sldMasterMk cId="2460954070" sldId="2147483660"/>
+            <pc:sldLayoutMk cId="3479445657" sldId="2147483671"/>
+          </pc:sldLayoutMkLst>
+        </pc:sldLayoutChg>
+      </pc:sldMasterChg>
+      <pc:sldMasterChg chg="add addSldLayout modSldLayout">
+        <pc:chgData name="LICIA DULCE RUIZ CENTNER" userId="S::ld.ruiz@alumnos.upm.es::95fad373-be20-4cc8-9c4b-4294f4e033a5" providerId="AD" clId="Web-{DDA4C2D1-061D-4DB2-BE66-906845DF43D4}" dt="2021-11-10T14:41:25.095" v="50"/>
+        <pc:sldMasterMkLst>
+          <pc:docMk/>
+          <pc:sldMasterMk cId="250635941" sldId="2147483672"/>
+        </pc:sldMasterMkLst>
+        <pc:sldLayoutChg chg="add mod replId">
+          <pc:chgData name="LICIA DULCE RUIZ CENTNER" userId="S::ld.ruiz@alumnos.upm.es::95fad373-be20-4cc8-9c4b-4294f4e033a5" providerId="AD" clId="Web-{DDA4C2D1-061D-4DB2-BE66-906845DF43D4}" dt="2021-11-10T14:41:25.095" v="50"/>
+          <pc:sldLayoutMkLst>
+            <pc:docMk/>
+            <pc:sldMasterMk cId="250635941" sldId="2147483672"/>
+            <pc:sldLayoutMk cId="530135285" sldId="2147483673"/>
+          </pc:sldLayoutMkLst>
+        </pc:sldLayoutChg>
+        <pc:sldLayoutChg chg="add mod replId">
+          <pc:chgData name="LICIA DULCE RUIZ CENTNER" userId="S::ld.ruiz@alumnos.upm.es::95fad373-be20-4cc8-9c4b-4294f4e033a5" providerId="AD" clId="Web-{DDA4C2D1-061D-4DB2-BE66-906845DF43D4}" dt="2021-11-10T14:41:25.095" v="50"/>
+          <pc:sldLayoutMkLst>
+            <pc:docMk/>
+            <pc:sldMasterMk cId="250635941" sldId="2147483672"/>
+            <pc:sldLayoutMk cId="2114973459" sldId="2147483674"/>
+          </pc:sldLayoutMkLst>
+        </pc:sldLayoutChg>
+        <pc:sldLayoutChg chg="add mod replId">
+          <pc:chgData name="LICIA DULCE RUIZ CENTNER" userId="S::ld.ruiz@alumnos.upm.es::95fad373-be20-4cc8-9c4b-4294f4e033a5" providerId="AD" clId="Web-{DDA4C2D1-061D-4DB2-BE66-906845DF43D4}" dt="2021-11-10T14:41:25.095" v="50"/>
+          <pc:sldLayoutMkLst>
+            <pc:docMk/>
+            <pc:sldMasterMk cId="250635941" sldId="2147483672"/>
+            <pc:sldLayoutMk cId="2920035680" sldId="2147483675"/>
+          </pc:sldLayoutMkLst>
+        </pc:sldLayoutChg>
+        <pc:sldLayoutChg chg="add mod replId">
+          <pc:chgData name="LICIA DULCE RUIZ CENTNER" userId="S::ld.ruiz@alumnos.upm.es::95fad373-be20-4cc8-9c4b-4294f4e033a5" providerId="AD" clId="Web-{DDA4C2D1-061D-4DB2-BE66-906845DF43D4}" dt="2021-11-10T14:41:25.095" v="50"/>
+          <pc:sldLayoutMkLst>
+            <pc:docMk/>
+            <pc:sldMasterMk cId="250635941" sldId="2147483672"/>
+            <pc:sldLayoutMk cId="127844306" sldId="2147483676"/>
+          </pc:sldLayoutMkLst>
+        </pc:sldLayoutChg>
+        <pc:sldLayoutChg chg="add mod replId">
+          <pc:chgData name="LICIA DULCE RUIZ CENTNER" userId="S::ld.ruiz@alumnos.upm.es::95fad373-be20-4cc8-9c4b-4294f4e033a5" providerId="AD" clId="Web-{DDA4C2D1-061D-4DB2-BE66-906845DF43D4}" dt="2021-11-10T14:41:25.095" v="50"/>
+          <pc:sldLayoutMkLst>
+            <pc:docMk/>
+            <pc:sldMasterMk cId="250635941" sldId="2147483672"/>
+            <pc:sldLayoutMk cId="784975781" sldId="2147483677"/>
+          </pc:sldLayoutMkLst>
+        </pc:sldLayoutChg>
+        <pc:sldLayoutChg chg="add mod replId">
+          <pc:chgData name="LICIA DULCE RUIZ CENTNER" userId="S::ld.ruiz@alumnos.upm.es::95fad373-be20-4cc8-9c4b-4294f4e033a5" providerId="AD" clId="Web-{DDA4C2D1-061D-4DB2-BE66-906845DF43D4}" dt="2021-11-10T14:41:25.095" v="50"/>
+          <pc:sldLayoutMkLst>
+            <pc:docMk/>
+            <pc:sldMasterMk cId="250635941" sldId="2147483672"/>
+            <pc:sldLayoutMk cId="1073215420" sldId="2147483678"/>
+          </pc:sldLayoutMkLst>
+        </pc:sldLayoutChg>
+        <pc:sldLayoutChg chg="add mod replId">
+          <pc:chgData name="LICIA DULCE RUIZ CENTNER" userId="S::ld.ruiz@alumnos.upm.es::95fad373-be20-4cc8-9c4b-4294f4e033a5" providerId="AD" clId="Web-{DDA4C2D1-061D-4DB2-BE66-906845DF43D4}" dt="2021-11-10T14:41:25.095" v="50"/>
+          <pc:sldLayoutMkLst>
+            <pc:docMk/>
+            <pc:sldMasterMk cId="250635941" sldId="2147483672"/>
+            <pc:sldLayoutMk cId="2797484762" sldId="2147483679"/>
+          </pc:sldLayoutMkLst>
+        </pc:sldLayoutChg>
+        <pc:sldLayoutChg chg="add mod replId">
+          <pc:chgData name="LICIA DULCE RUIZ CENTNER" userId="S::ld.ruiz@alumnos.upm.es::95fad373-be20-4cc8-9c4b-4294f4e033a5" providerId="AD" clId="Web-{DDA4C2D1-061D-4DB2-BE66-906845DF43D4}" dt="2021-11-10T14:41:25.095" v="50"/>
+          <pc:sldLayoutMkLst>
+            <pc:docMk/>
+            <pc:sldMasterMk cId="250635941" sldId="2147483672"/>
+            <pc:sldLayoutMk cId="3846556797" sldId="2147483680"/>
+          </pc:sldLayoutMkLst>
+        </pc:sldLayoutChg>
+        <pc:sldLayoutChg chg="add mod replId">
+          <pc:chgData name="LICIA DULCE RUIZ CENTNER" userId="S::ld.ruiz@alumnos.upm.es::95fad373-be20-4cc8-9c4b-4294f4e033a5" providerId="AD" clId="Web-{DDA4C2D1-061D-4DB2-BE66-906845DF43D4}" dt="2021-11-10T14:41:25.095" v="50"/>
+          <pc:sldLayoutMkLst>
+            <pc:docMk/>
+            <pc:sldMasterMk cId="250635941" sldId="2147483672"/>
+            <pc:sldLayoutMk cId="627157634" sldId="2147483681"/>
+          </pc:sldLayoutMkLst>
+        </pc:sldLayoutChg>
+        <pc:sldLayoutChg chg="add mod replId">
+          <pc:chgData name="LICIA DULCE RUIZ CENTNER" userId="S::ld.ruiz@alumnos.upm.es::95fad373-be20-4cc8-9c4b-4294f4e033a5" providerId="AD" clId="Web-{DDA4C2D1-061D-4DB2-BE66-906845DF43D4}" dt="2021-11-10T14:41:25.095" v="50"/>
+          <pc:sldLayoutMkLst>
+            <pc:docMk/>
+            <pc:sldMasterMk cId="250635941" sldId="2147483672"/>
+            <pc:sldLayoutMk cId="3978677632" sldId="2147483682"/>
+          </pc:sldLayoutMkLst>
+        </pc:sldLayoutChg>
+        <pc:sldLayoutChg chg="add mod replId">
+          <pc:chgData name="LICIA DULCE RUIZ CENTNER" userId="S::ld.ruiz@alumnos.upm.es::95fad373-be20-4cc8-9c4b-4294f4e033a5" providerId="AD" clId="Web-{DDA4C2D1-061D-4DB2-BE66-906845DF43D4}" dt="2021-11-10T14:41:25.095" v="50"/>
+          <pc:sldLayoutMkLst>
+            <pc:docMk/>
+            <pc:sldMasterMk cId="250635941" sldId="2147483672"/>
+            <pc:sldLayoutMk cId="1793039717" sldId="2147483683"/>
+          </pc:sldLayoutMkLst>
+        </pc:sldLayoutChg>
+      </pc:sldMasterChg>
+    </pc:docChg>
+  </pc:docChgLst>
+  <pc:docChgLst>
+    <pc:chgData name="LICIA DULCE RUIZ CENTNER" userId="95fad373-be20-4cc8-9c4b-4294f4e033a5" providerId="ADAL" clId="{81A98E8D-3C92-C14F-B774-EBBD180E17FC}"/>
+    <pc:docChg chg="undo custSel modSld">
+      <pc:chgData name="LICIA DULCE RUIZ CENTNER" userId="95fad373-be20-4cc8-9c4b-4294f4e033a5" providerId="ADAL" clId="{81A98E8D-3C92-C14F-B774-EBBD180E17FC}" dt="2021-11-11T16:55:00.140" v="21"/>
+      <pc:docMkLst>
+        <pc:docMk/>
+      </pc:docMkLst>
+      <pc:sldChg chg="addSp delSp modSp">
+        <pc:chgData name="LICIA DULCE RUIZ CENTNER" userId="95fad373-be20-4cc8-9c4b-4294f4e033a5" providerId="ADAL" clId="{81A98E8D-3C92-C14F-B774-EBBD180E17FC}" dt="2021-11-11T16:41:35.378" v="20" actId="478"/>
+        <pc:sldMkLst>
+          <pc:docMk/>
+          <pc:sldMk cId="2619609178" sldId="260"/>
+        </pc:sldMkLst>
+        <pc:picChg chg="add del mod modCrop">
+          <ac:chgData name="LICIA DULCE RUIZ CENTNER" userId="95fad373-be20-4cc8-9c4b-4294f4e033a5" providerId="ADAL" clId="{81A98E8D-3C92-C14F-B774-EBBD180E17FC}" dt="2021-11-11T16:41:35.378" v="20" actId="478"/>
+          <ac:picMkLst>
+            <pc:docMk/>
+            <pc:sldMk cId="2619609178" sldId="260"/>
+            <ac:picMk id="7" creationId="{3AE46720-03AF-6A45-AA1B-C5EFE0C7385A}"/>
+          </ac:picMkLst>
+        </pc:picChg>
+        <pc:picChg chg="del mod">
+          <ac:chgData name="LICIA DULCE RUIZ CENTNER" userId="95fad373-be20-4cc8-9c4b-4294f4e033a5" providerId="ADAL" clId="{81A98E8D-3C92-C14F-B774-EBBD180E17FC}" dt="2021-11-11T16:36:45.419" v="7" actId="478"/>
+          <ac:picMkLst>
+            <pc:docMk/>
+            <pc:sldMk cId="2619609178" sldId="260"/>
+            <ac:picMk id="8" creationId="{62A7A8F7-1983-41FC-AE1C-68A9E6D52A40}"/>
+          </ac:picMkLst>
+        </pc:picChg>
+      </pc:sldChg>
+      <pc:sldChg chg="modSp">
+        <pc:chgData name="LICIA DULCE RUIZ CENTNER" userId="95fad373-be20-4cc8-9c4b-4294f4e033a5" providerId="ADAL" clId="{81A98E8D-3C92-C14F-B774-EBBD180E17FC}" dt="2021-11-11T16:55:00.140" v="21"/>
+        <pc:sldMkLst>
+          <pc:docMk/>
+          <pc:sldMk cId="3745277621" sldId="264"/>
+        </pc:sldMkLst>
+        <pc:picChg chg="mod">
+          <ac:chgData name="LICIA DULCE RUIZ CENTNER" userId="95fad373-be20-4cc8-9c4b-4294f4e033a5" providerId="ADAL" clId="{81A98E8D-3C92-C14F-B774-EBBD180E17FC}" dt="2021-11-11T16:55:00.140" v="21"/>
+          <ac:picMkLst>
+            <pc:docMk/>
+            <pc:sldMk cId="3745277621" sldId="264"/>
+            <ac:picMk id="4" creationId="{8D7D3740-DABD-44D4-B302-755A945FB061}"/>
+          </ac:picMkLst>
+        </pc:picChg>
+      </pc:sldChg>
+    </pc:docChg>
+  </pc:docChgLst>
+  <pc:docChgLst>
+    <pc:chgData name="LICIA DULCE RUIZ CENTNER" userId="S::ld.ruiz@alumnos.upm.es::95fad373-be20-4cc8-9c4b-4294f4e033a5" providerId="AD" clId="Web-{91B751D0-0EC8-6C07-9B45-EA793EB24F2B}"/>
+    <pc:docChg chg="modSld">
+      <pc:chgData name="LICIA DULCE RUIZ CENTNER" userId="S::ld.ruiz@alumnos.upm.es::95fad373-be20-4cc8-9c4b-4294f4e033a5" providerId="AD" clId="Web-{91B751D0-0EC8-6C07-9B45-EA793EB24F2B}" dt="2021-11-12T12:17:58.721" v="38"/>
+      <pc:docMkLst>
+        <pc:docMk/>
+      </pc:docMkLst>
+      <pc:sldChg chg="addSp delSp modSp">
+        <pc:chgData name="LICIA DULCE RUIZ CENTNER" userId="S::ld.ruiz@alumnos.upm.es::95fad373-be20-4cc8-9c4b-4294f4e033a5" providerId="AD" clId="Web-{91B751D0-0EC8-6C07-9B45-EA793EB24F2B}" dt="2021-11-12T12:17:58.721" v="38"/>
+        <pc:sldMkLst>
+          <pc:docMk/>
+          <pc:sldMk cId="3362291158" sldId="262"/>
+        </pc:sldMkLst>
+        <pc:spChg chg="mod">
+          <ac:chgData name="LICIA DULCE RUIZ CENTNER" userId="S::ld.ruiz@alumnos.upm.es::95fad373-be20-4cc8-9c4b-4294f4e033a5" providerId="AD" clId="Web-{91B751D0-0EC8-6C07-9B45-EA793EB24F2B}" dt="2021-11-12T06:58:44.989" v="28"/>
+          <ac:spMkLst>
+            <pc:docMk/>
+            <pc:sldMk cId="3362291158" sldId="262"/>
+            <ac:spMk id="2" creationId="{817AB747-7478-4EF0-8961-191A79DCD887}"/>
+          </ac:spMkLst>
+        </pc:spChg>
+        <pc:spChg chg="mod">
+          <ac:chgData name="LICIA DULCE RUIZ CENTNER" userId="S::ld.ruiz@alumnos.upm.es::95fad373-be20-4cc8-9c4b-4294f4e033a5" providerId="AD" clId="Web-{91B751D0-0EC8-6C07-9B45-EA793EB24F2B}" dt="2021-11-12T12:17:58.721" v="38"/>
+          <ac:spMkLst>
+            <pc:docMk/>
+            <pc:sldMk cId="3362291158" sldId="262"/>
+            <ac:spMk id="41" creationId="{8B979A9D-199F-48AE-BA27-CBFD785B79EB}"/>
+          </ac:spMkLst>
+        </pc:spChg>
+        <pc:spChg chg="del">
+          <ac:chgData name="LICIA DULCE RUIZ CENTNER" userId="S::ld.ruiz@alumnos.upm.es::95fad373-be20-4cc8-9c4b-4294f4e033a5" providerId="AD" clId="Web-{91B751D0-0EC8-6C07-9B45-EA793EB24F2B}" dt="2021-11-12T06:58:21.613" v="19"/>
+          <ac:spMkLst>
+            <pc:docMk/>
+            <pc:sldMk cId="3362291158" sldId="262"/>
+            <ac:spMk id="64" creationId="{80516254-1D9F-4F3A-9870-3A3280BE2BFE}"/>
+          </ac:spMkLst>
+        </pc:spChg>
+        <pc:spChg chg="del">
+          <ac:chgData name="LICIA DULCE RUIZ CENTNER" userId="S::ld.ruiz@alumnos.upm.es::95fad373-be20-4cc8-9c4b-4294f4e033a5" providerId="AD" clId="Web-{91B751D0-0EC8-6C07-9B45-EA793EB24F2B}" dt="2021-11-12T06:58:21.613" v="19"/>
+          <ac:spMkLst>
+            <pc:docMk/>
+            <pc:sldMk cId="3362291158" sldId="262"/>
+            <ac:spMk id="66" creationId="{FC14672B-27A5-4CDA-ABAF-5E4CF4B41C23}"/>
+          </ac:spMkLst>
+        </pc:spChg>
+        <pc:spChg chg="del">
+          <ac:chgData name="LICIA DULCE RUIZ CENTNER" userId="S::ld.ruiz@alumnos.upm.es::95fad373-be20-4cc8-9c4b-4294f4e033a5" providerId="AD" clId="Web-{91B751D0-0EC8-6C07-9B45-EA793EB24F2B}" dt="2021-11-12T06:58:21.613" v="19"/>
+          <ac:spMkLst>
+            <pc:docMk/>
+            <pc:sldMk cId="3362291158" sldId="262"/>
+            <ac:spMk id="70" creationId="{9A206779-5C74-4555-94BC-5845C92EC3A8}"/>
+          </ac:spMkLst>
+        </pc:spChg>
+        <pc:spChg chg="add">
+          <ac:chgData name="LICIA DULCE RUIZ CENTNER" userId="S::ld.ruiz@alumnos.upm.es::95fad373-be20-4cc8-9c4b-4294f4e033a5" providerId="AD" clId="Web-{91B751D0-0EC8-6C07-9B45-EA793EB24F2B}" dt="2021-11-12T06:58:21.613" v="19"/>
+          <ac:spMkLst>
+            <pc:docMk/>
+            <pc:sldMk cId="3362291158" sldId="262"/>
+            <ac:spMk id="75" creationId="{29DC5A77-10C9-4ECF-B7EB-8D917F36A9EE}"/>
+          </ac:spMkLst>
+        </pc:spChg>
+        <pc:spChg chg="add">
+          <ac:chgData name="LICIA DULCE RUIZ CENTNER" userId="S::ld.ruiz@alumnos.upm.es::95fad373-be20-4cc8-9c4b-4294f4e033a5" providerId="AD" clId="Web-{91B751D0-0EC8-6C07-9B45-EA793EB24F2B}" dt="2021-11-12T06:58:21.613" v="19"/>
+          <ac:spMkLst>
+            <pc:docMk/>
+            <pc:sldMk cId="3362291158" sldId="262"/>
+            <ac:spMk id="77" creationId="{2FFE28B5-FB16-49A9-B851-3C35FAC0CACB}"/>
+          </ac:spMkLst>
+        </pc:spChg>
+        <pc:spChg chg="add">
+          <ac:chgData name="LICIA DULCE RUIZ CENTNER" userId="S::ld.ruiz@alumnos.upm.es::95fad373-be20-4cc8-9c4b-4294f4e033a5" providerId="AD" clId="Web-{91B751D0-0EC8-6C07-9B45-EA793EB24F2B}" dt="2021-11-12T06:58:21.613" v="19"/>
+          <ac:spMkLst>
+            <pc:docMk/>
+            <pc:sldMk cId="3362291158" sldId="262"/>
+            <ac:spMk id="79" creationId="{01014442-855A-4E0F-8D09-C314661A48B9}"/>
+          </ac:spMkLst>
+        </pc:spChg>
+        <pc:spChg chg="add">
+          <ac:chgData name="LICIA DULCE RUIZ CENTNER" userId="S::ld.ruiz@alumnos.upm.es::95fad373-be20-4cc8-9c4b-4294f4e033a5" providerId="AD" clId="Web-{91B751D0-0EC8-6C07-9B45-EA793EB24F2B}" dt="2021-11-12T06:58:21.613" v="19"/>
+          <ac:spMkLst>
+            <pc:docMk/>
+            <pc:sldMk cId="3362291158" sldId="262"/>
+            <ac:spMk id="81" creationId="{9B1ABF09-86CF-414E-88A5-2B84CC7232A9}"/>
+          </ac:spMkLst>
+        </pc:spChg>
+        <pc:spChg chg="add">
+          <ac:chgData name="LICIA DULCE RUIZ CENTNER" userId="S::ld.ruiz@alumnos.upm.es::95fad373-be20-4cc8-9c4b-4294f4e033a5" providerId="AD" clId="Web-{91B751D0-0EC8-6C07-9B45-EA793EB24F2B}" dt="2021-11-12T06:58:21.613" v="19"/>
+          <ac:spMkLst>
+            <pc:docMk/>
+            <pc:sldMk cId="3362291158" sldId="262"/>
+            <ac:spMk id="83" creationId="{3FE91770-CDBB-4D24-94E5-AD484F36CE87}"/>
+          </ac:spMkLst>
+        </pc:spChg>
+        <pc:cxnChg chg="del">
+          <ac:chgData name="LICIA DULCE RUIZ CENTNER" userId="S::ld.ruiz@alumnos.upm.es::95fad373-be20-4cc8-9c4b-4294f4e033a5" providerId="AD" clId="Web-{91B751D0-0EC8-6C07-9B45-EA793EB24F2B}" dt="2021-11-12T06:58:21.613" v="19"/>
+          <ac:cxnSpMkLst>
+            <pc:docMk/>
+            <pc:sldMk cId="3362291158" sldId="262"/>
+            <ac:cxnSpMk id="68" creationId="{8D89589C-2C90-4407-A995-05EC3DD7AB14}"/>
+          </ac:cxnSpMkLst>
+        </pc:cxnChg>
+      </pc:sldChg>
+    </pc:docChg>
+  </pc:docChgLst>
+</pc:chgInfo>
 </file>
 
 <file path=ppt/slideLayouts/slideLayout1.xml><?xml version="1.0" encoding="utf-8"?>
@@ -397,7 +3076,7 @@
             <a:fld id="{4FAB73BC-B049-4115-A692-8D63A059BFB8}" type="slidenum">
               <a:rPr lang="en-US" dirty="0"/>
               <a:pPr/>
-              <a:t>‹Nº›</a:t>
+              <a:t>‹#›</a:t>
             </a:fld>
             <a:endParaRPr lang="en-US"/>
           </a:p>
@@ -567,7 +3246,7 @@
             <a:fld id="{4FAB73BC-B049-4115-A692-8D63A059BFB8}" type="slidenum">
               <a:rPr lang="en-US" dirty="0"/>
               <a:pPr/>
-              <a:t>‹Nº›</a:t>
+              <a:t>‹#›</a:t>
             </a:fld>
             <a:endParaRPr lang="en-US"/>
           </a:p>
@@ -747,7 +3426,7 @@
             <a:fld id="{4FAB73BC-B049-4115-A692-8D63A059BFB8}" type="slidenum">
               <a:rPr lang="en-US" dirty="0"/>
               <a:pPr/>
-              <a:t>‹Nº›</a:t>
+              <a:t>‹#›</a:t>
             </a:fld>
             <a:endParaRPr lang="en-US"/>
           </a:p>
@@ -917,7 +3596,7 @@
             <a:fld id="{4FAB73BC-B049-4115-A692-8D63A059BFB8}" type="slidenum">
               <a:rPr lang="en-US" dirty="0"/>
               <a:pPr/>
-              <a:t>‹Nº›</a:t>
+              <a:t>‹#›</a:t>
             </a:fld>
             <a:endParaRPr lang="en-US"/>
           </a:p>
@@ -1176,7 +3855,7 @@
             <a:fld id="{4FAB73BC-B049-4115-A692-8D63A059BFB8}" type="slidenum">
               <a:rPr lang="en-US" dirty="0"/>
               <a:pPr/>
-              <a:t>‹Nº›</a:t>
+              <a:t>‹#›</a:t>
             </a:fld>
             <a:endParaRPr lang="en-US"/>
           </a:p>
@@ -1463,7 +4142,7 @@
             <a:fld id="{4FAB73BC-B049-4115-A692-8D63A059BFB8}" type="slidenum">
               <a:rPr lang="en-US" dirty="0"/>
               <a:pPr/>
-              <a:t>‹Nº›</a:t>
+              <a:t>‹#›</a:t>
             </a:fld>
             <a:endParaRPr lang="en-US"/>
           </a:p>
@@ -1904,7 +4583,7 @@
             <a:fld id="{4FAB73BC-B049-4115-A692-8D63A059BFB8}" type="slidenum">
               <a:rPr lang="en-US" dirty="0"/>
               <a:pPr/>
-              <a:t>‹Nº›</a:t>
+              <a:t>‹#›</a:t>
             </a:fld>
             <a:endParaRPr lang="en-US"/>
           </a:p>
@@ -2023,7 +4702,7 @@
             <a:fld id="{4FAB73BC-B049-4115-A692-8D63A059BFB8}" type="slidenum">
               <a:rPr lang="en-US" dirty="0"/>
               <a:pPr/>
-              <a:t>‹Nº›</a:t>
+              <a:t>‹#›</a:t>
             </a:fld>
             <a:endParaRPr lang="en-US"/>
           </a:p>
@@ -2120,7 +4799,7 @@
             <a:fld id="{4FAB73BC-B049-4115-A692-8D63A059BFB8}" type="slidenum">
               <a:rPr lang="en-US" dirty="0"/>
               <a:pPr/>
-              <a:t>‹Nº›</a:t>
+              <a:t>‹#›</a:t>
             </a:fld>
             <a:endParaRPr lang="en-US"/>
           </a:p>
@@ -2408,7 +5087,7 @@
             <a:fld id="{4FAB73BC-B049-4115-A692-8D63A059BFB8}" type="slidenum">
               <a:rPr lang="en-US" dirty="0"/>
               <a:pPr/>
-              <a:t>‹Nº›</a:t>
+              <a:t>‹#›</a:t>
             </a:fld>
             <a:endParaRPr lang="en-US"/>
           </a:p>
@@ -2683,7 +5362,7 @@
             <a:fld id="{4FAB73BC-B049-4115-A692-8D63A059BFB8}" type="slidenum">
               <a:rPr lang="en-US" dirty="0"/>
               <a:pPr/>
-              <a:t>‹Nº›</a:t>
+              <a:t>‹#›</a:t>
             </a:fld>
             <a:endParaRPr lang="en-US"/>
           </a:p>
@@ -3010,7 +5689,7 @@
             <a:fld id="{4FAB73BC-B049-4115-A692-8D63A059BFB8}" type="slidenum">
               <a:rPr lang="en-US" dirty="0"/>
               <a:pPr/>
-              <a:t>‹Nº›</a:t>
+              <a:t>‹#›</a:t>
             </a:fld>
             <a:endParaRPr lang="en-US"/>
           </a:p>
@@ -3658,7 +6337,7 @@
           <a:lstStyle/>
           <a:p>
             <a:r>
-              <a:rPr lang="en-US" sz="9600" spc="-100" dirty="0">
+              <a:rPr lang="en-US" sz="9600" spc="-100">
                 <a:solidFill>
                   <a:schemeClr val="tx1"/>
                 </a:solidFill>
@@ -4633,7 +7312,7 @@
           <a:bodyPr/>
           <a:lstStyle/>
           <a:p>
-            <a:endParaRPr lang="en-US" dirty="0"/>
+            <a:endParaRPr lang="en-US"/>
           </a:p>
         </p:txBody>
       </p:sp>
@@ -4666,35 +7345,35 @@
           <a:lstStyle/>
           <a:p>
             <a:r>
-              <a:rPr lang="en-US" sz="4000" spc="-100" dirty="0"/>
+              <a:rPr lang="en-US" sz="4000" spc="-100"/>
               <a:t>HandsOn2 </a:t>
             </a:r>
             <a:r>
-              <a:rPr lang="en-US" sz="4000" spc="-100" dirty="0">
+              <a:rPr lang="en-US" sz="4000" spc="-100">
                 <a:ea typeface="+mj-lt"/>
                 <a:cs typeface="+mj-lt"/>
               </a:rPr>
               <a:t>–</a:t>
             </a:r>
             <a:r>
-              <a:rPr lang="en-US" sz="4000" spc="-100" dirty="0"/>
+              <a:rPr lang="en-US" sz="4000" spc="-100"/>
               <a:t> </a:t>
             </a:r>
             <a:r>
-              <a:rPr lang="en-US" sz="4000" spc="-100" dirty="0" err="1">
+              <a:rPr lang="en-US" sz="4000" spc="-100" err="1">
                 <a:ea typeface="+mj-lt"/>
                 <a:cs typeface="+mj-lt"/>
               </a:rPr>
               <a:t>Ontología</a:t>
             </a:r>
             <a:r>
-              <a:rPr lang="en-US" sz="4000" spc="-100" dirty="0">
+              <a:rPr lang="en-US" sz="4000" spc="-100">
                 <a:ea typeface="+mj-lt"/>
                 <a:cs typeface="+mj-lt"/>
               </a:rPr>
               <a:t> </a:t>
             </a:r>
-            <a:endParaRPr lang="en-US" sz="4000" spc="-100" dirty="0"/>
+            <a:endParaRPr lang="en-US" sz="4000" spc="-100"/>
           </a:p>
         </p:txBody>
       </p:sp>
@@ -4874,7 +7553,7 @@
           <a:bodyPr/>
           <a:lstStyle/>
           <a:p>
-            <a:endParaRPr lang="en-US" dirty="0"/>
+            <a:endParaRPr lang="en-US"/>
           </a:p>
         </p:txBody>
       </p:sp>
@@ -4909,7 +7588,7 @@
             <a:r>
               <a:rPr lang="en-US" sz="2500">
                 <a:solidFill>
-                  <a:schemeClr val="tx1"/>
+                  <a:srgbClr val="595959"/>
                 </a:solidFill>
               </a:rPr>
               <a:t>Fichero HTML con el análisis de los datasets, la licencia usada por estos y la nomenclarura de los recursos</a:t>
@@ -4918,116 +7597,95 @@
           <a:p>
             <a:endParaRPr lang="en-US" sz="2500">
               <a:solidFill>
-                <a:schemeClr val="tx1"/>
+                <a:srgbClr val="595959"/>
               </a:solidFill>
             </a:endParaRPr>
           </a:p>
           <a:p>
             <a:r>
-              <a:rPr lang="en-US" sz="2500" dirty="0">
+              <a:rPr lang="en-US" sz="2500">
                 <a:solidFill>
-                  <a:schemeClr val="tx1"/>
+                  <a:srgbClr val="595959"/>
                 </a:solidFill>
               </a:rPr>
               <a:t>Un </a:t>
             </a:r>
             <a:r>
-              <a:rPr lang="en-US" sz="2500" dirty="0" err="1">
+              <a:rPr lang="en-US" sz="2500" err="1">
                 <a:solidFill>
-                  <a:schemeClr val="tx1"/>
+                  <a:srgbClr val="595959"/>
                 </a:solidFill>
               </a:rPr>
               <a:t>fichero</a:t>
             </a:r>
             <a:r>
-              <a:rPr lang="en-US" sz="2500" dirty="0">
+              <a:rPr lang="en-US" sz="2500">
                 <a:solidFill>
-                  <a:schemeClr val="tx1"/>
+                  <a:srgbClr val="595959"/>
                 </a:solidFill>
               </a:rPr>
-              <a:t> OWL con la </a:t>
-            </a:r>
+              <a:t> OWL con la ontología </a:t>
+            </a:r>
+          </a:p>
+          <a:p>
+            <a:endParaRPr lang="en-US" sz="2500">
+              <a:solidFill>
+                <a:srgbClr val="595959"/>
+              </a:solidFill>
+            </a:endParaRPr>
+          </a:p>
+          <a:p>
             <a:r>
               <a:rPr lang="en-US" sz="2500">
                 <a:solidFill>
-                  <a:schemeClr val="tx1"/>
+                  <a:srgbClr val="595959"/>
                 </a:solidFill>
               </a:rPr>
-              <a:t>ontología </a:t>
-            </a:r>
-            <a:endParaRPr lang="en-US" sz="2500" dirty="0">
-              <a:solidFill>
-                <a:schemeClr val="tx1"/>
-              </a:solidFill>
-            </a:endParaRPr>
-          </a:p>
-          <a:p>
-            <a:endParaRPr lang="en-US" sz="2500">
-              <a:solidFill>
-                <a:schemeClr val="tx1"/>
-              </a:solidFill>
-            </a:endParaRPr>
-          </a:p>
-          <a:p>
-            <a:r>
-              <a:rPr lang="en-US" sz="2500" dirty="0">
+              <a:t>Un fichero RDF con un </a:t>
+            </a:r>
+            <a:r>
+              <a:rPr lang="en-US" sz="2500" err="1">
                 <a:solidFill>
-                  <a:schemeClr val="tx1"/>
-                </a:solidFill>
-              </a:rPr>
-              <a:t>Un </a:t>
-            </a:r>
-            <a:r>
-              <a:rPr lang="en-US" sz="2500">
-                <a:solidFill>
-                  <a:schemeClr val="tx1"/>
-                </a:solidFill>
-              </a:rPr>
-              <a:t>fichero RDF con un </a:t>
-            </a:r>
-            <a:r>
-              <a:rPr lang="en-US" sz="2500" dirty="0" err="1">
-                <a:solidFill>
-                  <a:schemeClr val="tx1"/>
+                  <a:srgbClr val="595959"/>
                 </a:solidFill>
               </a:rPr>
               <a:t>ejemplo</a:t>
             </a:r>
             <a:r>
-              <a:rPr lang="en-US" sz="2500" dirty="0">
+              <a:rPr lang="en-US" sz="2500">
                 <a:solidFill>
-                  <a:schemeClr val="tx1"/>
+                  <a:srgbClr val="595959"/>
                 </a:solidFill>
               </a:rPr>
               <a:t> de </a:t>
             </a:r>
             <a:r>
-              <a:rPr lang="en-US" sz="2500" dirty="0" err="1">
+              <a:rPr lang="en-US" sz="2500" err="1">
                 <a:solidFill>
-                  <a:schemeClr val="tx1"/>
+                  <a:srgbClr val="595959"/>
                 </a:solidFill>
               </a:rPr>
               <a:t>instanciación</a:t>
             </a:r>
             <a:r>
-              <a:rPr lang="en-US" sz="2500" dirty="0">
+              <a:rPr lang="en-US" sz="2500">
                 <a:solidFill>
-                  <a:schemeClr val="tx1"/>
+                  <a:srgbClr val="595959"/>
                 </a:solidFill>
               </a:rPr>
               <a:t> de la </a:t>
             </a:r>
             <a:r>
-              <a:rPr lang="en-US" sz="2500" dirty="0" err="1">
+              <a:rPr lang="en-US" sz="2500" err="1">
                 <a:solidFill>
-                  <a:schemeClr val="tx1"/>
+                  <a:srgbClr val="595959"/>
                 </a:solidFill>
               </a:rPr>
               <a:t>ontología</a:t>
             </a:r>
-            <a:endParaRPr lang="en-US" sz="2500" dirty="0">
+            <a:endParaRPr lang="en-US" sz="2500">
               <a:solidFill>
-                <a:schemeClr val="tx1"/>
+                <a:srgbClr val="595959"/>
               </a:solidFill>
             </a:endParaRPr>
           </a:p>
@@ -5440,7 +8098,7 @@
           <a:lstStyle/>
           <a:p>
             <a:r>
-              <a:rPr lang="en-US" sz="2500" dirty="0">
+              <a:rPr lang="en-US" sz="2500">
                 <a:ea typeface="+mn-lt"/>
                 <a:cs typeface="+mn-lt"/>
               </a:rPr>
@@ -5454,7 +8112,7 @@
               <a:t>cambios</a:t>
             </a:r>
             <a:r>
-              <a:rPr lang="en-US" sz="2500" dirty="0">
+              <a:rPr lang="en-US" sz="2500">
                 <a:ea typeface="+mn-lt"/>
                 <a:cs typeface="+mn-lt"/>
               </a:rPr>
@@ -5472,14 +8130,7 @@
                 <a:ea typeface="+mn-lt"/>
                 <a:cs typeface="+mn-lt"/>
               </a:rPr>
-              <a:t> con </a:t>
-            </a:r>
-            <a:r>
-              <a:rPr lang="en-US" sz="2500" dirty="0">
-                <a:ea typeface="+mn-lt"/>
-                <a:cs typeface="+mn-lt"/>
-              </a:rPr>
-              <a:t>el </a:t>
+              <a:t> con el </a:t>
             </a:r>
           </a:p>
           <a:p>
@@ -5491,16 +8142,9 @@
                 <a:ea typeface="+mn-lt"/>
                 <a:cs typeface="+mn-lt"/>
               </a:rPr>
-              <a:t>   OpenRefine en</a:t>
-            </a:r>
-            <a:r>
-              <a:rPr lang="en-US" sz="2500" dirty="0">
-                <a:ea typeface="+mn-lt"/>
-                <a:cs typeface="+mn-lt"/>
-              </a:rPr>
-              <a:t> los datasets</a:t>
-            </a:r>
-            <a:endParaRPr lang="en-US" sz="2500" dirty="0">
+              <a:t>   OpenRefine en los datasets</a:t>
+            </a:r>
+            <a:endParaRPr lang="en-US" sz="2500">
               <a:solidFill>
                 <a:srgbClr val="595959"/>
               </a:solidFill>
@@ -5510,27 +8154,27 @@
             <a:pPr marL="0" indent="0">
               <a:buNone/>
             </a:pPr>
-            <a:endParaRPr lang="en-US" sz="2500" dirty="0">
+            <a:endParaRPr lang="en-US" sz="2500">
               <a:ea typeface="+mn-lt"/>
               <a:cs typeface="+mn-lt"/>
             </a:endParaRPr>
           </a:p>
           <a:p>
             <a:r>
-              <a:rPr lang="en-US" sz="2500" dirty="0">
+              <a:rPr lang="en-US" sz="2500">
                 <a:ea typeface="+mn-lt"/>
                 <a:cs typeface="+mn-lt"/>
               </a:rPr>
               <a:t>Los CSV </a:t>
             </a:r>
             <a:r>
-              <a:rPr lang="en-US" sz="2500" dirty="0" err="1">
+              <a:rPr lang="en-US" sz="2500" err="1">
                 <a:ea typeface="+mn-lt"/>
                 <a:cs typeface="+mn-lt"/>
               </a:rPr>
               <a:t>actualizados</a:t>
             </a:r>
-            <a:endParaRPr lang="en-US" sz="2500" dirty="0">
+            <a:endParaRPr lang="en-US" sz="2500">
               <a:ea typeface="+mn-lt"/>
               <a:cs typeface="+mn-lt"/>
             </a:endParaRPr>
@@ -5974,54 +8618,54 @@
           <a:lstStyle/>
           <a:p>
             <a:r>
-              <a:rPr lang="en-US" sz="2500" dirty="0" err="1">
+              <a:rPr lang="en-US" sz="2500" err="1">
                 <a:ea typeface="+mn-lt"/>
                 <a:cs typeface="+mn-lt"/>
               </a:rPr>
               <a:t>Fichero</a:t>
             </a:r>
             <a:r>
-              <a:rPr lang="en-US" sz="2500" dirty="0">
+              <a:rPr lang="en-US" sz="2500">
                 <a:ea typeface="+mn-lt"/>
                 <a:cs typeface="+mn-lt"/>
               </a:rPr>
               <a:t> RML con los mappings</a:t>
             </a:r>
-            <a:endParaRPr lang="en-US" sz="2500" dirty="0"/>
+            <a:endParaRPr lang="en-US" sz="2500"/>
           </a:p>
           <a:p>
             <a:pPr marL="0" indent="0">
               <a:buNone/>
             </a:pPr>
-            <a:endParaRPr lang="en-US" sz="2500" dirty="0">
+            <a:endParaRPr lang="en-US" sz="2500">
               <a:ea typeface="+mn-lt"/>
               <a:cs typeface="+mn-lt"/>
             </a:endParaRPr>
           </a:p>
           <a:p>
             <a:r>
-              <a:rPr lang="en-US" sz="2500" dirty="0" err="1">
+              <a:rPr lang="en-US" sz="2500" err="1">
                 <a:ea typeface="+mn-lt"/>
                 <a:cs typeface="+mn-lt"/>
               </a:rPr>
               <a:t>Fichero</a:t>
             </a:r>
             <a:r>
-              <a:rPr lang="en-US" sz="2500" dirty="0">
+              <a:rPr lang="en-US" sz="2500">
                 <a:ea typeface="+mn-lt"/>
                 <a:cs typeface="+mn-lt"/>
               </a:rPr>
               <a:t> YML con las </a:t>
             </a:r>
             <a:r>
-              <a:rPr lang="en-US" sz="2500" dirty="0" err="1">
+              <a:rPr lang="en-US" sz="2500" err="1">
                 <a:ea typeface="+mn-lt"/>
                 <a:cs typeface="+mn-lt"/>
               </a:rPr>
               <a:t>reglas</a:t>
             </a:r>
             <a:r>
-              <a:rPr lang="en-US" sz="2500" dirty="0">
+              <a:rPr lang="en-US" sz="2500">
                 <a:ea typeface="+mn-lt"/>
                 <a:cs typeface="+mn-lt"/>
               </a:rPr>
@@ -6029,47 +8673,51 @@
             </a:r>
           </a:p>
           <a:p>
-            <a:endParaRPr lang="en-US" sz="2500" dirty="0">
+            <a:endParaRPr lang="en-US" sz="2500">
               <a:ea typeface="+mn-lt"/>
               <a:cs typeface="+mn-lt"/>
             </a:endParaRPr>
           </a:p>
           <a:p>
             <a:r>
-              <a:rPr lang="en-US" sz="2500" dirty="0" err="1">
+              <a:rPr lang="en-US" sz="2500" err="1">
                 <a:ea typeface="+mn-lt"/>
                 <a:cs typeface="+mn-lt"/>
               </a:rPr>
               <a:t>Fichero</a:t>
             </a:r>
             <a:r>
-              <a:rPr lang="en-US" sz="2500" dirty="0">
+              <a:rPr lang="en-US" sz="2500">
                 <a:ea typeface="+mn-lt"/>
                 <a:cs typeface="+mn-lt"/>
               </a:rPr>
               <a:t> RDF con la </a:t>
             </a:r>
             <a:r>
-              <a:rPr lang="en-US" sz="2500" dirty="0" err="1">
+              <a:rPr lang="en-US" sz="2500" err="1">
                 <a:ea typeface="+mn-lt"/>
                 <a:cs typeface="+mn-lt"/>
               </a:rPr>
-              <a:t>sintáxis</a:t>
-            </a:r>
-            <a:r>
-              <a:rPr lang="en-US" sz="2500" dirty="0">
+              <a:t>sintaxis</a:t>
+            </a:r>
+            <a:r>
+              <a:rPr lang="en-US" sz="2500">
                 <a:ea typeface="+mn-lt"/>
                 <a:cs typeface="+mn-lt"/>
               </a:rPr>
               <a:t> de </a:t>
             </a:r>
             <a:r>
-              <a:rPr lang="en-US" sz="2500" dirty="0" err="1">
+              <a:rPr lang="en-US" sz="2500" err="1">
                 <a:ea typeface="+mn-lt"/>
                 <a:cs typeface="+mn-lt"/>
               </a:rPr>
               <a:t>NTriples</a:t>
             </a:r>
+            <a:endParaRPr lang="en-US" sz="2500">
+              <a:ea typeface="+mn-lt"/>
+              <a:cs typeface="+mn-lt"/>
+            </a:endParaRPr>
           </a:p>
         </p:txBody>
       </p:sp>
@@ -6232,7 +8880,7 @@
           <a:bodyPr/>
           <a:lstStyle/>
           <a:p>
-            <a:endParaRPr lang="en-US" dirty="0"/>
+            <a:endParaRPr lang="en-US"/>
           </a:p>
         </p:txBody>
       </p:sp>
@@ -6447,7 +9095,7 @@
           <a:bodyPr/>
           <a:lstStyle/>
           <a:p>
-            <a:endParaRPr lang="en-US" dirty="0"/>
+            <a:endParaRPr lang="en-US"/>
           </a:p>
         </p:txBody>
       </p:sp>
@@ -6475,7 +9123,7 @@
         </p:spPr>
         <p:txBody>
           <a:bodyPr>
-            <a:normAutofit/>
+            <a:normAutofit fontScale="85000" lnSpcReduction="20000"/>
           </a:bodyPr>
           <a:lstStyle/>
           <a:p>
@@ -6486,9 +9134,9 @@
             </a:endParaRPr>
           </a:p>
           <a:p>
-            <a:pPr>
+            <a:pPr algn="just">
               <a:lnSpc>
-                <a:spcPct val="100000"/>
+                <a:spcPct val="120000"/>
               </a:lnSpc>
               <a:spcBef>
                 <a:spcPts val="0"/>
@@ -6500,7 +9148,21 @@
                 <a:ea typeface="+mn-lt"/>
                 <a:cs typeface="+mn-lt"/>
               </a:rPr>
-              <a:t>JSON con el linking de los </a:t>
+              <a:t>JSON con </a:t>
+            </a:r>
+            <a:r>
+              <a:rPr lang="en-US" sz="2500" err="1">
+                <a:ea typeface="+mn-lt"/>
+                <a:cs typeface="+mn-lt"/>
+              </a:rPr>
+              <a:t>el</a:t>
+            </a:r>
+            <a:r>
+              <a:rPr lang="en-US" sz="2500">
+                <a:ea typeface="+mn-lt"/>
+                <a:cs typeface="+mn-lt"/>
+              </a:rPr>
+              <a:t> linking de los </a:t>
             </a:r>
             <a:r>
               <a:rPr lang="en-US" sz="2500" err="1">
@@ -6514,28 +9176,39 @@
                 <a:ea typeface="+mn-lt"/>
                 <a:cs typeface="+mn-lt"/>
               </a:rPr>
-              <a:t> con Wikidata</a:t>
-            </a:r>
-          </a:p>
-          <a:p>
-            <a:pPr marL="0" indent="0">
+              <a:t> con </a:t>
+            </a:r>
+            <a:r>
+              <a:rPr lang="en-US" sz="2500" err="1">
+                <a:ea typeface="+mn-lt"/>
+                <a:cs typeface="+mn-lt"/>
+              </a:rPr>
+              <a:t>Wikidata</a:t>
+            </a:r>
+            <a:endParaRPr lang="en-US" sz="2500">
+              <a:ea typeface="+mn-lt"/>
+              <a:cs typeface="+mn-lt"/>
+            </a:endParaRPr>
+          </a:p>
+          <a:p>
+            <a:pPr marL="0" indent="0" algn="just">
               <a:lnSpc>
-                <a:spcPct val="100000"/>
+                <a:spcPct val="120000"/>
               </a:lnSpc>
               <a:spcBef>
                 <a:spcPts val="0"/>
               </a:spcBef>
               <a:buNone/>
             </a:pPr>
-            <a:endParaRPr lang="en-US" sz="2500" dirty="0">
+            <a:endParaRPr lang="en-US" sz="2500">
               <a:ea typeface="+mn-lt"/>
               <a:cs typeface="+mn-lt"/>
             </a:endParaRPr>
           </a:p>
           <a:p>
-            <a:pPr>
+            <a:pPr algn="just">
               <a:lnSpc>
-                <a:spcPct val="100000"/>
+                <a:spcPct val="120000"/>
               </a:lnSpc>
               <a:spcBef>
                 <a:spcPts val="0"/>
@@ -6547,32 +9220,63 @@
                 <a:ea typeface="+mn-lt"/>
                 <a:cs typeface="+mn-lt"/>
               </a:rPr>
-              <a:t>El CSV con los datos y liks actualizados</a:t>
-            </a:r>
-            <a:endParaRPr lang="en-US" sz="2500" dirty="0">
-              <a:ea typeface="+mn-lt"/>
-              <a:cs typeface="+mn-lt"/>
-            </a:endParaRPr>
-          </a:p>
-          <a:p>
-            <a:pPr marL="0" indent="0">
+              <a:t>El CSV con los </a:t>
+            </a:r>
+            <a:r>
+              <a:rPr lang="en-US" sz="2500" err="1">
+                <a:ea typeface="+mn-lt"/>
+                <a:cs typeface="+mn-lt"/>
+              </a:rPr>
+              <a:t>datos</a:t>
+            </a:r>
+            <a:r>
+              <a:rPr lang="en-US" sz="2500">
+                <a:ea typeface="+mn-lt"/>
+                <a:cs typeface="+mn-lt"/>
+              </a:rPr>
+              <a:t> y </a:t>
+            </a:r>
+            <a:r>
+              <a:rPr lang="en-US" sz="2500" err="1">
+                <a:ea typeface="+mn-lt"/>
+                <a:cs typeface="+mn-lt"/>
+              </a:rPr>
+              <a:t>liks</a:t>
+            </a:r>
+            <a:r>
+              <a:rPr lang="en-US" sz="2500">
+                <a:ea typeface="+mn-lt"/>
+                <a:cs typeface="+mn-lt"/>
+              </a:rPr>
+              <a:t> </a:t>
+            </a:r>
+            <a:r>
+              <a:rPr lang="en-US" sz="2500" err="1">
+                <a:ea typeface="+mn-lt"/>
+                <a:cs typeface="+mn-lt"/>
+              </a:rPr>
+              <a:t>actualizados</a:t>
+            </a:r>
+          </a:p>
+          <a:p>
+            <a:pPr marL="0" indent="0" algn="just">
               <a:lnSpc>
-                <a:spcPct val="100000"/>
+                <a:spcPct val="120000"/>
               </a:lnSpc>
               <a:spcBef>
                 <a:spcPts val="0"/>
               </a:spcBef>
               <a:buNone/>
             </a:pPr>
-            <a:endParaRPr lang="en-US" sz="2500" dirty="0">
+            <a:endParaRPr lang="en-US" sz="2500">
               <a:ea typeface="+mn-lt"/>
               <a:cs typeface="+mn-lt"/>
             </a:endParaRPr>
           </a:p>
           <a:p>
-            <a:pPr>
+            <a:pPr algn="just">
               <a:lnSpc>
-                <a:spcPct val="100000"/>
+                <a:spcPct val="120000"/>
               </a:lnSpc>
               <a:spcBef>
                 <a:spcPts val="0"/>
@@ -6580,36 +9284,50 @@
               <a:buChar char="•"/>
             </a:pPr>
             <a:r>
+              <a:rPr lang="en-US" sz="2500" err="1">
+                <a:ea typeface="+mn-lt"/>
+                <a:cs typeface="+mn-lt"/>
+              </a:rPr>
+              <a:t>Fichero</a:t>
+            </a:r>
+            <a:r>
               <a:rPr lang="en-US" sz="2500">
                 <a:ea typeface="+mn-lt"/>
                 <a:cs typeface="+mn-lt"/>
               </a:rPr>
-              <a:t>Fichero RDF con la sintaxis de Turtle</a:t>
-            </a:r>
-            <a:endParaRPr lang="en-US" sz="2500" dirty="0">
+              <a:t> RML con los mappings </a:t>
+            </a:r>
+            <a:r>
+              <a:rPr lang="en-US" sz="2500" err="1">
+                <a:ea typeface="+mn-lt"/>
+                <a:cs typeface="+mn-lt"/>
+              </a:rPr>
+              <a:t>actualizados</a:t>
+            </a:r>
+            <a:endParaRPr lang="en-US" sz="2500">
               <a:ea typeface="+mn-lt"/>
               <a:cs typeface="+mn-lt"/>
             </a:endParaRPr>
           </a:p>
           <a:p>
-            <a:pPr marL="0" indent="0">
+            <a:pPr marL="0" indent="0" algn="just">
               <a:lnSpc>
-                <a:spcPct val="100000"/>
+                <a:spcPct val="120000"/>
               </a:lnSpc>
               <a:spcBef>
                 <a:spcPts val="0"/>
               </a:spcBef>
               <a:buNone/>
             </a:pPr>
-            <a:endParaRPr lang="en-US" sz="2500" dirty="0">
+            <a:endParaRPr lang="en-US" sz="2500">
               <a:ea typeface="+mn-lt"/>
               <a:cs typeface="+mn-lt"/>
             </a:endParaRPr>
           </a:p>
           <a:p>
-            <a:pPr>
+            <a:pPr algn="just">
               <a:lnSpc>
-                <a:spcPct val="100000"/>
+                <a:spcPct val="120000"/>
               </a:lnSpc>
               <a:spcBef>
                 <a:spcPts val="0"/>
@@ -6617,29 +9335,111 @@
               <a:buChar char="•"/>
             </a:pPr>
             <a:r>
+              <a:rPr lang="en-US" sz="2500" err="1">
+                <a:ea typeface="+mn-lt"/>
+                <a:cs typeface="+mn-lt"/>
+              </a:rPr>
+              <a:t>Fichero</a:t>
+            </a:r>
+            <a:r>
               <a:rPr lang="en-US" sz="2500">
                 <a:ea typeface="+mn-lt"/>
                 <a:cs typeface="+mn-lt"/>
               </a:rPr>
-              <a:t>Un fichero SPARQL con las queries para </a:t>
-            </a:r>
-          </a:p>
-          <a:p>
-            <a:pPr marL="0" indent="0">
+              <a:t> RDF con la </a:t>
+            </a:r>
+            <a:r>
+              <a:rPr lang="en-US" sz="2500" err="1">
+                <a:ea typeface="+mn-lt"/>
+                <a:cs typeface="+mn-lt"/>
+              </a:rPr>
+              <a:t>sintaxis</a:t>
+            </a:r>
+            <a:r>
+              <a:rPr lang="en-US" sz="2500">
+                <a:ea typeface="+mn-lt"/>
+                <a:cs typeface="+mn-lt"/>
+              </a:rPr>
+              <a:t> de Turtle</a:t>
+            </a:r>
+          </a:p>
+          <a:p>
+            <a:pPr marL="0" indent="0" algn="just">
               <a:lnSpc>
-                <a:spcPct val="100000"/>
+                <a:spcPct val="120000"/>
               </a:lnSpc>
               <a:spcBef>
                 <a:spcPts val="0"/>
               </a:spcBef>
               <a:buNone/>
             </a:pPr>
+            <a:endParaRPr lang="en-US" sz="2500">
+              <a:ea typeface="+mn-lt"/>
+              <a:cs typeface="+mn-lt"/>
+            </a:endParaRPr>
+          </a:p>
+          <a:p>
+            <a:pPr algn="just">
+              <a:lnSpc>
+                <a:spcPct val="120000"/>
+              </a:lnSpc>
+              <a:spcBef>
+                <a:spcPts val="0"/>
+              </a:spcBef>
+              <a:buChar char="•"/>
+            </a:pPr>
             <a:r>
               <a:rPr lang="en-US" sz="2500">
                 <a:ea typeface="+mn-lt"/>
                 <a:cs typeface="+mn-lt"/>
               </a:rPr>
-              <a:t>    verificar los links</a:t>
+              <a:t>Un </a:t>
+            </a:r>
+            <a:r>
+              <a:rPr lang="en-US" sz="2500" err="1">
+                <a:ea typeface="+mn-lt"/>
+                <a:cs typeface="+mn-lt"/>
+              </a:rPr>
+              <a:t>fichero</a:t>
+            </a:r>
+            <a:r>
+              <a:rPr lang="en-US" sz="2500">
+                <a:ea typeface="+mn-lt"/>
+                <a:cs typeface="+mn-lt"/>
+              </a:rPr>
+              <a:t> SPARQL con las queries para </a:t>
+            </a:r>
+          </a:p>
+          <a:p>
+            <a:pPr marL="0" indent="0" algn="just">
+              <a:lnSpc>
+                <a:spcPct val="120000"/>
+              </a:lnSpc>
+              <a:spcBef>
+                <a:spcPts val="0"/>
+              </a:spcBef>
+              <a:buNone/>
+            </a:pPr>
+            <a:r>
+              <a:rPr lang="en-US" sz="2500">
+                <a:ea typeface="+mn-lt"/>
+                <a:cs typeface="+mn-lt"/>
+              </a:rPr>
+              <a:t>    </a:t>
+            </a:r>
+            <a:r>
+              <a:rPr lang="en-US" sz="2500" err="1">
+                <a:ea typeface="+mn-lt"/>
+                <a:cs typeface="+mn-lt"/>
+              </a:rPr>
+              <a:t>verificar</a:t>
+            </a:r>
+            <a:r>
+              <a:rPr lang="en-US" sz="2500">
+                <a:ea typeface="+mn-lt"/>
+                <a:cs typeface="+mn-lt"/>
+              </a:rPr>
+              <a:t> los links</a:t>
             </a:r>
             <a:endParaRPr lang="en-US" sz="2500"/>
           </a:p>

--- a/HandsOn/Group02/presentation/Group02_SafeCycling.pptx
+++ b/HandsOn/Group02/presentation/Group02_SafeCycling.pptx
@@ -6,12 +6,12 @@
   </p:sldMasterIdLst>
   <p:sldIdLst>
     <p:sldId id="259" r:id="rId2"/>
-    <p:sldId id="260" r:id="rId3"/>
-    <p:sldId id="261" r:id="rId4"/>
-    <p:sldId id="262" r:id="rId5"/>
-    <p:sldId id="265" r:id="rId6"/>
+    <p:sldId id="262" r:id="rId3"/>
+    <p:sldId id="270" r:id="rId4"/>
+    <p:sldId id="265" r:id="rId5"/>
+    <p:sldId id="271" r:id="rId6"/>
     <p:sldId id="268" r:id="rId7"/>
-    <p:sldId id="263" r:id="rId8"/>
+    <p:sldId id="269" r:id="rId8"/>
     <p:sldId id="267" r:id="rId9"/>
   </p:sldIdLst>
   <p:sldSz cx="12192000" cy="6858000"/>
@@ -124,6 +124,7 @@
   <p1510:revLst>
     <p1510:client id="{4E616808-9538-8CD8-6D09-8B6624E15E80}" v="210" dt="2021-11-11T19:56:02.183"/>
     <p1510:client id="{522DEB6F-C5FE-2419-92D6-645C10D4E916}" v="38" dt="2021-11-12T11:58:48.481"/>
+    <p1510:client id="{7F460B63-2AB3-ECD5-AFE5-AA3363B3BA0D}" v="9" dt="2021-11-12T14:28:32.895"/>
     <p1510:client id="{91B751D0-0EC8-6C07-9B45-EA793EB24F2B}" v="42" dt="2021-11-12T12:17:58.721"/>
     <p1510:client id="{BA61EA95-211E-DD98-13B5-B0F9381B1E0E}" v="3" dt="2021-11-12T11:39:00.848"/>
     <p1510:client id="{D773014C-231C-E9BF-EDF8-87612E21EE26}" v="66" dt="2021-11-11T16:48:23.724"/>
@@ -135,6 +136,46 @@
 
 <file path=ppt/changesInfos/changesInfo1.xml><?xml version="1.0" encoding="utf-8"?>
 <pc:chgInfo xmlns:a="http://schemas.openxmlformats.org/drawingml/2006/main" xmlns:r="http://schemas.openxmlformats.org/officeDocument/2006/relationships" xmlns:ac="http://schemas.microsoft.com/office/drawing/2013/main/command" xmlns:pc="http://schemas.microsoft.com/office/powerpoint/2013/main/command">
+  <pc:docChgLst>
+    <pc:chgData name="LICIA DULCE RUIZ CENTNER" userId="S::ld.ruiz@alumnos.upm.es::95fad373-be20-4cc8-9c4b-4294f4e033a5" providerId="AD" clId="Web-{7F460B63-2AB3-ECD5-AFE5-AA3363B3BA0D}"/>
+    <pc:docChg chg="addSld modSld">
+      <pc:chgData name="LICIA DULCE RUIZ CENTNER" userId="S::ld.ruiz@alumnos.upm.es::95fad373-be20-4cc8-9c4b-4294f4e033a5" providerId="AD" clId="Web-{7F460B63-2AB3-ECD5-AFE5-AA3363B3BA0D}" dt="2021-11-12T14:28:32.473" v="7"/>
+      <pc:docMkLst>
+        <pc:docMk/>
+      </pc:docMkLst>
+      <pc:sldChg chg="addSp delSp modSp new">
+        <pc:chgData name="LICIA DULCE RUIZ CENTNER" userId="S::ld.ruiz@alumnos.upm.es::95fad373-be20-4cc8-9c4b-4294f4e033a5" providerId="AD" clId="Web-{7F460B63-2AB3-ECD5-AFE5-AA3363B3BA0D}" dt="2021-11-12T14:28:32.473" v="7"/>
+        <pc:sldMkLst>
+          <pc:docMk/>
+          <pc:sldMk cId="3905031737" sldId="269"/>
+        </pc:sldMkLst>
+        <pc:spChg chg="mod">
+          <ac:chgData name="LICIA DULCE RUIZ CENTNER" userId="S::ld.ruiz@alumnos.upm.es::95fad373-be20-4cc8-9c4b-4294f4e033a5" providerId="AD" clId="Web-{7F460B63-2AB3-ECD5-AFE5-AA3363B3BA0D}" dt="2021-11-12T14:28:28.723" v="6" actId="20577"/>
+          <ac:spMkLst>
+            <pc:docMk/>
+            <pc:sldMk cId="3905031737" sldId="269"/>
+            <ac:spMk id="2" creationId="{6F24B592-F271-4CC3-B211-576D5AF52ABD}"/>
+          </ac:spMkLst>
+        </pc:spChg>
+        <pc:spChg chg="del">
+          <ac:chgData name="LICIA DULCE RUIZ CENTNER" userId="S::ld.ruiz@alumnos.upm.es::95fad373-be20-4cc8-9c4b-4294f4e033a5" providerId="AD" clId="Web-{7F460B63-2AB3-ECD5-AFE5-AA3363B3BA0D}" dt="2021-11-12T14:28:32.473" v="7"/>
+          <ac:spMkLst>
+            <pc:docMk/>
+            <pc:sldMk cId="3905031737" sldId="269"/>
+            <ac:spMk id="3" creationId="{30F092D9-BFAA-4C4F-A523-B7AD4284DBBD}"/>
+          </ac:spMkLst>
+        </pc:spChg>
+        <pc:picChg chg="add mod ord">
+          <ac:chgData name="LICIA DULCE RUIZ CENTNER" userId="S::ld.ruiz@alumnos.upm.es::95fad373-be20-4cc8-9c4b-4294f4e033a5" providerId="AD" clId="Web-{7F460B63-2AB3-ECD5-AFE5-AA3363B3BA0D}" dt="2021-11-12T14:28:32.473" v="7"/>
+          <ac:picMkLst>
+            <pc:docMk/>
+            <pc:sldMk cId="3905031737" sldId="269"/>
+            <ac:picMk id="4" creationId="{63FFDBDE-58A5-4F30-B550-01215CD8685B}"/>
+          </ac:picMkLst>
+        </pc:picChg>
+      </pc:sldChg>
+    </pc:docChg>
+  </pc:docChgLst>
   <pc:docChgLst>
     <pc:chgData name="LICIA DULCE RUIZ CENTNER" userId="S::ld.ruiz@alumnos.upm.es::95fad373-be20-4cc8-9c4b-4294f4e033a5" providerId="AD" clId="Web-{DA59AE99-952A-6AFC-BA44-0FBB5990E17B}"/>
     <pc:docChg chg="modSld">
@@ -482,6 +523,30 @@
     </pc:docChg>
   </pc:docChgLst>
   <pc:docChgLst>
+    <pc:chgData name="JOSE LUIS COMINO APARICIO" userId="S::joseluis.comino.aparicio@alumnos.upm.es::334ccc3e-eb1a-4def-b6cf-1ff3276047bb" providerId="AD" clId="Web-{BA61EA95-211E-DD98-13B5-B0F9381B1E0E}"/>
+    <pc:docChg chg="modSld">
+      <pc:chgData name="JOSE LUIS COMINO APARICIO" userId="S::joseluis.comino.aparicio@alumnos.upm.es::334ccc3e-eb1a-4def-b6cf-1ff3276047bb" providerId="AD" clId="Web-{BA61EA95-211E-DD98-13B5-B0F9381B1E0E}" dt="2021-11-12T11:38:58.708" v="1" actId="20577"/>
+      <pc:docMkLst>
+        <pc:docMk/>
+      </pc:docMkLst>
+      <pc:sldChg chg="modSp">
+        <pc:chgData name="JOSE LUIS COMINO APARICIO" userId="S::joseluis.comino.aparicio@alumnos.upm.es::334ccc3e-eb1a-4def-b6cf-1ff3276047bb" providerId="AD" clId="Web-{BA61EA95-211E-DD98-13B5-B0F9381B1E0E}" dt="2021-11-12T11:38:58.708" v="1" actId="20577"/>
+        <pc:sldMkLst>
+          <pc:docMk/>
+          <pc:sldMk cId="2771584652" sldId="268"/>
+        </pc:sldMkLst>
+        <pc:spChg chg="mod">
+          <ac:chgData name="JOSE LUIS COMINO APARICIO" userId="S::joseluis.comino.aparicio@alumnos.upm.es::334ccc3e-eb1a-4def-b6cf-1ff3276047bb" providerId="AD" clId="Web-{BA61EA95-211E-DD98-13B5-B0F9381B1E0E}" dt="2021-11-12T11:38:58.708" v="1" actId="20577"/>
+          <ac:spMkLst>
+            <pc:docMk/>
+            <pc:sldMk cId="2771584652" sldId="268"/>
+            <ac:spMk id="4" creationId="{54128A53-82D7-489E-9BF7-A5F9478771C4}"/>
+          </ac:spMkLst>
+        </pc:spChg>
+      </pc:sldChg>
+    </pc:docChg>
+  </pc:docChgLst>
+  <pc:docChgLst>
     <pc:chgData name="JOSE LUIS COMINO APARICIO" userId="S::joseluis.comino.aparicio@alumnos.upm.es::334ccc3e-eb1a-4def-b6cf-1ff3276047bb" providerId="AD" clId="Web-{522DEB6F-C5FE-2419-92D6-645C10D4E916}"/>
     <pc:docChg chg="modSld">
       <pc:chgData name="JOSE LUIS COMINO APARICIO" userId="S::joseluis.comino.aparicio@alumnos.upm.es::334ccc3e-eb1a-4def-b6cf-1ff3276047bb" providerId="AD" clId="Web-{522DEB6F-C5FE-2419-92D6-645C10D4E916}" dt="2021-11-12T11:58:48.481" v="43" actId="20577"/>
@@ -524,30 +589,6 @@
             <pc:docMk/>
             <pc:sldMk cId="1168108605" sldId="263"/>
             <ac:spMk id="52" creationId="{20AAB45A-FB01-4B86-BA72-FB4275D50482}"/>
-          </ac:spMkLst>
-        </pc:spChg>
-      </pc:sldChg>
-    </pc:docChg>
-  </pc:docChgLst>
-  <pc:docChgLst>
-    <pc:chgData name="JOSE LUIS COMINO APARICIO" userId="S::joseluis.comino.aparicio@alumnos.upm.es::334ccc3e-eb1a-4def-b6cf-1ff3276047bb" providerId="AD" clId="Web-{BA61EA95-211E-DD98-13B5-B0F9381B1E0E}"/>
-    <pc:docChg chg="modSld">
-      <pc:chgData name="JOSE LUIS COMINO APARICIO" userId="S::joseluis.comino.aparicio@alumnos.upm.es::334ccc3e-eb1a-4def-b6cf-1ff3276047bb" providerId="AD" clId="Web-{BA61EA95-211E-DD98-13B5-B0F9381B1E0E}" dt="2021-11-12T11:38:58.708" v="1" actId="20577"/>
-      <pc:docMkLst>
-        <pc:docMk/>
-      </pc:docMkLst>
-      <pc:sldChg chg="modSp">
-        <pc:chgData name="JOSE LUIS COMINO APARICIO" userId="S::joseluis.comino.aparicio@alumnos.upm.es::334ccc3e-eb1a-4def-b6cf-1ff3276047bb" providerId="AD" clId="Web-{BA61EA95-211E-DD98-13B5-B0F9381B1E0E}" dt="2021-11-12T11:38:58.708" v="1" actId="20577"/>
-        <pc:sldMkLst>
-          <pc:docMk/>
-          <pc:sldMk cId="2771584652" sldId="268"/>
-        </pc:sldMkLst>
-        <pc:spChg chg="mod">
-          <ac:chgData name="JOSE LUIS COMINO APARICIO" userId="S::joseluis.comino.aparicio@alumnos.upm.es::334ccc3e-eb1a-4def-b6cf-1ff3276047bb" providerId="AD" clId="Web-{BA61EA95-211E-DD98-13B5-B0F9381B1E0E}" dt="2021-11-12T11:38:58.708" v="1" actId="20577"/>
-          <ac:spMkLst>
-            <pc:docMk/>
-            <pc:sldMk cId="2771584652" sldId="268"/>
-            <ac:spMk id="4" creationId="{54128A53-82D7-489E-9BF7-A5F9478771C4}"/>
           </ac:spMkLst>
         </pc:spChg>
       </pc:sldChg>
@@ -1399,1264 +1440,6 @@
     </pc:docChg>
   </pc:docChgLst>
   <pc:docChgLst>
-    <pc:chgData name="LICIA DULCE RUIZ CENTNER" userId="S::ld.ruiz@alumnos.upm.es::95fad373-be20-4cc8-9c4b-4294f4e033a5" providerId="AD" clId="Web-{DDA4C2D1-061D-4DB2-BE66-906845DF43D4}"/>
-    <pc:docChg chg="addSld delSld modSld addMainMaster delMainMaster">
-      <pc:chgData name="LICIA DULCE RUIZ CENTNER" userId="S::ld.ruiz@alumnos.upm.es::95fad373-be20-4cc8-9c4b-4294f4e033a5" providerId="AD" clId="Web-{DDA4C2D1-061D-4DB2-BE66-906845DF43D4}" dt="2021-11-10T16:59:35.264" v="435"/>
-      <pc:docMkLst>
-        <pc:docMk/>
-      </pc:docMkLst>
-      <pc:sldChg chg="addSp delSp modSp del mod setBg setClrOvrMap">
-        <pc:chgData name="LICIA DULCE RUIZ CENTNER" userId="S::ld.ruiz@alumnos.upm.es::95fad373-be20-4cc8-9c4b-4294f4e033a5" providerId="AD" clId="Web-{DDA4C2D1-061D-4DB2-BE66-906845DF43D4}" dt="2021-11-10T14:40:22.295" v="47"/>
-        <pc:sldMkLst>
-          <pc:docMk/>
-          <pc:sldMk cId="109857222" sldId="256"/>
-        </pc:sldMkLst>
-        <pc:spChg chg="mod">
-          <ac:chgData name="LICIA DULCE RUIZ CENTNER" userId="S::ld.ruiz@alumnos.upm.es::95fad373-be20-4cc8-9c4b-4294f4e033a5" providerId="AD" clId="Web-{DDA4C2D1-061D-4DB2-BE66-906845DF43D4}" dt="2021-11-10T14:15:29.769" v="11" actId="20577"/>
-          <ac:spMkLst>
-            <pc:docMk/>
-            <pc:sldMk cId="109857222" sldId="256"/>
-            <ac:spMk id="2" creationId="{00000000-0000-0000-0000-000000000000}"/>
-          </ac:spMkLst>
-        </pc:spChg>
-        <pc:spChg chg="mod">
-          <ac:chgData name="LICIA DULCE RUIZ CENTNER" userId="S::ld.ruiz@alumnos.upm.es::95fad373-be20-4cc8-9c4b-4294f4e033a5" providerId="AD" clId="Web-{DDA4C2D1-061D-4DB2-BE66-906845DF43D4}" dt="2021-11-10T14:15:38.598" v="19" actId="20577"/>
-          <ac:spMkLst>
-            <pc:docMk/>
-            <pc:sldMk cId="109857222" sldId="256"/>
-            <ac:spMk id="3" creationId="{00000000-0000-0000-0000-000000000000}"/>
-          </ac:spMkLst>
-        </pc:spChg>
-        <pc:spChg chg="add">
-          <ac:chgData name="LICIA DULCE RUIZ CENTNER" userId="S::ld.ruiz@alumnos.upm.es::95fad373-be20-4cc8-9c4b-4294f4e033a5" providerId="AD" clId="Web-{DDA4C2D1-061D-4DB2-BE66-906845DF43D4}" dt="2021-11-10T14:15:14.799" v="3"/>
-          <ac:spMkLst>
-            <pc:docMk/>
-            <pc:sldMk cId="109857222" sldId="256"/>
-            <ac:spMk id="6" creationId="{71B2258F-86CA-4D4D-8270-BC05FCDEBFB3}"/>
-          </ac:spMkLst>
-        </pc:spChg>
-        <pc:spChg chg="add del">
-          <ac:chgData name="LICIA DULCE RUIZ CENTNER" userId="S::ld.ruiz@alumnos.upm.es::95fad373-be20-4cc8-9c4b-4294f4e033a5" providerId="AD" clId="Web-{DDA4C2D1-061D-4DB2-BE66-906845DF43D4}" dt="2021-11-10T14:15:14.784" v="2"/>
-          <ac:spMkLst>
-            <pc:docMk/>
-            <pc:sldMk cId="109857222" sldId="256"/>
-            <ac:spMk id="9" creationId="{87CC2527-562A-4F69-B487-4371E5B243E7}"/>
-          </ac:spMkLst>
-        </pc:spChg>
-        <pc:picChg chg="add del">
-          <ac:chgData name="LICIA DULCE RUIZ CENTNER" userId="S::ld.ruiz@alumnos.upm.es::95fad373-be20-4cc8-9c4b-4294f4e033a5" providerId="AD" clId="Web-{DDA4C2D1-061D-4DB2-BE66-906845DF43D4}" dt="2021-11-10T14:15:14.784" v="2"/>
-          <ac:picMkLst>
-            <pc:docMk/>
-            <pc:sldMk cId="109857222" sldId="256"/>
-            <ac:picMk id="5" creationId="{BCDDEF53-A9AF-4E5E-A136-C33176674289}"/>
-          </ac:picMkLst>
-        </pc:picChg>
-        <pc:picChg chg="add">
-          <ac:chgData name="LICIA DULCE RUIZ CENTNER" userId="S::ld.ruiz@alumnos.upm.es::95fad373-be20-4cc8-9c4b-4294f4e033a5" providerId="AD" clId="Web-{DDA4C2D1-061D-4DB2-BE66-906845DF43D4}" dt="2021-11-10T14:15:14.799" v="3"/>
-          <ac:picMkLst>
-            <pc:docMk/>
-            <pc:sldMk cId="109857222" sldId="256"/>
-            <ac:picMk id="7" creationId="{C519A419-A11A-437B-A47C-541CE9AADB91}"/>
-          </ac:picMkLst>
-        </pc:picChg>
-        <pc:cxnChg chg="add del">
-          <ac:chgData name="LICIA DULCE RUIZ CENTNER" userId="S::ld.ruiz@alumnos.upm.es::95fad373-be20-4cc8-9c4b-4294f4e033a5" providerId="AD" clId="Web-{DDA4C2D1-061D-4DB2-BE66-906845DF43D4}" dt="2021-11-10T14:15:14.784" v="2"/>
-          <ac:cxnSpMkLst>
-            <pc:docMk/>
-            <pc:sldMk cId="109857222" sldId="256"/>
-            <ac:cxnSpMk id="11" creationId="{BCDAEC91-5BCE-4B55-9CC0-43EF94CB734B}"/>
-          </ac:cxnSpMkLst>
-        </pc:cxnChg>
-      </pc:sldChg>
-      <pc:sldChg chg="addSp delSp modSp new del mod setBg">
-        <pc:chgData name="LICIA DULCE RUIZ CENTNER" userId="S::ld.ruiz@alumnos.upm.es::95fad373-be20-4cc8-9c4b-4294f4e033a5" providerId="AD" clId="Web-{DDA4C2D1-061D-4DB2-BE66-906845DF43D4}" dt="2021-11-10T14:40:30.545" v="48"/>
-        <pc:sldMkLst>
-          <pc:docMk/>
-          <pc:sldMk cId="681054907" sldId="257"/>
-        </pc:sldMkLst>
-        <pc:spChg chg="mod ord">
-          <ac:chgData name="LICIA DULCE RUIZ CENTNER" userId="S::ld.ruiz@alumnos.upm.es::95fad373-be20-4cc8-9c4b-4294f4e033a5" providerId="AD" clId="Web-{DDA4C2D1-061D-4DB2-BE66-906845DF43D4}" dt="2021-11-10T14:17:38.089" v="28"/>
-          <ac:spMkLst>
-            <pc:docMk/>
-            <pc:sldMk cId="681054907" sldId="257"/>
-            <ac:spMk id="2" creationId="{7F27B960-C8BE-4F3F-A1EB-0ECABDE681D0}"/>
-          </ac:spMkLst>
-        </pc:spChg>
-        <pc:spChg chg="del">
-          <ac:chgData name="LICIA DULCE RUIZ CENTNER" userId="S::ld.ruiz@alumnos.upm.es::95fad373-be20-4cc8-9c4b-4294f4e033a5" providerId="AD" clId="Web-{DDA4C2D1-061D-4DB2-BE66-906845DF43D4}" dt="2021-11-10T14:15:53.755" v="20"/>
-          <ac:spMkLst>
-            <pc:docMk/>
-            <pc:sldMk cId="681054907" sldId="257"/>
-            <ac:spMk id="3" creationId="{C308D8E3-6562-4CD7-A828-D8A23654D672}"/>
-          </ac:spMkLst>
-        </pc:spChg>
-        <pc:spChg chg="add mod">
-          <ac:chgData name="LICIA DULCE RUIZ CENTNER" userId="S::ld.ruiz@alumnos.upm.es::95fad373-be20-4cc8-9c4b-4294f4e033a5" providerId="AD" clId="Web-{DDA4C2D1-061D-4DB2-BE66-906845DF43D4}" dt="2021-11-10T14:17:38.089" v="28"/>
-          <ac:spMkLst>
-            <pc:docMk/>
-            <pc:sldMk cId="681054907" sldId="257"/>
-            <ac:spMk id="6" creationId="{74A79829-EEF4-490D-956B-20720AC9C596}"/>
-          </ac:spMkLst>
-        </pc:spChg>
-        <pc:spChg chg="add del">
-          <ac:chgData name="LICIA DULCE RUIZ CENTNER" userId="S::ld.ruiz@alumnos.upm.es::95fad373-be20-4cc8-9c4b-4294f4e033a5" providerId="AD" clId="Web-{DDA4C2D1-061D-4DB2-BE66-906845DF43D4}" dt="2021-11-10T14:17:07.368" v="22"/>
-          <ac:spMkLst>
-            <pc:docMk/>
-            <pc:sldMk cId="681054907" sldId="257"/>
-            <ac:spMk id="8" creationId="{C27D7A02-907B-496F-BA7E-AA3780733CA7}"/>
-          </ac:spMkLst>
-        </pc:spChg>
-        <pc:spChg chg="add del">
-          <ac:chgData name="LICIA DULCE RUIZ CENTNER" userId="S::ld.ruiz@alumnos.upm.es::95fad373-be20-4cc8-9c4b-4294f4e033a5" providerId="AD" clId="Web-{DDA4C2D1-061D-4DB2-BE66-906845DF43D4}" dt="2021-11-10T14:17:07.368" v="22"/>
-          <ac:spMkLst>
-            <pc:docMk/>
-            <pc:sldMk cId="681054907" sldId="257"/>
-            <ac:spMk id="10" creationId="{0FBA5268-0AE7-4CAD-9537-D0EB09E76406}"/>
-          </ac:spMkLst>
-        </pc:spChg>
-        <pc:spChg chg="add del">
-          <ac:chgData name="LICIA DULCE RUIZ CENTNER" userId="S::ld.ruiz@alumnos.upm.es::95fad373-be20-4cc8-9c4b-4294f4e033a5" providerId="AD" clId="Web-{DDA4C2D1-061D-4DB2-BE66-906845DF43D4}" dt="2021-11-10T14:17:07.368" v="22"/>
-          <ac:spMkLst>
-            <pc:docMk/>
-            <pc:sldMk cId="681054907" sldId="257"/>
-            <ac:spMk id="12" creationId="{088D065B-39DA-4077-B9CF-E489CE4C0169}"/>
-          </ac:spMkLst>
-        </pc:spChg>
-        <pc:spChg chg="add del">
-          <ac:chgData name="LICIA DULCE RUIZ CENTNER" userId="S::ld.ruiz@alumnos.upm.es::95fad373-be20-4cc8-9c4b-4294f4e033a5" providerId="AD" clId="Web-{DDA4C2D1-061D-4DB2-BE66-906845DF43D4}" dt="2021-11-10T14:17:38.089" v="28"/>
-          <ac:spMkLst>
-            <pc:docMk/>
-            <pc:sldMk cId="681054907" sldId="257"/>
-            <ac:spMk id="17" creationId="{87CC2527-562A-4F69-B487-4371E5B243E7}"/>
-          </ac:spMkLst>
-        </pc:spChg>
-        <pc:spChg chg="add">
-          <ac:chgData name="LICIA DULCE RUIZ CENTNER" userId="S::ld.ruiz@alumnos.upm.es::95fad373-be20-4cc8-9c4b-4294f4e033a5" providerId="AD" clId="Web-{DDA4C2D1-061D-4DB2-BE66-906845DF43D4}" dt="2021-11-10T14:17:38.089" v="28"/>
-          <ac:spMkLst>
-            <pc:docMk/>
-            <pc:sldMk cId="681054907" sldId="257"/>
-            <ac:spMk id="24" creationId="{87CC2527-562A-4F69-B487-4371E5B243E7}"/>
-          </ac:spMkLst>
-        </pc:spChg>
-        <pc:picChg chg="add del mod">
-          <ac:chgData name="LICIA DULCE RUIZ CENTNER" userId="S::ld.ruiz@alumnos.upm.es::95fad373-be20-4cc8-9c4b-4294f4e033a5" providerId="AD" clId="Web-{DDA4C2D1-061D-4DB2-BE66-906845DF43D4}" dt="2021-11-10T14:17:15.900" v="23"/>
-          <ac:picMkLst>
-            <pc:docMk/>
-            <pc:sldMk cId="681054907" sldId="257"/>
-            <ac:picMk id="4" creationId="{88D76A97-D698-43A3-8667-DBB1E29B4F01}"/>
-          </ac:picMkLst>
-        </pc:picChg>
-        <pc:picChg chg="add mod">
-          <ac:chgData name="LICIA DULCE RUIZ CENTNER" userId="S::ld.ruiz@alumnos.upm.es::95fad373-be20-4cc8-9c4b-4294f4e033a5" providerId="AD" clId="Web-{DDA4C2D1-061D-4DB2-BE66-906845DF43D4}" dt="2021-11-10T14:17:38.089" v="28"/>
-          <ac:picMkLst>
-            <pc:docMk/>
-            <pc:sldMk cId="681054907" sldId="257"/>
-            <ac:picMk id="5" creationId="{1824D04E-5160-4F4B-9CCB-D170839BDB23}"/>
-          </ac:picMkLst>
-        </pc:picChg>
-        <pc:cxnChg chg="add del">
-          <ac:chgData name="LICIA DULCE RUIZ CENTNER" userId="S::ld.ruiz@alumnos.upm.es::95fad373-be20-4cc8-9c4b-4294f4e033a5" providerId="AD" clId="Web-{DDA4C2D1-061D-4DB2-BE66-906845DF43D4}" dt="2021-11-10T14:17:38.089" v="28"/>
-          <ac:cxnSpMkLst>
-            <pc:docMk/>
-            <pc:sldMk cId="681054907" sldId="257"/>
-            <ac:cxnSpMk id="19" creationId="{BCDAEC91-5BCE-4B55-9CC0-43EF94CB734B}"/>
-          </ac:cxnSpMkLst>
-        </pc:cxnChg>
-        <pc:cxnChg chg="add">
-          <ac:chgData name="LICIA DULCE RUIZ CENTNER" userId="S::ld.ruiz@alumnos.upm.es::95fad373-be20-4cc8-9c4b-4294f4e033a5" providerId="AD" clId="Web-{DDA4C2D1-061D-4DB2-BE66-906845DF43D4}" dt="2021-11-10T14:17:38.089" v="28"/>
-          <ac:cxnSpMkLst>
-            <pc:docMk/>
-            <pc:sldMk cId="681054907" sldId="257"/>
-            <ac:cxnSpMk id="26" creationId="{BCDAEC91-5BCE-4B55-9CC0-43EF94CB734B}"/>
-          </ac:cxnSpMkLst>
-        </pc:cxnChg>
-      </pc:sldChg>
-      <pc:sldChg chg="addSp delSp modSp new del mod modClrScheme chgLayout">
-        <pc:chgData name="LICIA DULCE RUIZ CENTNER" userId="S::ld.ruiz@alumnos.upm.es::95fad373-be20-4cc8-9c4b-4294f4e033a5" providerId="AD" clId="Web-{DDA4C2D1-061D-4DB2-BE66-906845DF43D4}" dt="2021-11-10T16:58:18.747" v="434"/>
-        <pc:sldMkLst>
-          <pc:docMk/>
-          <pc:sldMk cId="1393632755" sldId="258"/>
-        </pc:sldMkLst>
-        <pc:spChg chg="mod ord">
-          <ac:chgData name="LICIA DULCE RUIZ CENTNER" userId="S::ld.ruiz@alumnos.upm.es::95fad373-be20-4cc8-9c4b-4294f4e033a5" providerId="AD" clId="Web-{DDA4C2D1-061D-4DB2-BE66-906845DF43D4}" dt="2021-11-10T14:41:25.095" v="50"/>
-          <ac:spMkLst>
-            <pc:docMk/>
-            <pc:sldMk cId="1393632755" sldId="258"/>
-            <ac:spMk id="2" creationId="{9FF13434-9382-4EB9-AB82-20624DBFD33A}"/>
-          </ac:spMkLst>
-        </pc:spChg>
-        <pc:spChg chg="del">
-          <ac:chgData name="LICIA DULCE RUIZ CENTNER" userId="S::ld.ruiz@alumnos.upm.es::95fad373-be20-4cc8-9c4b-4294f4e033a5" providerId="AD" clId="Web-{DDA4C2D1-061D-4DB2-BE66-906845DF43D4}" dt="2021-11-10T14:29:20.537" v="30"/>
-          <ac:spMkLst>
-            <pc:docMk/>
-            <pc:sldMk cId="1393632755" sldId="258"/>
-            <ac:spMk id="3" creationId="{24E90FAA-7533-470C-8216-9396716B4A69}"/>
-          </ac:spMkLst>
-        </pc:spChg>
-        <pc:picChg chg="add mod ord">
-          <ac:chgData name="LICIA DULCE RUIZ CENTNER" userId="S::ld.ruiz@alumnos.upm.es::95fad373-be20-4cc8-9c4b-4294f4e033a5" providerId="AD" clId="Web-{DDA4C2D1-061D-4DB2-BE66-906845DF43D4}" dt="2021-11-10T14:41:25.095" v="50"/>
-          <ac:picMkLst>
-            <pc:docMk/>
-            <pc:sldMk cId="1393632755" sldId="258"/>
-            <ac:picMk id="4" creationId="{8212C7F7-4906-4B4C-BD95-EBD6B2C7253F}"/>
-          </ac:picMkLst>
-        </pc:picChg>
-      </pc:sldChg>
-      <pc:sldChg chg="addSp delSp modSp new mod setBg modClrScheme setClrOvrMap delDesignElem chgLayout">
-        <pc:chgData name="LICIA DULCE RUIZ CENTNER" userId="S::ld.ruiz@alumnos.upm.es::95fad373-be20-4cc8-9c4b-4294f4e033a5" providerId="AD" clId="Web-{DDA4C2D1-061D-4DB2-BE66-906845DF43D4}" dt="2021-11-10T16:57:38.527" v="430"/>
-        <pc:sldMkLst>
-          <pc:docMk/>
-          <pc:sldMk cId="746235981" sldId="259"/>
-        </pc:sldMkLst>
-        <pc:spChg chg="mod ord">
-          <ac:chgData name="LICIA DULCE RUIZ CENTNER" userId="S::ld.ruiz@alumnos.upm.es::95fad373-be20-4cc8-9c4b-4294f4e033a5" providerId="AD" clId="Web-{DDA4C2D1-061D-4DB2-BE66-906845DF43D4}" dt="2021-11-10T16:57:38.527" v="430"/>
-          <ac:spMkLst>
-            <pc:docMk/>
-            <pc:sldMk cId="746235981" sldId="259"/>
-            <ac:spMk id="2" creationId="{D18B4473-1E80-40CE-8FD4-1214A9CF14F1}"/>
-          </ac:spMkLst>
-        </pc:spChg>
-        <pc:spChg chg="add mod">
-          <ac:chgData name="LICIA DULCE RUIZ CENTNER" userId="S::ld.ruiz@alumnos.upm.es::95fad373-be20-4cc8-9c4b-4294f4e033a5" providerId="AD" clId="Web-{DDA4C2D1-061D-4DB2-BE66-906845DF43D4}" dt="2021-11-10T16:57:38.527" v="430"/>
-          <ac:spMkLst>
-            <pc:docMk/>
-            <pc:sldMk cId="746235981" sldId="259"/>
-            <ac:spMk id="3" creationId="{A2C9DC9A-0911-48D9-B8A9-568CD2ADC702}"/>
-          </ac:spMkLst>
-        </pc:spChg>
-        <pc:spChg chg="del">
-          <ac:chgData name="LICIA DULCE RUIZ CENTNER" userId="S::ld.ruiz@alumnos.upm.es::95fad373-be20-4cc8-9c4b-4294f4e033a5" providerId="AD" clId="Web-{DDA4C2D1-061D-4DB2-BE66-906845DF43D4}" dt="2021-11-10T14:38:56.040" v="32"/>
-          <ac:spMkLst>
-            <pc:docMk/>
-            <pc:sldMk cId="746235981" sldId="259"/>
-            <ac:spMk id="3" creationId="{E6748E23-5847-460F-83EA-87D38D00081C}"/>
-          </ac:spMkLst>
-        </pc:spChg>
-        <pc:spChg chg="add del">
-          <ac:chgData name="LICIA DULCE RUIZ CENTNER" userId="S::ld.ruiz@alumnos.upm.es::95fad373-be20-4cc8-9c4b-4294f4e033a5" providerId="AD" clId="Web-{DDA4C2D1-061D-4DB2-BE66-906845DF43D4}" dt="2021-11-10T16:57:38.527" v="430"/>
-          <ac:spMkLst>
-            <pc:docMk/>
-            <pc:sldMk cId="746235981" sldId="259"/>
-            <ac:spMk id="6" creationId="{17115F77-2FAE-4CA7-9A7F-10D5F2C8F831}"/>
-          </ac:spMkLst>
-        </pc:spChg>
-        <pc:spChg chg="add del">
-          <ac:chgData name="LICIA DULCE RUIZ CENTNER" userId="S::ld.ruiz@alumnos.upm.es::95fad373-be20-4cc8-9c4b-4294f4e033a5" providerId="AD" clId="Web-{DDA4C2D1-061D-4DB2-BE66-906845DF43D4}" dt="2021-11-10T16:57:38.527" v="430"/>
-          <ac:spMkLst>
-            <pc:docMk/>
-            <pc:sldMk cId="746235981" sldId="259"/>
-            <ac:spMk id="7" creationId="{5CD4C046-A04C-46CC-AFA3-6B0621F628C8}"/>
-          </ac:spMkLst>
-        </pc:spChg>
-        <pc:spChg chg="add del">
-          <ac:chgData name="LICIA DULCE RUIZ CENTNER" userId="S::ld.ruiz@alumnos.upm.es::95fad373-be20-4cc8-9c4b-4294f4e033a5" providerId="AD" clId="Web-{DDA4C2D1-061D-4DB2-BE66-906845DF43D4}" dt="2021-11-10T14:41:25.095" v="50"/>
-          <ac:spMkLst>
-            <pc:docMk/>
-            <pc:sldMk cId="746235981" sldId="259"/>
-            <ac:spMk id="9" creationId="{87CC2527-562A-4F69-B487-4371E5B243E7}"/>
-          </ac:spMkLst>
-        </pc:spChg>
-        <pc:spChg chg="add del">
-          <ac:chgData name="LICIA DULCE RUIZ CENTNER" userId="S::ld.ruiz@alumnos.upm.es::95fad373-be20-4cc8-9c4b-4294f4e033a5" providerId="AD" clId="Web-{DDA4C2D1-061D-4DB2-BE66-906845DF43D4}" dt="2021-11-10T16:57:38.527" v="430"/>
-          <ac:spMkLst>
-            <pc:docMk/>
-            <pc:sldMk cId="746235981" sldId="259"/>
-            <ac:spMk id="13" creationId="{BC512124-0D13-4ED9-80B7-52AE15B6B41F}"/>
-          </ac:spMkLst>
-        </pc:spChg>
-        <pc:spChg chg="add del">
-          <ac:chgData name="LICIA DULCE RUIZ CENTNER" userId="S::ld.ruiz@alumnos.upm.es::95fad373-be20-4cc8-9c4b-4294f4e033a5" providerId="AD" clId="Web-{DDA4C2D1-061D-4DB2-BE66-906845DF43D4}" dt="2021-11-10T16:57:38.527" v="430"/>
-          <ac:spMkLst>
-            <pc:docMk/>
-            <pc:sldMk cId="746235981" sldId="259"/>
-            <ac:spMk id="18" creationId="{DADC4F84-175A-4AB1-916C-1E5796E1E0D3}"/>
-          </ac:spMkLst>
-        </pc:spChg>
-        <pc:picChg chg="add mod ord">
-          <ac:chgData name="LICIA DULCE RUIZ CENTNER" userId="S::ld.ruiz@alumnos.upm.es::95fad373-be20-4cc8-9c4b-4294f4e033a5" providerId="AD" clId="Web-{DDA4C2D1-061D-4DB2-BE66-906845DF43D4}" dt="2021-11-10T16:57:38.527" v="430"/>
-          <ac:picMkLst>
-            <pc:docMk/>
-            <pc:sldMk cId="746235981" sldId="259"/>
-            <ac:picMk id="4" creationId="{ED8A6B77-F45A-4FFB-9EE2-1D896B88D940}"/>
-          </ac:picMkLst>
-        </pc:picChg>
-        <pc:cxnChg chg="add del">
-          <ac:chgData name="LICIA DULCE RUIZ CENTNER" userId="S::ld.ruiz@alumnos.upm.es::95fad373-be20-4cc8-9c4b-4294f4e033a5" providerId="AD" clId="Web-{DDA4C2D1-061D-4DB2-BE66-906845DF43D4}" dt="2021-11-10T14:41:25.095" v="50"/>
-          <ac:cxnSpMkLst>
-            <pc:docMk/>
-            <pc:sldMk cId="746235981" sldId="259"/>
-            <ac:cxnSpMk id="11" creationId="{BCDAEC91-5BCE-4B55-9CC0-43EF94CB734B}"/>
-          </ac:cxnSpMkLst>
-        </pc:cxnChg>
-      </pc:sldChg>
-      <pc:sldChg chg="addSp delSp modSp new mod modTransition setBg modClrScheme delDesignElem chgLayout">
-        <pc:chgData name="LICIA DULCE RUIZ CENTNER" userId="S::ld.ruiz@alumnos.upm.es::95fad373-be20-4cc8-9c4b-4294f4e033a5" providerId="AD" clId="Web-{DDA4C2D1-061D-4DB2-BE66-906845DF43D4}" dt="2021-11-10T16:59:35.264" v="435"/>
-        <pc:sldMkLst>
-          <pc:docMk/>
-          <pc:sldMk cId="2619609178" sldId="260"/>
-        </pc:sldMkLst>
-        <pc:spChg chg="mod ord">
-          <ac:chgData name="LICIA DULCE RUIZ CENTNER" userId="S::ld.ruiz@alumnos.upm.es::95fad373-be20-4cc8-9c4b-4294f4e033a5" providerId="AD" clId="Web-{DDA4C2D1-061D-4DB2-BE66-906845DF43D4}" dt="2021-11-10T15:00:35.637" v="56" actId="20577"/>
-          <ac:spMkLst>
-            <pc:docMk/>
-            <pc:sldMk cId="2619609178" sldId="260"/>
-            <ac:spMk id="2" creationId="{144AEA20-8EB1-4778-AE36-9AEFA1FA78D9}"/>
-          </ac:spMkLst>
-        </pc:spChg>
-        <pc:spChg chg="mod ord">
-          <ac:chgData name="LICIA DULCE RUIZ CENTNER" userId="S::ld.ruiz@alumnos.upm.es::95fad373-be20-4cc8-9c4b-4294f4e033a5" providerId="AD" clId="Web-{DDA4C2D1-061D-4DB2-BE66-906845DF43D4}" dt="2021-11-10T15:01:07.513" v="84" actId="20577"/>
-          <ac:spMkLst>
-            <pc:docMk/>
-            <pc:sldMk cId="2619609178" sldId="260"/>
-            <ac:spMk id="3" creationId="{571852AB-255F-423F-8A1E-9B67E4580243}"/>
-          </ac:spMkLst>
-        </pc:spChg>
-        <pc:spChg chg="add">
-          <ac:chgData name="LICIA DULCE RUIZ CENTNER" userId="S::ld.ruiz@alumnos.upm.es::95fad373-be20-4cc8-9c4b-4294f4e033a5" providerId="AD" clId="Web-{DDA4C2D1-061D-4DB2-BE66-906845DF43D4}" dt="2021-11-10T14:41:47.237" v="51"/>
-          <ac:spMkLst>
-            <pc:docMk/>
-            <pc:sldMk cId="2619609178" sldId="260"/>
-            <ac:spMk id="5" creationId="{FF1D7602-6D2D-46C2-A7B2-434F3678DCB3}"/>
-          </ac:spMkLst>
-        </pc:spChg>
-        <pc:spChg chg="add">
-          <ac:chgData name="LICIA DULCE RUIZ CENTNER" userId="S::ld.ruiz@alumnos.upm.es::95fad373-be20-4cc8-9c4b-4294f4e033a5" providerId="AD" clId="Web-{DDA4C2D1-061D-4DB2-BE66-906845DF43D4}" dt="2021-11-10T14:41:47.237" v="51"/>
-          <ac:spMkLst>
-            <pc:docMk/>
-            <pc:sldMk cId="2619609178" sldId="260"/>
-            <ac:spMk id="6" creationId="{35539253-EA7C-41D9-9930-0923683AA3F6}"/>
-          </ac:spMkLst>
-        </pc:spChg>
-        <pc:spChg chg="add del">
-          <ac:chgData name="LICIA DULCE RUIZ CENTNER" userId="S::ld.ruiz@alumnos.upm.es::95fad373-be20-4cc8-9c4b-4294f4e033a5" providerId="AD" clId="Web-{DDA4C2D1-061D-4DB2-BE66-906845DF43D4}" dt="2021-11-10T14:41:25.095" v="50"/>
-          <ac:spMkLst>
-            <pc:docMk/>
-            <pc:sldMk cId="2619609178" sldId="260"/>
-            <ac:spMk id="8" creationId="{429917F3-0560-4C6F-B265-458B218C4B87}"/>
-          </ac:spMkLst>
-        </pc:spChg>
-        <pc:grpChg chg="add del">
-          <ac:chgData name="LICIA DULCE RUIZ CENTNER" userId="S::ld.ruiz@alumnos.upm.es::95fad373-be20-4cc8-9c4b-4294f4e033a5" providerId="AD" clId="Web-{DDA4C2D1-061D-4DB2-BE66-906845DF43D4}" dt="2021-11-10T14:41:25.095" v="50"/>
-          <ac:grpSpMkLst>
-            <pc:docMk/>
-            <pc:sldMk cId="2619609178" sldId="260"/>
-            <ac:grpSpMk id="10" creationId="{AA39BAE7-7EB8-4E22-BCBB-F00F514DB7EA}"/>
-          </ac:grpSpMkLst>
-        </pc:grpChg>
-        <pc:picChg chg="add mod">
-          <ac:chgData name="LICIA DULCE RUIZ CENTNER" userId="S::ld.ruiz@alumnos.upm.es::95fad373-be20-4cc8-9c4b-4294f4e033a5" providerId="AD" clId="Web-{DDA4C2D1-061D-4DB2-BE66-906845DF43D4}" dt="2021-11-10T16:58:00.590" v="433" actId="1076"/>
-          <ac:picMkLst>
-            <pc:docMk/>
-            <pc:sldMk cId="2619609178" sldId="260"/>
-            <ac:picMk id="4" creationId="{C2A42512-10E5-44D4-B7E1-0EB3491444B6}"/>
-          </ac:picMkLst>
-        </pc:picChg>
-        <pc:cxnChg chg="add">
-          <ac:chgData name="LICIA DULCE RUIZ CENTNER" userId="S::ld.ruiz@alumnos.upm.es::95fad373-be20-4cc8-9c4b-4294f4e033a5" providerId="AD" clId="Web-{DDA4C2D1-061D-4DB2-BE66-906845DF43D4}" dt="2021-11-10T14:41:47.237" v="51"/>
-          <ac:cxnSpMkLst>
-            <pc:docMk/>
-            <pc:sldMk cId="2619609178" sldId="260"/>
-            <ac:cxnSpMk id="12" creationId="{8D89589C-2C90-4407-A995-05EC3DD7AB14}"/>
-          </ac:cxnSpMkLst>
-        </pc:cxnChg>
-      </pc:sldChg>
-      <pc:sldChg chg="addSp delSp modSp new add del mod setBg">
-        <pc:chgData name="LICIA DULCE RUIZ CENTNER" userId="S::ld.ruiz@alumnos.upm.es::95fad373-be20-4cc8-9c4b-4294f4e033a5" providerId="AD" clId="Web-{DDA4C2D1-061D-4DB2-BE66-906845DF43D4}" dt="2021-11-10T16:24:34.366" v="363" actId="1076"/>
-        <pc:sldMkLst>
-          <pc:docMk/>
-          <pc:sldMk cId="3809662723" sldId="261"/>
-        </pc:sldMkLst>
-        <pc:spChg chg="mod">
-          <ac:chgData name="LICIA DULCE RUIZ CENTNER" userId="S::ld.ruiz@alumnos.upm.es::95fad373-be20-4cc8-9c4b-4294f4e033a5" providerId="AD" clId="Web-{DDA4C2D1-061D-4DB2-BE66-906845DF43D4}" dt="2021-11-10T15:07:53.634" v="124"/>
-          <ac:spMkLst>
-            <pc:docMk/>
-            <pc:sldMk cId="3809662723" sldId="261"/>
-            <ac:spMk id="2" creationId="{E233E1E2-E019-476B-8741-64DA930D5D18}"/>
-          </ac:spMkLst>
-        </pc:spChg>
-        <pc:spChg chg="del mod">
-          <ac:chgData name="LICIA DULCE RUIZ CENTNER" userId="S::ld.ruiz@alumnos.upm.es::95fad373-be20-4cc8-9c4b-4294f4e033a5" providerId="AD" clId="Web-{DDA4C2D1-061D-4DB2-BE66-906845DF43D4}" dt="2021-11-10T16:18:35.607" v="342"/>
-          <ac:spMkLst>
-            <pc:docMk/>
-            <pc:sldMk cId="3809662723" sldId="261"/>
-            <ac:spMk id="3" creationId="{26CB4D22-6F6C-445D-B664-A2CDFA324536}"/>
-          </ac:spMkLst>
-        </pc:spChg>
-        <pc:spChg chg="add del mod">
-          <ac:chgData name="LICIA DULCE RUIZ CENTNER" userId="S::ld.ruiz@alumnos.upm.es::95fad373-be20-4cc8-9c4b-4294f4e033a5" providerId="AD" clId="Web-{DDA4C2D1-061D-4DB2-BE66-906845DF43D4}" dt="2021-11-10T16:18:38.622" v="343"/>
-          <ac:spMkLst>
-            <pc:docMk/>
-            <pc:sldMk cId="3809662723" sldId="261"/>
-            <ac:spMk id="6" creationId="{50886F24-998A-4C85-98C8-5F6A0EC1321F}"/>
-          </ac:spMkLst>
-        </pc:spChg>
-        <pc:spChg chg="add del">
-          <ac:chgData name="LICIA DULCE RUIZ CENTNER" userId="S::ld.ruiz@alumnos.upm.es::95fad373-be20-4cc8-9c4b-4294f4e033a5" providerId="AD" clId="Web-{DDA4C2D1-061D-4DB2-BE66-906845DF43D4}" dt="2021-11-10T15:07:53.634" v="124"/>
-          <ac:spMkLst>
-            <pc:docMk/>
-            <pc:sldMk cId="3809662723" sldId="261"/>
-            <ac:spMk id="8" creationId="{5DB23C2B-2054-4D8B-9E98-9190F8E05EAD}"/>
-          </ac:spMkLst>
-        </pc:spChg>
-        <pc:spChg chg="add del">
-          <ac:chgData name="LICIA DULCE RUIZ CENTNER" userId="S::ld.ruiz@alumnos.upm.es::95fad373-be20-4cc8-9c4b-4294f4e033a5" providerId="AD" clId="Web-{DDA4C2D1-061D-4DB2-BE66-906845DF43D4}" dt="2021-11-10T15:07:53.634" v="124"/>
-          <ac:spMkLst>
-            <pc:docMk/>
-            <pc:sldMk cId="3809662723" sldId="261"/>
-            <ac:spMk id="10" creationId="{8797B5BC-9873-45F9-97D6-298FB5AF08FF}"/>
-          </ac:spMkLst>
-        </pc:spChg>
-        <pc:spChg chg="add del">
-          <ac:chgData name="LICIA DULCE RUIZ CENTNER" userId="S::ld.ruiz@alumnos.upm.es::95fad373-be20-4cc8-9c4b-4294f4e033a5" providerId="AD" clId="Web-{DDA4C2D1-061D-4DB2-BE66-906845DF43D4}" dt="2021-11-10T15:07:53.634" v="124"/>
-          <ac:spMkLst>
-            <pc:docMk/>
-            <pc:sldMk cId="3809662723" sldId="261"/>
-            <ac:spMk id="12" creationId="{665C2FCD-09A4-4B4B-AA73-F330DFE91799}"/>
-          </ac:spMkLst>
-        </pc:spChg>
-        <pc:spChg chg="add">
-          <ac:chgData name="LICIA DULCE RUIZ CENTNER" userId="S::ld.ruiz@alumnos.upm.es::95fad373-be20-4cc8-9c4b-4294f4e033a5" providerId="AD" clId="Web-{DDA4C2D1-061D-4DB2-BE66-906845DF43D4}" dt="2021-11-10T15:07:53.634" v="124"/>
-          <ac:spMkLst>
-            <pc:docMk/>
-            <pc:sldMk cId="3809662723" sldId="261"/>
-            <ac:spMk id="17" creationId="{29DC5A77-10C9-4ECF-B7EB-8D917F36A9EE}"/>
-          </ac:spMkLst>
-        </pc:spChg>
-        <pc:spChg chg="add">
-          <ac:chgData name="LICIA DULCE RUIZ CENTNER" userId="S::ld.ruiz@alumnos.upm.es::95fad373-be20-4cc8-9c4b-4294f4e033a5" providerId="AD" clId="Web-{DDA4C2D1-061D-4DB2-BE66-906845DF43D4}" dt="2021-11-10T15:07:53.634" v="124"/>
-          <ac:spMkLst>
-            <pc:docMk/>
-            <pc:sldMk cId="3809662723" sldId="261"/>
-            <ac:spMk id="19" creationId="{2FFE28B5-FB16-49A9-B851-3C35FAC0CACB}"/>
-          </ac:spMkLst>
-        </pc:spChg>
-        <pc:spChg chg="add">
-          <ac:chgData name="LICIA DULCE RUIZ CENTNER" userId="S::ld.ruiz@alumnos.upm.es::95fad373-be20-4cc8-9c4b-4294f4e033a5" providerId="AD" clId="Web-{DDA4C2D1-061D-4DB2-BE66-906845DF43D4}" dt="2021-11-10T15:07:53.634" v="124"/>
-          <ac:spMkLst>
-            <pc:docMk/>
-            <pc:sldMk cId="3809662723" sldId="261"/>
-            <ac:spMk id="21" creationId="{01014442-855A-4E0F-8D09-C314661A48B9}"/>
-          </ac:spMkLst>
-        </pc:spChg>
-        <pc:spChg chg="add">
-          <ac:chgData name="LICIA DULCE RUIZ CENTNER" userId="S::ld.ruiz@alumnos.upm.es::95fad373-be20-4cc8-9c4b-4294f4e033a5" providerId="AD" clId="Web-{DDA4C2D1-061D-4DB2-BE66-906845DF43D4}" dt="2021-11-10T15:07:53.634" v="124"/>
-          <ac:spMkLst>
-            <pc:docMk/>
-            <pc:sldMk cId="3809662723" sldId="261"/>
-            <ac:spMk id="23" creationId="{9B1ABF09-86CF-414E-88A5-2B84CC7232A9}"/>
-          </ac:spMkLst>
-        </pc:spChg>
-        <pc:spChg chg="add">
-          <ac:chgData name="LICIA DULCE RUIZ CENTNER" userId="S::ld.ruiz@alumnos.upm.es::95fad373-be20-4cc8-9c4b-4294f4e033a5" providerId="AD" clId="Web-{DDA4C2D1-061D-4DB2-BE66-906845DF43D4}" dt="2021-11-10T15:07:53.634" v="124"/>
-          <ac:spMkLst>
-            <pc:docMk/>
-            <pc:sldMk cId="3809662723" sldId="261"/>
-            <ac:spMk id="25" creationId="{3FE91770-CDBB-4D24-94E5-AD484F36CE87}"/>
-          </ac:spMkLst>
-        </pc:spChg>
-        <pc:graphicFrameChg chg="add del mod modGraphic">
-          <ac:chgData name="LICIA DULCE RUIZ CENTNER" userId="S::ld.ruiz@alumnos.upm.es::95fad373-be20-4cc8-9c4b-4294f4e033a5" providerId="AD" clId="Web-{DDA4C2D1-061D-4DB2-BE66-906845DF43D4}" dt="2021-11-10T16:21:12.689" v="349"/>
-          <ac:graphicFrameMkLst>
-            <pc:docMk/>
-            <pc:sldMk cId="3809662723" sldId="261"/>
-            <ac:graphicFrameMk id="9" creationId="{D8D8025B-D049-4220-B335-0749BFE31DB8}"/>
-          </ac:graphicFrameMkLst>
-        </pc:graphicFrameChg>
-        <pc:picChg chg="add del mod">
-          <ac:chgData name="LICIA DULCE RUIZ CENTNER" userId="S::ld.ruiz@alumnos.upm.es::95fad373-be20-4cc8-9c4b-4294f4e033a5" providerId="AD" clId="Web-{DDA4C2D1-061D-4DB2-BE66-906845DF43D4}" dt="2021-11-10T16:23:01.957" v="356"/>
-          <ac:picMkLst>
-            <pc:docMk/>
-            <pc:sldMk cId="3809662723" sldId="261"/>
-            <ac:picMk id="4" creationId="{65EA9A58-7AF4-49D2-9CBD-95F12CC19B5A}"/>
-          </ac:picMkLst>
-        </pc:picChg>
-        <pc:picChg chg="add mod ord">
-          <ac:chgData name="LICIA DULCE RUIZ CENTNER" userId="S::ld.ruiz@alumnos.upm.es::95fad373-be20-4cc8-9c4b-4294f4e033a5" providerId="AD" clId="Web-{DDA4C2D1-061D-4DB2-BE66-906845DF43D4}" dt="2021-11-10T16:21:52.518" v="353" actId="1076"/>
-          <ac:picMkLst>
-            <pc:docMk/>
-            <pc:sldMk cId="3809662723" sldId="261"/>
-            <ac:picMk id="7" creationId="{03AB0C80-59A0-4DF7-B980-BC07C224C1D0}"/>
-          </ac:picMkLst>
-        </pc:picChg>
-        <pc:picChg chg="add mod">
-          <ac:chgData name="LICIA DULCE RUIZ CENTNER" userId="S::ld.ruiz@alumnos.upm.es::95fad373-be20-4cc8-9c4b-4294f4e033a5" providerId="AD" clId="Web-{DDA4C2D1-061D-4DB2-BE66-906845DF43D4}" dt="2021-11-10T16:24:34.366" v="363" actId="1076"/>
-          <ac:picMkLst>
-            <pc:docMk/>
-            <pc:sldMk cId="3809662723" sldId="261"/>
-            <ac:picMk id="8" creationId="{49ED9351-468D-4AB5-9336-E485EB15D0E0}"/>
-          </ac:picMkLst>
-        </pc:picChg>
-        <pc:picChg chg="add del mod">
-          <ac:chgData name="LICIA DULCE RUIZ CENTNER" userId="S::ld.ruiz@alumnos.upm.es::95fad373-be20-4cc8-9c4b-4294f4e033a5" providerId="AD" clId="Web-{DDA4C2D1-061D-4DB2-BE66-906845DF43D4}" dt="2021-11-10T16:23:07.817" v="358"/>
-          <ac:picMkLst>
-            <pc:docMk/>
-            <pc:sldMk cId="3809662723" sldId="261"/>
-            <ac:picMk id="14" creationId="{66A3ED16-1AAE-447A-9796-61B995E12BB0}"/>
-          </ac:picMkLst>
-        </pc:picChg>
-        <pc:picChg chg="add mod">
-          <ac:chgData name="LICIA DULCE RUIZ CENTNER" userId="S::ld.ruiz@alumnos.upm.es::95fad373-be20-4cc8-9c4b-4294f4e033a5" providerId="AD" clId="Web-{DDA4C2D1-061D-4DB2-BE66-906845DF43D4}" dt="2021-11-10T16:24:31.694" v="362" actId="1076"/>
-          <ac:picMkLst>
-            <pc:docMk/>
-            <pc:sldMk cId="3809662723" sldId="261"/>
-            <ac:picMk id="15" creationId="{2B6FC49B-3804-40ED-994F-7C97FD410F29}"/>
-          </ac:picMkLst>
-        </pc:picChg>
-      </pc:sldChg>
-      <pc:sldChg chg="addSp delSp modSp new mod setBg">
-        <pc:chgData name="LICIA DULCE RUIZ CENTNER" userId="S::ld.ruiz@alumnos.upm.es::95fad373-be20-4cc8-9c4b-4294f4e033a5" providerId="AD" clId="Web-{DDA4C2D1-061D-4DB2-BE66-906845DF43D4}" dt="2021-11-10T16:28:07.403" v="375"/>
-        <pc:sldMkLst>
-          <pc:docMk/>
-          <pc:sldMk cId="3362291158" sldId="262"/>
-        </pc:sldMkLst>
-        <pc:spChg chg="mod">
-          <ac:chgData name="LICIA DULCE RUIZ CENTNER" userId="S::ld.ruiz@alumnos.upm.es::95fad373-be20-4cc8-9c4b-4294f4e033a5" providerId="AD" clId="Web-{DDA4C2D1-061D-4DB2-BE66-906845DF43D4}" dt="2021-11-10T15:07:49.228" v="123"/>
-          <ac:spMkLst>
-            <pc:docMk/>
-            <pc:sldMk cId="3362291158" sldId="262"/>
-            <ac:spMk id="2" creationId="{817AB747-7478-4EF0-8961-191A79DCD887}"/>
-          </ac:spMkLst>
-        </pc:spChg>
-        <pc:spChg chg="mod">
-          <ac:chgData name="LICIA DULCE RUIZ CENTNER" userId="S::ld.ruiz@alumnos.upm.es::95fad373-be20-4cc8-9c4b-4294f4e033a5" providerId="AD" clId="Web-{DDA4C2D1-061D-4DB2-BE66-906845DF43D4}" dt="2021-11-10T16:28:07.403" v="375"/>
-          <ac:spMkLst>
-            <pc:docMk/>
-            <pc:sldMk cId="3362291158" sldId="262"/>
-            <ac:spMk id="3" creationId="{96EED233-BFE4-443E-9ACD-ABEE29B3245D}"/>
-          </ac:spMkLst>
-        </pc:spChg>
-        <pc:spChg chg="add del">
-          <ac:chgData name="LICIA DULCE RUIZ CENTNER" userId="S::ld.ruiz@alumnos.upm.es::95fad373-be20-4cc8-9c4b-4294f4e033a5" providerId="AD" clId="Web-{DDA4C2D1-061D-4DB2-BE66-906845DF43D4}" dt="2021-11-10T15:07:49.228" v="123"/>
-          <ac:spMkLst>
-            <pc:docMk/>
-            <pc:sldMk cId="3362291158" sldId="262"/>
-            <ac:spMk id="8" creationId="{80516254-1D9F-4F3A-9870-3A3280BE2BFE}"/>
-          </ac:spMkLst>
-        </pc:spChg>
-        <pc:spChg chg="add del">
-          <ac:chgData name="LICIA DULCE RUIZ CENTNER" userId="S::ld.ruiz@alumnos.upm.es::95fad373-be20-4cc8-9c4b-4294f4e033a5" providerId="AD" clId="Web-{DDA4C2D1-061D-4DB2-BE66-906845DF43D4}" dt="2021-11-10T15:07:49.228" v="123"/>
-          <ac:spMkLst>
-            <pc:docMk/>
-            <pc:sldMk cId="3362291158" sldId="262"/>
-            <ac:spMk id="10" creationId="{FC14672B-27A5-4CDA-ABAF-5E4CF4B41C23}"/>
-          </ac:spMkLst>
-        </pc:spChg>
-        <pc:spChg chg="add del">
-          <ac:chgData name="LICIA DULCE RUIZ CENTNER" userId="S::ld.ruiz@alumnos.upm.es::95fad373-be20-4cc8-9c4b-4294f4e033a5" providerId="AD" clId="Web-{DDA4C2D1-061D-4DB2-BE66-906845DF43D4}" dt="2021-11-10T15:07:49.228" v="123"/>
-          <ac:spMkLst>
-            <pc:docMk/>
-            <pc:sldMk cId="3362291158" sldId="262"/>
-            <ac:spMk id="14" creationId="{9A206779-5C74-4555-94BC-5845C92EC3A8}"/>
-          </ac:spMkLst>
-        </pc:spChg>
-        <pc:spChg chg="add">
-          <ac:chgData name="LICIA DULCE RUIZ CENTNER" userId="S::ld.ruiz@alumnos.upm.es::95fad373-be20-4cc8-9c4b-4294f4e033a5" providerId="AD" clId="Web-{DDA4C2D1-061D-4DB2-BE66-906845DF43D4}" dt="2021-11-10T15:07:49.228" v="123"/>
-          <ac:spMkLst>
-            <pc:docMk/>
-            <pc:sldMk cId="3362291158" sldId="262"/>
-            <ac:spMk id="19" creationId="{29DC5A77-10C9-4ECF-B7EB-8D917F36A9EE}"/>
-          </ac:spMkLst>
-        </pc:spChg>
-        <pc:spChg chg="add">
-          <ac:chgData name="LICIA DULCE RUIZ CENTNER" userId="S::ld.ruiz@alumnos.upm.es::95fad373-be20-4cc8-9c4b-4294f4e033a5" providerId="AD" clId="Web-{DDA4C2D1-061D-4DB2-BE66-906845DF43D4}" dt="2021-11-10T15:07:49.228" v="123"/>
-          <ac:spMkLst>
-            <pc:docMk/>
-            <pc:sldMk cId="3362291158" sldId="262"/>
-            <ac:spMk id="21" creationId="{2FFE28B5-FB16-49A9-B851-3C35FAC0CACB}"/>
-          </ac:spMkLst>
-        </pc:spChg>
-        <pc:spChg chg="add">
-          <ac:chgData name="LICIA DULCE RUIZ CENTNER" userId="S::ld.ruiz@alumnos.upm.es::95fad373-be20-4cc8-9c4b-4294f4e033a5" providerId="AD" clId="Web-{DDA4C2D1-061D-4DB2-BE66-906845DF43D4}" dt="2021-11-10T15:07:49.228" v="123"/>
-          <ac:spMkLst>
-            <pc:docMk/>
-            <pc:sldMk cId="3362291158" sldId="262"/>
-            <ac:spMk id="23" creationId="{01014442-855A-4E0F-8D09-C314661A48B9}"/>
-          </ac:spMkLst>
-        </pc:spChg>
-        <pc:spChg chg="add">
-          <ac:chgData name="LICIA DULCE RUIZ CENTNER" userId="S::ld.ruiz@alumnos.upm.es::95fad373-be20-4cc8-9c4b-4294f4e033a5" providerId="AD" clId="Web-{DDA4C2D1-061D-4DB2-BE66-906845DF43D4}" dt="2021-11-10T15:07:49.228" v="123"/>
-          <ac:spMkLst>
-            <pc:docMk/>
-            <pc:sldMk cId="3362291158" sldId="262"/>
-            <ac:spMk id="25" creationId="{9B1ABF09-86CF-414E-88A5-2B84CC7232A9}"/>
-          </ac:spMkLst>
-        </pc:spChg>
-        <pc:spChg chg="add">
-          <ac:chgData name="LICIA DULCE RUIZ CENTNER" userId="S::ld.ruiz@alumnos.upm.es::95fad373-be20-4cc8-9c4b-4294f4e033a5" providerId="AD" clId="Web-{DDA4C2D1-061D-4DB2-BE66-906845DF43D4}" dt="2021-11-10T15:07:49.228" v="123"/>
-          <ac:spMkLst>
-            <pc:docMk/>
-            <pc:sldMk cId="3362291158" sldId="262"/>
-            <ac:spMk id="27" creationId="{3FE91770-CDBB-4D24-94E5-AD484F36CE87}"/>
-          </ac:spMkLst>
-        </pc:spChg>
-        <pc:cxnChg chg="add del">
-          <ac:chgData name="LICIA DULCE RUIZ CENTNER" userId="S::ld.ruiz@alumnos.upm.es::95fad373-be20-4cc8-9c4b-4294f4e033a5" providerId="AD" clId="Web-{DDA4C2D1-061D-4DB2-BE66-906845DF43D4}" dt="2021-11-10T15:07:49.228" v="123"/>
-          <ac:cxnSpMkLst>
-            <pc:docMk/>
-            <pc:sldMk cId="3362291158" sldId="262"/>
-            <ac:cxnSpMk id="12" creationId="{8D89589C-2C90-4407-A995-05EC3DD7AB14}"/>
-          </ac:cxnSpMkLst>
-        </pc:cxnChg>
-      </pc:sldChg>
-      <pc:sldChg chg="addSp modSp new mod setBg">
-        <pc:chgData name="LICIA DULCE RUIZ CENTNER" userId="S::ld.ruiz@alumnos.upm.es::95fad373-be20-4cc8-9c4b-4294f4e033a5" providerId="AD" clId="Web-{DDA4C2D1-061D-4DB2-BE66-906845DF43D4}" dt="2021-11-10T16:35:57.853" v="392" actId="20577"/>
-        <pc:sldMkLst>
-          <pc:docMk/>
-          <pc:sldMk cId="1168108605" sldId="263"/>
-        </pc:sldMkLst>
-        <pc:spChg chg="mod">
-          <ac:chgData name="LICIA DULCE RUIZ CENTNER" userId="S::ld.ruiz@alumnos.upm.es::95fad373-be20-4cc8-9c4b-4294f4e033a5" providerId="AD" clId="Web-{DDA4C2D1-061D-4DB2-BE66-906845DF43D4}" dt="2021-11-10T15:08:05.900" v="127"/>
-          <ac:spMkLst>
-            <pc:docMk/>
-            <pc:sldMk cId="1168108605" sldId="263"/>
-            <ac:spMk id="2" creationId="{26BEDC25-1D7B-4DDA-A2B6-8441E3984999}"/>
-          </ac:spMkLst>
-        </pc:spChg>
-        <pc:spChg chg="mod">
-          <ac:chgData name="LICIA DULCE RUIZ CENTNER" userId="S::ld.ruiz@alumnos.upm.es::95fad373-be20-4cc8-9c4b-4294f4e033a5" providerId="AD" clId="Web-{DDA4C2D1-061D-4DB2-BE66-906845DF43D4}" dt="2021-11-10T16:35:57.853" v="392" actId="20577"/>
-          <ac:spMkLst>
-            <pc:docMk/>
-            <pc:sldMk cId="1168108605" sldId="263"/>
-            <ac:spMk id="3" creationId="{1F48A7C9-09B2-4562-A2C8-8EA51122C7DF}"/>
-          </ac:spMkLst>
-        </pc:spChg>
-        <pc:spChg chg="add">
-          <ac:chgData name="LICIA DULCE RUIZ CENTNER" userId="S::ld.ruiz@alumnos.upm.es::95fad373-be20-4cc8-9c4b-4294f4e033a5" providerId="AD" clId="Web-{DDA4C2D1-061D-4DB2-BE66-906845DF43D4}" dt="2021-11-10T15:08:05.900" v="127"/>
-          <ac:spMkLst>
-            <pc:docMk/>
-            <pc:sldMk cId="1168108605" sldId="263"/>
-            <ac:spMk id="8" creationId="{29DC5A77-10C9-4ECF-B7EB-8D917F36A9EE}"/>
-          </ac:spMkLst>
-        </pc:spChg>
-        <pc:spChg chg="add">
-          <ac:chgData name="LICIA DULCE RUIZ CENTNER" userId="S::ld.ruiz@alumnos.upm.es::95fad373-be20-4cc8-9c4b-4294f4e033a5" providerId="AD" clId="Web-{DDA4C2D1-061D-4DB2-BE66-906845DF43D4}" dt="2021-11-10T15:08:05.900" v="127"/>
-          <ac:spMkLst>
-            <pc:docMk/>
-            <pc:sldMk cId="1168108605" sldId="263"/>
-            <ac:spMk id="10" creationId="{2FFE28B5-FB16-49A9-B851-3C35FAC0CACB}"/>
-          </ac:spMkLst>
-        </pc:spChg>
-        <pc:spChg chg="add">
-          <ac:chgData name="LICIA DULCE RUIZ CENTNER" userId="S::ld.ruiz@alumnos.upm.es::95fad373-be20-4cc8-9c4b-4294f4e033a5" providerId="AD" clId="Web-{DDA4C2D1-061D-4DB2-BE66-906845DF43D4}" dt="2021-11-10T15:08:05.900" v="127"/>
-          <ac:spMkLst>
-            <pc:docMk/>
-            <pc:sldMk cId="1168108605" sldId="263"/>
-            <ac:spMk id="12" creationId="{01014442-855A-4E0F-8D09-C314661A48B9}"/>
-          </ac:spMkLst>
-        </pc:spChg>
-        <pc:spChg chg="add">
-          <ac:chgData name="LICIA DULCE RUIZ CENTNER" userId="S::ld.ruiz@alumnos.upm.es::95fad373-be20-4cc8-9c4b-4294f4e033a5" providerId="AD" clId="Web-{DDA4C2D1-061D-4DB2-BE66-906845DF43D4}" dt="2021-11-10T15:08:05.900" v="127"/>
-          <ac:spMkLst>
-            <pc:docMk/>
-            <pc:sldMk cId="1168108605" sldId="263"/>
-            <ac:spMk id="14" creationId="{9B1ABF09-86CF-414E-88A5-2B84CC7232A9}"/>
-          </ac:spMkLst>
-        </pc:spChg>
-        <pc:spChg chg="add">
-          <ac:chgData name="LICIA DULCE RUIZ CENTNER" userId="S::ld.ruiz@alumnos.upm.es::95fad373-be20-4cc8-9c4b-4294f4e033a5" providerId="AD" clId="Web-{DDA4C2D1-061D-4DB2-BE66-906845DF43D4}" dt="2021-11-10T15:08:05.900" v="127"/>
-          <ac:spMkLst>
-            <pc:docMk/>
-            <pc:sldMk cId="1168108605" sldId="263"/>
-            <ac:spMk id="16" creationId="{3FE91770-CDBB-4D24-94E5-AD484F36CE87}"/>
-          </ac:spMkLst>
-        </pc:spChg>
-      </pc:sldChg>
-      <pc:sldChg chg="addSp modSp new mod setBg">
-        <pc:chgData name="LICIA DULCE RUIZ CENTNER" userId="S::ld.ruiz@alumnos.upm.es::95fad373-be20-4cc8-9c4b-4294f4e033a5" providerId="AD" clId="Web-{DDA4C2D1-061D-4DB2-BE66-906845DF43D4}" dt="2021-11-10T16:33:06.879" v="390" actId="20577"/>
-        <pc:sldMkLst>
-          <pc:docMk/>
-          <pc:sldMk cId="3745277621" sldId="264"/>
-        </pc:sldMkLst>
-        <pc:spChg chg="mod">
-          <ac:chgData name="LICIA DULCE RUIZ CENTNER" userId="S::ld.ruiz@alumnos.upm.es::95fad373-be20-4cc8-9c4b-4294f4e033a5" providerId="AD" clId="Web-{DDA4C2D1-061D-4DB2-BE66-906845DF43D4}" dt="2021-11-10T15:08:02.525" v="126"/>
-          <ac:spMkLst>
-            <pc:docMk/>
-            <pc:sldMk cId="3745277621" sldId="264"/>
-            <ac:spMk id="2" creationId="{860FE49A-936E-4374-902A-5FEDFD129365}"/>
-          </ac:spMkLst>
-        </pc:spChg>
-        <pc:spChg chg="mod">
-          <ac:chgData name="LICIA DULCE RUIZ CENTNER" userId="S::ld.ruiz@alumnos.upm.es::95fad373-be20-4cc8-9c4b-4294f4e033a5" providerId="AD" clId="Web-{DDA4C2D1-061D-4DB2-BE66-906845DF43D4}" dt="2021-11-10T16:33:06.879" v="390" actId="20577"/>
-          <ac:spMkLst>
-            <pc:docMk/>
-            <pc:sldMk cId="3745277621" sldId="264"/>
-            <ac:spMk id="3" creationId="{99E60AE2-4A82-456B-9544-B5CFF1B314AA}"/>
-          </ac:spMkLst>
-        </pc:spChg>
-        <pc:spChg chg="add">
-          <ac:chgData name="LICIA DULCE RUIZ CENTNER" userId="S::ld.ruiz@alumnos.upm.es::95fad373-be20-4cc8-9c4b-4294f4e033a5" providerId="AD" clId="Web-{DDA4C2D1-061D-4DB2-BE66-906845DF43D4}" dt="2021-11-10T15:08:02.525" v="126"/>
-          <ac:spMkLst>
-            <pc:docMk/>
-            <pc:sldMk cId="3745277621" sldId="264"/>
-            <ac:spMk id="8" creationId="{29DC5A77-10C9-4ECF-B7EB-8D917F36A9EE}"/>
-          </ac:spMkLst>
-        </pc:spChg>
-        <pc:spChg chg="add">
-          <ac:chgData name="LICIA DULCE RUIZ CENTNER" userId="S::ld.ruiz@alumnos.upm.es::95fad373-be20-4cc8-9c4b-4294f4e033a5" providerId="AD" clId="Web-{DDA4C2D1-061D-4DB2-BE66-906845DF43D4}" dt="2021-11-10T15:08:02.525" v="126"/>
-          <ac:spMkLst>
-            <pc:docMk/>
-            <pc:sldMk cId="3745277621" sldId="264"/>
-            <ac:spMk id="10" creationId="{2FFE28B5-FB16-49A9-B851-3C35FAC0CACB}"/>
-          </ac:spMkLst>
-        </pc:spChg>
-        <pc:spChg chg="add">
-          <ac:chgData name="LICIA DULCE RUIZ CENTNER" userId="S::ld.ruiz@alumnos.upm.es::95fad373-be20-4cc8-9c4b-4294f4e033a5" providerId="AD" clId="Web-{DDA4C2D1-061D-4DB2-BE66-906845DF43D4}" dt="2021-11-10T15:08:02.525" v="126"/>
-          <ac:spMkLst>
-            <pc:docMk/>
-            <pc:sldMk cId="3745277621" sldId="264"/>
-            <ac:spMk id="12" creationId="{01014442-855A-4E0F-8D09-C314661A48B9}"/>
-          </ac:spMkLst>
-        </pc:spChg>
-        <pc:spChg chg="add">
-          <ac:chgData name="LICIA DULCE RUIZ CENTNER" userId="S::ld.ruiz@alumnos.upm.es::95fad373-be20-4cc8-9c4b-4294f4e033a5" providerId="AD" clId="Web-{DDA4C2D1-061D-4DB2-BE66-906845DF43D4}" dt="2021-11-10T15:08:02.525" v="126"/>
-          <ac:spMkLst>
-            <pc:docMk/>
-            <pc:sldMk cId="3745277621" sldId="264"/>
-            <ac:spMk id="14" creationId="{9B1ABF09-86CF-414E-88A5-2B84CC7232A9}"/>
-          </ac:spMkLst>
-        </pc:spChg>
-        <pc:spChg chg="add">
-          <ac:chgData name="LICIA DULCE RUIZ CENTNER" userId="S::ld.ruiz@alumnos.upm.es::95fad373-be20-4cc8-9c4b-4294f4e033a5" providerId="AD" clId="Web-{DDA4C2D1-061D-4DB2-BE66-906845DF43D4}" dt="2021-11-10T15:08:02.525" v="126"/>
-          <ac:spMkLst>
-            <pc:docMk/>
-            <pc:sldMk cId="3745277621" sldId="264"/>
-            <ac:spMk id="16" creationId="{3FE91770-CDBB-4D24-94E5-AD484F36CE87}"/>
-          </ac:spMkLst>
-        </pc:spChg>
-      </pc:sldChg>
-      <pc:sldChg chg="addSp modSp new mod setBg">
-        <pc:chgData name="LICIA DULCE RUIZ CENTNER" userId="S::ld.ruiz@alumnos.upm.es::95fad373-be20-4cc8-9c4b-4294f4e033a5" providerId="AD" clId="Web-{DDA4C2D1-061D-4DB2-BE66-906845DF43D4}" dt="2021-11-10T16:29:10.639" v="386"/>
-        <pc:sldMkLst>
-          <pc:docMk/>
-          <pc:sldMk cId="563055934" sldId="265"/>
-        </pc:sldMkLst>
-        <pc:spChg chg="mod">
-          <ac:chgData name="LICIA DULCE RUIZ CENTNER" userId="S::ld.ruiz@alumnos.upm.es::95fad373-be20-4cc8-9c4b-4294f4e033a5" providerId="AD" clId="Web-{DDA4C2D1-061D-4DB2-BE66-906845DF43D4}" dt="2021-11-10T15:07:58.806" v="125"/>
-          <ac:spMkLst>
-            <pc:docMk/>
-            <pc:sldMk cId="563055934" sldId="265"/>
-            <ac:spMk id="2" creationId="{CFB905B1-2247-4DAB-A182-FC44990CFFD8}"/>
-          </ac:spMkLst>
-        </pc:spChg>
-        <pc:spChg chg="mod">
-          <ac:chgData name="LICIA DULCE RUIZ CENTNER" userId="S::ld.ruiz@alumnos.upm.es::95fad373-be20-4cc8-9c4b-4294f4e033a5" providerId="AD" clId="Web-{DDA4C2D1-061D-4DB2-BE66-906845DF43D4}" dt="2021-11-10T16:29:10.639" v="386"/>
-          <ac:spMkLst>
-            <pc:docMk/>
-            <pc:sldMk cId="563055934" sldId="265"/>
-            <ac:spMk id="3" creationId="{70D07863-05EE-46E1-B147-27C3E2F10DAD}"/>
-          </ac:spMkLst>
-        </pc:spChg>
-        <pc:spChg chg="add">
-          <ac:chgData name="LICIA DULCE RUIZ CENTNER" userId="S::ld.ruiz@alumnos.upm.es::95fad373-be20-4cc8-9c4b-4294f4e033a5" providerId="AD" clId="Web-{DDA4C2D1-061D-4DB2-BE66-906845DF43D4}" dt="2021-11-10T15:07:58.806" v="125"/>
-          <ac:spMkLst>
-            <pc:docMk/>
-            <pc:sldMk cId="563055934" sldId="265"/>
-            <ac:spMk id="8" creationId="{29DC5A77-10C9-4ECF-B7EB-8D917F36A9EE}"/>
-          </ac:spMkLst>
-        </pc:spChg>
-        <pc:spChg chg="add">
-          <ac:chgData name="LICIA DULCE RUIZ CENTNER" userId="S::ld.ruiz@alumnos.upm.es::95fad373-be20-4cc8-9c4b-4294f4e033a5" providerId="AD" clId="Web-{DDA4C2D1-061D-4DB2-BE66-906845DF43D4}" dt="2021-11-10T15:07:58.806" v="125"/>
-          <ac:spMkLst>
-            <pc:docMk/>
-            <pc:sldMk cId="563055934" sldId="265"/>
-            <ac:spMk id="10" creationId="{2FFE28B5-FB16-49A9-B851-3C35FAC0CACB}"/>
-          </ac:spMkLst>
-        </pc:spChg>
-        <pc:spChg chg="add">
-          <ac:chgData name="LICIA DULCE RUIZ CENTNER" userId="S::ld.ruiz@alumnos.upm.es::95fad373-be20-4cc8-9c4b-4294f4e033a5" providerId="AD" clId="Web-{DDA4C2D1-061D-4DB2-BE66-906845DF43D4}" dt="2021-11-10T15:07:58.806" v="125"/>
-          <ac:spMkLst>
-            <pc:docMk/>
-            <pc:sldMk cId="563055934" sldId="265"/>
-            <ac:spMk id="12" creationId="{01014442-855A-4E0F-8D09-C314661A48B9}"/>
-          </ac:spMkLst>
-        </pc:spChg>
-        <pc:spChg chg="add">
-          <ac:chgData name="LICIA DULCE RUIZ CENTNER" userId="S::ld.ruiz@alumnos.upm.es::95fad373-be20-4cc8-9c4b-4294f4e033a5" providerId="AD" clId="Web-{DDA4C2D1-061D-4DB2-BE66-906845DF43D4}" dt="2021-11-10T15:07:58.806" v="125"/>
-          <ac:spMkLst>
-            <pc:docMk/>
-            <pc:sldMk cId="563055934" sldId="265"/>
-            <ac:spMk id="14" creationId="{9B1ABF09-86CF-414E-88A5-2B84CC7232A9}"/>
-          </ac:spMkLst>
-        </pc:spChg>
-        <pc:spChg chg="add">
-          <ac:chgData name="LICIA DULCE RUIZ CENTNER" userId="S::ld.ruiz@alumnos.upm.es::95fad373-be20-4cc8-9c4b-4294f4e033a5" providerId="AD" clId="Web-{DDA4C2D1-061D-4DB2-BE66-906845DF43D4}" dt="2021-11-10T15:07:58.806" v="125"/>
-          <ac:spMkLst>
-            <pc:docMk/>
-            <pc:sldMk cId="563055934" sldId="265"/>
-            <ac:spMk id="16" creationId="{3FE91770-CDBB-4D24-94E5-AD484F36CE87}"/>
-          </ac:spMkLst>
-        </pc:spChg>
-      </pc:sldChg>
-      <pc:sldChg chg="delSp add del replId">
-        <pc:chgData name="LICIA DULCE RUIZ CENTNER" userId="S::ld.ruiz@alumnos.upm.es::95fad373-be20-4cc8-9c4b-4294f4e033a5" providerId="AD" clId="Web-{DDA4C2D1-061D-4DB2-BE66-906845DF43D4}" dt="2021-11-10T16:26:12.243" v="365"/>
-        <pc:sldMkLst>
-          <pc:docMk/>
-          <pc:sldMk cId="941959656" sldId="266"/>
-        </pc:sldMkLst>
-        <pc:picChg chg="del">
-          <ac:chgData name="LICIA DULCE RUIZ CENTNER" userId="S::ld.ruiz@alumnos.upm.es::95fad373-be20-4cc8-9c4b-4294f4e033a5" providerId="AD" clId="Web-{DDA4C2D1-061D-4DB2-BE66-906845DF43D4}" dt="2021-11-10T16:24:52.257" v="364"/>
-          <ac:picMkLst>
-            <pc:docMk/>
-            <pc:sldMk cId="941959656" sldId="266"/>
-            <ac:picMk id="4" creationId="{65EA9A58-7AF4-49D2-9CBD-95F12CC19B5A}"/>
-          </ac:picMkLst>
-        </pc:picChg>
-      </pc:sldChg>
-      <pc:sldChg chg="addSp modSp new mod setBg">
-        <pc:chgData name="LICIA DULCE RUIZ CENTNER" userId="S::ld.ruiz@alumnos.upm.es::95fad373-be20-4cc8-9c4b-4294f4e033a5" providerId="AD" clId="Web-{DDA4C2D1-061D-4DB2-BE66-906845DF43D4}" dt="2021-11-10T16:52:57.535" v="402" actId="20577"/>
-        <pc:sldMkLst>
-          <pc:docMk/>
-          <pc:sldMk cId="3156274014" sldId="266"/>
-        </pc:sldMkLst>
-        <pc:spChg chg="mod">
-          <ac:chgData name="LICIA DULCE RUIZ CENTNER" userId="S::ld.ruiz@alumnos.upm.es::95fad373-be20-4cc8-9c4b-4294f4e033a5" providerId="AD" clId="Web-{DDA4C2D1-061D-4DB2-BE66-906845DF43D4}" dt="2021-11-10T16:36:09.322" v="400" actId="20577"/>
-          <ac:spMkLst>
-            <pc:docMk/>
-            <pc:sldMk cId="3156274014" sldId="266"/>
-            <ac:spMk id="2" creationId="{A4233108-85F4-46B1-995D-2A699CC72955}"/>
-          </ac:spMkLst>
-        </pc:spChg>
-        <pc:spChg chg="mod">
-          <ac:chgData name="LICIA DULCE RUIZ CENTNER" userId="S::ld.ruiz@alumnos.upm.es::95fad373-be20-4cc8-9c4b-4294f4e033a5" providerId="AD" clId="Web-{DDA4C2D1-061D-4DB2-BE66-906845DF43D4}" dt="2021-11-10T16:52:57.535" v="402" actId="20577"/>
-          <ac:spMkLst>
-            <pc:docMk/>
-            <pc:sldMk cId="3156274014" sldId="266"/>
-            <ac:spMk id="3" creationId="{B520888F-B9C5-4FA6-83F7-86C42A3AB5FD}"/>
-          </ac:spMkLst>
-        </pc:spChg>
-        <pc:spChg chg="add">
-          <ac:chgData name="LICIA DULCE RUIZ CENTNER" userId="S::ld.ruiz@alumnos.upm.es::95fad373-be20-4cc8-9c4b-4294f4e033a5" providerId="AD" clId="Web-{DDA4C2D1-061D-4DB2-BE66-906845DF43D4}" dt="2021-11-10T16:36:03.103" v="394"/>
-          <ac:spMkLst>
-            <pc:docMk/>
-            <pc:sldMk cId="3156274014" sldId="266"/>
-            <ac:spMk id="8" creationId="{29DC5A77-10C9-4ECF-B7EB-8D917F36A9EE}"/>
-          </ac:spMkLst>
-        </pc:spChg>
-        <pc:spChg chg="add">
-          <ac:chgData name="LICIA DULCE RUIZ CENTNER" userId="S::ld.ruiz@alumnos.upm.es::95fad373-be20-4cc8-9c4b-4294f4e033a5" providerId="AD" clId="Web-{DDA4C2D1-061D-4DB2-BE66-906845DF43D4}" dt="2021-11-10T16:36:03.103" v="394"/>
-          <ac:spMkLst>
-            <pc:docMk/>
-            <pc:sldMk cId="3156274014" sldId="266"/>
-            <ac:spMk id="10" creationId="{2FFE28B5-FB16-49A9-B851-3C35FAC0CACB}"/>
-          </ac:spMkLst>
-        </pc:spChg>
-        <pc:spChg chg="add">
-          <ac:chgData name="LICIA DULCE RUIZ CENTNER" userId="S::ld.ruiz@alumnos.upm.es::95fad373-be20-4cc8-9c4b-4294f4e033a5" providerId="AD" clId="Web-{DDA4C2D1-061D-4DB2-BE66-906845DF43D4}" dt="2021-11-10T16:36:03.103" v="394"/>
-          <ac:spMkLst>
-            <pc:docMk/>
-            <pc:sldMk cId="3156274014" sldId="266"/>
-            <ac:spMk id="12" creationId="{01014442-855A-4E0F-8D09-C314661A48B9}"/>
-          </ac:spMkLst>
-        </pc:spChg>
-        <pc:spChg chg="add">
-          <ac:chgData name="LICIA DULCE RUIZ CENTNER" userId="S::ld.ruiz@alumnos.upm.es::95fad373-be20-4cc8-9c4b-4294f4e033a5" providerId="AD" clId="Web-{DDA4C2D1-061D-4DB2-BE66-906845DF43D4}" dt="2021-11-10T16:36:03.103" v="394"/>
-          <ac:spMkLst>
-            <pc:docMk/>
-            <pc:sldMk cId="3156274014" sldId="266"/>
-            <ac:spMk id="14" creationId="{9B1ABF09-86CF-414E-88A5-2B84CC7232A9}"/>
-          </ac:spMkLst>
-        </pc:spChg>
-        <pc:spChg chg="add">
-          <ac:chgData name="LICIA DULCE RUIZ CENTNER" userId="S::ld.ruiz@alumnos.upm.es::95fad373-be20-4cc8-9c4b-4294f4e033a5" providerId="AD" clId="Web-{DDA4C2D1-061D-4DB2-BE66-906845DF43D4}" dt="2021-11-10T16:36:03.103" v="394"/>
-          <ac:spMkLst>
-            <pc:docMk/>
-            <pc:sldMk cId="3156274014" sldId="266"/>
-            <ac:spMk id="16" creationId="{3FE91770-CDBB-4D24-94E5-AD484F36CE87}"/>
-          </ac:spMkLst>
-        </pc:spChg>
-      </pc:sldChg>
-      <pc:sldChg chg="addSp delSp modSp new mod setBg addAnim delAnim setClrOvrMap">
-        <pc:chgData name="LICIA DULCE RUIZ CENTNER" userId="S::ld.ruiz@alumnos.upm.es::95fad373-be20-4cc8-9c4b-4294f4e033a5" providerId="AD" clId="Web-{DDA4C2D1-061D-4DB2-BE66-906845DF43D4}" dt="2021-11-10T16:56:56.073" v="428"/>
-        <pc:sldMkLst>
-          <pc:docMk/>
-          <pc:sldMk cId="3669290555" sldId="267"/>
-        </pc:sldMkLst>
-        <pc:spChg chg="mod">
-          <ac:chgData name="LICIA DULCE RUIZ CENTNER" userId="S::ld.ruiz@alumnos.upm.es::95fad373-be20-4cc8-9c4b-4294f4e033a5" providerId="AD" clId="Web-{DDA4C2D1-061D-4DB2-BE66-906845DF43D4}" dt="2021-11-10T16:56:56.073" v="428"/>
-          <ac:spMkLst>
-            <pc:docMk/>
-            <pc:sldMk cId="3669290555" sldId="267"/>
-            <ac:spMk id="2" creationId="{03A3988C-D70F-4D1C-9322-5D82E40CFFEF}"/>
-          </ac:spMkLst>
-        </pc:spChg>
-        <pc:spChg chg="del">
-          <ac:chgData name="LICIA DULCE RUIZ CENTNER" userId="S::ld.ruiz@alumnos.upm.es::95fad373-be20-4cc8-9c4b-4294f4e033a5" providerId="AD" clId="Web-{DDA4C2D1-061D-4DB2-BE66-906845DF43D4}" dt="2021-11-10T16:52:58.285" v="405"/>
-          <ac:spMkLst>
-            <pc:docMk/>
-            <pc:sldMk cId="3669290555" sldId="267"/>
-            <ac:spMk id="3" creationId="{12B718F8-9487-47DF-92FA-9423E4CF9B8A}"/>
-          </ac:spMkLst>
-        </pc:spChg>
-        <pc:spChg chg="add del mod">
-          <ac:chgData name="LICIA DULCE RUIZ CENTNER" userId="S::ld.ruiz@alumnos.upm.es::95fad373-be20-4cc8-9c4b-4294f4e033a5" providerId="AD" clId="Web-{DDA4C2D1-061D-4DB2-BE66-906845DF43D4}" dt="2021-11-10T16:55:49.212" v="419"/>
-          <ac:spMkLst>
-            <pc:docMk/>
-            <pc:sldMk cId="3669290555" sldId="267"/>
-            <ac:spMk id="4" creationId="{2217D179-35A1-402B-AF1F-D8969E2AF305}"/>
-          </ac:spMkLst>
-        </pc:spChg>
-        <pc:spChg chg="add del mod">
-          <ac:chgData name="LICIA DULCE RUIZ CENTNER" userId="S::ld.ruiz@alumnos.upm.es::95fad373-be20-4cc8-9c4b-4294f4e033a5" providerId="AD" clId="Web-{DDA4C2D1-061D-4DB2-BE66-906845DF43D4}" dt="2021-11-10T16:54:49.460" v="417"/>
-          <ac:spMkLst>
-            <pc:docMk/>
-            <pc:sldMk cId="3669290555" sldId="267"/>
-            <ac:spMk id="7" creationId="{3D9B905A-2D28-4017-91F9-4C070DC9F3FB}"/>
-          </ac:spMkLst>
-        </pc:spChg>
-        <pc:spChg chg="add del">
-          <ac:chgData name="LICIA DULCE RUIZ CENTNER" userId="S::ld.ruiz@alumnos.upm.es::95fad373-be20-4cc8-9c4b-4294f4e033a5" providerId="AD" clId="Web-{DDA4C2D1-061D-4DB2-BE66-906845DF43D4}" dt="2021-11-10T16:55:42.508" v="418"/>
-          <ac:spMkLst>
-            <pc:docMk/>
-            <pc:sldMk cId="3669290555" sldId="267"/>
-            <ac:spMk id="10" creationId="{5A133C1E-CB83-47F3-8F35-94C2A7C58EE2}"/>
-          </ac:spMkLst>
-        </pc:spChg>
-        <pc:spChg chg="add del">
-          <ac:chgData name="LICIA DULCE RUIZ CENTNER" userId="S::ld.ruiz@alumnos.upm.es::95fad373-be20-4cc8-9c4b-4294f4e033a5" providerId="AD" clId="Web-{DDA4C2D1-061D-4DB2-BE66-906845DF43D4}" dt="2021-11-10T16:55:42.508" v="418"/>
-          <ac:spMkLst>
-            <pc:docMk/>
-            <pc:sldMk cId="3669290555" sldId="267"/>
-            <ac:spMk id="12" creationId="{289E943A-225D-44B1-B345-D7FDBA43C1CE}"/>
-          </ac:spMkLst>
-        </pc:spChg>
-        <pc:spChg chg="add del">
-          <ac:chgData name="LICIA DULCE RUIZ CENTNER" userId="S::ld.ruiz@alumnos.upm.es::95fad373-be20-4cc8-9c4b-4294f4e033a5" providerId="AD" clId="Web-{DDA4C2D1-061D-4DB2-BE66-906845DF43D4}" dt="2021-11-10T16:56:56.073" v="428"/>
-          <ac:spMkLst>
-            <pc:docMk/>
-            <pc:sldMk cId="3669290555" sldId="267"/>
-            <ac:spMk id="17" creationId="{696A55C8-89F1-439D-863D-E208C0AC880F}"/>
-          </ac:spMkLst>
-        </pc:spChg>
-        <pc:spChg chg="add del">
-          <ac:chgData name="LICIA DULCE RUIZ CENTNER" userId="S::ld.ruiz@alumnos.upm.es::95fad373-be20-4cc8-9c4b-4294f4e033a5" providerId="AD" clId="Web-{DDA4C2D1-061D-4DB2-BE66-906845DF43D4}" dt="2021-11-10T16:56:56.073" v="428"/>
-          <ac:spMkLst>
-            <pc:docMk/>
-            <pc:sldMk cId="3669290555" sldId="267"/>
-            <ac:spMk id="19" creationId="{E4A1FD7E-EAEC-40B9-B75B-432F9DA75BA8}"/>
-          </ac:spMkLst>
-        </pc:spChg>
-        <pc:spChg chg="add del">
-          <ac:chgData name="LICIA DULCE RUIZ CENTNER" userId="S::ld.ruiz@alumnos.upm.es::95fad373-be20-4cc8-9c4b-4294f4e033a5" providerId="AD" clId="Web-{DDA4C2D1-061D-4DB2-BE66-906845DF43D4}" dt="2021-11-10T16:56:56.073" v="428"/>
-          <ac:spMkLst>
-            <pc:docMk/>
-            <pc:sldMk cId="3669290555" sldId="267"/>
-            <ac:spMk id="21" creationId="{AC88629E-396B-4C99-B284-F30AABDF2E1D}"/>
-          </ac:spMkLst>
-        </pc:spChg>
-        <pc:spChg chg="add del">
-          <ac:chgData name="LICIA DULCE RUIZ CENTNER" userId="S::ld.ruiz@alumnos.upm.es::95fad373-be20-4cc8-9c4b-4294f4e033a5" providerId="AD" clId="Web-{DDA4C2D1-061D-4DB2-BE66-906845DF43D4}" dt="2021-11-10T16:56:56.073" v="427"/>
-          <ac:spMkLst>
-            <pc:docMk/>
-            <pc:sldMk cId="3669290555" sldId="267"/>
-            <ac:spMk id="23" creationId="{17115F77-2FAE-4CA7-9A7F-10D5F2C8F831}"/>
-          </ac:spMkLst>
-        </pc:spChg>
-        <pc:spChg chg="add del">
-          <ac:chgData name="LICIA DULCE RUIZ CENTNER" userId="S::ld.ruiz@alumnos.upm.es::95fad373-be20-4cc8-9c4b-4294f4e033a5" providerId="AD" clId="Web-{DDA4C2D1-061D-4DB2-BE66-906845DF43D4}" dt="2021-11-10T16:56:56.073" v="427"/>
-          <ac:spMkLst>
-            <pc:docMk/>
-            <pc:sldMk cId="3669290555" sldId="267"/>
-            <ac:spMk id="24" creationId="{5CD4C046-A04C-46CC-AFA3-6B0621F628C8}"/>
-          </ac:spMkLst>
-        </pc:spChg>
-        <pc:spChg chg="add del">
-          <ac:chgData name="LICIA DULCE RUIZ CENTNER" userId="S::ld.ruiz@alumnos.upm.es::95fad373-be20-4cc8-9c4b-4294f4e033a5" providerId="AD" clId="Web-{DDA4C2D1-061D-4DB2-BE66-906845DF43D4}" dt="2021-11-10T16:56:56.073" v="427"/>
-          <ac:spMkLst>
-            <pc:docMk/>
-            <pc:sldMk cId="3669290555" sldId="267"/>
-            <ac:spMk id="25" creationId="{BC512124-0D13-4ED9-80B7-52AE15B6B41F}"/>
-          </ac:spMkLst>
-        </pc:spChg>
-        <pc:spChg chg="add del">
-          <ac:chgData name="LICIA DULCE RUIZ CENTNER" userId="S::ld.ruiz@alumnos.upm.es::95fad373-be20-4cc8-9c4b-4294f4e033a5" providerId="AD" clId="Web-{DDA4C2D1-061D-4DB2-BE66-906845DF43D4}" dt="2021-11-10T16:56:24.072" v="425"/>
-          <ac:spMkLst>
-            <pc:docMk/>
-            <pc:sldMk cId="3669290555" sldId="267"/>
-            <ac:spMk id="26" creationId="{17115F77-2FAE-4CA7-9A7F-10D5F2C8F831}"/>
-          </ac:spMkLst>
-        </pc:spChg>
-        <pc:spChg chg="add">
-          <ac:chgData name="LICIA DULCE RUIZ CENTNER" userId="S::ld.ruiz@alumnos.upm.es::95fad373-be20-4cc8-9c4b-4294f4e033a5" providerId="AD" clId="Web-{DDA4C2D1-061D-4DB2-BE66-906845DF43D4}" dt="2021-11-10T16:56:56.073" v="428"/>
-          <ac:spMkLst>
-            <pc:docMk/>
-            <pc:sldMk cId="3669290555" sldId="267"/>
-            <ac:spMk id="27" creationId="{17115F77-2FAE-4CA7-9A7F-10D5F2C8F831}"/>
-          </ac:spMkLst>
-        </pc:spChg>
-        <pc:spChg chg="add del">
-          <ac:chgData name="LICIA DULCE RUIZ CENTNER" userId="S::ld.ruiz@alumnos.upm.es::95fad373-be20-4cc8-9c4b-4294f4e033a5" providerId="AD" clId="Web-{DDA4C2D1-061D-4DB2-BE66-906845DF43D4}" dt="2021-11-10T16:56:24.072" v="425"/>
-          <ac:spMkLst>
-            <pc:docMk/>
-            <pc:sldMk cId="3669290555" sldId="267"/>
-            <ac:spMk id="28" creationId="{5CD4C046-A04C-46CC-AFA3-6B0621F628C8}"/>
-          </ac:spMkLst>
-        </pc:spChg>
-        <pc:spChg chg="add">
-          <ac:chgData name="LICIA DULCE RUIZ CENTNER" userId="S::ld.ruiz@alumnos.upm.es::95fad373-be20-4cc8-9c4b-4294f4e033a5" providerId="AD" clId="Web-{DDA4C2D1-061D-4DB2-BE66-906845DF43D4}" dt="2021-11-10T16:56:56.073" v="428"/>
-          <ac:spMkLst>
-            <pc:docMk/>
-            <pc:sldMk cId="3669290555" sldId="267"/>
-            <ac:spMk id="29" creationId="{5CD4C046-A04C-46CC-AFA3-6B0621F628C8}"/>
-          </ac:spMkLst>
-        </pc:spChg>
-        <pc:spChg chg="add del">
-          <ac:chgData name="LICIA DULCE RUIZ CENTNER" userId="S::ld.ruiz@alumnos.upm.es::95fad373-be20-4cc8-9c4b-4294f4e033a5" providerId="AD" clId="Web-{DDA4C2D1-061D-4DB2-BE66-906845DF43D4}" dt="2021-11-10T16:56:24.072" v="425"/>
-          <ac:spMkLst>
-            <pc:docMk/>
-            <pc:sldMk cId="3669290555" sldId="267"/>
-            <ac:spMk id="30" creationId="{BC512124-0D13-4ED9-80B7-52AE15B6B41F}"/>
-          </ac:spMkLst>
-        </pc:spChg>
-        <pc:spChg chg="add">
-          <ac:chgData name="LICIA DULCE RUIZ CENTNER" userId="S::ld.ruiz@alumnos.upm.es::95fad373-be20-4cc8-9c4b-4294f4e033a5" providerId="AD" clId="Web-{DDA4C2D1-061D-4DB2-BE66-906845DF43D4}" dt="2021-11-10T16:56:56.073" v="428"/>
-          <ac:spMkLst>
-            <pc:docMk/>
-            <pc:sldMk cId="3669290555" sldId="267"/>
-            <ac:spMk id="31" creationId="{710875C1-007B-4C82-ABEB-347319FB5EFF}"/>
-          </ac:spMkLst>
-        </pc:spChg>
-        <pc:spChg chg="add del">
-          <ac:chgData name="LICIA DULCE RUIZ CENTNER" userId="S::ld.ruiz@alumnos.upm.es::95fad373-be20-4cc8-9c4b-4294f4e033a5" providerId="AD" clId="Web-{DDA4C2D1-061D-4DB2-BE66-906845DF43D4}" dt="2021-11-10T16:56:24.072" v="425"/>
-          <ac:spMkLst>
-            <pc:docMk/>
-            <pc:sldMk cId="3669290555" sldId="267"/>
-            <ac:spMk id="32" creationId="{D4ABACDC-BD54-40F3-9047-8298C77C2DD6}"/>
-          </ac:spMkLst>
-        </pc:spChg>
-        <pc:spChg chg="add">
-          <ac:chgData name="LICIA DULCE RUIZ CENTNER" userId="S::ld.ruiz@alumnos.upm.es::95fad373-be20-4cc8-9c4b-4294f4e033a5" providerId="AD" clId="Web-{DDA4C2D1-061D-4DB2-BE66-906845DF43D4}" dt="2021-11-10T16:56:56.073" v="428"/>
-          <ac:spMkLst>
-            <pc:docMk/>
-            <pc:sldMk cId="3669290555" sldId="267"/>
-            <ac:spMk id="33" creationId="{F2F14D3C-F5C1-46E0-84D4-C16EC720F4F3}"/>
-          </ac:spMkLst>
-        </pc:spChg>
-        <pc:spChg chg="add del">
-          <ac:chgData name="LICIA DULCE RUIZ CENTNER" userId="S::ld.ruiz@alumnos.upm.es::95fad373-be20-4cc8-9c4b-4294f4e033a5" providerId="AD" clId="Web-{DDA4C2D1-061D-4DB2-BE66-906845DF43D4}" dt="2021-11-10T16:56:24.072" v="425"/>
-          <ac:spMkLst>
-            <pc:docMk/>
-            <pc:sldMk cId="3669290555" sldId="267"/>
-            <ac:spMk id="34" creationId="{B76CB7CA-05C2-4EE8-A97F-B5F3A4F89DA4}"/>
-          </ac:spMkLst>
-        </pc:spChg>
-        <pc:spChg chg="add">
-          <ac:chgData name="LICIA DULCE RUIZ CENTNER" userId="S::ld.ruiz@alumnos.upm.es::95fad373-be20-4cc8-9c4b-4294f4e033a5" providerId="AD" clId="Web-{DDA4C2D1-061D-4DB2-BE66-906845DF43D4}" dt="2021-11-10T16:56:56.073" v="428"/>
-          <ac:spMkLst>
-            <pc:docMk/>
-            <pc:sldMk cId="3669290555" sldId="267"/>
-            <ac:spMk id="35" creationId="{B9128101-8127-4BEB-A4BB-3B530DD4F2B1}"/>
-          </ac:spMkLst>
-        </pc:spChg>
-        <pc:picChg chg="add del mod ord">
-          <ac:chgData name="LICIA DULCE RUIZ CENTNER" userId="S::ld.ruiz@alumnos.upm.es::95fad373-be20-4cc8-9c4b-4294f4e033a5" providerId="AD" clId="Web-{DDA4C2D1-061D-4DB2-BE66-906845DF43D4}" dt="2021-11-10T16:54:44.460" v="415"/>
-          <ac:picMkLst>
-            <pc:docMk/>
-            <pc:sldMk cId="3669290555" sldId="267"/>
-            <ac:picMk id="5" creationId="{33B76969-BE72-4D53-ACB0-EC56DF47702B}"/>
-          </ac:picMkLst>
-        </pc:picChg>
-        <pc:picChg chg="add mod ord">
-          <ac:chgData name="LICIA DULCE RUIZ CENTNER" userId="S::ld.ruiz@alumnos.upm.es::95fad373-be20-4cc8-9c4b-4294f4e033a5" providerId="AD" clId="Web-{DDA4C2D1-061D-4DB2-BE66-906845DF43D4}" dt="2021-11-10T16:56:56.073" v="428"/>
-          <ac:picMkLst>
-            <pc:docMk/>
-            <pc:sldMk cId="3669290555" sldId="267"/>
-            <ac:picMk id="6" creationId="{75CA0F5F-4964-45C0-A89C-B274DB3E0836}"/>
-          </ac:picMkLst>
-        </pc:picChg>
-      </pc:sldChg>
-      <pc:sldMasterChg chg="del delSldLayout">
-        <pc:chgData name="LICIA DULCE RUIZ CENTNER" userId="S::ld.ruiz@alumnos.upm.es::95fad373-be20-4cc8-9c4b-4294f4e033a5" providerId="AD" clId="Web-{DDA4C2D1-061D-4DB2-BE66-906845DF43D4}" dt="2021-11-10T14:41:25.095" v="50"/>
-        <pc:sldMasterMkLst>
-          <pc:docMk/>
-          <pc:sldMasterMk cId="2460954070" sldId="2147483660"/>
-        </pc:sldMasterMkLst>
-        <pc:sldLayoutChg chg="del">
-          <pc:chgData name="LICIA DULCE RUIZ CENTNER" userId="S::ld.ruiz@alumnos.upm.es::95fad373-be20-4cc8-9c4b-4294f4e033a5" providerId="AD" clId="Web-{DDA4C2D1-061D-4DB2-BE66-906845DF43D4}" dt="2021-11-10T14:41:25.095" v="50"/>
-          <pc:sldLayoutMkLst>
-            <pc:docMk/>
-            <pc:sldMasterMk cId="2460954070" sldId="2147483660"/>
-            <pc:sldLayoutMk cId="2385387890" sldId="2147483661"/>
-          </pc:sldLayoutMkLst>
-        </pc:sldLayoutChg>
-        <pc:sldLayoutChg chg="del">
-          <pc:chgData name="LICIA DULCE RUIZ CENTNER" userId="S::ld.ruiz@alumnos.upm.es::95fad373-be20-4cc8-9c4b-4294f4e033a5" providerId="AD" clId="Web-{DDA4C2D1-061D-4DB2-BE66-906845DF43D4}" dt="2021-11-10T14:41:25.095" v="50"/>
-          <pc:sldLayoutMkLst>
-            <pc:docMk/>
-            <pc:sldMasterMk cId="2460954070" sldId="2147483660"/>
-            <pc:sldLayoutMk cId="949138452" sldId="2147483662"/>
-          </pc:sldLayoutMkLst>
-        </pc:sldLayoutChg>
-        <pc:sldLayoutChg chg="del">
-          <pc:chgData name="LICIA DULCE RUIZ CENTNER" userId="S::ld.ruiz@alumnos.upm.es::95fad373-be20-4cc8-9c4b-4294f4e033a5" providerId="AD" clId="Web-{DDA4C2D1-061D-4DB2-BE66-906845DF43D4}" dt="2021-11-10T14:41:25.095" v="50"/>
-          <pc:sldLayoutMkLst>
-            <pc:docMk/>
-            <pc:sldMasterMk cId="2460954070" sldId="2147483660"/>
-            <pc:sldLayoutMk cId="2591524520" sldId="2147483663"/>
-          </pc:sldLayoutMkLst>
-        </pc:sldLayoutChg>
-        <pc:sldLayoutChg chg="del">
-          <pc:chgData name="LICIA DULCE RUIZ CENTNER" userId="S::ld.ruiz@alumnos.upm.es::95fad373-be20-4cc8-9c4b-4294f4e033a5" providerId="AD" clId="Web-{DDA4C2D1-061D-4DB2-BE66-906845DF43D4}" dt="2021-11-10T14:41:25.095" v="50"/>
-          <pc:sldLayoutMkLst>
-            <pc:docMk/>
-            <pc:sldMasterMk cId="2460954070" sldId="2147483660"/>
-            <pc:sldLayoutMk cId="1203092039" sldId="2147483664"/>
-          </pc:sldLayoutMkLst>
-        </pc:sldLayoutChg>
-        <pc:sldLayoutChg chg="del">
-          <pc:chgData name="LICIA DULCE RUIZ CENTNER" userId="S::ld.ruiz@alumnos.upm.es::95fad373-be20-4cc8-9c4b-4294f4e033a5" providerId="AD" clId="Web-{DDA4C2D1-061D-4DB2-BE66-906845DF43D4}" dt="2021-11-10T14:41:25.095" v="50"/>
-          <pc:sldLayoutMkLst>
-            <pc:docMk/>
-            <pc:sldMasterMk cId="2460954070" sldId="2147483660"/>
-            <pc:sldLayoutMk cId="3733172339" sldId="2147483665"/>
-          </pc:sldLayoutMkLst>
-        </pc:sldLayoutChg>
-        <pc:sldLayoutChg chg="del">
-          <pc:chgData name="LICIA DULCE RUIZ CENTNER" userId="S::ld.ruiz@alumnos.upm.es::95fad373-be20-4cc8-9c4b-4294f4e033a5" providerId="AD" clId="Web-{DDA4C2D1-061D-4DB2-BE66-906845DF43D4}" dt="2021-11-10T14:41:25.095" v="50"/>
-          <pc:sldLayoutMkLst>
-            <pc:docMk/>
-            <pc:sldMasterMk cId="2460954070" sldId="2147483660"/>
-            <pc:sldLayoutMk cId="3210312558" sldId="2147483666"/>
-          </pc:sldLayoutMkLst>
-        </pc:sldLayoutChg>
-        <pc:sldLayoutChg chg="del">
-          <pc:chgData name="LICIA DULCE RUIZ CENTNER" userId="S::ld.ruiz@alumnos.upm.es::95fad373-be20-4cc8-9c4b-4294f4e033a5" providerId="AD" clId="Web-{DDA4C2D1-061D-4DB2-BE66-906845DF43D4}" dt="2021-11-10T14:41:25.095" v="50"/>
-          <pc:sldLayoutMkLst>
-            <pc:docMk/>
-            <pc:sldMasterMk cId="2460954070" sldId="2147483660"/>
-            <pc:sldLayoutMk cId="3146388984" sldId="2147483667"/>
-          </pc:sldLayoutMkLst>
-        </pc:sldLayoutChg>
-        <pc:sldLayoutChg chg="del">
-          <pc:chgData name="LICIA DULCE RUIZ CENTNER" userId="S::ld.ruiz@alumnos.upm.es::95fad373-be20-4cc8-9c4b-4294f4e033a5" providerId="AD" clId="Web-{DDA4C2D1-061D-4DB2-BE66-906845DF43D4}" dt="2021-11-10T14:41:25.095" v="50"/>
-          <pc:sldLayoutMkLst>
-            <pc:docMk/>
-            <pc:sldMasterMk cId="2460954070" sldId="2147483660"/>
-            <pc:sldLayoutMk cId="3171841454" sldId="2147483668"/>
-          </pc:sldLayoutMkLst>
-        </pc:sldLayoutChg>
-        <pc:sldLayoutChg chg="del">
-          <pc:chgData name="LICIA DULCE RUIZ CENTNER" userId="S::ld.ruiz@alumnos.upm.es::95fad373-be20-4cc8-9c4b-4294f4e033a5" providerId="AD" clId="Web-{DDA4C2D1-061D-4DB2-BE66-906845DF43D4}" dt="2021-11-10T14:41:25.095" v="50"/>
-          <pc:sldLayoutMkLst>
-            <pc:docMk/>
-            <pc:sldMasterMk cId="2460954070" sldId="2147483660"/>
-            <pc:sldLayoutMk cId="1718958274" sldId="2147483669"/>
-          </pc:sldLayoutMkLst>
-        </pc:sldLayoutChg>
-        <pc:sldLayoutChg chg="del">
-          <pc:chgData name="LICIA DULCE RUIZ CENTNER" userId="S::ld.ruiz@alumnos.upm.es::95fad373-be20-4cc8-9c4b-4294f4e033a5" providerId="AD" clId="Web-{DDA4C2D1-061D-4DB2-BE66-906845DF43D4}" dt="2021-11-10T14:41:25.095" v="50"/>
-          <pc:sldLayoutMkLst>
-            <pc:docMk/>
-            <pc:sldMasterMk cId="2460954070" sldId="2147483660"/>
-            <pc:sldLayoutMk cId="2202905451" sldId="2147483670"/>
-          </pc:sldLayoutMkLst>
-        </pc:sldLayoutChg>
-        <pc:sldLayoutChg chg="del">
-          <pc:chgData name="LICIA DULCE RUIZ CENTNER" userId="S::ld.ruiz@alumnos.upm.es::95fad373-be20-4cc8-9c4b-4294f4e033a5" providerId="AD" clId="Web-{DDA4C2D1-061D-4DB2-BE66-906845DF43D4}" dt="2021-11-10T14:41:25.095" v="50"/>
-          <pc:sldLayoutMkLst>
-            <pc:docMk/>
-            <pc:sldMasterMk cId="2460954070" sldId="2147483660"/>
-            <pc:sldLayoutMk cId="3479445657" sldId="2147483671"/>
-          </pc:sldLayoutMkLst>
-        </pc:sldLayoutChg>
-      </pc:sldMasterChg>
-      <pc:sldMasterChg chg="add addSldLayout modSldLayout">
-        <pc:chgData name="LICIA DULCE RUIZ CENTNER" userId="S::ld.ruiz@alumnos.upm.es::95fad373-be20-4cc8-9c4b-4294f4e033a5" providerId="AD" clId="Web-{DDA4C2D1-061D-4DB2-BE66-906845DF43D4}" dt="2021-11-10T14:41:25.095" v="50"/>
-        <pc:sldMasterMkLst>
-          <pc:docMk/>
-          <pc:sldMasterMk cId="250635941" sldId="2147483672"/>
-        </pc:sldMasterMkLst>
-        <pc:sldLayoutChg chg="add mod replId">
-          <pc:chgData name="LICIA DULCE RUIZ CENTNER" userId="S::ld.ruiz@alumnos.upm.es::95fad373-be20-4cc8-9c4b-4294f4e033a5" providerId="AD" clId="Web-{DDA4C2D1-061D-4DB2-BE66-906845DF43D4}" dt="2021-11-10T14:41:25.095" v="50"/>
-          <pc:sldLayoutMkLst>
-            <pc:docMk/>
-            <pc:sldMasterMk cId="250635941" sldId="2147483672"/>
-            <pc:sldLayoutMk cId="530135285" sldId="2147483673"/>
-          </pc:sldLayoutMkLst>
-        </pc:sldLayoutChg>
-        <pc:sldLayoutChg chg="add mod replId">
-          <pc:chgData name="LICIA DULCE RUIZ CENTNER" userId="S::ld.ruiz@alumnos.upm.es::95fad373-be20-4cc8-9c4b-4294f4e033a5" providerId="AD" clId="Web-{DDA4C2D1-061D-4DB2-BE66-906845DF43D4}" dt="2021-11-10T14:41:25.095" v="50"/>
-          <pc:sldLayoutMkLst>
-            <pc:docMk/>
-            <pc:sldMasterMk cId="250635941" sldId="2147483672"/>
-            <pc:sldLayoutMk cId="2114973459" sldId="2147483674"/>
-          </pc:sldLayoutMkLst>
-        </pc:sldLayoutChg>
-        <pc:sldLayoutChg chg="add mod replId">
-          <pc:chgData name="LICIA DULCE RUIZ CENTNER" userId="S::ld.ruiz@alumnos.upm.es::95fad373-be20-4cc8-9c4b-4294f4e033a5" providerId="AD" clId="Web-{DDA4C2D1-061D-4DB2-BE66-906845DF43D4}" dt="2021-11-10T14:41:25.095" v="50"/>
-          <pc:sldLayoutMkLst>
-            <pc:docMk/>
-            <pc:sldMasterMk cId="250635941" sldId="2147483672"/>
-            <pc:sldLayoutMk cId="2920035680" sldId="2147483675"/>
-          </pc:sldLayoutMkLst>
-        </pc:sldLayoutChg>
-        <pc:sldLayoutChg chg="add mod replId">
-          <pc:chgData name="LICIA DULCE RUIZ CENTNER" userId="S::ld.ruiz@alumnos.upm.es::95fad373-be20-4cc8-9c4b-4294f4e033a5" providerId="AD" clId="Web-{DDA4C2D1-061D-4DB2-BE66-906845DF43D4}" dt="2021-11-10T14:41:25.095" v="50"/>
-          <pc:sldLayoutMkLst>
-            <pc:docMk/>
-            <pc:sldMasterMk cId="250635941" sldId="2147483672"/>
-            <pc:sldLayoutMk cId="127844306" sldId="2147483676"/>
-          </pc:sldLayoutMkLst>
-        </pc:sldLayoutChg>
-        <pc:sldLayoutChg chg="add mod replId">
-          <pc:chgData name="LICIA DULCE RUIZ CENTNER" userId="S::ld.ruiz@alumnos.upm.es::95fad373-be20-4cc8-9c4b-4294f4e033a5" providerId="AD" clId="Web-{DDA4C2D1-061D-4DB2-BE66-906845DF43D4}" dt="2021-11-10T14:41:25.095" v="50"/>
-          <pc:sldLayoutMkLst>
-            <pc:docMk/>
-            <pc:sldMasterMk cId="250635941" sldId="2147483672"/>
-            <pc:sldLayoutMk cId="784975781" sldId="2147483677"/>
-          </pc:sldLayoutMkLst>
-        </pc:sldLayoutChg>
-        <pc:sldLayoutChg chg="add mod replId">
-          <pc:chgData name="LICIA DULCE RUIZ CENTNER" userId="S::ld.ruiz@alumnos.upm.es::95fad373-be20-4cc8-9c4b-4294f4e033a5" providerId="AD" clId="Web-{DDA4C2D1-061D-4DB2-BE66-906845DF43D4}" dt="2021-11-10T14:41:25.095" v="50"/>
-          <pc:sldLayoutMkLst>
-            <pc:docMk/>
-            <pc:sldMasterMk cId="250635941" sldId="2147483672"/>
-            <pc:sldLayoutMk cId="1073215420" sldId="2147483678"/>
-          </pc:sldLayoutMkLst>
-        </pc:sldLayoutChg>
-        <pc:sldLayoutChg chg="add mod replId">
-          <pc:chgData name="LICIA DULCE RUIZ CENTNER" userId="S::ld.ruiz@alumnos.upm.es::95fad373-be20-4cc8-9c4b-4294f4e033a5" providerId="AD" clId="Web-{DDA4C2D1-061D-4DB2-BE66-906845DF43D4}" dt="2021-11-10T14:41:25.095" v="50"/>
-          <pc:sldLayoutMkLst>
-            <pc:docMk/>
-            <pc:sldMasterMk cId="250635941" sldId="2147483672"/>
-            <pc:sldLayoutMk cId="2797484762" sldId="2147483679"/>
-          </pc:sldLayoutMkLst>
-        </pc:sldLayoutChg>
-        <pc:sldLayoutChg chg="add mod replId">
-          <pc:chgData name="LICIA DULCE RUIZ CENTNER" userId="S::ld.ruiz@alumnos.upm.es::95fad373-be20-4cc8-9c4b-4294f4e033a5" providerId="AD" clId="Web-{DDA4C2D1-061D-4DB2-BE66-906845DF43D4}" dt="2021-11-10T14:41:25.095" v="50"/>
-          <pc:sldLayoutMkLst>
-            <pc:docMk/>
-            <pc:sldMasterMk cId="250635941" sldId="2147483672"/>
-            <pc:sldLayoutMk cId="3846556797" sldId="2147483680"/>
-          </pc:sldLayoutMkLst>
-        </pc:sldLayoutChg>
-        <pc:sldLayoutChg chg="add mod replId">
-          <pc:chgData name="LICIA DULCE RUIZ CENTNER" userId="S::ld.ruiz@alumnos.upm.es::95fad373-be20-4cc8-9c4b-4294f4e033a5" providerId="AD" clId="Web-{DDA4C2D1-061D-4DB2-BE66-906845DF43D4}" dt="2021-11-10T14:41:25.095" v="50"/>
-          <pc:sldLayoutMkLst>
-            <pc:docMk/>
-            <pc:sldMasterMk cId="250635941" sldId="2147483672"/>
-            <pc:sldLayoutMk cId="627157634" sldId="2147483681"/>
-          </pc:sldLayoutMkLst>
-        </pc:sldLayoutChg>
-        <pc:sldLayoutChg chg="add mod replId">
-          <pc:chgData name="LICIA DULCE RUIZ CENTNER" userId="S::ld.ruiz@alumnos.upm.es::95fad373-be20-4cc8-9c4b-4294f4e033a5" providerId="AD" clId="Web-{DDA4C2D1-061D-4DB2-BE66-906845DF43D4}" dt="2021-11-10T14:41:25.095" v="50"/>
-          <pc:sldLayoutMkLst>
-            <pc:docMk/>
-            <pc:sldMasterMk cId="250635941" sldId="2147483672"/>
-            <pc:sldLayoutMk cId="3978677632" sldId="2147483682"/>
-          </pc:sldLayoutMkLst>
-        </pc:sldLayoutChg>
-        <pc:sldLayoutChg chg="add mod replId">
-          <pc:chgData name="LICIA DULCE RUIZ CENTNER" userId="S::ld.ruiz@alumnos.upm.es::95fad373-be20-4cc8-9c4b-4294f4e033a5" providerId="AD" clId="Web-{DDA4C2D1-061D-4DB2-BE66-906845DF43D4}" dt="2021-11-10T14:41:25.095" v="50"/>
-          <pc:sldLayoutMkLst>
-            <pc:docMk/>
-            <pc:sldMasterMk cId="250635941" sldId="2147483672"/>
-            <pc:sldLayoutMk cId="1793039717" sldId="2147483683"/>
-          </pc:sldLayoutMkLst>
-        </pc:sldLayoutChg>
-      </pc:sldMasterChg>
-    </pc:docChg>
-  </pc:docChgLst>
-  <pc:docChgLst>
     <pc:chgData name="LICIA DULCE RUIZ CENTNER" userId="95fad373-be20-4cc8-9c4b-4294f4e033a5" providerId="ADAL" clId="{81A98E8D-3C92-C14F-B774-EBBD180E17FC}"/>
     <pc:docChg chg="undo custSel modSld">
       <pc:chgData name="LICIA DULCE RUIZ CENTNER" userId="95fad373-be20-4cc8-9c4b-4294f4e033a5" providerId="ADAL" clId="{81A98E8D-3C92-C14F-B774-EBBD180E17FC}" dt="2021-11-11T16:55:00.140" v="21"/>
@@ -2701,6 +1484,1264 @@
           </ac:picMkLst>
         </pc:picChg>
       </pc:sldChg>
+    </pc:docChg>
+  </pc:docChgLst>
+  <pc:docChgLst>
+    <pc:chgData name="LICIA DULCE RUIZ CENTNER" userId="S::ld.ruiz@alumnos.upm.es::95fad373-be20-4cc8-9c4b-4294f4e033a5" providerId="AD" clId="Web-{DDA4C2D1-061D-4DB2-BE66-906845DF43D4}"/>
+    <pc:docChg chg="addSld delSld modSld addMainMaster delMainMaster">
+      <pc:chgData name="LICIA DULCE RUIZ CENTNER" userId="S::ld.ruiz@alumnos.upm.es::95fad373-be20-4cc8-9c4b-4294f4e033a5" providerId="AD" clId="Web-{DDA4C2D1-061D-4DB2-BE66-906845DF43D4}" dt="2021-11-10T16:59:35.264" v="435"/>
+      <pc:docMkLst>
+        <pc:docMk/>
+      </pc:docMkLst>
+      <pc:sldChg chg="addSp delSp modSp del mod setBg setClrOvrMap">
+        <pc:chgData name="LICIA DULCE RUIZ CENTNER" userId="S::ld.ruiz@alumnos.upm.es::95fad373-be20-4cc8-9c4b-4294f4e033a5" providerId="AD" clId="Web-{DDA4C2D1-061D-4DB2-BE66-906845DF43D4}" dt="2021-11-10T14:40:22.295" v="47"/>
+        <pc:sldMkLst>
+          <pc:docMk/>
+          <pc:sldMk cId="109857222" sldId="256"/>
+        </pc:sldMkLst>
+        <pc:spChg chg="mod">
+          <ac:chgData name="LICIA DULCE RUIZ CENTNER" userId="S::ld.ruiz@alumnos.upm.es::95fad373-be20-4cc8-9c4b-4294f4e033a5" providerId="AD" clId="Web-{DDA4C2D1-061D-4DB2-BE66-906845DF43D4}" dt="2021-11-10T14:15:29.769" v="11" actId="20577"/>
+          <ac:spMkLst>
+            <pc:docMk/>
+            <pc:sldMk cId="109857222" sldId="256"/>
+            <ac:spMk id="2" creationId="{00000000-0000-0000-0000-000000000000}"/>
+          </ac:spMkLst>
+        </pc:spChg>
+        <pc:spChg chg="mod">
+          <ac:chgData name="LICIA DULCE RUIZ CENTNER" userId="S::ld.ruiz@alumnos.upm.es::95fad373-be20-4cc8-9c4b-4294f4e033a5" providerId="AD" clId="Web-{DDA4C2D1-061D-4DB2-BE66-906845DF43D4}" dt="2021-11-10T14:15:38.598" v="19" actId="20577"/>
+          <ac:spMkLst>
+            <pc:docMk/>
+            <pc:sldMk cId="109857222" sldId="256"/>
+            <ac:spMk id="3" creationId="{00000000-0000-0000-0000-000000000000}"/>
+          </ac:spMkLst>
+        </pc:spChg>
+        <pc:spChg chg="add">
+          <ac:chgData name="LICIA DULCE RUIZ CENTNER" userId="S::ld.ruiz@alumnos.upm.es::95fad373-be20-4cc8-9c4b-4294f4e033a5" providerId="AD" clId="Web-{DDA4C2D1-061D-4DB2-BE66-906845DF43D4}" dt="2021-11-10T14:15:14.799" v="3"/>
+          <ac:spMkLst>
+            <pc:docMk/>
+            <pc:sldMk cId="109857222" sldId="256"/>
+            <ac:spMk id="6" creationId="{71B2258F-86CA-4D4D-8270-BC05FCDEBFB3}"/>
+          </ac:spMkLst>
+        </pc:spChg>
+        <pc:spChg chg="add del">
+          <ac:chgData name="LICIA DULCE RUIZ CENTNER" userId="S::ld.ruiz@alumnos.upm.es::95fad373-be20-4cc8-9c4b-4294f4e033a5" providerId="AD" clId="Web-{DDA4C2D1-061D-4DB2-BE66-906845DF43D4}" dt="2021-11-10T14:15:14.784" v="2"/>
+          <ac:spMkLst>
+            <pc:docMk/>
+            <pc:sldMk cId="109857222" sldId="256"/>
+            <ac:spMk id="9" creationId="{87CC2527-562A-4F69-B487-4371E5B243E7}"/>
+          </ac:spMkLst>
+        </pc:spChg>
+        <pc:picChg chg="add del">
+          <ac:chgData name="LICIA DULCE RUIZ CENTNER" userId="S::ld.ruiz@alumnos.upm.es::95fad373-be20-4cc8-9c4b-4294f4e033a5" providerId="AD" clId="Web-{DDA4C2D1-061D-4DB2-BE66-906845DF43D4}" dt="2021-11-10T14:15:14.784" v="2"/>
+          <ac:picMkLst>
+            <pc:docMk/>
+            <pc:sldMk cId="109857222" sldId="256"/>
+            <ac:picMk id="5" creationId="{BCDDEF53-A9AF-4E5E-A136-C33176674289}"/>
+          </ac:picMkLst>
+        </pc:picChg>
+        <pc:picChg chg="add">
+          <ac:chgData name="LICIA DULCE RUIZ CENTNER" userId="S::ld.ruiz@alumnos.upm.es::95fad373-be20-4cc8-9c4b-4294f4e033a5" providerId="AD" clId="Web-{DDA4C2D1-061D-4DB2-BE66-906845DF43D4}" dt="2021-11-10T14:15:14.799" v="3"/>
+          <ac:picMkLst>
+            <pc:docMk/>
+            <pc:sldMk cId="109857222" sldId="256"/>
+            <ac:picMk id="7" creationId="{C519A419-A11A-437B-A47C-541CE9AADB91}"/>
+          </ac:picMkLst>
+        </pc:picChg>
+        <pc:cxnChg chg="add del">
+          <ac:chgData name="LICIA DULCE RUIZ CENTNER" userId="S::ld.ruiz@alumnos.upm.es::95fad373-be20-4cc8-9c4b-4294f4e033a5" providerId="AD" clId="Web-{DDA4C2D1-061D-4DB2-BE66-906845DF43D4}" dt="2021-11-10T14:15:14.784" v="2"/>
+          <ac:cxnSpMkLst>
+            <pc:docMk/>
+            <pc:sldMk cId="109857222" sldId="256"/>
+            <ac:cxnSpMk id="11" creationId="{BCDAEC91-5BCE-4B55-9CC0-43EF94CB734B}"/>
+          </ac:cxnSpMkLst>
+        </pc:cxnChg>
+      </pc:sldChg>
+      <pc:sldChg chg="addSp delSp modSp new del mod setBg">
+        <pc:chgData name="LICIA DULCE RUIZ CENTNER" userId="S::ld.ruiz@alumnos.upm.es::95fad373-be20-4cc8-9c4b-4294f4e033a5" providerId="AD" clId="Web-{DDA4C2D1-061D-4DB2-BE66-906845DF43D4}" dt="2021-11-10T14:40:30.545" v="48"/>
+        <pc:sldMkLst>
+          <pc:docMk/>
+          <pc:sldMk cId="681054907" sldId="257"/>
+        </pc:sldMkLst>
+        <pc:spChg chg="mod ord">
+          <ac:chgData name="LICIA DULCE RUIZ CENTNER" userId="S::ld.ruiz@alumnos.upm.es::95fad373-be20-4cc8-9c4b-4294f4e033a5" providerId="AD" clId="Web-{DDA4C2D1-061D-4DB2-BE66-906845DF43D4}" dt="2021-11-10T14:17:38.089" v="28"/>
+          <ac:spMkLst>
+            <pc:docMk/>
+            <pc:sldMk cId="681054907" sldId="257"/>
+            <ac:spMk id="2" creationId="{7F27B960-C8BE-4F3F-A1EB-0ECABDE681D0}"/>
+          </ac:spMkLst>
+        </pc:spChg>
+        <pc:spChg chg="del">
+          <ac:chgData name="LICIA DULCE RUIZ CENTNER" userId="S::ld.ruiz@alumnos.upm.es::95fad373-be20-4cc8-9c4b-4294f4e033a5" providerId="AD" clId="Web-{DDA4C2D1-061D-4DB2-BE66-906845DF43D4}" dt="2021-11-10T14:15:53.755" v="20"/>
+          <ac:spMkLst>
+            <pc:docMk/>
+            <pc:sldMk cId="681054907" sldId="257"/>
+            <ac:spMk id="3" creationId="{C308D8E3-6562-4CD7-A828-D8A23654D672}"/>
+          </ac:spMkLst>
+        </pc:spChg>
+        <pc:spChg chg="add mod">
+          <ac:chgData name="LICIA DULCE RUIZ CENTNER" userId="S::ld.ruiz@alumnos.upm.es::95fad373-be20-4cc8-9c4b-4294f4e033a5" providerId="AD" clId="Web-{DDA4C2D1-061D-4DB2-BE66-906845DF43D4}" dt="2021-11-10T14:17:38.089" v="28"/>
+          <ac:spMkLst>
+            <pc:docMk/>
+            <pc:sldMk cId="681054907" sldId="257"/>
+            <ac:spMk id="6" creationId="{74A79829-EEF4-490D-956B-20720AC9C596}"/>
+          </ac:spMkLst>
+        </pc:spChg>
+        <pc:spChg chg="add del">
+          <ac:chgData name="LICIA DULCE RUIZ CENTNER" userId="S::ld.ruiz@alumnos.upm.es::95fad373-be20-4cc8-9c4b-4294f4e033a5" providerId="AD" clId="Web-{DDA4C2D1-061D-4DB2-BE66-906845DF43D4}" dt="2021-11-10T14:17:07.368" v="22"/>
+          <ac:spMkLst>
+            <pc:docMk/>
+            <pc:sldMk cId="681054907" sldId="257"/>
+            <ac:spMk id="8" creationId="{C27D7A02-907B-496F-BA7E-AA3780733CA7}"/>
+          </ac:spMkLst>
+        </pc:spChg>
+        <pc:spChg chg="add del">
+          <ac:chgData name="LICIA DULCE RUIZ CENTNER" userId="S::ld.ruiz@alumnos.upm.es::95fad373-be20-4cc8-9c4b-4294f4e033a5" providerId="AD" clId="Web-{DDA4C2D1-061D-4DB2-BE66-906845DF43D4}" dt="2021-11-10T14:17:07.368" v="22"/>
+          <ac:spMkLst>
+            <pc:docMk/>
+            <pc:sldMk cId="681054907" sldId="257"/>
+            <ac:spMk id="10" creationId="{0FBA5268-0AE7-4CAD-9537-D0EB09E76406}"/>
+          </ac:spMkLst>
+        </pc:spChg>
+        <pc:spChg chg="add del">
+          <ac:chgData name="LICIA DULCE RUIZ CENTNER" userId="S::ld.ruiz@alumnos.upm.es::95fad373-be20-4cc8-9c4b-4294f4e033a5" providerId="AD" clId="Web-{DDA4C2D1-061D-4DB2-BE66-906845DF43D4}" dt="2021-11-10T14:17:07.368" v="22"/>
+          <ac:spMkLst>
+            <pc:docMk/>
+            <pc:sldMk cId="681054907" sldId="257"/>
+            <ac:spMk id="12" creationId="{088D065B-39DA-4077-B9CF-E489CE4C0169}"/>
+          </ac:spMkLst>
+        </pc:spChg>
+        <pc:spChg chg="add del">
+          <ac:chgData name="LICIA DULCE RUIZ CENTNER" userId="S::ld.ruiz@alumnos.upm.es::95fad373-be20-4cc8-9c4b-4294f4e033a5" providerId="AD" clId="Web-{DDA4C2D1-061D-4DB2-BE66-906845DF43D4}" dt="2021-11-10T14:17:38.089" v="28"/>
+          <ac:spMkLst>
+            <pc:docMk/>
+            <pc:sldMk cId="681054907" sldId="257"/>
+            <ac:spMk id="17" creationId="{87CC2527-562A-4F69-B487-4371E5B243E7}"/>
+          </ac:spMkLst>
+        </pc:spChg>
+        <pc:spChg chg="add">
+          <ac:chgData name="LICIA DULCE RUIZ CENTNER" userId="S::ld.ruiz@alumnos.upm.es::95fad373-be20-4cc8-9c4b-4294f4e033a5" providerId="AD" clId="Web-{DDA4C2D1-061D-4DB2-BE66-906845DF43D4}" dt="2021-11-10T14:17:38.089" v="28"/>
+          <ac:spMkLst>
+            <pc:docMk/>
+            <pc:sldMk cId="681054907" sldId="257"/>
+            <ac:spMk id="24" creationId="{87CC2527-562A-4F69-B487-4371E5B243E7}"/>
+          </ac:spMkLst>
+        </pc:spChg>
+        <pc:picChg chg="add del mod">
+          <ac:chgData name="LICIA DULCE RUIZ CENTNER" userId="S::ld.ruiz@alumnos.upm.es::95fad373-be20-4cc8-9c4b-4294f4e033a5" providerId="AD" clId="Web-{DDA4C2D1-061D-4DB2-BE66-906845DF43D4}" dt="2021-11-10T14:17:15.900" v="23"/>
+          <ac:picMkLst>
+            <pc:docMk/>
+            <pc:sldMk cId="681054907" sldId="257"/>
+            <ac:picMk id="4" creationId="{88D76A97-D698-43A3-8667-DBB1E29B4F01}"/>
+          </ac:picMkLst>
+        </pc:picChg>
+        <pc:picChg chg="add mod">
+          <ac:chgData name="LICIA DULCE RUIZ CENTNER" userId="S::ld.ruiz@alumnos.upm.es::95fad373-be20-4cc8-9c4b-4294f4e033a5" providerId="AD" clId="Web-{DDA4C2D1-061D-4DB2-BE66-906845DF43D4}" dt="2021-11-10T14:17:38.089" v="28"/>
+          <ac:picMkLst>
+            <pc:docMk/>
+            <pc:sldMk cId="681054907" sldId="257"/>
+            <ac:picMk id="5" creationId="{1824D04E-5160-4F4B-9CCB-D170839BDB23}"/>
+          </ac:picMkLst>
+        </pc:picChg>
+        <pc:cxnChg chg="add del">
+          <ac:chgData name="LICIA DULCE RUIZ CENTNER" userId="S::ld.ruiz@alumnos.upm.es::95fad373-be20-4cc8-9c4b-4294f4e033a5" providerId="AD" clId="Web-{DDA4C2D1-061D-4DB2-BE66-906845DF43D4}" dt="2021-11-10T14:17:38.089" v="28"/>
+          <ac:cxnSpMkLst>
+            <pc:docMk/>
+            <pc:sldMk cId="681054907" sldId="257"/>
+            <ac:cxnSpMk id="19" creationId="{BCDAEC91-5BCE-4B55-9CC0-43EF94CB734B}"/>
+          </ac:cxnSpMkLst>
+        </pc:cxnChg>
+        <pc:cxnChg chg="add">
+          <ac:chgData name="LICIA DULCE RUIZ CENTNER" userId="S::ld.ruiz@alumnos.upm.es::95fad373-be20-4cc8-9c4b-4294f4e033a5" providerId="AD" clId="Web-{DDA4C2D1-061D-4DB2-BE66-906845DF43D4}" dt="2021-11-10T14:17:38.089" v="28"/>
+          <ac:cxnSpMkLst>
+            <pc:docMk/>
+            <pc:sldMk cId="681054907" sldId="257"/>
+            <ac:cxnSpMk id="26" creationId="{BCDAEC91-5BCE-4B55-9CC0-43EF94CB734B}"/>
+          </ac:cxnSpMkLst>
+        </pc:cxnChg>
+      </pc:sldChg>
+      <pc:sldChg chg="addSp delSp modSp new del mod modClrScheme chgLayout">
+        <pc:chgData name="LICIA DULCE RUIZ CENTNER" userId="S::ld.ruiz@alumnos.upm.es::95fad373-be20-4cc8-9c4b-4294f4e033a5" providerId="AD" clId="Web-{DDA4C2D1-061D-4DB2-BE66-906845DF43D4}" dt="2021-11-10T16:58:18.747" v="434"/>
+        <pc:sldMkLst>
+          <pc:docMk/>
+          <pc:sldMk cId="1393632755" sldId="258"/>
+        </pc:sldMkLst>
+        <pc:spChg chg="mod ord">
+          <ac:chgData name="LICIA DULCE RUIZ CENTNER" userId="S::ld.ruiz@alumnos.upm.es::95fad373-be20-4cc8-9c4b-4294f4e033a5" providerId="AD" clId="Web-{DDA4C2D1-061D-4DB2-BE66-906845DF43D4}" dt="2021-11-10T14:41:25.095" v="50"/>
+          <ac:spMkLst>
+            <pc:docMk/>
+            <pc:sldMk cId="1393632755" sldId="258"/>
+            <ac:spMk id="2" creationId="{9FF13434-9382-4EB9-AB82-20624DBFD33A}"/>
+          </ac:spMkLst>
+        </pc:spChg>
+        <pc:spChg chg="del">
+          <ac:chgData name="LICIA DULCE RUIZ CENTNER" userId="S::ld.ruiz@alumnos.upm.es::95fad373-be20-4cc8-9c4b-4294f4e033a5" providerId="AD" clId="Web-{DDA4C2D1-061D-4DB2-BE66-906845DF43D4}" dt="2021-11-10T14:29:20.537" v="30"/>
+          <ac:spMkLst>
+            <pc:docMk/>
+            <pc:sldMk cId="1393632755" sldId="258"/>
+            <ac:spMk id="3" creationId="{24E90FAA-7533-470C-8216-9396716B4A69}"/>
+          </ac:spMkLst>
+        </pc:spChg>
+        <pc:picChg chg="add mod ord">
+          <ac:chgData name="LICIA DULCE RUIZ CENTNER" userId="S::ld.ruiz@alumnos.upm.es::95fad373-be20-4cc8-9c4b-4294f4e033a5" providerId="AD" clId="Web-{DDA4C2D1-061D-4DB2-BE66-906845DF43D4}" dt="2021-11-10T14:41:25.095" v="50"/>
+          <ac:picMkLst>
+            <pc:docMk/>
+            <pc:sldMk cId="1393632755" sldId="258"/>
+            <ac:picMk id="4" creationId="{8212C7F7-4906-4B4C-BD95-EBD6B2C7253F}"/>
+          </ac:picMkLst>
+        </pc:picChg>
+      </pc:sldChg>
+      <pc:sldChg chg="addSp delSp modSp new mod setBg modClrScheme setClrOvrMap delDesignElem chgLayout">
+        <pc:chgData name="LICIA DULCE RUIZ CENTNER" userId="S::ld.ruiz@alumnos.upm.es::95fad373-be20-4cc8-9c4b-4294f4e033a5" providerId="AD" clId="Web-{DDA4C2D1-061D-4DB2-BE66-906845DF43D4}" dt="2021-11-10T16:57:38.527" v="430"/>
+        <pc:sldMkLst>
+          <pc:docMk/>
+          <pc:sldMk cId="746235981" sldId="259"/>
+        </pc:sldMkLst>
+        <pc:spChg chg="mod ord">
+          <ac:chgData name="LICIA DULCE RUIZ CENTNER" userId="S::ld.ruiz@alumnos.upm.es::95fad373-be20-4cc8-9c4b-4294f4e033a5" providerId="AD" clId="Web-{DDA4C2D1-061D-4DB2-BE66-906845DF43D4}" dt="2021-11-10T16:57:38.527" v="430"/>
+          <ac:spMkLst>
+            <pc:docMk/>
+            <pc:sldMk cId="746235981" sldId="259"/>
+            <ac:spMk id="2" creationId="{D18B4473-1E80-40CE-8FD4-1214A9CF14F1}"/>
+          </ac:spMkLst>
+        </pc:spChg>
+        <pc:spChg chg="add mod">
+          <ac:chgData name="LICIA DULCE RUIZ CENTNER" userId="S::ld.ruiz@alumnos.upm.es::95fad373-be20-4cc8-9c4b-4294f4e033a5" providerId="AD" clId="Web-{DDA4C2D1-061D-4DB2-BE66-906845DF43D4}" dt="2021-11-10T16:57:38.527" v="430"/>
+          <ac:spMkLst>
+            <pc:docMk/>
+            <pc:sldMk cId="746235981" sldId="259"/>
+            <ac:spMk id="3" creationId="{A2C9DC9A-0911-48D9-B8A9-568CD2ADC702}"/>
+          </ac:spMkLst>
+        </pc:spChg>
+        <pc:spChg chg="del">
+          <ac:chgData name="LICIA DULCE RUIZ CENTNER" userId="S::ld.ruiz@alumnos.upm.es::95fad373-be20-4cc8-9c4b-4294f4e033a5" providerId="AD" clId="Web-{DDA4C2D1-061D-4DB2-BE66-906845DF43D4}" dt="2021-11-10T14:38:56.040" v="32"/>
+          <ac:spMkLst>
+            <pc:docMk/>
+            <pc:sldMk cId="746235981" sldId="259"/>
+            <ac:spMk id="3" creationId="{E6748E23-5847-460F-83EA-87D38D00081C}"/>
+          </ac:spMkLst>
+        </pc:spChg>
+        <pc:spChg chg="add del">
+          <ac:chgData name="LICIA DULCE RUIZ CENTNER" userId="S::ld.ruiz@alumnos.upm.es::95fad373-be20-4cc8-9c4b-4294f4e033a5" providerId="AD" clId="Web-{DDA4C2D1-061D-4DB2-BE66-906845DF43D4}" dt="2021-11-10T16:57:38.527" v="430"/>
+          <ac:spMkLst>
+            <pc:docMk/>
+            <pc:sldMk cId="746235981" sldId="259"/>
+            <ac:spMk id="6" creationId="{17115F77-2FAE-4CA7-9A7F-10D5F2C8F831}"/>
+          </ac:spMkLst>
+        </pc:spChg>
+        <pc:spChg chg="add del">
+          <ac:chgData name="LICIA DULCE RUIZ CENTNER" userId="S::ld.ruiz@alumnos.upm.es::95fad373-be20-4cc8-9c4b-4294f4e033a5" providerId="AD" clId="Web-{DDA4C2D1-061D-4DB2-BE66-906845DF43D4}" dt="2021-11-10T16:57:38.527" v="430"/>
+          <ac:spMkLst>
+            <pc:docMk/>
+            <pc:sldMk cId="746235981" sldId="259"/>
+            <ac:spMk id="7" creationId="{5CD4C046-A04C-46CC-AFA3-6B0621F628C8}"/>
+          </ac:spMkLst>
+        </pc:spChg>
+        <pc:spChg chg="add del">
+          <ac:chgData name="LICIA DULCE RUIZ CENTNER" userId="S::ld.ruiz@alumnos.upm.es::95fad373-be20-4cc8-9c4b-4294f4e033a5" providerId="AD" clId="Web-{DDA4C2D1-061D-4DB2-BE66-906845DF43D4}" dt="2021-11-10T14:41:25.095" v="50"/>
+          <ac:spMkLst>
+            <pc:docMk/>
+            <pc:sldMk cId="746235981" sldId="259"/>
+            <ac:spMk id="9" creationId="{87CC2527-562A-4F69-B487-4371E5B243E7}"/>
+          </ac:spMkLst>
+        </pc:spChg>
+        <pc:spChg chg="add del">
+          <ac:chgData name="LICIA DULCE RUIZ CENTNER" userId="S::ld.ruiz@alumnos.upm.es::95fad373-be20-4cc8-9c4b-4294f4e033a5" providerId="AD" clId="Web-{DDA4C2D1-061D-4DB2-BE66-906845DF43D4}" dt="2021-11-10T16:57:38.527" v="430"/>
+          <ac:spMkLst>
+            <pc:docMk/>
+            <pc:sldMk cId="746235981" sldId="259"/>
+            <ac:spMk id="13" creationId="{BC512124-0D13-4ED9-80B7-52AE15B6B41F}"/>
+          </ac:spMkLst>
+        </pc:spChg>
+        <pc:spChg chg="add del">
+          <ac:chgData name="LICIA DULCE RUIZ CENTNER" userId="S::ld.ruiz@alumnos.upm.es::95fad373-be20-4cc8-9c4b-4294f4e033a5" providerId="AD" clId="Web-{DDA4C2D1-061D-4DB2-BE66-906845DF43D4}" dt="2021-11-10T16:57:38.527" v="430"/>
+          <ac:spMkLst>
+            <pc:docMk/>
+            <pc:sldMk cId="746235981" sldId="259"/>
+            <ac:spMk id="18" creationId="{DADC4F84-175A-4AB1-916C-1E5796E1E0D3}"/>
+          </ac:spMkLst>
+        </pc:spChg>
+        <pc:picChg chg="add mod ord">
+          <ac:chgData name="LICIA DULCE RUIZ CENTNER" userId="S::ld.ruiz@alumnos.upm.es::95fad373-be20-4cc8-9c4b-4294f4e033a5" providerId="AD" clId="Web-{DDA4C2D1-061D-4DB2-BE66-906845DF43D4}" dt="2021-11-10T16:57:38.527" v="430"/>
+          <ac:picMkLst>
+            <pc:docMk/>
+            <pc:sldMk cId="746235981" sldId="259"/>
+            <ac:picMk id="4" creationId="{ED8A6B77-F45A-4FFB-9EE2-1D896B88D940}"/>
+          </ac:picMkLst>
+        </pc:picChg>
+        <pc:cxnChg chg="add del">
+          <ac:chgData name="LICIA DULCE RUIZ CENTNER" userId="S::ld.ruiz@alumnos.upm.es::95fad373-be20-4cc8-9c4b-4294f4e033a5" providerId="AD" clId="Web-{DDA4C2D1-061D-4DB2-BE66-906845DF43D4}" dt="2021-11-10T14:41:25.095" v="50"/>
+          <ac:cxnSpMkLst>
+            <pc:docMk/>
+            <pc:sldMk cId="746235981" sldId="259"/>
+            <ac:cxnSpMk id="11" creationId="{BCDAEC91-5BCE-4B55-9CC0-43EF94CB734B}"/>
+          </ac:cxnSpMkLst>
+        </pc:cxnChg>
+      </pc:sldChg>
+      <pc:sldChg chg="addSp delSp modSp new mod modTransition setBg modClrScheme delDesignElem chgLayout">
+        <pc:chgData name="LICIA DULCE RUIZ CENTNER" userId="S::ld.ruiz@alumnos.upm.es::95fad373-be20-4cc8-9c4b-4294f4e033a5" providerId="AD" clId="Web-{DDA4C2D1-061D-4DB2-BE66-906845DF43D4}" dt="2021-11-10T16:59:35.264" v="435"/>
+        <pc:sldMkLst>
+          <pc:docMk/>
+          <pc:sldMk cId="2619609178" sldId="260"/>
+        </pc:sldMkLst>
+        <pc:spChg chg="mod ord">
+          <ac:chgData name="LICIA DULCE RUIZ CENTNER" userId="S::ld.ruiz@alumnos.upm.es::95fad373-be20-4cc8-9c4b-4294f4e033a5" providerId="AD" clId="Web-{DDA4C2D1-061D-4DB2-BE66-906845DF43D4}" dt="2021-11-10T15:00:35.637" v="56" actId="20577"/>
+          <ac:spMkLst>
+            <pc:docMk/>
+            <pc:sldMk cId="2619609178" sldId="260"/>
+            <ac:spMk id="2" creationId="{144AEA20-8EB1-4778-AE36-9AEFA1FA78D9}"/>
+          </ac:spMkLst>
+        </pc:spChg>
+        <pc:spChg chg="mod ord">
+          <ac:chgData name="LICIA DULCE RUIZ CENTNER" userId="S::ld.ruiz@alumnos.upm.es::95fad373-be20-4cc8-9c4b-4294f4e033a5" providerId="AD" clId="Web-{DDA4C2D1-061D-4DB2-BE66-906845DF43D4}" dt="2021-11-10T15:01:07.513" v="84" actId="20577"/>
+          <ac:spMkLst>
+            <pc:docMk/>
+            <pc:sldMk cId="2619609178" sldId="260"/>
+            <ac:spMk id="3" creationId="{571852AB-255F-423F-8A1E-9B67E4580243}"/>
+          </ac:spMkLst>
+        </pc:spChg>
+        <pc:spChg chg="add">
+          <ac:chgData name="LICIA DULCE RUIZ CENTNER" userId="S::ld.ruiz@alumnos.upm.es::95fad373-be20-4cc8-9c4b-4294f4e033a5" providerId="AD" clId="Web-{DDA4C2D1-061D-4DB2-BE66-906845DF43D4}" dt="2021-11-10T14:41:47.237" v="51"/>
+          <ac:spMkLst>
+            <pc:docMk/>
+            <pc:sldMk cId="2619609178" sldId="260"/>
+            <ac:spMk id="5" creationId="{FF1D7602-6D2D-46C2-A7B2-434F3678DCB3}"/>
+          </ac:spMkLst>
+        </pc:spChg>
+        <pc:spChg chg="add">
+          <ac:chgData name="LICIA DULCE RUIZ CENTNER" userId="S::ld.ruiz@alumnos.upm.es::95fad373-be20-4cc8-9c4b-4294f4e033a5" providerId="AD" clId="Web-{DDA4C2D1-061D-4DB2-BE66-906845DF43D4}" dt="2021-11-10T14:41:47.237" v="51"/>
+          <ac:spMkLst>
+            <pc:docMk/>
+            <pc:sldMk cId="2619609178" sldId="260"/>
+            <ac:spMk id="6" creationId="{35539253-EA7C-41D9-9930-0923683AA3F6}"/>
+          </ac:spMkLst>
+        </pc:spChg>
+        <pc:spChg chg="add del">
+          <ac:chgData name="LICIA DULCE RUIZ CENTNER" userId="S::ld.ruiz@alumnos.upm.es::95fad373-be20-4cc8-9c4b-4294f4e033a5" providerId="AD" clId="Web-{DDA4C2D1-061D-4DB2-BE66-906845DF43D4}" dt="2021-11-10T14:41:25.095" v="50"/>
+          <ac:spMkLst>
+            <pc:docMk/>
+            <pc:sldMk cId="2619609178" sldId="260"/>
+            <ac:spMk id="8" creationId="{429917F3-0560-4C6F-B265-458B218C4B87}"/>
+          </ac:spMkLst>
+        </pc:spChg>
+        <pc:grpChg chg="add del">
+          <ac:chgData name="LICIA DULCE RUIZ CENTNER" userId="S::ld.ruiz@alumnos.upm.es::95fad373-be20-4cc8-9c4b-4294f4e033a5" providerId="AD" clId="Web-{DDA4C2D1-061D-4DB2-BE66-906845DF43D4}" dt="2021-11-10T14:41:25.095" v="50"/>
+          <ac:grpSpMkLst>
+            <pc:docMk/>
+            <pc:sldMk cId="2619609178" sldId="260"/>
+            <ac:grpSpMk id="10" creationId="{AA39BAE7-7EB8-4E22-BCBB-F00F514DB7EA}"/>
+          </ac:grpSpMkLst>
+        </pc:grpChg>
+        <pc:picChg chg="add mod">
+          <ac:chgData name="LICIA DULCE RUIZ CENTNER" userId="S::ld.ruiz@alumnos.upm.es::95fad373-be20-4cc8-9c4b-4294f4e033a5" providerId="AD" clId="Web-{DDA4C2D1-061D-4DB2-BE66-906845DF43D4}" dt="2021-11-10T16:58:00.590" v="433" actId="1076"/>
+          <ac:picMkLst>
+            <pc:docMk/>
+            <pc:sldMk cId="2619609178" sldId="260"/>
+            <ac:picMk id="4" creationId="{C2A42512-10E5-44D4-B7E1-0EB3491444B6}"/>
+          </ac:picMkLst>
+        </pc:picChg>
+        <pc:cxnChg chg="add">
+          <ac:chgData name="LICIA DULCE RUIZ CENTNER" userId="S::ld.ruiz@alumnos.upm.es::95fad373-be20-4cc8-9c4b-4294f4e033a5" providerId="AD" clId="Web-{DDA4C2D1-061D-4DB2-BE66-906845DF43D4}" dt="2021-11-10T14:41:47.237" v="51"/>
+          <ac:cxnSpMkLst>
+            <pc:docMk/>
+            <pc:sldMk cId="2619609178" sldId="260"/>
+            <ac:cxnSpMk id="12" creationId="{8D89589C-2C90-4407-A995-05EC3DD7AB14}"/>
+          </ac:cxnSpMkLst>
+        </pc:cxnChg>
+      </pc:sldChg>
+      <pc:sldChg chg="addSp delSp modSp new add del mod setBg">
+        <pc:chgData name="LICIA DULCE RUIZ CENTNER" userId="S::ld.ruiz@alumnos.upm.es::95fad373-be20-4cc8-9c4b-4294f4e033a5" providerId="AD" clId="Web-{DDA4C2D1-061D-4DB2-BE66-906845DF43D4}" dt="2021-11-10T16:24:34.366" v="363" actId="1076"/>
+        <pc:sldMkLst>
+          <pc:docMk/>
+          <pc:sldMk cId="3809662723" sldId="261"/>
+        </pc:sldMkLst>
+        <pc:spChg chg="mod">
+          <ac:chgData name="LICIA DULCE RUIZ CENTNER" userId="S::ld.ruiz@alumnos.upm.es::95fad373-be20-4cc8-9c4b-4294f4e033a5" providerId="AD" clId="Web-{DDA4C2D1-061D-4DB2-BE66-906845DF43D4}" dt="2021-11-10T15:07:53.634" v="124"/>
+          <ac:spMkLst>
+            <pc:docMk/>
+            <pc:sldMk cId="3809662723" sldId="261"/>
+            <ac:spMk id="2" creationId="{E233E1E2-E019-476B-8741-64DA930D5D18}"/>
+          </ac:spMkLst>
+        </pc:spChg>
+        <pc:spChg chg="del mod">
+          <ac:chgData name="LICIA DULCE RUIZ CENTNER" userId="S::ld.ruiz@alumnos.upm.es::95fad373-be20-4cc8-9c4b-4294f4e033a5" providerId="AD" clId="Web-{DDA4C2D1-061D-4DB2-BE66-906845DF43D4}" dt="2021-11-10T16:18:35.607" v="342"/>
+          <ac:spMkLst>
+            <pc:docMk/>
+            <pc:sldMk cId="3809662723" sldId="261"/>
+            <ac:spMk id="3" creationId="{26CB4D22-6F6C-445D-B664-A2CDFA324536}"/>
+          </ac:spMkLst>
+        </pc:spChg>
+        <pc:spChg chg="add del mod">
+          <ac:chgData name="LICIA DULCE RUIZ CENTNER" userId="S::ld.ruiz@alumnos.upm.es::95fad373-be20-4cc8-9c4b-4294f4e033a5" providerId="AD" clId="Web-{DDA4C2D1-061D-4DB2-BE66-906845DF43D4}" dt="2021-11-10T16:18:38.622" v="343"/>
+          <ac:spMkLst>
+            <pc:docMk/>
+            <pc:sldMk cId="3809662723" sldId="261"/>
+            <ac:spMk id="6" creationId="{50886F24-998A-4C85-98C8-5F6A0EC1321F}"/>
+          </ac:spMkLst>
+        </pc:spChg>
+        <pc:spChg chg="add del">
+          <ac:chgData name="LICIA DULCE RUIZ CENTNER" userId="S::ld.ruiz@alumnos.upm.es::95fad373-be20-4cc8-9c4b-4294f4e033a5" providerId="AD" clId="Web-{DDA4C2D1-061D-4DB2-BE66-906845DF43D4}" dt="2021-11-10T15:07:53.634" v="124"/>
+          <ac:spMkLst>
+            <pc:docMk/>
+            <pc:sldMk cId="3809662723" sldId="261"/>
+            <ac:spMk id="8" creationId="{5DB23C2B-2054-4D8B-9E98-9190F8E05EAD}"/>
+          </ac:spMkLst>
+        </pc:spChg>
+        <pc:spChg chg="add del">
+          <ac:chgData name="LICIA DULCE RUIZ CENTNER" userId="S::ld.ruiz@alumnos.upm.es::95fad373-be20-4cc8-9c4b-4294f4e033a5" providerId="AD" clId="Web-{DDA4C2D1-061D-4DB2-BE66-906845DF43D4}" dt="2021-11-10T15:07:53.634" v="124"/>
+          <ac:spMkLst>
+            <pc:docMk/>
+            <pc:sldMk cId="3809662723" sldId="261"/>
+            <ac:spMk id="10" creationId="{8797B5BC-9873-45F9-97D6-298FB5AF08FF}"/>
+          </ac:spMkLst>
+        </pc:spChg>
+        <pc:spChg chg="add del">
+          <ac:chgData name="LICIA DULCE RUIZ CENTNER" userId="S::ld.ruiz@alumnos.upm.es::95fad373-be20-4cc8-9c4b-4294f4e033a5" providerId="AD" clId="Web-{DDA4C2D1-061D-4DB2-BE66-906845DF43D4}" dt="2021-11-10T15:07:53.634" v="124"/>
+          <ac:spMkLst>
+            <pc:docMk/>
+            <pc:sldMk cId="3809662723" sldId="261"/>
+            <ac:spMk id="12" creationId="{665C2FCD-09A4-4B4B-AA73-F330DFE91799}"/>
+          </ac:spMkLst>
+        </pc:spChg>
+        <pc:spChg chg="add">
+          <ac:chgData name="LICIA DULCE RUIZ CENTNER" userId="S::ld.ruiz@alumnos.upm.es::95fad373-be20-4cc8-9c4b-4294f4e033a5" providerId="AD" clId="Web-{DDA4C2D1-061D-4DB2-BE66-906845DF43D4}" dt="2021-11-10T15:07:53.634" v="124"/>
+          <ac:spMkLst>
+            <pc:docMk/>
+            <pc:sldMk cId="3809662723" sldId="261"/>
+            <ac:spMk id="17" creationId="{29DC5A77-10C9-4ECF-B7EB-8D917F36A9EE}"/>
+          </ac:spMkLst>
+        </pc:spChg>
+        <pc:spChg chg="add">
+          <ac:chgData name="LICIA DULCE RUIZ CENTNER" userId="S::ld.ruiz@alumnos.upm.es::95fad373-be20-4cc8-9c4b-4294f4e033a5" providerId="AD" clId="Web-{DDA4C2D1-061D-4DB2-BE66-906845DF43D4}" dt="2021-11-10T15:07:53.634" v="124"/>
+          <ac:spMkLst>
+            <pc:docMk/>
+            <pc:sldMk cId="3809662723" sldId="261"/>
+            <ac:spMk id="19" creationId="{2FFE28B5-FB16-49A9-B851-3C35FAC0CACB}"/>
+          </ac:spMkLst>
+        </pc:spChg>
+        <pc:spChg chg="add">
+          <ac:chgData name="LICIA DULCE RUIZ CENTNER" userId="S::ld.ruiz@alumnos.upm.es::95fad373-be20-4cc8-9c4b-4294f4e033a5" providerId="AD" clId="Web-{DDA4C2D1-061D-4DB2-BE66-906845DF43D4}" dt="2021-11-10T15:07:53.634" v="124"/>
+          <ac:spMkLst>
+            <pc:docMk/>
+            <pc:sldMk cId="3809662723" sldId="261"/>
+            <ac:spMk id="21" creationId="{01014442-855A-4E0F-8D09-C314661A48B9}"/>
+          </ac:spMkLst>
+        </pc:spChg>
+        <pc:spChg chg="add">
+          <ac:chgData name="LICIA DULCE RUIZ CENTNER" userId="S::ld.ruiz@alumnos.upm.es::95fad373-be20-4cc8-9c4b-4294f4e033a5" providerId="AD" clId="Web-{DDA4C2D1-061D-4DB2-BE66-906845DF43D4}" dt="2021-11-10T15:07:53.634" v="124"/>
+          <ac:spMkLst>
+            <pc:docMk/>
+            <pc:sldMk cId="3809662723" sldId="261"/>
+            <ac:spMk id="23" creationId="{9B1ABF09-86CF-414E-88A5-2B84CC7232A9}"/>
+          </ac:spMkLst>
+        </pc:spChg>
+        <pc:spChg chg="add">
+          <ac:chgData name="LICIA DULCE RUIZ CENTNER" userId="S::ld.ruiz@alumnos.upm.es::95fad373-be20-4cc8-9c4b-4294f4e033a5" providerId="AD" clId="Web-{DDA4C2D1-061D-4DB2-BE66-906845DF43D4}" dt="2021-11-10T15:07:53.634" v="124"/>
+          <ac:spMkLst>
+            <pc:docMk/>
+            <pc:sldMk cId="3809662723" sldId="261"/>
+            <ac:spMk id="25" creationId="{3FE91770-CDBB-4D24-94E5-AD484F36CE87}"/>
+          </ac:spMkLst>
+        </pc:spChg>
+        <pc:graphicFrameChg chg="add del mod modGraphic">
+          <ac:chgData name="LICIA DULCE RUIZ CENTNER" userId="S::ld.ruiz@alumnos.upm.es::95fad373-be20-4cc8-9c4b-4294f4e033a5" providerId="AD" clId="Web-{DDA4C2D1-061D-4DB2-BE66-906845DF43D4}" dt="2021-11-10T16:21:12.689" v="349"/>
+          <ac:graphicFrameMkLst>
+            <pc:docMk/>
+            <pc:sldMk cId="3809662723" sldId="261"/>
+            <ac:graphicFrameMk id="9" creationId="{D8D8025B-D049-4220-B335-0749BFE31DB8}"/>
+          </ac:graphicFrameMkLst>
+        </pc:graphicFrameChg>
+        <pc:picChg chg="add del mod">
+          <ac:chgData name="LICIA DULCE RUIZ CENTNER" userId="S::ld.ruiz@alumnos.upm.es::95fad373-be20-4cc8-9c4b-4294f4e033a5" providerId="AD" clId="Web-{DDA4C2D1-061D-4DB2-BE66-906845DF43D4}" dt="2021-11-10T16:23:01.957" v="356"/>
+          <ac:picMkLst>
+            <pc:docMk/>
+            <pc:sldMk cId="3809662723" sldId="261"/>
+            <ac:picMk id="4" creationId="{65EA9A58-7AF4-49D2-9CBD-95F12CC19B5A}"/>
+          </ac:picMkLst>
+        </pc:picChg>
+        <pc:picChg chg="add mod ord">
+          <ac:chgData name="LICIA DULCE RUIZ CENTNER" userId="S::ld.ruiz@alumnos.upm.es::95fad373-be20-4cc8-9c4b-4294f4e033a5" providerId="AD" clId="Web-{DDA4C2D1-061D-4DB2-BE66-906845DF43D4}" dt="2021-11-10T16:21:52.518" v="353" actId="1076"/>
+          <ac:picMkLst>
+            <pc:docMk/>
+            <pc:sldMk cId="3809662723" sldId="261"/>
+            <ac:picMk id="7" creationId="{03AB0C80-59A0-4DF7-B980-BC07C224C1D0}"/>
+          </ac:picMkLst>
+        </pc:picChg>
+        <pc:picChg chg="add mod">
+          <ac:chgData name="LICIA DULCE RUIZ CENTNER" userId="S::ld.ruiz@alumnos.upm.es::95fad373-be20-4cc8-9c4b-4294f4e033a5" providerId="AD" clId="Web-{DDA4C2D1-061D-4DB2-BE66-906845DF43D4}" dt="2021-11-10T16:24:34.366" v="363" actId="1076"/>
+          <ac:picMkLst>
+            <pc:docMk/>
+            <pc:sldMk cId="3809662723" sldId="261"/>
+            <ac:picMk id="8" creationId="{49ED9351-468D-4AB5-9336-E485EB15D0E0}"/>
+          </ac:picMkLst>
+        </pc:picChg>
+        <pc:picChg chg="add del mod">
+          <ac:chgData name="LICIA DULCE RUIZ CENTNER" userId="S::ld.ruiz@alumnos.upm.es::95fad373-be20-4cc8-9c4b-4294f4e033a5" providerId="AD" clId="Web-{DDA4C2D1-061D-4DB2-BE66-906845DF43D4}" dt="2021-11-10T16:23:07.817" v="358"/>
+          <ac:picMkLst>
+            <pc:docMk/>
+            <pc:sldMk cId="3809662723" sldId="261"/>
+            <ac:picMk id="14" creationId="{66A3ED16-1AAE-447A-9796-61B995E12BB0}"/>
+          </ac:picMkLst>
+        </pc:picChg>
+        <pc:picChg chg="add mod">
+          <ac:chgData name="LICIA DULCE RUIZ CENTNER" userId="S::ld.ruiz@alumnos.upm.es::95fad373-be20-4cc8-9c4b-4294f4e033a5" providerId="AD" clId="Web-{DDA4C2D1-061D-4DB2-BE66-906845DF43D4}" dt="2021-11-10T16:24:31.694" v="362" actId="1076"/>
+          <ac:picMkLst>
+            <pc:docMk/>
+            <pc:sldMk cId="3809662723" sldId="261"/>
+            <ac:picMk id="15" creationId="{2B6FC49B-3804-40ED-994F-7C97FD410F29}"/>
+          </ac:picMkLst>
+        </pc:picChg>
+      </pc:sldChg>
+      <pc:sldChg chg="addSp delSp modSp new mod setBg">
+        <pc:chgData name="LICIA DULCE RUIZ CENTNER" userId="S::ld.ruiz@alumnos.upm.es::95fad373-be20-4cc8-9c4b-4294f4e033a5" providerId="AD" clId="Web-{DDA4C2D1-061D-4DB2-BE66-906845DF43D4}" dt="2021-11-10T16:28:07.403" v="375"/>
+        <pc:sldMkLst>
+          <pc:docMk/>
+          <pc:sldMk cId="3362291158" sldId="262"/>
+        </pc:sldMkLst>
+        <pc:spChg chg="mod">
+          <ac:chgData name="LICIA DULCE RUIZ CENTNER" userId="S::ld.ruiz@alumnos.upm.es::95fad373-be20-4cc8-9c4b-4294f4e033a5" providerId="AD" clId="Web-{DDA4C2D1-061D-4DB2-BE66-906845DF43D4}" dt="2021-11-10T15:07:49.228" v="123"/>
+          <ac:spMkLst>
+            <pc:docMk/>
+            <pc:sldMk cId="3362291158" sldId="262"/>
+            <ac:spMk id="2" creationId="{817AB747-7478-4EF0-8961-191A79DCD887}"/>
+          </ac:spMkLst>
+        </pc:spChg>
+        <pc:spChg chg="mod">
+          <ac:chgData name="LICIA DULCE RUIZ CENTNER" userId="S::ld.ruiz@alumnos.upm.es::95fad373-be20-4cc8-9c4b-4294f4e033a5" providerId="AD" clId="Web-{DDA4C2D1-061D-4DB2-BE66-906845DF43D4}" dt="2021-11-10T16:28:07.403" v="375"/>
+          <ac:spMkLst>
+            <pc:docMk/>
+            <pc:sldMk cId="3362291158" sldId="262"/>
+            <ac:spMk id="3" creationId="{96EED233-BFE4-443E-9ACD-ABEE29B3245D}"/>
+          </ac:spMkLst>
+        </pc:spChg>
+        <pc:spChg chg="add del">
+          <ac:chgData name="LICIA DULCE RUIZ CENTNER" userId="S::ld.ruiz@alumnos.upm.es::95fad373-be20-4cc8-9c4b-4294f4e033a5" providerId="AD" clId="Web-{DDA4C2D1-061D-4DB2-BE66-906845DF43D4}" dt="2021-11-10T15:07:49.228" v="123"/>
+          <ac:spMkLst>
+            <pc:docMk/>
+            <pc:sldMk cId="3362291158" sldId="262"/>
+            <ac:spMk id="8" creationId="{80516254-1D9F-4F3A-9870-3A3280BE2BFE}"/>
+          </ac:spMkLst>
+        </pc:spChg>
+        <pc:spChg chg="add del">
+          <ac:chgData name="LICIA DULCE RUIZ CENTNER" userId="S::ld.ruiz@alumnos.upm.es::95fad373-be20-4cc8-9c4b-4294f4e033a5" providerId="AD" clId="Web-{DDA4C2D1-061D-4DB2-BE66-906845DF43D4}" dt="2021-11-10T15:07:49.228" v="123"/>
+          <ac:spMkLst>
+            <pc:docMk/>
+            <pc:sldMk cId="3362291158" sldId="262"/>
+            <ac:spMk id="10" creationId="{FC14672B-27A5-4CDA-ABAF-5E4CF4B41C23}"/>
+          </ac:spMkLst>
+        </pc:spChg>
+        <pc:spChg chg="add del">
+          <ac:chgData name="LICIA DULCE RUIZ CENTNER" userId="S::ld.ruiz@alumnos.upm.es::95fad373-be20-4cc8-9c4b-4294f4e033a5" providerId="AD" clId="Web-{DDA4C2D1-061D-4DB2-BE66-906845DF43D4}" dt="2021-11-10T15:07:49.228" v="123"/>
+          <ac:spMkLst>
+            <pc:docMk/>
+            <pc:sldMk cId="3362291158" sldId="262"/>
+            <ac:spMk id="14" creationId="{9A206779-5C74-4555-94BC-5845C92EC3A8}"/>
+          </ac:spMkLst>
+        </pc:spChg>
+        <pc:spChg chg="add">
+          <ac:chgData name="LICIA DULCE RUIZ CENTNER" userId="S::ld.ruiz@alumnos.upm.es::95fad373-be20-4cc8-9c4b-4294f4e033a5" providerId="AD" clId="Web-{DDA4C2D1-061D-4DB2-BE66-906845DF43D4}" dt="2021-11-10T15:07:49.228" v="123"/>
+          <ac:spMkLst>
+            <pc:docMk/>
+            <pc:sldMk cId="3362291158" sldId="262"/>
+            <ac:spMk id="19" creationId="{29DC5A77-10C9-4ECF-B7EB-8D917F36A9EE}"/>
+          </ac:spMkLst>
+        </pc:spChg>
+        <pc:spChg chg="add">
+          <ac:chgData name="LICIA DULCE RUIZ CENTNER" userId="S::ld.ruiz@alumnos.upm.es::95fad373-be20-4cc8-9c4b-4294f4e033a5" providerId="AD" clId="Web-{DDA4C2D1-061D-4DB2-BE66-906845DF43D4}" dt="2021-11-10T15:07:49.228" v="123"/>
+          <ac:spMkLst>
+            <pc:docMk/>
+            <pc:sldMk cId="3362291158" sldId="262"/>
+            <ac:spMk id="21" creationId="{2FFE28B5-FB16-49A9-B851-3C35FAC0CACB}"/>
+          </ac:spMkLst>
+        </pc:spChg>
+        <pc:spChg chg="add">
+          <ac:chgData name="LICIA DULCE RUIZ CENTNER" userId="S::ld.ruiz@alumnos.upm.es::95fad373-be20-4cc8-9c4b-4294f4e033a5" providerId="AD" clId="Web-{DDA4C2D1-061D-4DB2-BE66-906845DF43D4}" dt="2021-11-10T15:07:49.228" v="123"/>
+          <ac:spMkLst>
+            <pc:docMk/>
+            <pc:sldMk cId="3362291158" sldId="262"/>
+            <ac:spMk id="23" creationId="{01014442-855A-4E0F-8D09-C314661A48B9}"/>
+          </ac:spMkLst>
+        </pc:spChg>
+        <pc:spChg chg="add">
+          <ac:chgData name="LICIA DULCE RUIZ CENTNER" userId="S::ld.ruiz@alumnos.upm.es::95fad373-be20-4cc8-9c4b-4294f4e033a5" providerId="AD" clId="Web-{DDA4C2D1-061D-4DB2-BE66-906845DF43D4}" dt="2021-11-10T15:07:49.228" v="123"/>
+          <ac:spMkLst>
+            <pc:docMk/>
+            <pc:sldMk cId="3362291158" sldId="262"/>
+            <ac:spMk id="25" creationId="{9B1ABF09-86CF-414E-88A5-2B84CC7232A9}"/>
+          </ac:spMkLst>
+        </pc:spChg>
+        <pc:spChg chg="add">
+          <ac:chgData name="LICIA DULCE RUIZ CENTNER" userId="S::ld.ruiz@alumnos.upm.es::95fad373-be20-4cc8-9c4b-4294f4e033a5" providerId="AD" clId="Web-{DDA4C2D1-061D-4DB2-BE66-906845DF43D4}" dt="2021-11-10T15:07:49.228" v="123"/>
+          <ac:spMkLst>
+            <pc:docMk/>
+            <pc:sldMk cId="3362291158" sldId="262"/>
+            <ac:spMk id="27" creationId="{3FE91770-CDBB-4D24-94E5-AD484F36CE87}"/>
+          </ac:spMkLst>
+        </pc:spChg>
+        <pc:cxnChg chg="add del">
+          <ac:chgData name="LICIA DULCE RUIZ CENTNER" userId="S::ld.ruiz@alumnos.upm.es::95fad373-be20-4cc8-9c4b-4294f4e033a5" providerId="AD" clId="Web-{DDA4C2D1-061D-4DB2-BE66-906845DF43D4}" dt="2021-11-10T15:07:49.228" v="123"/>
+          <ac:cxnSpMkLst>
+            <pc:docMk/>
+            <pc:sldMk cId="3362291158" sldId="262"/>
+            <ac:cxnSpMk id="12" creationId="{8D89589C-2C90-4407-A995-05EC3DD7AB14}"/>
+          </ac:cxnSpMkLst>
+        </pc:cxnChg>
+      </pc:sldChg>
+      <pc:sldChg chg="addSp modSp new mod setBg">
+        <pc:chgData name="LICIA DULCE RUIZ CENTNER" userId="S::ld.ruiz@alumnos.upm.es::95fad373-be20-4cc8-9c4b-4294f4e033a5" providerId="AD" clId="Web-{DDA4C2D1-061D-4DB2-BE66-906845DF43D4}" dt="2021-11-10T16:35:57.853" v="392" actId="20577"/>
+        <pc:sldMkLst>
+          <pc:docMk/>
+          <pc:sldMk cId="1168108605" sldId="263"/>
+        </pc:sldMkLst>
+        <pc:spChg chg="mod">
+          <ac:chgData name="LICIA DULCE RUIZ CENTNER" userId="S::ld.ruiz@alumnos.upm.es::95fad373-be20-4cc8-9c4b-4294f4e033a5" providerId="AD" clId="Web-{DDA4C2D1-061D-4DB2-BE66-906845DF43D4}" dt="2021-11-10T15:08:05.900" v="127"/>
+          <ac:spMkLst>
+            <pc:docMk/>
+            <pc:sldMk cId="1168108605" sldId="263"/>
+            <ac:spMk id="2" creationId="{26BEDC25-1D7B-4DDA-A2B6-8441E3984999}"/>
+          </ac:spMkLst>
+        </pc:spChg>
+        <pc:spChg chg="mod">
+          <ac:chgData name="LICIA DULCE RUIZ CENTNER" userId="S::ld.ruiz@alumnos.upm.es::95fad373-be20-4cc8-9c4b-4294f4e033a5" providerId="AD" clId="Web-{DDA4C2D1-061D-4DB2-BE66-906845DF43D4}" dt="2021-11-10T16:35:57.853" v="392" actId="20577"/>
+          <ac:spMkLst>
+            <pc:docMk/>
+            <pc:sldMk cId="1168108605" sldId="263"/>
+            <ac:spMk id="3" creationId="{1F48A7C9-09B2-4562-A2C8-8EA51122C7DF}"/>
+          </ac:spMkLst>
+        </pc:spChg>
+        <pc:spChg chg="add">
+          <ac:chgData name="LICIA DULCE RUIZ CENTNER" userId="S::ld.ruiz@alumnos.upm.es::95fad373-be20-4cc8-9c4b-4294f4e033a5" providerId="AD" clId="Web-{DDA4C2D1-061D-4DB2-BE66-906845DF43D4}" dt="2021-11-10T15:08:05.900" v="127"/>
+          <ac:spMkLst>
+            <pc:docMk/>
+            <pc:sldMk cId="1168108605" sldId="263"/>
+            <ac:spMk id="8" creationId="{29DC5A77-10C9-4ECF-B7EB-8D917F36A9EE}"/>
+          </ac:spMkLst>
+        </pc:spChg>
+        <pc:spChg chg="add">
+          <ac:chgData name="LICIA DULCE RUIZ CENTNER" userId="S::ld.ruiz@alumnos.upm.es::95fad373-be20-4cc8-9c4b-4294f4e033a5" providerId="AD" clId="Web-{DDA4C2D1-061D-4DB2-BE66-906845DF43D4}" dt="2021-11-10T15:08:05.900" v="127"/>
+          <ac:spMkLst>
+            <pc:docMk/>
+            <pc:sldMk cId="1168108605" sldId="263"/>
+            <ac:spMk id="10" creationId="{2FFE28B5-FB16-49A9-B851-3C35FAC0CACB}"/>
+          </ac:spMkLst>
+        </pc:spChg>
+        <pc:spChg chg="add">
+          <ac:chgData name="LICIA DULCE RUIZ CENTNER" userId="S::ld.ruiz@alumnos.upm.es::95fad373-be20-4cc8-9c4b-4294f4e033a5" providerId="AD" clId="Web-{DDA4C2D1-061D-4DB2-BE66-906845DF43D4}" dt="2021-11-10T15:08:05.900" v="127"/>
+          <ac:spMkLst>
+            <pc:docMk/>
+            <pc:sldMk cId="1168108605" sldId="263"/>
+            <ac:spMk id="12" creationId="{01014442-855A-4E0F-8D09-C314661A48B9}"/>
+          </ac:spMkLst>
+        </pc:spChg>
+        <pc:spChg chg="add">
+          <ac:chgData name="LICIA DULCE RUIZ CENTNER" userId="S::ld.ruiz@alumnos.upm.es::95fad373-be20-4cc8-9c4b-4294f4e033a5" providerId="AD" clId="Web-{DDA4C2D1-061D-4DB2-BE66-906845DF43D4}" dt="2021-11-10T15:08:05.900" v="127"/>
+          <ac:spMkLst>
+            <pc:docMk/>
+            <pc:sldMk cId="1168108605" sldId="263"/>
+            <ac:spMk id="14" creationId="{9B1ABF09-86CF-414E-88A5-2B84CC7232A9}"/>
+          </ac:spMkLst>
+        </pc:spChg>
+        <pc:spChg chg="add">
+          <ac:chgData name="LICIA DULCE RUIZ CENTNER" userId="S::ld.ruiz@alumnos.upm.es::95fad373-be20-4cc8-9c4b-4294f4e033a5" providerId="AD" clId="Web-{DDA4C2D1-061D-4DB2-BE66-906845DF43D4}" dt="2021-11-10T15:08:05.900" v="127"/>
+          <ac:spMkLst>
+            <pc:docMk/>
+            <pc:sldMk cId="1168108605" sldId="263"/>
+            <ac:spMk id="16" creationId="{3FE91770-CDBB-4D24-94E5-AD484F36CE87}"/>
+          </ac:spMkLst>
+        </pc:spChg>
+      </pc:sldChg>
+      <pc:sldChg chg="addSp modSp new mod setBg">
+        <pc:chgData name="LICIA DULCE RUIZ CENTNER" userId="S::ld.ruiz@alumnos.upm.es::95fad373-be20-4cc8-9c4b-4294f4e033a5" providerId="AD" clId="Web-{DDA4C2D1-061D-4DB2-BE66-906845DF43D4}" dt="2021-11-10T16:33:06.879" v="390" actId="20577"/>
+        <pc:sldMkLst>
+          <pc:docMk/>
+          <pc:sldMk cId="3745277621" sldId="264"/>
+        </pc:sldMkLst>
+        <pc:spChg chg="mod">
+          <ac:chgData name="LICIA DULCE RUIZ CENTNER" userId="S::ld.ruiz@alumnos.upm.es::95fad373-be20-4cc8-9c4b-4294f4e033a5" providerId="AD" clId="Web-{DDA4C2D1-061D-4DB2-BE66-906845DF43D4}" dt="2021-11-10T15:08:02.525" v="126"/>
+          <ac:spMkLst>
+            <pc:docMk/>
+            <pc:sldMk cId="3745277621" sldId="264"/>
+            <ac:spMk id="2" creationId="{860FE49A-936E-4374-902A-5FEDFD129365}"/>
+          </ac:spMkLst>
+        </pc:spChg>
+        <pc:spChg chg="mod">
+          <ac:chgData name="LICIA DULCE RUIZ CENTNER" userId="S::ld.ruiz@alumnos.upm.es::95fad373-be20-4cc8-9c4b-4294f4e033a5" providerId="AD" clId="Web-{DDA4C2D1-061D-4DB2-BE66-906845DF43D4}" dt="2021-11-10T16:33:06.879" v="390" actId="20577"/>
+          <ac:spMkLst>
+            <pc:docMk/>
+            <pc:sldMk cId="3745277621" sldId="264"/>
+            <ac:spMk id="3" creationId="{99E60AE2-4A82-456B-9544-B5CFF1B314AA}"/>
+          </ac:spMkLst>
+        </pc:spChg>
+        <pc:spChg chg="add">
+          <ac:chgData name="LICIA DULCE RUIZ CENTNER" userId="S::ld.ruiz@alumnos.upm.es::95fad373-be20-4cc8-9c4b-4294f4e033a5" providerId="AD" clId="Web-{DDA4C2D1-061D-4DB2-BE66-906845DF43D4}" dt="2021-11-10T15:08:02.525" v="126"/>
+          <ac:spMkLst>
+            <pc:docMk/>
+            <pc:sldMk cId="3745277621" sldId="264"/>
+            <ac:spMk id="8" creationId="{29DC5A77-10C9-4ECF-B7EB-8D917F36A9EE}"/>
+          </ac:spMkLst>
+        </pc:spChg>
+        <pc:spChg chg="add">
+          <ac:chgData name="LICIA DULCE RUIZ CENTNER" userId="S::ld.ruiz@alumnos.upm.es::95fad373-be20-4cc8-9c4b-4294f4e033a5" providerId="AD" clId="Web-{DDA4C2D1-061D-4DB2-BE66-906845DF43D4}" dt="2021-11-10T15:08:02.525" v="126"/>
+          <ac:spMkLst>
+            <pc:docMk/>
+            <pc:sldMk cId="3745277621" sldId="264"/>
+            <ac:spMk id="10" creationId="{2FFE28B5-FB16-49A9-B851-3C35FAC0CACB}"/>
+          </ac:spMkLst>
+        </pc:spChg>
+        <pc:spChg chg="add">
+          <ac:chgData name="LICIA DULCE RUIZ CENTNER" userId="S::ld.ruiz@alumnos.upm.es::95fad373-be20-4cc8-9c4b-4294f4e033a5" providerId="AD" clId="Web-{DDA4C2D1-061D-4DB2-BE66-906845DF43D4}" dt="2021-11-10T15:08:02.525" v="126"/>
+          <ac:spMkLst>
+            <pc:docMk/>
+            <pc:sldMk cId="3745277621" sldId="264"/>
+            <ac:spMk id="12" creationId="{01014442-855A-4E0F-8D09-C314661A48B9}"/>
+          </ac:spMkLst>
+        </pc:spChg>
+        <pc:spChg chg="add">
+          <ac:chgData name="LICIA DULCE RUIZ CENTNER" userId="S::ld.ruiz@alumnos.upm.es::95fad373-be20-4cc8-9c4b-4294f4e033a5" providerId="AD" clId="Web-{DDA4C2D1-061D-4DB2-BE66-906845DF43D4}" dt="2021-11-10T15:08:02.525" v="126"/>
+          <ac:spMkLst>
+            <pc:docMk/>
+            <pc:sldMk cId="3745277621" sldId="264"/>
+            <ac:spMk id="14" creationId="{9B1ABF09-86CF-414E-88A5-2B84CC7232A9}"/>
+          </ac:spMkLst>
+        </pc:spChg>
+        <pc:spChg chg="add">
+          <ac:chgData name="LICIA DULCE RUIZ CENTNER" userId="S::ld.ruiz@alumnos.upm.es::95fad373-be20-4cc8-9c4b-4294f4e033a5" providerId="AD" clId="Web-{DDA4C2D1-061D-4DB2-BE66-906845DF43D4}" dt="2021-11-10T15:08:02.525" v="126"/>
+          <ac:spMkLst>
+            <pc:docMk/>
+            <pc:sldMk cId="3745277621" sldId="264"/>
+            <ac:spMk id="16" creationId="{3FE91770-CDBB-4D24-94E5-AD484F36CE87}"/>
+          </ac:spMkLst>
+        </pc:spChg>
+      </pc:sldChg>
+      <pc:sldChg chg="addSp modSp new mod setBg">
+        <pc:chgData name="LICIA DULCE RUIZ CENTNER" userId="S::ld.ruiz@alumnos.upm.es::95fad373-be20-4cc8-9c4b-4294f4e033a5" providerId="AD" clId="Web-{DDA4C2D1-061D-4DB2-BE66-906845DF43D4}" dt="2021-11-10T16:29:10.639" v="386"/>
+        <pc:sldMkLst>
+          <pc:docMk/>
+          <pc:sldMk cId="563055934" sldId="265"/>
+        </pc:sldMkLst>
+        <pc:spChg chg="mod">
+          <ac:chgData name="LICIA DULCE RUIZ CENTNER" userId="S::ld.ruiz@alumnos.upm.es::95fad373-be20-4cc8-9c4b-4294f4e033a5" providerId="AD" clId="Web-{DDA4C2D1-061D-4DB2-BE66-906845DF43D4}" dt="2021-11-10T15:07:58.806" v="125"/>
+          <ac:spMkLst>
+            <pc:docMk/>
+            <pc:sldMk cId="563055934" sldId="265"/>
+            <ac:spMk id="2" creationId="{CFB905B1-2247-4DAB-A182-FC44990CFFD8}"/>
+          </ac:spMkLst>
+        </pc:spChg>
+        <pc:spChg chg="mod">
+          <ac:chgData name="LICIA DULCE RUIZ CENTNER" userId="S::ld.ruiz@alumnos.upm.es::95fad373-be20-4cc8-9c4b-4294f4e033a5" providerId="AD" clId="Web-{DDA4C2D1-061D-4DB2-BE66-906845DF43D4}" dt="2021-11-10T16:29:10.639" v="386"/>
+          <ac:spMkLst>
+            <pc:docMk/>
+            <pc:sldMk cId="563055934" sldId="265"/>
+            <ac:spMk id="3" creationId="{70D07863-05EE-46E1-B147-27C3E2F10DAD}"/>
+          </ac:spMkLst>
+        </pc:spChg>
+        <pc:spChg chg="add">
+          <ac:chgData name="LICIA DULCE RUIZ CENTNER" userId="S::ld.ruiz@alumnos.upm.es::95fad373-be20-4cc8-9c4b-4294f4e033a5" providerId="AD" clId="Web-{DDA4C2D1-061D-4DB2-BE66-906845DF43D4}" dt="2021-11-10T15:07:58.806" v="125"/>
+          <ac:spMkLst>
+            <pc:docMk/>
+            <pc:sldMk cId="563055934" sldId="265"/>
+            <ac:spMk id="8" creationId="{29DC5A77-10C9-4ECF-B7EB-8D917F36A9EE}"/>
+          </ac:spMkLst>
+        </pc:spChg>
+        <pc:spChg chg="add">
+          <ac:chgData name="LICIA DULCE RUIZ CENTNER" userId="S::ld.ruiz@alumnos.upm.es::95fad373-be20-4cc8-9c4b-4294f4e033a5" providerId="AD" clId="Web-{DDA4C2D1-061D-4DB2-BE66-906845DF43D4}" dt="2021-11-10T15:07:58.806" v="125"/>
+          <ac:spMkLst>
+            <pc:docMk/>
+            <pc:sldMk cId="563055934" sldId="265"/>
+            <ac:spMk id="10" creationId="{2FFE28B5-FB16-49A9-B851-3C35FAC0CACB}"/>
+          </ac:spMkLst>
+        </pc:spChg>
+        <pc:spChg chg="add">
+          <ac:chgData name="LICIA DULCE RUIZ CENTNER" userId="S::ld.ruiz@alumnos.upm.es::95fad373-be20-4cc8-9c4b-4294f4e033a5" providerId="AD" clId="Web-{DDA4C2D1-061D-4DB2-BE66-906845DF43D4}" dt="2021-11-10T15:07:58.806" v="125"/>
+          <ac:spMkLst>
+            <pc:docMk/>
+            <pc:sldMk cId="563055934" sldId="265"/>
+            <ac:spMk id="12" creationId="{01014442-855A-4E0F-8D09-C314661A48B9}"/>
+          </ac:spMkLst>
+        </pc:spChg>
+        <pc:spChg chg="add">
+          <ac:chgData name="LICIA DULCE RUIZ CENTNER" userId="S::ld.ruiz@alumnos.upm.es::95fad373-be20-4cc8-9c4b-4294f4e033a5" providerId="AD" clId="Web-{DDA4C2D1-061D-4DB2-BE66-906845DF43D4}" dt="2021-11-10T15:07:58.806" v="125"/>
+          <ac:spMkLst>
+            <pc:docMk/>
+            <pc:sldMk cId="563055934" sldId="265"/>
+            <ac:spMk id="14" creationId="{9B1ABF09-86CF-414E-88A5-2B84CC7232A9}"/>
+          </ac:spMkLst>
+        </pc:spChg>
+        <pc:spChg chg="add">
+          <ac:chgData name="LICIA DULCE RUIZ CENTNER" userId="S::ld.ruiz@alumnos.upm.es::95fad373-be20-4cc8-9c4b-4294f4e033a5" providerId="AD" clId="Web-{DDA4C2D1-061D-4DB2-BE66-906845DF43D4}" dt="2021-11-10T15:07:58.806" v="125"/>
+          <ac:spMkLst>
+            <pc:docMk/>
+            <pc:sldMk cId="563055934" sldId="265"/>
+            <ac:spMk id="16" creationId="{3FE91770-CDBB-4D24-94E5-AD484F36CE87}"/>
+          </ac:spMkLst>
+        </pc:spChg>
+      </pc:sldChg>
+      <pc:sldChg chg="delSp add del replId">
+        <pc:chgData name="LICIA DULCE RUIZ CENTNER" userId="S::ld.ruiz@alumnos.upm.es::95fad373-be20-4cc8-9c4b-4294f4e033a5" providerId="AD" clId="Web-{DDA4C2D1-061D-4DB2-BE66-906845DF43D4}" dt="2021-11-10T16:26:12.243" v="365"/>
+        <pc:sldMkLst>
+          <pc:docMk/>
+          <pc:sldMk cId="941959656" sldId="266"/>
+        </pc:sldMkLst>
+        <pc:picChg chg="del">
+          <ac:chgData name="LICIA DULCE RUIZ CENTNER" userId="S::ld.ruiz@alumnos.upm.es::95fad373-be20-4cc8-9c4b-4294f4e033a5" providerId="AD" clId="Web-{DDA4C2D1-061D-4DB2-BE66-906845DF43D4}" dt="2021-11-10T16:24:52.257" v="364"/>
+          <ac:picMkLst>
+            <pc:docMk/>
+            <pc:sldMk cId="941959656" sldId="266"/>
+            <ac:picMk id="4" creationId="{65EA9A58-7AF4-49D2-9CBD-95F12CC19B5A}"/>
+          </ac:picMkLst>
+        </pc:picChg>
+      </pc:sldChg>
+      <pc:sldChg chg="addSp modSp new mod setBg">
+        <pc:chgData name="LICIA DULCE RUIZ CENTNER" userId="S::ld.ruiz@alumnos.upm.es::95fad373-be20-4cc8-9c4b-4294f4e033a5" providerId="AD" clId="Web-{DDA4C2D1-061D-4DB2-BE66-906845DF43D4}" dt="2021-11-10T16:52:57.535" v="402" actId="20577"/>
+        <pc:sldMkLst>
+          <pc:docMk/>
+          <pc:sldMk cId="3156274014" sldId="266"/>
+        </pc:sldMkLst>
+        <pc:spChg chg="mod">
+          <ac:chgData name="LICIA DULCE RUIZ CENTNER" userId="S::ld.ruiz@alumnos.upm.es::95fad373-be20-4cc8-9c4b-4294f4e033a5" providerId="AD" clId="Web-{DDA4C2D1-061D-4DB2-BE66-906845DF43D4}" dt="2021-11-10T16:36:09.322" v="400" actId="20577"/>
+          <ac:spMkLst>
+            <pc:docMk/>
+            <pc:sldMk cId="3156274014" sldId="266"/>
+            <ac:spMk id="2" creationId="{A4233108-85F4-46B1-995D-2A699CC72955}"/>
+          </ac:spMkLst>
+        </pc:spChg>
+        <pc:spChg chg="mod">
+          <ac:chgData name="LICIA DULCE RUIZ CENTNER" userId="S::ld.ruiz@alumnos.upm.es::95fad373-be20-4cc8-9c4b-4294f4e033a5" providerId="AD" clId="Web-{DDA4C2D1-061D-4DB2-BE66-906845DF43D4}" dt="2021-11-10T16:52:57.535" v="402" actId="20577"/>
+          <ac:spMkLst>
+            <pc:docMk/>
+            <pc:sldMk cId="3156274014" sldId="266"/>
+            <ac:spMk id="3" creationId="{B520888F-B9C5-4FA6-83F7-86C42A3AB5FD}"/>
+          </ac:spMkLst>
+        </pc:spChg>
+        <pc:spChg chg="add">
+          <ac:chgData name="LICIA DULCE RUIZ CENTNER" userId="S::ld.ruiz@alumnos.upm.es::95fad373-be20-4cc8-9c4b-4294f4e033a5" providerId="AD" clId="Web-{DDA4C2D1-061D-4DB2-BE66-906845DF43D4}" dt="2021-11-10T16:36:03.103" v="394"/>
+          <ac:spMkLst>
+            <pc:docMk/>
+            <pc:sldMk cId="3156274014" sldId="266"/>
+            <ac:spMk id="8" creationId="{29DC5A77-10C9-4ECF-B7EB-8D917F36A9EE}"/>
+          </ac:spMkLst>
+        </pc:spChg>
+        <pc:spChg chg="add">
+          <ac:chgData name="LICIA DULCE RUIZ CENTNER" userId="S::ld.ruiz@alumnos.upm.es::95fad373-be20-4cc8-9c4b-4294f4e033a5" providerId="AD" clId="Web-{DDA4C2D1-061D-4DB2-BE66-906845DF43D4}" dt="2021-11-10T16:36:03.103" v="394"/>
+          <ac:spMkLst>
+            <pc:docMk/>
+            <pc:sldMk cId="3156274014" sldId="266"/>
+            <ac:spMk id="10" creationId="{2FFE28B5-FB16-49A9-B851-3C35FAC0CACB}"/>
+          </ac:spMkLst>
+        </pc:spChg>
+        <pc:spChg chg="add">
+          <ac:chgData name="LICIA DULCE RUIZ CENTNER" userId="S::ld.ruiz@alumnos.upm.es::95fad373-be20-4cc8-9c4b-4294f4e033a5" providerId="AD" clId="Web-{DDA4C2D1-061D-4DB2-BE66-906845DF43D4}" dt="2021-11-10T16:36:03.103" v="394"/>
+          <ac:spMkLst>
+            <pc:docMk/>
+            <pc:sldMk cId="3156274014" sldId="266"/>
+            <ac:spMk id="12" creationId="{01014442-855A-4E0F-8D09-C314661A48B9}"/>
+          </ac:spMkLst>
+        </pc:spChg>
+        <pc:spChg chg="add">
+          <ac:chgData name="LICIA DULCE RUIZ CENTNER" userId="S::ld.ruiz@alumnos.upm.es::95fad373-be20-4cc8-9c4b-4294f4e033a5" providerId="AD" clId="Web-{DDA4C2D1-061D-4DB2-BE66-906845DF43D4}" dt="2021-11-10T16:36:03.103" v="394"/>
+          <ac:spMkLst>
+            <pc:docMk/>
+            <pc:sldMk cId="3156274014" sldId="266"/>
+            <ac:spMk id="14" creationId="{9B1ABF09-86CF-414E-88A5-2B84CC7232A9}"/>
+          </ac:spMkLst>
+        </pc:spChg>
+        <pc:spChg chg="add">
+          <ac:chgData name="LICIA DULCE RUIZ CENTNER" userId="S::ld.ruiz@alumnos.upm.es::95fad373-be20-4cc8-9c4b-4294f4e033a5" providerId="AD" clId="Web-{DDA4C2D1-061D-4DB2-BE66-906845DF43D4}" dt="2021-11-10T16:36:03.103" v="394"/>
+          <ac:spMkLst>
+            <pc:docMk/>
+            <pc:sldMk cId="3156274014" sldId="266"/>
+            <ac:spMk id="16" creationId="{3FE91770-CDBB-4D24-94E5-AD484F36CE87}"/>
+          </ac:spMkLst>
+        </pc:spChg>
+      </pc:sldChg>
+      <pc:sldChg chg="addSp delSp modSp new mod setBg addAnim delAnim setClrOvrMap">
+        <pc:chgData name="LICIA DULCE RUIZ CENTNER" userId="S::ld.ruiz@alumnos.upm.es::95fad373-be20-4cc8-9c4b-4294f4e033a5" providerId="AD" clId="Web-{DDA4C2D1-061D-4DB2-BE66-906845DF43D4}" dt="2021-11-10T16:56:56.073" v="428"/>
+        <pc:sldMkLst>
+          <pc:docMk/>
+          <pc:sldMk cId="3669290555" sldId="267"/>
+        </pc:sldMkLst>
+        <pc:spChg chg="mod">
+          <ac:chgData name="LICIA DULCE RUIZ CENTNER" userId="S::ld.ruiz@alumnos.upm.es::95fad373-be20-4cc8-9c4b-4294f4e033a5" providerId="AD" clId="Web-{DDA4C2D1-061D-4DB2-BE66-906845DF43D4}" dt="2021-11-10T16:56:56.073" v="428"/>
+          <ac:spMkLst>
+            <pc:docMk/>
+            <pc:sldMk cId="3669290555" sldId="267"/>
+            <ac:spMk id="2" creationId="{03A3988C-D70F-4D1C-9322-5D82E40CFFEF}"/>
+          </ac:spMkLst>
+        </pc:spChg>
+        <pc:spChg chg="del">
+          <ac:chgData name="LICIA DULCE RUIZ CENTNER" userId="S::ld.ruiz@alumnos.upm.es::95fad373-be20-4cc8-9c4b-4294f4e033a5" providerId="AD" clId="Web-{DDA4C2D1-061D-4DB2-BE66-906845DF43D4}" dt="2021-11-10T16:52:58.285" v="405"/>
+          <ac:spMkLst>
+            <pc:docMk/>
+            <pc:sldMk cId="3669290555" sldId="267"/>
+            <ac:spMk id="3" creationId="{12B718F8-9487-47DF-92FA-9423E4CF9B8A}"/>
+          </ac:spMkLst>
+        </pc:spChg>
+        <pc:spChg chg="add del mod">
+          <ac:chgData name="LICIA DULCE RUIZ CENTNER" userId="S::ld.ruiz@alumnos.upm.es::95fad373-be20-4cc8-9c4b-4294f4e033a5" providerId="AD" clId="Web-{DDA4C2D1-061D-4DB2-BE66-906845DF43D4}" dt="2021-11-10T16:55:49.212" v="419"/>
+          <ac:spMkLst>
+            <pc:docMk/>
+            <pc:sldMk cId="3669290555" sldId="267"/>
+            <ac:spMk id="4" creationId="{2217D179-35A1-402B-AF1F-D8969E2AF305}"/>
+          </ac:spMkLst>
+        </pc:spChg>
+        <pc:spChg chg="add del mod">
+          <ac:chgData name="LICIA DULCE RUIZ CENTNER" userId="S::ld.ruiz@alumnos.upm.es::95fad373-be20-4cc8-9c4b-4294f4e033a5" providerId="AD" clId="Web-{DDA4C2D1-061D-4DB2-BE66-906845DF43D4}" dt="2021-11-10T16:54:49.460" v="417"/>
+          <ac:spMkLst>
+            <pc:docMk/>
+            <pc:sldMk cId="3669290555" sldId="267"/>
+            <ac:spMk id="7" creationId="{3D9B905A-2D28-4017-91F9-4C070DC9F3FB}"/>
+          </ac:spMkLst>
+        </pc:spChg>
+        <pc:spChg chg="add del">
+          <ac:chgData name="LICIA DULCE RUIZ CENTNER" userId="S::ld.ruiz@alumnos.upm.es::95fad373-be20-4cc8-9c4b-4294f4e033a5" providerId="AD" clId="Web-{DDA4C2D1-061D-4DB2-BE66-906845DF43D4}" dt="2021-11-10T16:55:42.508" v="418"/>
+          <ac:spMkLst>
+            <pc:docMk/>
+            <pc:sldMk cId="3669290555" sldId="267"/>
+            <ac:spMk id="10" creationId="{5A133C1E-CB83-47F3-8F35-94C2A7C58EE2}"/>
+          </ac:spMkLst>
+        </pc:spChg>
+        <pc:spChg chg="add del">
+          <ac:chgData name="LICIA DULCE RUIZ CENTNER" userId="S::ld.ruiz@alumnos.upm.es::95fad373-be20-4cc8-9c4b-4294f4e033a5" providerId="AD" clId="Web-{DDA4C2D1-061D-4DB2-BE66-906845DF43D4}" dt="2021-11-10T16:55:42.508" v="418"/>
+          <ac:spMkLst>
+            <pc:docMk/>
+            <pc:sldMk cId="3669290555" sldId="267"/>
+            <ac:spMk id="12" creationId="{289E943A-225D-44B1-B345-D7FDBA43C1CE}"/>
+          </ac:spMkLst>
+        </pc:spChg>
+        <pc:spChg chg="add del">
+          <ac:chgData name="LICIA DULCE RUIZ CENTNER" userId="S::ld.ruiz@alumnos.upm.es::95fad373-be20-4cc8-9c4b-4294f4e033a5" providerId="AD" clId="Web-{DDA4C2D1-061D-4DB2-BE66-906845DF43D4}" dt="2021-11-10T16:56:56.073" v="428"/>
+          <ac:spMkLst>
+            <pc:docMk/>
+            <pc:sldMk cId="3669290555" sldId="267"/>
+            <ac:spMk id="17" creationId="{696A55C8-89F1-439D-863D-E208C0AC880F}"/>
+          </ac:spMkLst>
+        </pc:spChg>
+        <pc:spChg chg="add del">
+          <ac:chgData name="LICIA DULCE RUIZ CENTNER" userId="S::ld.ruiz@alumnos.upm.es::95fad373-be20-4cc8-9c4b-4294f4e033a5" providerId="AD" clId="Web-{DDA4C2D1-061D-4DB2-BE66-906845DF43D4}" dt="2021-11-10T16:56:56.073" v="428"/>
+          <ac:spMkLst>
+            <pc:docMk/>
+            <pc:sldMk cId="3669290555" sldId="267"/>
+            <ac:spMk id="19" creationId="{E4A1FD7E-EAEC-40B9-B75B-432F9DA75BA8}"/>
+          </ac:spMkLst>
+        </pc:spChg>
+        <pc:spChg chg="add del">
+          <ac:chgData name="LICIA DULCE RUIZ CENTNER" userId="S::ld.ruiz@alumnos.upm.es::95fad373-be20-4cc8-9c4b-4294f4e033a5" providerId="AD" clId="Web-{DDA4C2D1-061D-4DB2-BE66-906845DF43D4}" dt="2021-11-10T16:56:56.073" v="428"/>
+          <ac:spMkLst>
+            <pc:docMk/>
+            <pc:sldMk cId="3669290555" sldId="267"/>
+            <ac:spMk id="21" creationId="{AC88629E-396B-4C99-B284-F30AABDF2E1D}"/>
+          </ac:spMkLst>
+        </pc:spChg>
+        <pc:spChg chg="add del">
+          <ac:chgData name="LICIA DULCE RUIZ CENTNER" userId="S::ld.ruiz@alumnos.upm.es::95fad373-be20-4cc8-9c4b-4294f4e033a5" providerId="AD" clId="Web-{DDA4C2D1-061D-4DB2-BE66-906845DF43D4}" dt="2021-11-10T16:56:56.073" v="427"/>
+          <ac:spMkLst>
+            <pc:docMk/>
+            <pc:sldMk cId="3669290555" sldId="267"/>
+            <ac:spMk id="23" creationId="{17115F77-2FAE-4CA7-9A7F-10D5F2C8F831}"/>
+          </ac:spMkLst>
+        </pc:spChg>
+        <pc:spChg chg="add del">
+          <ac:chgData name="LICIA DULCE RUIZ CENTNER" userId="S::ld.ruiz@alumnos.upm.es::95fad373-be20-4cc8-9c4b-4294f4e033a5" providerId="AD" clId="Web-{DDA4C2D1-061D-4DB2-BE66-906845DF43D4}" dt="2021-11-10T16:56:56.073" v="427"/>
+          <ac:spMkLst>
+            <pc:docMk/>
+            <pc:sldMk cId="3669290555" sldId="267"/>
+            <ac:spMk id="24" creationId="{5CD4C046-A04C-46CC-AFA3-6B0621F628C8}"/>
+          </ac:spMkLst>
+        </pc:spChg>
+        <pc:spChg chg="add del">
+          <ac:chgData name="LICIA DULCE RUIZ CENTNER" userId="S::ld.ruiz@alumnos.upm.es::95fad373-be20-4cc8-9c4b-4294f4e033a5" providerId="AD" clId="Web-{DDA4C2D1-061D-4DB2-BE66-906845DF43D4}" dt="2021-11-10T16:56:56.073" v="427"/>
+          <ac:spMkLst>
+            <pc:docMk/>
+            <pc:sldMk cId="3669290555" sldId="267"/>
+            <ac:spMk id="25" creationId="{BC512124-0D13-4ED9-80B7-52AE15B6B41F}"/>
+          </ac:spMkLst>
+        </pc:spChg>
+        <pc:spChg chg="add del">
+          <ac:chgData name="LICIA DULCE RUIZ CENTNER" userId="S::ld.ruiz@alumnos.upm.es::95fad373-be20-4cc8-9c4b-4294f4e033a5" providerId="AD" clId="Web-{DDA4C2D1-061D-4DB2-BE66-906845DF43D4}" dt="2021-11-10T16:56:24.072" v="425"/>
+          <ac:spMkLst>
+            <pc:docMk/>
+            <pc:sldMk cId="3669290555" sldId="267"/>
+            <ac:spMk id="26" creationId="{17115F77-2FAE-4CA7-9A7F-10D5F2C8F831}"/>
+          </ac:spMkLst>
+        </pc:spChg>
+        <pc:spChg chg="add">
+          <ac:chgData name="LICIA DULCE RUIZ CENTNER" userId="S::ld.ruiz@alumnos.upm.es::95fad373-be20-4cc8-9c4b-4294f4e033a5" providerId="AD" clId="Web-{DDA4C2D1-061D-4DB2-BE66-906845DF43D4}" dt="2021-11-10T16:56:56.073" v="428"/>
+          <ac:spMkLst>
+            <pc:docMk/>
+            <pc:sldMk cId="3669290555" sldId="267"/>
+            <ac:spMk id="27" creationId="{17115F77-2FAE-4CA7-9A7F-10D5F2C8F831}"/>
+          </ac:spMkLst>
+        </pc:spChg>
+        <pc:spChg chg="add del">
+          <ac:chgData name="LICIA DULCE RUIZ CENTNER" userId="S::ld.ruiz@alumnos.upm.es::95fad373-be20-4cc8-9c4b-4294f4e033a5" providerId="AD" clId="Web-{DDA4C2D1-061D-4DB2-BE66-906845DF43D4}" dt="2021-11-10T16:56:24.072" v="425"/>
+          <ac:spMkLst>
+            <pc:docMk/>
+            <pc:sldMk cId="3669290555" sldId="267"/>
+            <ac:spMk id="28" creationId="{5CD4C046-A04C-46CC-AFA3-6B0621F628C8}"/>
+          </ac:spMkLst>
+        </pc:spChg>
+        <pc:spChg chg="add">
+          <ac:chgData name="LICIA DULCE RUIZ CENTNER" userId="S::ld.ruiz@alumnos.upm.es::95fad373-be20-4cc8-9c4b-4294f4e033a5" providerId="AD" clId="Web-{DDA4C2D1-061D-4DB2-BE66-906845DF43D4}" dt="2021-11-10T16:56:56.073" v="428"/>
+          <ac:spMkLst>
+            <pc:docMk/>
+            <pc:sldMk cId="3669290555" sldId="267"/>
+            <ac:spMk id="29" creationId="{5CD4C046-A04C-46CC-AFA3-6B0621F628C8}"/>
+          </ac:spMkLst>
+        </pc:spChg>
+        <pc:spChg chg="add del">
+          <ac:chgData name="LICIA DULCE RUIZ CENTNER" userId="S::ld.ruiz@alumnos.upm.es::95fad373-be20-4cc8-9c4b-4294f4e033a5" providerId="AD" clId="Web-{DDA4C2D1-061D-4DB2-BE66-906845DF43D4}" dt="2021-11-10T16:56:24.072" v="425"/>
+          <ac:spMkLst>
+            <pc:docMk/>
+            <pc:sldMk cId="3669290555" sldId="267"/>
+            <ac:spMk id="30" creationId="{BC512124-0D13-4ED9-80B7-52AE15B6B41F}"/>
+          </ac:spMkLst>
+        </pc:spChg>
+        <pc:spChg chg="add">
+          <ac:chgData name="LICIA DULCE RUIZ CENTNER" userId="S::ld.ruiz@alumnos.upm.es::95fad373-be20-4cc8-9c4b-4294f4e033a5" providerId="AD" clId="Web-{DDA4C2D1-061D-4DB2-BE66-906845DF43D4}" dt="2021-11-10T16:56:56.073" v="428"/>
+          <ac:spMkLst>
+            <pc:docMk/>
+            <pc:sldMk cId="3669290555" sldId="267"/>
+            <ac:spMk id="31" creationId="{710875C1-007B-4C82-ABEB-347319FB5EFF}"/>
+          </ac:spMkLst>
+        </pc:spChg>
+        <pc:spChg chg="add del">
+          <ac:chgData name="LICIA DULCE RUIZ CENTNER" userId="S::ld.ruiz@alumnos.upm.es::95fad373-be20-4cc8-9c4b-4294f4e033a5" providerId="AD" clId="Web-{DDA4C2D1-061D-4DB2-BE66-906845DF43D4}" dt="2021-11-10T16:56:24.072" v="425"/>
+          <ac:spMkLst>
+            <pc:docMk/>
+            <pc:sldMk cId="3669290555" sldId="267"/>
+            <ac:spMk id="32" creationId="{D4ABACDC-BD54-40F3-9047-8298C77C2DD6}"/>
+          </ac:spMkLst>
+        </pc:spChg>
+        <pc:spChg chg="add">
+          <ac:chgData name="LICIA DULCE RUIZ CENTNER" userId="S::ld.ruiz@alumnos.upm.es::95fad373-be20-4cc8-9c4b-4294f4e033a5" providerId="AD" clId="Web-{DDA4C2D1-061D-4DB2-BE66-906845DF43D4}" dt="2021-11-10T16:56:56.073" v="428"/>
+          <ac:spMkLst>
+            <pc:docMk/>
+            <pc:sldMk cId="3669290555" sldId="267"/>
+            <ac:spMk id="33" creationId="{F2F14D3C-F5C1-46E0-84D4-C16EC720F4F3}"/>
+          </ac:spMkLst>
+        </pc:spChg>
+        <pc:spChg chg="add del">
+          <ac:chgData name="LICIA DULCE RUIZ CENTNER" userId="S::ld.ruiz@alumnos.upm.es::95fad373-be20-4cc8-9c4b-4294f4e033a5" providerId="AD" clId="Web-{DDA4C2D1-061D-4DB2-BE66-906845DF43D4}" dt="2021-11-10T16:56:24.072" v="425"/>
+          <ac:spMkLst>
+            <pc:docMk/>
+            <pc:sldMk cId="3669290555" sldId="267"/>
+            <ac:spMk id="34" creationId="{B76CB7CA-05C2-4EE8-A97F-B5F3A4F89DA4}"/>
+          </ac:spMkLst>
+        </pc:spChg>
+        <pc:spChg chg="add">
+          <ac:chgData name="LICIA DULCE RUIZ CENTNER" userId="S::ld.ruiz@alumnos.upm.es::95fad373-be20-4cc8-9c4b-4294f4e033a5" providerId="AD" clId="Web-{DDA4C2D1-061D-4DB2-BE66-906845DF43D4}" dt="2021-11-10T16:56:56.073" v="428"/>
+          <ac:spMkLst>
+            <pc:docMk/>
+            <pc:sldMk cId="3669290555" sldId="267"/>
+            <ac:spMk id="35" creationId="{B9128101-8127-4BEB-A4BB-3B530DD4F2B1}"/>
+          </ac:spMkLst>
+        </pc:spChg>
+        <pc:picChg chg="add del mod ord">
+          <ac:chgData name="LICIA DULCE RUIZ CENTNER" userId="S::ld.ruiz@alumnos.upm.es::95fad373-be20-4cc8-9c4b-4294f4e033a5" providerId="AD" clId="Web-{DDA4C2D1-061D-4DB2-BE66-906845DF43D4}" dt="2021-11-10T16:54:44.460" v="415"/>
+          <ac:picMkLst>
+            <pc:docMk/>
+            <pc:sldMk cId="3669290555" sldId="267"/>
+            <ac:picMk id="5" creationId="{33B76969-BE72-4D53-ACB0-EC56DF47702B}"/>
+          </ac:picMkLst>
+        </pc:picChg>
+        <pc:picChg chg="add mod ord">
+          <ac:chgData name="LICIA DULCE RUIZ CENTNER" userId="S::ld.ruiz@alumnos.upm.es::95fad373-be20-4cc8-9c4b-4294f4e033a5" providerId="AD" clId="Web-{DDA4C2D1-061D-4DB2-BE66-906845DF43D4}" dt="2021-11-10T16:56:56.073" v="428"/>
+          <ac:picMkLst>
+            <pc:docMk/>
+            <pc:sldMk cId="3669290555" sldId="267"/>
+            <ac:picMk id="6" creationId="{75CA0F5F-4964-45C0-A89C-B274DB3E0836}"/>
+          </ac:picMkLst>
+        </pc:picChg>
+      </pc:sldChg>
+      <pc:sldMasterChg chg="del delSldLayout">
+        <pc:chgData name="LICIA DULCE RUIZ CENTNER" userId="S::ld.ruiz@alumnos.upm.es::95fad373-be20-4cc8-9c4b-4294f4e033a5" providerId="AD" clId="Web-{DDA4C2D1-061D-4DB2-BE66-906845DF43D4}" dt="2021-11-10T14:41:25.095" v="50"/>
+        <pc:sldMasterMkLst>
+          <pc:docMk/>
+          <pc:sldMasterMk cId="2460954070" sldId="2147483660"/>
+        </pc:sldMasterMkLst>
+        <pc:sldLayoutChg chg="del">
+          <pc:chgData name="LICIA DULCE RUIZ CENTNER" userId="S::ld.ruiz@alumnos.upm.es::95fad373-be20-4cc8-9c4b-4294f4e033a5" providerId="AD" clId="Web-{DDA4C2D1-061D-4DB2-BE66-906845DF43D4}" dt="2021-11-10T14:41:25.095" v="50"/>
+          <pc:sldLayoutMkLst>
+            <pc:docMk/>
+            <pc:sldMasterMk cId="2460954070" sldId="2147483660"/>
+            <pc:sldLayoutMk cId="2385387890" sldId="2147483661"/>
+          </pc:sldLayoutMkLst>
+        </pc:sldLayoutChg>
+        <pc:sldLayoutChg chg="del">
+          <pc:chgData name="LICIA DULCE RUIZ CENTNER" userId="S::ld.ruiz@alumnos.upm.es::95fad373-be20-4cc8-9c4b-4294f4e033a5" providerId="AD" clId="Web-{DDA4C2D1-061D-4DB2-BE66-906845DF43D4}" dt="2021-11-10T14:41:25.095" v="50"/>
+          <pc:sldLayoutMkLst>
+            <pc:docMk/>
+            <pc:sldMasterMk cId="2460954070" sldId="2147483660"/>
+            <pc:sldLayoutMk cId="949138452" sldId="2147483662"/>
+          </pc:sldLayoutMkLst>
+        </pc:sldLayoutChg>
+        <pc:sldLayoutChg chg="del">
+          <pc:chgData name="LICIA DULCE RUIZ CENTNER" userId="S::ld.ruiz@alumnos.upm.es::95fad373-be20-4cc8-9c4b-4294f4e033a5" providerId="AD" clId="Web-{DDA4C2D1-061D-4DB2-BE66-906845DF43D4}" dt="2021-11-10T14:41:25.095" v="50"/>
+          <pc:sldLayoutMkLst>
+            <pc:docMk/>
+            <pc:sldMasterMk cId="2460954070" sldId="2147483660"/>
+            <pc:sldLayoutMk cId="2591524520" sldId="2147483663"/>
+          </pc:sldLayoutMkLst>
+        </pc:sldLayoutChg>
+        <pc:sldLayoutChg chg="del">
+          <pc:chgData name="LICIA DULCE RUIZ CENTNER" userId="S::ld.ruiz@alumnos.upm.es::95fad373-be20-4cc8-9c4b-4294f4e033a5" providerId="AD" clId="Web-{DDA4C2D1-061D-4DB2-BE66-906845DF43D4}" dt="2021-11-10T14:41:25.095" v="50"/>
+          <pc:sldLayoutMkLst>
+            <pc:docMk/>
+            <pc:sldMasterMk cId="2460954070" sldId="2147483660"/>
+            <pc:sldLayoutMk cId="1203092039" sldId="2147483664"/>
+          </pc:sldLayoutMkLst>
+        </pc:sldLayoutChg>
+        <pc:sldLayoutChg chg="del">
+          <pc:chgData name="LICIA DULCE RUIZ CENTNER" userId="S::ld.ruiz@alumnos.upm.es::95fad373-be20-4cc8-9c4b-4294f4e033a5" providerId="AD" clId="Web-{DDA4C2D1-061D-4DB2-BE66-906845DF43D4}" dt="2021-11-10T14:41:25.095" v="50"/>
+          <pc:sldLayoutMkLst>
+            <pc:docMk/>
+            <pc:sldMasterMk cId="2460954070" sldId="2147483660"/>
+            <pc:sldLayoutMk cId="3733172339" sldId="2147483665"/>
+          </pc:sldLayoutMkLst>
+        </pc:sldLayoutChg>
+        <pc:sldLayoutChg chg="del">
+          <pc:chgData name="LICIA DULCE RUIZ CENTNER" userId="S::ld.ruiz@alumnos.upm.es::95fad373-be20-4cc8-9c4b-4294f4e033a5" providerId="AD" clId="Web-{DDA4C2D1-061D-4DB2-BE66-906845DF43D4}" dt="2021-11-10T14:41:25.095" v="50"/>
+          <pc:sldLayoutMkLst>
+            <pc:docMk/>
+            <pc:sldMasterMk cId="2460954070" sldId="2147483660"/>
+            <pc:sldLayoutMk cId="3210312558" sldId="2147483666"/>
+          </pc:sldLayoutMkLst>
+        </pc:sldLayoutChg>
+        <pc:sldLayoutChg chg="del">
+          <pc:chgData name="LICIA DULCE RUIZ CENTNER" userId="S::ld.ruiz@alumnos.upm.es::95fad373-be20-4cc8-9c4b-4294f4e033a5" providerId="AD" clId="Web-{DDA4C2D1-061D-4DB2-BE66-906845DF43D4}" dt="2021-11-10T14:41:25.095" v="50"/>
+          <pc:sldLayoutMkLst>
+            <pc:docMk/>
+            <pc:sldMasterMk cId="2460954070" sldId="2147483660"/>
+            <pc:sldLayoutMk cId="3146388984" sldId="2147483667"/>
+          </pc:sldLayoutMkLst>
+        </pc:sldLayoutChg>
+        <pc:sldLayoutChg chg="del">
+          <pc:chgData name="LICIA DULCE RUIZ CENTNER" userId="S::ld.ruiz@alumnos.upm.es::95fad373-be20-4cc8-9c4b-4294f4e033a5" providerId="AD" clId="Web-{DDA4C2D1-061D-4DB2-BE66-906845DF43D4}" dt="2021-11-10T14:41:25.095" v="50"/>
+          <pc:sldLayoutMkLst>
+            <pc:docMk/>
+            <pc:sldMasterMk cId="2460954070" sldId="2147483660"/>
+            <pc:sldLayoutMk cId="3171841454" sldId="2147483668"/>
+          </pc:sldLayoutMkLst>
+        </pc:sldLayoutChg>
+        <pc:sldLayoutChg chg="del">
+          <pc:chgData name="LICIA DULCE RUIZ CENTNER" userId="S::ld.ruiz@alumnos.upm.es::95fad373-be20-4cc8-9c4b-4294f4e033a5" providerId="AD" clId="Web-{DDA4C2D1-061D-4DB2-BE66-906845DF43D4}" dt="2021-11-10T14:41:25.095" v="50"/>
+          <pc:sldLayoutMkLst>
+            <pc:docMk/>
+            <pc:sldMasterMk cId="2460954070" sldId="2147483660"/>
+            <pc:sldLayoutMk cId="1718958274" sldId="2147483669"/>
+          </pc:sldLayoutMkLst>
+        </pc:sldLayoutChg>
+        <pc:sldLayoutChg chg="del">
+          <pc:chgData name="LICIA DULCE RUIZ CENTNER" userId="S::ld.ruiz@alumnos.upm.es::95fad373-be20-4cc8-9c4b-4294f4e033a5" providerId="AD" clId="Web-{DDA4C2D1-061D-4DB2-BE66-906845DF43D4}" dt="2021-11-10T14:41:25.095" v="50"/>
+          <pc:sldLayoutMkLst>
+            <pc:docMk/>
+            <pc:sldMasterMk cId="2460954070" sldId="2147483660"/>
+            <pc:sldLayoutMk cId="2202905451" sldId="2147483670"/>
+          </pc:sldLayoutMkLst>
+        </pc:sldLayoutChg>
+        <pc:sldLayoutChg chg="del">
+          <pc:chgData name="LICIA DULCE RUIZ CENTNER" userId="S::ld.ruiz@alumnos.upm.es::95fad373-be20-4cc8-9c4b-4294f4e033a5" providerId="AD" clId="Web-{DDA4C2D1-061D-4DB2-BE66-906845DF43D4}" dt="2021-11-10T14:41:25.095" v="50"/>
+          <pc:sldLayoutMkLst>
+            <pc:docMk/>
+            <pc:sldMasterMk cId="2460954070" sldId="2147483660"/>
+            <pc:sldLayoutMk cId="3479445657" sldId="2147483671"/>
+          </pc:sldLayoutMkLst>
+        </pc:sldLayoutChg>
+      </pc:sldMasterChg>
+      <pc:sldMasterChg chg="add addSldLayout modSldLayout">
+        <pc:chgData name="LICIA DULCE RUIZ CENTNER" userId="S::ld.ruiz@alumnos.upm.es::95fad373-be20-4cc8-9c4b-4294f4e033a5" providerId="AD" clId="Web-{DDA4C2D1-061D-4DB2-BE66-906845DF43D4}" dt="2021-11-10T14:41:25.095" v="50"/>
+        <pc:sldMasterMkLst>
+          <pc:docMk/>
+          <pc:sldMasterMk cId="250635941" sldId="2147483672"/>
+        </pc:sldMasterMkLst>
+        <pc:sldLayoutChg chg="add mod replId">
+          <pc:chgData name="LICIA DULCE RUIZ CENTNER" userId="S::ld.ruiz@alumnos.upm.es::95fad373-be20-4cc8-9c4b-4294f4e033a5" providerId="AD" clId="Web-{DDA4C2D1-061D-4DB2-BE66-906845DF43D4}" dt="2021-11-10T14:41:25.095" v="50"/>
+          <pc:sldLayoutMkLst>
+            <pc:docMk/>
+            <pc:sldMasterMk cId="250635941" sldId="2147483672"/>
+            <pc:sldLayoutMk cId="530135285" sldId="2147483673"/>
+          </pc:sldLayoutMkLst>
+        </pc:sldLayoutChg>
+        <pc:sldLayoutChg chg="add mod replId">
+          <pc:chgData name="LICIA DULCE RUIZ CENTNER" userId="S::ld.ruiz@alumnos.upm.es::95fad373-be20-4cc8-9c4b-4294f4e033a5" providerId="AD" clId="Web-{DDA4C2D1-061D-4DB2-BE66-906845DF43D4}" dt="2021-11-10T14:41:25.095" v="50"/>
+          <pc:sldLayoutMkLst>
+            <pc:docMk/>
+            <pc:sldMasterMk cId="250635941" sldId="2147483672"/>
+            <pc:sldLayoutMk cId="2114973459" sldId="2147483674"/>
+          </pc:sldLayoutMkLst>
+        </pc:sldLayoutChg>
+        <pc:sldLayoutChg chg="add mod replId">
+          <pc:chgData name="LICIA DULCE RUIZ CENTNER" userId="S::ld.ruiz@alumnos.upm.es::95fad373-be20-4cc8-9c4b-4294f4e033a5" providerId="AD" clId="Web-{DDA4C2D1-061D-4DB2-BE66-906845DF43D4}" dt="2021-11-10T14:41:25.095" v="50"/>
+          <pc:sldLayoutMkLst>
+            <pc:docMk/>
+            <pc:sldMasterMk cId="250635941" sldId="2147483672"/>
+            <pc:sldLayoutMk cId="2920035680" sldId="2147483675"/>
+          </pc:sldLayoutMkLst>
+        </pc:sldLayoutChg>
+        <pc:sldLayoutChg chg="add mod replId">
+          <pc:chgData name="LICIA DULCE RUIZ CENTNER" userId="S::ld.ruiz@alumnos.upm.es::95fad373-be20-4cc8-9c4b-4294f4e033a5" providerId="AD" clId="Web-{DDA4C2D1-061D-4DB2-BE66-906845DF43D4}" dt="2021-11-10T14:41:25.095" v="50"/>
+          <pc:sldLayoutMkLst>
+            <pc:docMk/>
+            <pc:sldMasterMk cId="250635941" sldId="2147483672"/>
+            <pc:sldLayoutMk cId="127844306" sldId="2147483676"/>
+          </pc:sldLayoutMkLst>
+        </pc:sldLayoutChg>
+        <pc:sldLayoutChg chg="add mod replId">
+          <pc:chgData name="LICIA DULCE RUIZ CENTNER" userId="S::ld.ruiz@alumnos.upm.es::95fad373-be20-4cc8-9c4b-4294f4e033a5" providerId="AD" clId="Web-{DDA4C2D1-061D-4DB2-BE66-906845DF43D4}" dt="2021-11-10T14:41:25.095" v="50"/>
+          <pc:sldLayoutMkLst>
+            <pc:docMk/>
+            <pc:sldMasterMk cId="250635941" sldId="2147483672"/>
+            <pc:sldLayoutMk cId="784975781" sldId="2147483677"/>
+          </pc:sldLayoutMkLst>
+        </pc:sldLayoutChg>
+        <pc:sldLayoutChg chg="add mod replId">
+          <pc:chgData name="LICIA DULCE RUIZ CENTNER" userId="S::ld.ruiz@alumnos.upm.es::95fad373-be20-4cc8-9c4b-4294f4e033a5" providerId="AD" clId="Web-{DDA4C2D1-061D-4DB2-BE66-906845DF43D4}" dt="2021-11-10T14:41:25.095" v="50"/>
+          <pc:sldLayoutMkLst>
+            <pc:docMk/>
+            <pc:sldMasterMk cId="250635941" sldId="2147483672"/>
+            <pc:sldLayoutMk cId="1073215420" sldId="2147483678"/>
+          </pc:sldLayoutMkLst>
+        </pc:sldLayoutChg>
+        <pc:sldLayoutChg chg="add mod replId">
+          <pc:chgData name="LICIA DULCE RUIZ CENTNER" userId="S::ld.ruiz@alumnos.upm.es::95fad373-be20-4cc8-9c4b-4294f4e033a5" providerId="AD" clId="Web-{DDA4C2D1-061D-4DB2-BE66-906845DF43D4}" dt="2021-11-10T14:41:25.095" v="50"/>
+          <pc:sldLayoutMkLst>
+            <pc:docMk/>
+            <pc:sldMasterMk cId="250635941" sldId="2147483672"/>
+            <pc:sldLayoutMk cId="2797484762" sldId="2147483679"/>
+          </pc:sldLayoutMkLst>
+        </pc:sldLayoutChg>
+        <pc:sldLayoutChg chg="add mod replId">
+          <pc:chgData name="LICIA DULCE RUIZ CENTNER" userId="S::ld.ruiz@alumnos.upm.es::95fad373-be20-4cc8-9c4b-4294f4e033a5" providerId="AD" clId="Web-{DDA4C2D1-061D-4DB2-BE66-906845DF43D4}" dt="2021-11-10T14:41:25.095" v="50"/>
+          <pc:sldLayoutMkLst>
+            <pc:docMk/>
+            <pc:sldMasterMk cId="250635941" sldId="2147483672"/>
+            <pc:sldLayoutMk cId="3846556797" sldId="2147483680"/>
+          </pc:sldLayoutMkLst>
+        </pc:sldLayoutChg>
+        <pc:sldLayoutChg chg="add mod replId">
+          <pc:chgData name="LICIA DULCE RUIZ CENTNER" userId="S::ld.ruiz@alumnos.upm.es::95fad373-be20-4cc8-9c4b-4294f4e033a5" providerId="AD" clId="Web-{DDA4C2D1-061D-4DB2-BE66-906845DF43D4}" dt="2021-11-10T14:41:25.095" v="50"/>
+          <pc:sldLayoutMkLst>
+            <pc:docMk/>
+            <pc:sldMasterMk cId="250635941" sldId="2147483672"/>
+            <pc:sldLayoutMk cId="627157634" sldId="2147483681"/>
+          </pc:sldLayoutMkLst>
+        </pc:sldLayoutChg>
+        <pc:sldLayoutChg chg="add mod replId">
+          <pc:chgData name="LICIA DULCE RUIZ CENTNER" userId="S::ld.ruiz@alumnos.upm.es::95fad373-be20-4cc8-9c4b-4294f4e033a5" providerId="AD" clId="Web-{DDA4C2D1-061D-4DB2-BE66-906845DF43D4}" dt="2021-11-10T14:41:25.095" v="50"/>
+          <pc:sldLayoutMkLst>
+            <pc:docMk/>
+            <pc:sldMasterMk cId="250635941" sldId="2147483672"/>
+            <pc:sldLayoutMk cId="3978677632" sldId="2147483682"/>
+          </pc:sldLayoutMkLst>
+        </pc:sldLayoutChg>
+        <pc:sldLayoutChg chg="add mod replId">
+          <pc:chgData name="LICIA DULCE RUIZ CENTNER" userId="S::ld.ruiz@alumnos.upm.es::95fad373-be20-4cc8-9c4b-4294f4e033a5" providerId="AD" clId="Web-{DDA4C2D1-061D-4DB2-BE66-906845DF43D4}" dt="2021-11-10T14:41:25.095" v="50"/>
+          <pc:sldLayoutMkLst>
+            <pc:docMk/>
+            <pc:sldMasterMk cId="250635941" sldId="2147483672"/>
+            <pc:sldLayoutMk cId="1793039717" sldId="2147483683"/>
+          </pc:sldLayoutMkLst>
+        </pc:sldLayoutChg>
+      </pc:sldMasterChg>
     </pc:docChg>
   </pc:docChgLst>
   <pc:docChgLst>
@@ -3076,7 +3117,7 @@
             <a:fld id="{4FAB73BC-B049-4115-A692-8D63A059BFB8}" type="slidenum">
               <a:rPr lang="en-US" dirty="0"/>
               <a:pPr/>
-              <a:t>‹#›</a:t>
+              <a:t>‹Nº›</a:t>
             </a:fld>
             <a:endParaRPr lang="en-US"/>
           </a:p>
@@ -3246,7 +3287,7 @@
             <a:fld id="{4FAB73BC-B049-4115-A692-8D63A059BFB8}" type="slidenum">
               <a:rPr lang="en-US" dirty="0"/>
               <a:pPr/>
-              <a:t>‹#›</a:t>
+              <a:t>‹Nº›</a:t>
             </a:fld>
             <a:endParaRPr lang="en-US"/>
           </a:p>
@@ -3426,7 +3467,7 @@
             <a:fld id="{4FAB73BC-B049-4115-A692-8D63A059BFB8}" type="slidenum">
               <a:rPr lang="en-US" dirty="0"/>
               <a:pPr/>
-              <a:t>‹#›</a:t>
+              <a:t>‹Nº›</a:t>
             </a:fld>
             <a:endParaRPr lang="en-US"/>
           </a:p>
@@ -3596,7 +3637,7 @@
             <a:fld id="{4FAB73BC-B049-4115-A692-8D63A059BFB8}" type="slidenum">
               <a:rPr lang="en-US" dirty="0"/>
               <a:pPr/>
-              <a:t>‹#›</a:t>
+              <a:t>‹Nº›</a:t>
             </a:fld>
             <a:endParaRPr lang="en-US"/>
           </a:p>
@@ -3855,7 +3896,7 @@
             <a:fld id="{4FAB73BC-B049-4115-A692-8D63A059BFB8}" type="slidenum">
               <a:rPr lang="en-US" dirty="0"/>
               <a:pPr/>
-              <a:t>‹#›</a:t>
+              <a:t>‹Nº›</a:t>
             </a:fld>
             <a:endParaRPr lang="en-US"/>
           </a:p>
@@ -4142,7 +4183,7 @@
             <a:fld id="{4FAB73BC-B049-4115-A692-8D63A059BFB8}" type="slidenum">
               <a:rPr lang="en-US" dirty="0"/>
               <a:pPr/>
-              <a:t>‹#›</a:t>
+              <a:t>‹Nº›</a:t>
             </a:fld>
             <a:endParaRPr lang="en-US"/>
           </a:p>
@@ -4583,7 +4624,7 @@
             <a:fld id="{4FAB73BC-B049-4115-A692-8D63A059BFB8}" type="slidenum">
               <a:rPr lang="en-US" dirty="0"/>
               <a:pPr/>
-              <a:t>‹#›</a:t>
+              <a:t>‹Nº›</a:t>
             </a:fld>
             <a:endParaRPr lang="en-US"/>
           </a:p>
@@ -4702,7 +4743,7 @@
             <a:fld id="{4FAB73BC-B049-4115-A692-8D63A059BFB8}" type="slidenum">
               <a:rPr lang="en-US" dirty="0"/>
               <a:pPr/>
-              <a:t>‹#›</a:t>
+              <a:t>‹Nº›</a:t>
             </a:fld>
             <a:endParaRPr lang="en-US"/>
           </a:p>
@@ -4799,7 +4840,7 @@
             <a:fld id="{4FAB73BC-B049-4115-A692-8D63A059BFB8}" type="slidenum">
               <a:rPr lang="en-US" dirty="0"/>
               <a:pPr/>
-              <a:t>‹#›</a:t>
+              <a:t>‹Nº›</a:t>
             </a:fld>
             <a:endParaRPr lang="en-US"/>
           </a:p>
@@ -5087,7 +5128,7 @@
             <a:fld id="{4FAB73BC-B049-4115-A692-8D63A059BFB8}" type="slidenum">
               <a:rPr lang="en-US" dirty="0"/>
               <a:pPr/>
-              <a:t>‹#›</a:t>
+              <a:t>‹Nº›</a:t>
             </a:fld>
             <a:endParaRPr lang="en-US"/>
           </a:p>
@@ -5362,7 +5403,7 @@
             <a:fld id="{4FAB73BC-B049-4115-A692-8D63A059BFB8}" type="slidenum">
               <a:rPr lang="en-US" dirty="0"/>
               <a:pPr/>
-              <a:t>‹#›</a:t>
+              <a:t>‹Nº›</a:t>
             </a:fld>
             <a:endParaRPr lang="en-US"/>
           </a:p>
@@ -5689,7 +5730,7 @@
             <a:fld id="{4FAB73BC-B049-4115-A692-8D63A059BFB8}" type="slidenum">
               <a:rPr lang="en-US" dirty="0"/>
               <a:pPr/>
-              <a:t>‹#›</a:t>
+              <a:t>‹Nº›</a:t>
             </a:fld>
             <a:endParaRPr lang="en-US"/>
           </a:p>
@@ -6490,712 +6531,6 @@
       </p:grpSpPr>
       <p:sp useBgFill="1">
         <p:nvSpPr>
-          <p:cNvPr id="5" name="Rectangle 7">
-            <a:extLst>
-              <a:ext uri="{FF2B5EF4-FFF2-40B4-BE49-F238E27FC236}">
-                <a16:creationId xmlns:a16="http://schemas.microsoft.com/office/drawing/2014/main" id="{FF1D7602-6D2D-46C2-A7B2-434F3678DCB3}"/>
-              </a:ext>
-              <a:ext uri="{C183D7F6-B498-43B3-948B-1728B52AA6E4}">
-                <adec:decorative xmlns:adec="http://schemas.microsoft.com/office/drawing/2017/decorative" val="1"/>
-              </a:ext>
-            </a:extLst>
-          </p:cNvPr>
-          <p:cNvSpPr>
-            <a:spLocks noGrp="1" noRot="1" noChangeAspect="1" noMove="1" noResize="1" noEditPoints="1" noAdjustHandles="1" noChangeArrowheads="1" noChangeShapeType="1" noTextEdit="1"/>
-          </p:cNvSpPr>
-          <p:nvPr>
-            <p:extLst>
-              <p:ext uri="{386F3935-93C4-4BCD-93E2-E3B085C9AB24}">
-                <p16:designElem xmlns:p16="http://schemas.microsoft.com/office/powerpoint/2015/main" val="1"/>
-              </p:ext>
-            </p:extLst>
-          </p:nvPr>
-        </p:nvSpPr>
-        <p:spPr>
-          <a:xfrm>
-            <a:off x="0" y="0"/>
-            <a:ext cx="12192000" cy="6858000"/>
-          </a:xfrm>
-          <a:prstGeom prst="rect">
-            <a:avLst/>
-          </a:prstGeom>
-          <a:ln>
-            <a:noFill/>
-          </a:ln>
-        </p:spPr>
-        <p:style>
-          <a:lnRef idx="2">
-            <a:schemeClr val="accent1">
-              <a:shade val="50000"/>
-            </a:schemeClr>
-          </a:lnRef>
-          <a:fillRef idx="1">
-            <a:schemeClr val="accent1"/>
-          </a:fillRef>
-          <a:effectRef idx="0">
-            <a:schemeClr val="accent1"/>
-          </a:effectRef>
-          <a:fontRef idx="minor">
-            <a:schemeClr val="lt1"/>
-          </a:fontRef>
-        </p:style>
-      </p:sp>
-      <p:sp>
-        <p:nvSpPr>
-          <p:cNvPr id="6" name="Rectangle 9">
-            <a:extLst>
-              <a:ext uri="{FF2B5EF4-FFF2-40B4-BE49-F238E27FC236}">
-                <a16:creationId xmlns:a16="http://schemas.microsoft.com/office/drawing/2014/main" id="{35539253-EA7C-41D9-9930-0923683AA3F6}"/>
-              </a:ext>
-              <a:ext uri="{C183D7F6-B498-43B3-948B-1728B52AA6E4}">
-                <adec:decorative xmlns:adec="http://schemas.microsoft.com/office/drawing/2017/decorative" val="1"/>
-              </a:ext>
-            </a:extLst>
-          </p:cNvPr>
-          <p:cNvSpPr>
-            <a:spLocks noGrp="1" noRot="1" noChangeAspect="1" noMove="1" noResize="1" noEditPoints="1" noAdjustHandles="1" noChangeArrowheads="1" noChangeShapeType="1" noTextEdit="1"/>
-          </p:cNvSpPr>
-          <p:nvPr>
-            <p:extLst>
-              <p:ext uri="{386F3935-93C4-4BCD-93E2-E3B085C9AB24}">
-                <p16:designElem xmlns:p16="http://schemas.microsoft.com/office/powerpoint/2015/main" val="1"/>
-              </p:ext>
-            </p:extLst>
-          </p:nvPr>
-        </p:nvSpPr>
-        <p:spPr>
-          <a:xfrm>
-            <a:off x="0" y="758952"/>
-            <a:ext cx="12198108" cy="5330952"/>
-          </a:xfrm>
-          <a:prstGeom prst="rect">
-            <a:avLst/>
-          </a:prstGeom>
-          <a:solidFill>
-            <a:srgbClr val="C8C8C8">
-              <a:alpha val="49804"/>
-            </a:srgbClr>
-          </a:solidFill>
-          <a:ln>
-            <a:noFill/>
-          </a:ln>
-        </p:spPr>
-        <p:style>
-          <a:lnRef idx="2">
-            <a:schemeClr val="accent1">
-              <a:shade val="50000"/>
-            </a:schemeClr>
-          </a:lnRef>
-          <a:fillRef idx="1">
-            <a:schemeClr val="accent1"/>
-          </a:fillRef>
-          <a:effectRef idx="0">
-            <a:schemeClr val="accent1"/>
-          </a:effectRef>
-          <a:fontRef idx="minor">
-            <a:schemeClr val="lt1"/>
-          </a:fontRef>
-        </p:style>
-      </p:sp>
-      <p:sp>
-        <p:nvSpPr>
-          <p:cNvPr id="2" name="Title 1">
-            <a:extLst>
-              <a:ext uri="{FF2B5EF4-FFF2-40B4-BE49-F238E27FC236}">
-                <a16:creationId xmlns:a16="http://schemas.microsoft.com/office/drawing/2014/main" id="{144AEA20-8EB1-4778-AE36-9AEFA1FA78D9}"/>
-              </a:ext>
-            </a:extLst>
-          </p:cNvPr>
-          <p:cNvSpPr>
-            <a:spLocks noGrp="1"/>
-          </p:cNvSpPr>
-          <p:nvPr>
-            <p:ph type="title"/>
-          </p:nvPr>
-        </p:nvSpPr>
-        <p:spPr>
-          <a:xfrm>
-            <a:off x="643467" y="1123837"/>
-            <a:ext cx="3073914" cy="4601183"/>
-          </a:xfrm>
-        </p:spPr>
-        <p:txBody>
-          <a:bodyPr>
-            <a:normAutofit/>
-          </a:bodyPr>
-          <a:lstStyle/>
-          <a:p>
-            <a:pPr algn="r"/>
-            <a:r>
-              <a:rPr lang="en-US" sz="4000">
-                <a:solidFill>
-                  <a:schemeClr val="tx1">
-                    <a:lumMod val="85000"/>
-                    <a:lumOff val="15000"/>
-                  </a:schemeClr>
-                </a:solidFill>
-              </a:rPr>
-              <a:t>Contenidos</a:t>
-            </a:r>
-            <a:endParaRPr lang="en-US" sz="4000"/>
-          </a:p>
-        </p:txBody>
-      </p:sp>
-      <p:cxnSp>
-        <p:nvCxnSpPr>
-          <p:cNvPr id="12" name="Straight Connector 11">
-            <a:extLst>
-              <a:ext uri="{FF2B5EF4-FFF2-40B4-BE49-F238E27FC236}">
-                <a16:creationId xmlns:a16="http://schemas.microsoft.com/office/drawing/2014/main" id="{8D89589C-2C90-4407-A995-05EC3DD7AB14}"/>
-              </a:ext>
-              <a:ext uri="{C183D7F6-B498-43B3-948B-1728B52AA6E4}">
-                <adec:decorative xmlns:adec="http://schemas.microsoft.com/office/drawing/2017/decorative" val="1"/>
-              </a:ext>
-            </a:extLst>
-          </p:cNvPr>
-          <p:cNvCxnSpPr>
-            <a:cxnSpLocks noGrp="1" noRot="1" noChangeAspect="1" noMove="1" noResize="1" noEditPoints="1" noAdjustHandles="1" noChangeArrowheads="1" noChangeShapeType="1"/>
-          </p:cNvCxnSpPr>
-          <p:nvPr>
-            <p:extLst>
-              <p:ext uri="{386F3935-93C4-4BCD-93E2-E3B085C9AB24}">
-                <p16:designElem xmlns:p16="http://schemas.microsoft.com/office/powerpoint/2015/main" val="1"/>
-              </p:ext>
-            </p:extLst>
-          </p:nvPr>
-        </p:nvCxnSpPr>
-        <p:spPr>
-          <a:xfrm>
-            <a:off x="4055480" y="2085681"/>
-            <a:ext cx="0" cy="2686639"/>
-          </a:xfrm>
-          <a:prstGeom prst="line">
-            <a:avLst/>
-          </a:prstGeom>
-          <a:ln w="12700">
-            <a:solidFill>
-              <a:schemeClr val="accent1"/>
-            </a:solidFill>
-          </a:ln>
-        </p:spPr>
-        <p:style>
-          <a:lnRef idx="1">
-            <a:schemeClr val="accent1"/>
-          </a:lnRef>
-          <a:fillRef idx="0">
-            <a:schemeClr val="accent1"/>
-          </a:fillRef>
-          <a:effectRef idx="0">
-            <a:schemeClr val="accent1"/>
-          </a:effectRef>
-          <a:fontRef idx="minor">
-            <a:schemeClr val="tx1"/>
-          </a:fontRef>
-        </p:style>
-      </p:cxnSp>
-      <p:sp>
-        <p:nvSpPr>
-          <p:cNvPr id="3" name="Content Placeholder 2">
-            <a:extLst>
-              <a:ext uri="{FF2B5EF4-FFF2-40B4-BE49-F238E27FC236}">
-                <a16:creationId xmlns:a16="http://schemas.microsoft.com/office/drawing/2014/main" id="{571852AB-255F-423F-8A1E-9B67E4580243}"/>
-              </a:ext>
-            </a:extLst>
-          </p:cNvPr>
-          <p:cNvSpPr>
-            <a:spLocks noGrp="1"/>
-          </p:cNvSpPr>
-          <p:nvPr>
-            <p:ph idx="1"/>
-          </p:nvPr>
-        </p:nvSpPr>
-        <p:spPr>
-          <a:xfrm>
-            <a:off x="4393580" y="864108"/>
-            <a:ext cx="6144367" cy="5120640"/>
-          </a:xfrm>
-        </p:spPr>
-        <p:txBody>
-          <a:bodyPr>
-            <a:normAutofit/>
-          </a:bodyPr>
-          <a:lstStyle/>
-          <a:p>
-            <a:r>
-              <a:rPr lang="en-US" sz="2500"/>
-              <a:t>HandsOn1</a:t>
-            </a:r>
-          </a:p>
-          <a:p>
-            <a:r>
-              <a:rPr lang="en-US" sz="2500"/>
-              <a:t>HandsOn2</a:t>
-            </a:r>
-          </a:p>
-          <a:p>
-            <a:r>
-              <a:rPr lang="en-US" sz="2500"/>
-              <a:t>HandsOn3</a:t>
-            </a:r>
-          </a:p>
-          <a:p>
-            <a:r>
-              <a:rPr lang="en-US" sz="2500"/>
-              <a:t>HandsOn4</a:t>
-            </a:r>
-          </a:p>
-          <a:p>
-            <a:r>
-              <a:rPr lang="en-US" sz="2500"/>
-              <a:t>HandsOn5</a:t>
-            </a:r>
-          </a:p>
-          <a:p>
-            <a:r>
-              <a:rPr lang="en-US" sz="2500"/>
-              <a:t>HandsOn6</a:t>
-            </a:r>
-          </a:p>
-        </p:txBody>
-      </p:sp>
-    </p:spTree>
-    <p:extLst>
-      <p:ext uri="{BB962C8B-B14F-4D97-AF65-F5344CB8AC3E}">
-        <p14:creationId xmlns:p14="http://schemas.microsoft.com/office/powerpoint/2010/main" val="2619609178"/>
-      </p:ext>
-    </p:extLst>
-  </p:cSld>
-  <p:clrMapOvr>
-    <a:masterClrMapping/>
-  </p:clrMapOvr>
-  <p:transition spd="slow">
-    <p:push dir="u"/>
-  </p:transition>
-</p:sld>
-</file>
-
-<file path=ppt/slides/slide3.xml><?xml version="1.0" encoding="utf-8"?>
-<p:sld xmlns:a="http://schemas.openxmlformats.org/drawingml/2006/main" xmlns:r="http://schemas.openxmlformats.org/officeDocument/2006/relationships" xmlns:p="http://schemas.openxmlformats.org/presentationml/2006/main">
-  <p:cSld>
-    <p:bg>
-      <p:bgPr>
-        <a:solidFill>
-          <a:schemeClr val="bg1"/>
-        </a:solidFill>
-        <a:effectLst/>
-      </p:bgPr>
-    </p:bg>
-    <p:spTree>
-      <p:nvGrpSpPr>
-        <p:cNvPr id="1" name=""/>
-        <p:cNvGrpSpPr/>
-        <p:nvPr/>
-      </p:nvGrpSpPr>
-      <p:grpSpPr>
-        <a:xfrm>
-          <a:off x="0" y="0"/>
-          <a:ext cx="0" cy="0"/>
-          <a:chOff x="0" y="0"/>
-          <a:chExt cx="0" cy="0"/>
-        </a:xfrm>
-      </p:grpSpPr>
-      <p:sp>
-        <p:nvSpPr>
-          <p:cNvPr id="30" name="Rectangle 29">
-            <a:extLst>
-              <a:ext uri="{FF2B5EF4-FFF2-40B4-BE49-F238E27FC236}">
-                <a16:creationId xmlns:a16="http://schemas.microsoft.com/office/drawing/2014/main" id="{64C9EE1D-12BB-43F7-9A2A-893578DCA63A}"/>
-              </a:ext>
-              <a:ext uri="{C183D7F6-B498-43B3-948B-1728B52AA6E4}">
-                <adec:decorative xmlns:adec="http://schemas.microsoft.com/office/drawing/2017/decorative" val="1"/>
-              </a:ext>
-            </a:extLst>
-          </p:cNvPr>
-          <p:cNvSpPr>
-            <a:spLocks noGrp="1" noRot="1" noChangeAspect="1" noMove="1" noResize="1" noEditPoints="1" noAdjustHandles="1" noChangeArrowheads="1" noChangeShapeType="1" noTextEdit="1"/>
-          </p:cNvSpPr>
-          <p:nvPr>
-            <p:extLst>
-              <p:ext uri="{386F3935-93C4-4BCD-93E2-E3B085C9AB24}">
-                <p16:designElem xmlns:p16="http://schemas.microsoft.com/office/powerpoint/2015/main" val="1"/>
-              </p:ext>
-            </p:extLst>
-          </p:nvPr>
-        </p:nvSpPr>
-        <p:spPr>
-          <a:xfrm>
-            <a:off x="0" y="761999"/>
-            <a:ext cx="9141619" cy="5334001"/>
-          </a:xfrm>
-          <a:prstGeom prst="rect">
-            <a:avLst/>
-          </a:prstGeom>
-          <a:solidFill>
-            <a:schemeClr val="accent1"/>
-          </a:solidFill>
-          <a:ln>
-            <a:noFill/>
-          </a:ln>
-        </p:spPr>
-        <p:style>
-          <a:lnRef idx="2">
-            <a:schemeClr val="accent1">
-              <a:shade val="50000"/>
-            </a:schemeClr>
-          </a:lnRef>
-          <a:fillRef idx="1">
-            <a:schemeClr val="accent1"/>
-          </a:fillRef>
-          <a:effectRef idx="0">
-            <a:schemeClr val="accent1"/>
-          </a:effectRef>
-          <a:fontRef idx="minor">
-            <a:schemeClr val="lt1"/>
-          </a:fontRef>
-        </p:style>
-      </p:sp>
-      <p:sp>
-        <p:nvSpPr>
-          <p:cNvPr id="32" name="Rectangle 31">
-            <a:extLst>
-              <a:ext uri="{FF2B5EF4-FFF2-40B4-BE49-F238E27FC236}">
-                <a16:creationId xmlns:a16="http://schemas.microsoft.com/office/drawing/2014/main" id="{43962A31-C54E-4762-B155-59777FED1C75}"/>
-              </a:ext>
-              <a:ext uri="{C183D7F6-B498-43B3-948B-1728B52AA6E4}">
-                <adec:decorative xmlns:adec="http://schemas.microsoft.com/office/drawing/2017/decorative" val="1"/>
-              </a:ext>
-            </a:extLst>
-          </p:cNvPr>
-          <p:cNvSpPr>
-            <a:spLocks noGrp="1" noRot="1" noChangeAspect="1" noMove="1" noResize="1" noEditPoints="1" noAdjustHandles="1" noChangeArrowheads="1" noChangeShapeType="1" noTextEdit="1"/>
-          </p:cNvSpPr>
-          <p:nvPr>
-            <p:extLst>
-              <p:ext uri="{386F3935-93C4-4BCD-93E2-E3B085C9AB24}">
-                <p16:designElem xmlns:p16="http://schemas.microsoft.com/office/powerpoint/2015/main" val="1"/>
-              </p:ext>
-            </p:extLst>
-          </p:nvPr>
-        </p:nvSpPr>
-        <p:spPr>
-          <a:xfrm>
-            <a:off x="9270263" y="761999"/>
-            <a:ext cx="2925318" cy="5334001"/>
-          </a:xfrm>
-          <a:prstGeom prst="rect">
-            <a:avLst/>
-          </a:prstGeom>
-          <a:solidFill>
-            <a:srgbClr val="C8C8C8">
-              <a:alpha val="49804"/>
-            </a:srgbClr>
-          </a:solidFill>
-          <a:ln>
-            <a:noFill/>
-          </a:ln>
-        </p:spPr>
-        <p:style>
-          <a:lnRef idx="2">
-            <a:schemeClr val="accent1">
-              <a:shade val="50000"/>
-            </a:schemeClr>
-          </a:lnRef>
-          <a:fillRef idx="1">
-            <a:schemeClr val="accent1"/>
-          </a:fillRef>
-          <a:effectRef idx="0">
-            <a:schemeClr val="accent1"/>
-          </a:effectRef>
-          <a:fontRef idx="minor">
-            <a:schemeClr val="lt1"/>
-          </a:fontRef>
-        </p:style>
-      </p:sp>
-      <p:sp useBgFill="1">
-        <p:nvSpPr>
-          <p:cNvPr id="34" name="Rectangle 33">
-            <a:extLst>
-              <a:ext uri="{FF2B5EF4-FFF2-40B4-BE49-F238E27FC236}">
-                <a16:creationId xmlns:a16="http://schemas.microsoft.com/office/drawing/2014/main" id="{4B392D36-B685-45E0-B197-6EE5D748093B}"/>
-              </a:ext>
-              <a:ext uri="{C183D7F6-B498-43B3-948B-1728B52AA6E4}">
-                <adec:decorative xmlns:adec="http://schemas.microsoft.com/office/drawing/2017/decorative" val="1"/>
-              </a:ext>
-            </a:extLst>
-          </p:cNvPr>
-          <p:cNvSpPr>
-            <a:spLocks noGrp="1" noRot="1" noChangeAspect="1" noMove="1" noResize="1" noEditPoints="1" noAdjustHandles="1" noChangeArrowheads="1" noChangeShapeType="1" noTextEdit="1"/>
-          </p:cNvSpPr>
-          <p:nvPr>
-            <p:extLst>
-              <p:ext uri="{386F3935-93C4-4BCD-93E2-E3B085C9AB24}">
-                <p16:designElem xmlns:p16="http://schemas.microsoft.com/office/powerpoint/2015/main" val="1"/>
-              </p:ext>
-            </p:extLst>
-          </p:nvPr>
-        </p:nvSpPr>
-        <p:spPr>
-          <a:xfrm>
-            <a:off x="0" y="0"/>
-            <a:ext cx="12191999" cy="6858000"/>
-          </a:xfrm>
-          <a:prstGeom prst="rect">
-            <a:avLst/>
-          </a:prstGeom>
-          <a:ln>
-            <a:noFill/>
-          </a:ln>
-        </p:spPr>
-        <p:style>
-          <a:lnRef idx="2">
-            <a:schemeClr val="accent1">
-              <a:shade val="50000"/>
-            </a:schemeClr>
-          </a:lnRef>
-          <a:fillRef idx="1">
-            <a:schemeClr val="accent1"/>
-          </a:fillRef>
-          <a:effectRef idx="0">
-            <a:schemeClr val="accent1"/>
-          </a:effectRef>
-          <a:fontRef idx="minor">
-            <a:schemeClr val="lt1"/>
-          </a:fontRef>
-        </p:style>
-        <p:txBody>
-          <a:bodyPr rtlCol="0" anchor="ctr"/>
-          <a:lstStyle/>
-          <a:p>
-            <a:pPr algn="ctr"/>
-            <a:endParaRPr lang="en-US"/>
-          </a:p>
-        </p:txBody>
-      </p:sp>
-      <p:sp>
-        <p:nvSpPr>
-          <p:cNvPr id="36" name="Rectangle 35">
-            <a:extLst>
-              <a:ext uri="{FF2B5EF4-FFF2-40B4-BE49-F238E27FC236}">
-                <a16:creationId xmlns:a16="http://schemas.microsoft.com/office/drawing/2014/main" id="{9DCA8533-CC5E-4754-9A04-047EDE49E0F9}"/>
-              </a:ext>
-              <a:ext uri="{C183D7F6-B498-43B3-948B-1728B52AA6E4}">
-                <adec:decorative xmlns:adec="http://schemas.microsoft.com/office/drawing/2017/decorative" val="1"/>
-              </a:ext>
-            </a:extLst>
-          </p:cNvPr>
-          <p:cNvSpPr>
-            <a:spLocks noGrp="1" noRot="1" noChangeAspect="1" noMove="1" noResize="1" noEditPoints="1" noAdjustHandles="1" noChangeArrowheads="1" noChangeShapeType="1" noTextEdit="1"/>
-          </p:cNvSpPr>
-          <p:nvPr>
-            <p:extLst>
-              <p:ext uri="{386F3935-93C4-4BCD-93E2-E3B085C9AB24}">
-                <p16:designElem xmlns:p16="http://schemas.microsoft.com/office/powerpoint/2015/main" val="1"/>
-              </p:ext>
-            </p:extLst>
-          </p:nvPr>
-        </p:nvSpPr>
-        <p:spPr>
-          <a:xfrm>
-            <a:off x="0" y="4367639"/>
-            <a:ext cx="11707367" cy="1852186"/>
-          </a:xfrm>
-          <a:prstGeom prst="rect">
-            <a:avLst/>
-          </a:prstGeom>
-          <a:solidFill>
-            <a:schemeClr val="accent1"/>
-          </a:solidFill>
-          <a:ln>
-            <a:noFill/>
-          </a:ln>
-        </p:spPr>
-        <p:style>
-          <a:lnRef idx="2">
-            <a:schemeClr val="accent1">
-              <a:shade val="50000"/>
-            </a:schemeClr>
-          </a:lnRef>
-          <a:fillRef idx="1">
-            <a:schemeClr val="accent1"/>
-          </a:fillRef>
-          <a:effectRef idx="0">
-            <a:schemeClr val="accent1"/>
-          </a:effectRef>
-          <a:fontRef idx="minor">
-            <a:schemeClr val="lt1"/>
-          </a:fontRef>
-        </p:style>
-      </p:sp>
-      <p:sp>
-        <p:nvSpPr>
-          <p:cNvPr id="2" name="Title 1">
-            <a:extLst>
-              <a:ext uri="{FF2B5EF4-FFF2-40B4-BE49-F238E27FC236}">
-                <a16:creationId xmlns:a16="http://schemas.microsoft.com/office/drawing/2014/main" id="{E233E1E2-E019-476B-8741-64DA930D5D18}"/>
-              </a:ext>
-            </a:extLst>
-          </p:cNvPr>
-          <p:cNvSpPr>
-            <a:spLocks noGrp="1"/>
-          </p:cNvSpPr>
-          <p:nvPr>
-            <p:ph type="title"/>
-          </p:nvPr>
-        </p:nvSpPr>
-        <p:spPr>
-          <a:xfrm>
-            <a:off x="1069848" y="4590661"/>
-            <a:ext cx="10210862" cy="1065690"/>
-          </a:xfrm>
-        </p:spPr>
-        <p:txBody>
-          <a:bodyPr vert="horz" lIns="91440" tIns="45720" rIns="91440" bIns="45720" rtlCol="0" anchor="b">
-            <a:normAutofit/>
-          </a:bodyPr>
-          <a:lstStyle/>
-          <a:p>
-            <a:r>
-              <a:rPr lang="en-US" sz="5900" spc="-100"/>
-              <a:t>HandsOn1 – Inicio </a:t>
-            </a:r>
-          </a:p>
-        </p:txBody>
-      </p:sp>
-      <p:pic>
-        <p:nvPicPr>
-          <p:cNvPr id="8" name="Picture 8">
-            <a:extLst>
-              <a:ext uri="{FF2B5EF4-FFF2-40B4-BE49-F238E27FC236}">
-                <a16:creationId xmlns:a16="http://schemas.microsoft.com/office/drawing/2014/main" id="{49ED9351-468D-4AB5-9336-E485EB15D0E0}"/>
-              </a:ext>
-            </a:extLst>
-          </p:cNvPr>
-          <p:cNvPicPr>
-            <a:picLocks noChangeAspect="1"/>
-          </p:cNvPicPr>
-          <p:nvPr/>
-        </p:nvPicPr>
-        <p:blipFill>
-          <a:blip r:embed="rId2"/>
-          <a:stretch>
-            <a:fillRect/>
-          </a:stretch>
-        </p:blipFill>
-        <p:spPr>
-          <a:xfrm>
-            <a:off x="1006182" y="956490"/>
-            <a:ext cx="2613038" cy="2613038"/>
-          </a:xfrm>
-          <a:prstGeom prst="rect">
-            <a:avLst/>
-          </a:prstGeom>
-        </p:spPr>
-      </p:pic>
-      <p:pic>
-        <p:nvPicPr>
-          <p:cNvPr id="7" name="Picture 7" descr="A picture containing text, sign&#10;&#10;Description automatically generated">
-            <a:extLst>
-              <a:ext uri="{FF2B5EF4-FFF2-40B4-BE49-F238E27FC236}">
-                <a16:creationId xmlns:a16="http://schemas.microsoft.com/office/drawing/2014/main" id="{03AB0C80-59A0-4DF7-B980-BC07C224C1D0}"/>
-              </a:ext>
-            </a:extLst>
-          </p:cNvPr>
-          <p:cNvPicPr>
-            <a:picLocks noGrp="1" noChangeAspect="1"/>
-          </p:cNvPicPr>
-          <p:nvPr>
-            <p:ph idx="1"/>
-          </p:nvPr>
-        </p:nvPicPr>
-        <p:blipFill>
-          <a:blip r:embed="rId3"/>
-          <a:stretch>
-            <a:fillRect/>
-          </a:stretch>
-        </p:blipFill>
-        <p:spPr>
-          <a:xfrm>
-            <a:off x="4889857" y="999623"/>
-            <a:ext cx="2569905" cy="2569905"/>
-          </a:xfrm>
-          <a:prstGeom prst="rect">
-            <a:avLst/>
-          </a:prstGeom>
-        </p:spPr>
-      </p:pic>
-      <p:pic>
-        <p:nvPicPr>
-          <p:cNvPr id="15" name="Picture 15" descr="Icon&#10;&#10;Description automatically generated">
-            <a:extLst>
-              <a:ext uri="{FF2B5EF4-FFF2-40B4-BE49-F238E27FC236}">
-                <a16:creationId xmlns:a16="http://schemas.microsoft.com/office/drawing/2014/main" id="{2B6FC49B-3804-40ED-994F-7C97FD410F29}"/>
-              </a:ext>
-            </a:extLst>
-          </p:cNvPr>
-          <p:cNvPicPr>
-            <a:picLocks noChangeAspect="1"/>
-          </p:cNvPicPr>
-          <p:nvPr/>
-        </p:nvPicPr>
-        <p:blipFill>
-          <a:blip r:embed="rId4"/>
-          <a:stretch>
-            <a:fillRect/>
-          </a:stretch>
-        </p:blipFill>
-        <p:spPr>
-          <a:xfrm>
-            <a:off x="8816666" y="1100262"/>
-            <a:ext cx="2368624" cy="2368625"/>
-          </a:xfrm>
-          <a:prstGeom prst="rect">
-            <a:avLst/>
-          </a:prstGeom>
-        </p:spPr>
-      </p:pic>
-    </p:spTree>
-    <p:extLst>
-      <p:ext uri="{BB962C8B-B14F-4D97-AF65-F5344CB8AC3E}">
-        <p14:creationId xmlns:p14="http://schemas.microsoft.com/office/powerpoint/2010/main" val="3809662723"/>
-      </p:ext>
-    </p:extLst>
-  </p:cSld>
-  <p:clrMapOvr>
-    <a:masterClrMapping/>
-  </p:clrMapOvr>
-  <p:transition spd="slow">
-    <p:push dir="u"/>
-  </p:transition>
-</p:sld>
-</file>
-
-<file path=ppt/slides/slide4.xml><?xml version="1.0" encoding="utf-8"?>
-<p:sld xmlns:a="http://schemas.openxmlformats.org/drawingml/2006/main" xmlns:r="http://schemas.openxmlformats.org/officeDocument/2006/relationships" xmlns:p="http://schemas.openxmlformats.org/presentationml/2006/main">
-  <p:cSld>
-    <p:bg>
-      <p:bgPr>
-        <a:solidFill>
-          <a:schemeClr val="bg1"/>
-        </a:solidFill>
-        <a:effectLst/>
-      </p:bgPr>
-    </p:bg>
-    <p:spTree>
-      <p:nvGrpSpPr>
-        <p:cNvPr id="1" name=""/>
-        <p:cNvGrpSpPr/>
-        <p:nvPr/>
-      </p:nvGrpSpPr>
-      <p:grpSpPr>
-        <a:xfrm>
-          <a:off x="0" y="0"/>
-          <a:ext cx="0" cy="0"/>
-          <a:chOff x="0" y="0"/>
-          <a:chExt cx="0" cy="0"/>
-        </a:xfrm>
-      </p:grpSpPr>
-      <p:sp useBgFill="1">
-        <p:nvSpPr>
           <p:cNvPr id="75" name="Rectangle 74">
             <a:extLst>
               <a:ext uri="{FF2B5EF4-FFF2-40B4-BE49-F238E27FC236}">
@@ -7586,24 +6921,141 @@
           <a:lstStyle/>
           <a:p>
             <a:r>
-              <a:rPr lang="en-US" sz="2500">
+              <a:rPr lang="en-US" sz="2500" dirty="0" err="1">
                 <a:solidFill>
                   <a:srgbClr val="595959"/>
                 </a:solidFill>
               </a:rPr>
-              <a:t>Fichero HTML con el análisis de los datasets, la licencia usada por estos y la nomenclarura de los recursos</a:t>
-            </a:r>
-          </a:p>
-          <a:p>
-            <a:endParaRPr lang="en-US" sz="2500">
+              <a:t>Fichero</a:t>
+            </a:r>
+            <a:r>
+              <a:rPr lang="en-US" sz="2500" dirty="0">
+                <a:solidFill>
+                  <a:srgbClr val="595959"/>
+                </a:solidFill>
+              </a:rPr>
+              <a:t> HTML con </a:t>
+            </a:r>
+            <a:r>
+              <a:rPr lang="en-US" sz="2500" dirty="0" err="1">
+                <a:solidFill>
+                  <a:srgbClr val="595959"/>
+                </a:solidFill>
+              </a:rPr>
+              <a:t>el</a:t>
+            </a:r>
+            <a:r>
+              <a:rPr lang="en-US" sz="2500" dirty="0">
+                <a:solidFill>
+                  <a:srgbClr val="595959"/>
+                </a:solidFill>
+              </a:rPr>
+              <a:t> </a:t>
+            </a:r>
+            <a:r>
+              <a:rPr lang="en-US" sz="2500" dirty="0" err="1">
+                <a:solidFill>
+                  <a:srgbClr val="595959"/>
+                </a:solidFill>
+              </a:rPr>
+              <a:t>análisis</a:t>
+            </a:r>
+            <a:r>
+              <a:rPr lang="en-US" sz="2500" dirty="0">
+                <a:solidFill>
+                  <a:srgbClr val="595959"/>
+                </a:solidFill>
+              </a:rPr>
+              <a:t> de los datasets, la </a:t>
+            </a:r>
+            <a:r>
+              <a:rPr lang="en-US" sz="2500" dirty="0" err="1">
+                <a:solidFill>
+                  <a:srgbClr val="595959"/>
+                </a:solidFill>
+              </a:rPr>
+              <a:t>licencia</a:t>
+            </a:r>
+            <a:r>
+              <a:rPr lang="en-US" sz="2500" dirty="0">
+                <a:solidFill>
+                  <a:srgbClr val="595959"/>
+                </a:solidFill>
+              </a:rPr>
+              <a:t> </a:t>
+            </a:r>
+            <a:r>
+              <a:rPr lang="en-US" sz="2500" dirty="0" err="1">
+                <a:solidFill>
+                  <a:srgbClr val="595959"/>
+                </a:solidFill>
+              </a:rPr>
+              <a:t>usada</a:t>
+            </a:r>
+            <a:r>
+              <a:rPr lang="en-US" sz="2500" dirty="0">
+                <a:solidFill>
+                  <a:srgbClr val="595959"/>
+                </a:solidFill>
+              </a:rPr>
+              <a:t> por </a:t>
+            </a:r>
+            <a:r>
+              <a:rPr lang="en-US" sz="2500" dirty="0" err="1">
+                <a:solidFill>
+                  <a:srgbClr val="595959"/>
+                </a:solidFill>
+              </a:rPr>
+              <a:t>estos</a:t>
+            </a:r>
+            <a:r>
+              <a:rPr lang="en-US" sz="2500" dirty="0">
+                <a:solidFill>
+                  <a:srgbClr val="595959"/>
+                </a:solidFill>
+              </a:rPr>
+              <a:t> y la </a:t>
+            </a:r>
+            <a:r>
+              <a:rPr lang="en-US" sz="2500" dirty="0" err="1">
+                <a:solidFill>
+                  <a:srgbClr val="595959"/>
+                </a:solidFill>
+              </a:rPr>
+              <a:t>nomenclarura</a:t>
+            </a:r>
+            <a:r>
+              <a:rPr lang="en-US" sz="2500" dirty="0">
+                <a:solidFill>
+                  <a:srgbClr val="595959"/>
+                </a:solidFill>
+              </a:rPr>
+              <a:t> de los </a:t>
+            </a:r>
+            <a:r>
+              <a:rPr lang="en-US" sz="2500" dirty="0" err="1">
+                <a:solidFill>
+                  <a:srgbClr val="595959"/>
+                </a:solidFill>
+              </a:rPr>
+              <a:t>recursos</a:t>
+            </a:r>
+            <a:endParaRPr lang="en-US" sz="2500" dirty="0">
               <a:solidFill>
                 <a:srgbClr val="595959"/>
               </a:solidFill>
             </a:endParaRPr>
           </a:p>
           <a:p>
-            <a:r>
-              <a:rPr lang="en-US" sz="2500">
+            <a:endParaRPr lang="en-US" sz="2500" dirty="0">
+              <a:solidFill>
+                <a:srgbClr val="595959"/>
+              </a:solidFill>
+            </a:endParaRPr>
+          </a:p>
+          <a:p>
+            <a:r>
+              <a:rPr lang="en-US" sz="2500" dirty="0">
                 <a:solidFill>
                   <a:srgbClr val="595959"/>
                 </a:solidFill>
@@ -7611,7 +7063,7 @@
               <a:t>Un </a:t>
             </a:r>
             <a:r>
-              <a:rPr lang="en-US" sz="2500" err="1">
+              <a:rPr lang="en-US" sz="2500" dirty="0" err="1">
                 <a:solidFill>
                   <a:srgbClr val="595959"/>
                 </a:solidFill>
@@ -7619,16 +7071,32 @@
               <a:t>fichero</a:t>
             </a:r>
             <a:r>
-              <a:rPr lang="en-US" sz="2500">
+              <a:rPr lang="en-US" sz="2500" dirty="0">
                 <a:solidFill>
                   <a:srgbClr val="595959"/>
                 </a:solidFill>
               </a:rPr>
-              <a:t> OWL con la ontología </a:t>
-            </a:r>
-          </a:p>
-          <a:p>
-            <a:endParaRPr lang="en-US" sz="2500">
+              <a:t> OWL con la </a:t>
+            </a:r>
+            <a:r>
+              <a:rPr lang="en-US" sz="2500" dirty="0" err="1">
+                <a:solidFill>
+                  <a:srgbClr val="595959"/>
+                </a:solidFill>
+              </a:rPr>
+              <a:t>ontología</a:t>
+            </a:r>
+            <a:r>
+              <a:rPr lang="en-US" sz="2500" dirty="0">
+                <a:solidFill>
+                  <a:srgbClr val="595959"/>
+                </a:solidFill>
+              </a:rPr>
+              <a:t> </a:t>
+            </a:r>
+          </a:p>
+          <a:p>
+            <a:endParaRPr lang="en-US" sz="2500" dirty="0">
               <a:solidFill>
                 <a:srgbClr val="595959"/>
               </a:solidFill>
@@ -7636,15 +7104,31 @@
           </a:p>
           <a:p>
             <a:r>
-              <a:rPr lang="en-US" sz="2500">
+              <a:rPr lang="en-US" sz="2500" dirty="0">
                 <a:solidFill>
                   <a:srgbClr val="595959"/>
                 </a:solidFill>
               </a:rPr>
-              <a:t>Un fichero RDF con un </a:t>
-            </a:r>
-            <a:r>
-              <a:rPr lang="en-US" sz="2500" err="1">
+              <a:t>Un </a:t>
+            </a:r>
+            <a:r>
+              <a:rPr lang="en-US" sz="2500" dirty="0" err="1">
+                <a:solidFill>
+                  <a:srgbClr val="595959"/>
+                </a:solidFill>
+              </a:rPr>
+              <a:t>fichero</a:t>
+            </a:r>
+            <a:r>
+              <a:rPr lang="en-US" sz="2500" dirty="0">
+                <a:solidFill>
+                  <a:srgbClr val="595959"/>
+                </a:solidFill>
+              </a:rPr>
+              <a:t> RDF con un </a:t>
+            </a:r>
+            <a:r>
+              <a:rPr lang="en-US" sz="2500" dirty="0" err="1">
                 <a:solidFill>
                   <a:srgbClr val="595959"/>
                 </a:solidFill>
@@ -7652,7 +7136,7 @@
               <a:t>ejemplo</a:t>
             </a:r>
             <a:r>
-              <a:rPr lang="en-US" sz="2500">
+              <a:rPr lang="en-US" sz="2500" dirty="0">
                 <a:solidFill>
                   <a:srgbClr val="595959"/>
                 </a:solidFill>
@@ -7660,7 +7144,7 @@
               <a:t> de </a:t>
             </a:r>
             <a:r>
-              <a:rPr lang="en-US" sz="2500" err="1">
+              <a:rPr lang="en-US" sz="2500" dirty="0" err="1">
                 <a:solidFill>
                   <a:srgbClr val="595959"/>
                 </a:solidFill>
@@ -7668,7 +7152,7 @@
               <a:t>instanciación</a:t>
             </a:r>
             <a:r>
-              <a:rPr lang="en-US" sz="2500">
+              <a:rPr lang="en-US" sz="2500" dirty="0">
                 <a:solidFill>
                   <a:srgbClr val="595959"/>
                 </a:solidFill>
@@ -7676,14 +7160,14 @@
               <a:t> de la </a:t>
             </a:r>
             <a:r>
-              <a:rPr lang="en-US" sz="2500" err="1">
+              <a:rPr lang="en-US" sz="2500" dirty="0" err="1">
                 <a:solidFill>
                   <a:srgbClr val="595959"/>
                 </a:solidFill>
               </a:rPr>
               <a:t>ontología</a:t>
             </a:r>
-            <a:endParaRPr lang="en-US" sz="2500">
+            <a:endParaRPr lang="en-US" sz="2500" dirty="0">
               <a:solidFill>
                 <a:srgbClr val="595959"/>
               </a:solidFill>
@@ -7707,7 +7191,208 @@
 </p:sld>
 </file>
 
-<file path=ppt/slides/slide5.xml><?xml version="1.0" encoding="utf-8"?>
+<file path=ppt/slides/slide3.xml><?xml version="1.0" encoding="utf-8"?>
+<p:sld xmlns:a="http://schemas.openxmlformats.org/drawingml/2006/main" xmlns:r="http://schemas.openxmlformats.org/officeDocument/2006/relationships" xmlns:p="http://schemas.openxmlformats.org/presentationml/2006/main">
+  <p:cSld>
+    <p:spTree>
+      <p:nvGrpSpPr>
+        <p:cNvPr id="1" name=""/>
+        <p:cNvGrpSpPr/>
+        <p:nvPr/>
+      </p:nvGrpSpPr>
+      <p:grpSpPr>
+        <a:xfrm>
+          <a:off x="0" y="0"/>
+          <a:ext cx="0" cy="0"/>
+          <a:chOff x="0" y="0"/>
+          <a:chExt cx="0" cy="0"/>
+        </a:xfrm>
+      </p:grpSpPr>
+      <p:sp>
+        <p:nvSpPr>
+          <p:cNvPr id="2" name="Título 1">
+            <a:extLst>
+              <a:ext uri="{FF2B5EF4-FFF2-40B4-BE49-F238E27FC236}">
+                <a16:creationId xmlns:a16="http://schemas.microsoft.com/office/drawing/2014/main" id="{DC13B820-E4AC-4D6F-A909-4FE9D1D37CC1}"/>
+              </a:ext>
+            </a:extLst>
+          </p:cNvPr>
+          <p:cNvSpPr>
+            <a:spLocks noGrp="1"/>
+          </p:cNvSpPr>
+          <p:nvPr>
+            <p:ph type="title"/>
+          </p:nvPr>
+        </p:nvSpPr>
+        <p:spPr/>
+        <p:txBody>
+          <a:bodyPr/>
+          <a:lstStyle/>
+          <a:p>
+            <a:r>
+              <a:rPr lang="es-ES" dirty="0"/>
+              <a:t>Ontología</a:t>
+            </a:r>
+          </a:p>
+        </p:txBody>
+      </p:sp>
+      <p:pic>
+        <p:nvPicPr>
+          <p:cNvPr id="5" name="Marcador de contenido 4" descr="Diagrama&#10;&#10;Descripción generada automáticamente">
+            <a:extLst>
+              <a:ext uri="{FF2B5EF4-FFF2-40B4-BE49-F238E27FC236}">
+                <a16:creationId xmlns:a16="http://schemas.microsoft.com/office/drawing/2014/main" id="{A47A0262-1ABB-4A03-B1D4-602E410853E2}"/>
+              </a:ext>
+            </a:extLst>
+          </p:cNvPr>
+          <p:cNvPicPr>
+            <a:picLocks noGrp="1" noChangeAspect="1"/>
+          </p:cNvPicPr>
+          <p:nvPr>
+            <p:ph idx="1"/>
+          </p:nvPr>
+        </p:nvPicPr>
+        <p:blipFill>
+          <a:blip r:embed="rId2">
+            <a:extLst>
+              <a:ext uri="{28A0092B-C50C-407E-A947-70E740481C1C}">
+                <a14:useLocalDpi xmlns:a14="http://schemas.microsoft.com/office/drawing/2010/main" val="0"/>
+              </a:ext>
+            </a:extLst>
+          </a:blip>
+          <a:stretch>
+            <a:fillRect/>
+          </a:stretch>
+        </p:blipFill>
+        <p:spPr>
+          <a:xfrm>
+            <a:off x="3486365" y="1583453"/>
+            <a:ext cx="7243350" cy="5121275"/>
+          </a:xfrm>
+        </p:spPr>
+      </p:pic>
+      <p:pic>
+        <p:nvPicPr>
+          <p:cNvPr id="8" name="Imagen 7" descr="Imagen que contiene Tabla&#10;&#10;Descripción generada automáticamente">
+            <a:extLst>
+              <a:ext uri="{FF2B5EF4-FFF2-40B4-BE49-F238E27FC236}">
+                <a16:creationId xmlns:a16="http://schemas.microsoft.com/office/drawing/2014/main" id="{768B1EEC-94BA-42F3-854F-E5B8C21DE96B}"/>
+              </a:ext>
+            </a:extLst>
+          </p:cNvPr>
+          <p:cNvPicPr>
+            <a:picLocks noChangeAspect="1"/>
+          </p:cNvPicPr>
+          <p:nvPr/>
+        </p:nvPicPr>
+        <p:blipFill>
+          <a:blip r:embed="rId3">
+            <a:extLst>
+              <a:ext uri="{28A0092B-C50C-407E-A947-70E740481C1C}">
+                <a14:useLocalDpi xmlns:a14="http://schemas.microsoft.com/office/drawing/2010/main" val="0"/>
+              </a:ext>
+            </a:extLst>
+          </a:blip>
+          <a:stretch>
+            <a:fillRect/>
+          </a:stretch>
+        </p:blipFill>
+        <p:spPr>
+          <a:xfrm>
+            <a:off x="7082964" y="233249"/>
+            <a:ext cx="1381125" cy="2276475"/>
+          </a:xfrm>
+          <a:prstGeom prst="rect">
+            <a:avLst/>
+          </a:prstGeom>
+        </p:spPr>
+      </p:pic>
+      <p:pic>
+        <p:nvPicPr>
+          <p:cNvPr id="10" name="Imagen 9" descr="Interfaz de usuario gráfica, Aplicación&#10;&#10;Descripción generada automáticamente">
+            <a:extLst>
+              <a:ext uri="{FF2B5EF4-FFF2-40B4-BE49-F238E27FC236}">
+                <a16:creationId xmlns:a16="http://schemas.microsoft.com/office/drawing/2014/main" id="{8802ABE6-4C0C-4DAC-A6C5-C3EEDC33BE00}"/>
+              </a:ext>
+            </a:extLst>
+          </p:cNvPr>
+          <p:cNvPicPr>
+            <a:picLocks noChangeAspect="1"/>
+          </p:cNvPicPr>
+          <p:nvPr/>
+        </p:nvPicPr>
+        <p:blipFill>
+          <a:blip r:embed="rId4">
+            <a:extLst>
+              <a:ext uri="{28A0092B-C50C-407E-A947-70E740481C1C}">
+                <a14:useLocalDpi xmlns:a14="http://schemas.microsoft.com/office/drawing/2010/main" val="0"/>
+              </a:ext>
+            </a:extLst>
+          </a:blip>
+          <a:stretch>
+            <a:fillRect/>
+          </a:stretch>
+        </p:blipFill>
+        <p:spPr>
+          <a:xfrm>
+            <a:off x="8438150" y="233249"/>
+            <a:ext cx="1781175" cy="1781175"/>
+          </a:xfrm>
+          <a:prstGeom prst="rect">
+            <a:avLst/>
+          </a:prstGeom>
+        </p:spPr>
+      </p:pic>
+      <p:pic>
+        <p:nvPicPr>
+          <p:cNvPr id="12" name="Imagen 11" descr="Tabla&#10;&#10;Descripción generada automáticamente">
+            <a:extLst>
+              <a:ext uri="{FF2B5EF4-FFF2-40B4-BE49-F238E27FC236}">
+                <a16:creationId xmlns:a16="http://schemas.microsoft.com/office/drawing/2014/main" id="{D686C35F-1514-4222-BD1D-C8B1F44B31A8}"/>
+              </a:ext>
+            </a:extLst>
+          </p:cNvPr>
+          <p:cNvPicPr>
+            <a:picLocks noChangeAspect="1"/>
+          </p:cNvPicPr>
+          <p:nvPr/>
+        </p:nvPicPr>
+        <p:blipFill>
+          <a:blip r:embed="rId5">
+            <a:extLst>
+              <a:ext uri="{28A0092B-C50C-407E-A947-70E740481C1C}">
+                <a14:useLocalDpi xmlns:a14="http://schemas.microsoft.com/office/drawing/2010/main" val="0"/>
+              </a:ext>
+            </a:extLst>
+          </a:blip>
+          <a:stretch>
+            <a:fillRect/>
+          </a:stretch>
+        </p:blipFill>
+        <p:spPr>
+          <a:xfrm>
+            <a:off x="10219325" y="226471"/>
+            <a:ext cx="1857375" cy="4019550"/>
+          </a:xfrm>
+          <a:prstGeom prst="rect">
+            <a:avLst/>
+          </a:prstGeom>
+        </p:spPr>
+      </p:pic>
+    </p:spTree>
+    <p:extLst>
+      <p:ext uri="{BB962C8B-B14F-4D97-AF65-F5344CB8AC3E}">
+        <p14:creationId xmlns:p14="http://schemas.microsoft.com/office/powerpoint/2010/main" val="3317689852"/>
+      </p:ext>
+    </p:extLst>
+  </p:cSld>
+  <p:clrMapOvr>
+    <a:masterClrMapping/>
+  </p:clrMapOvr>
+</p:sld>
+</file>
+
+<file path=ppt/slides/slide4.xml><?xml version="1.0" encoding="utf-8"?>
 <p:sld xmlns:a="http://schemas.openxmlformats.org/drawingml/2006/main" xmlns:r="http://schemas.openxmlformats.org/officeDocument/2006/relationships" xmlns:p="http://schemas.openxmlformats.org/presentationml/2006/main">
   <p:cSld>
     <p:bg>
@@ -8098,39 +7783,53 @@
           <a:lstStyle/>
           <a:p>
             <a:r>
-              <a:rPr lang="en-US" sz="2500">
+              <a:rPr lang="en-US" sz="2500" dirty="0">
                 <a:ea typeface="+mn-lt"/>
                 <a:cs typeface="+mn-lt"/>
               </a:rPr>
               <a:t>JSON con los </a:t>
             </a:r>
             <a:r>
-              <a:rPr lang="en-US" sz="2500" err="1">
+              <a:rPr lang="en-US" sz="2500" dirty="0" err="1">
                 <a:ea typeface="+mn-lt"/>
                 <a:cs typeface="+mn-lt"/>
               </a:rPr>
               <a:t>cambios</a:t>
             </a:r>
             <a:r>
-              <a:rPr lang="en-US" sz="2500">
+              <a:rPr lang="en-US" sz="2500" dirty="0">
                 <a:ea typeface="+mn-lt"/>
                 <a:cs typeface="+mn-lt"/>
               </a:rPr>
               <a:t> </a:t>
             </a:r>
             <a:r>
-              <a:rPr lang="en-US" sz="2500" err="1">
+              <a:rPr lang="en-US" sz="2500" dirty="0" err="1">
                 <a:ea typeface="+mn-lt"/>
                 <a:cs typeface="+mn-lt"/>
               </a:rPr>
               <a:t>hechos</a:t>
             </a:r>
             <a:r>
-              <a:rPr lang="en-US" sz="2500">
+              <a:rPr lang="en-US" sz="2500" dirty="0">
                 <a:ea typeface="+mn-lt"/>
                 <a:cs typeface="+mn-lt"/>
               </a:rPr>
-              <a:t> con el </a:t>
+              <a:t> con </a:t>
+            </a:r>
+            <a:r>
+              <a:rPr lang="en-US" sz="2500" dirty="0" err="1">
+                <a:ea typeface="+mn-lt"/>
+                <a:cs typeface="+mn-lt"/>
+              </a:rPr>
+              <a:t>el</a:t>
+            </a:r>
+            <a:r>
+              <a:rPr lang="en-US" sz="2500" dirty="0">
+                <a:ea typeface="+mn-lt"/>
+                <a:cs typeface="+mn-lt"/>
+              </a:rPr>
+              <a:t> </a:t>
             </a:r>
           </a:p>
           <a:p>
@@ -8138,13 +7837,41 @@
               <a:buNone/>
             </a:pPr>
             <a:r>
-              <a:rPr lang="en-US" sz="2500">
+              <a:rPr lang="en-US" sz="2500" dirty="0">
                 <a:ea typeface="+mn-lt"/>
                 <a:cs typeface="+mn-lt"/>
               </a:rPr>
-              <a:t>   OpenRefine en los datasets</a:t>
-            </a:r>
-            <a:endParaRPr lang="en-US" sz="2500">
+              <a:t>   </a:t>
+            </a:r>
+            <a:r>
+              <a:rPr lang="en-US" sz="2500" dirty="0" err="1">
+                <a:ea typeface="+mn-lt"/>
+                <a:cs typeface="+mn-lt"/>
+              </a:rPr>
+              <a:t>OpenRefine</a:t>
+            </a:r>
+            <a:r>
+              <a:rPr lang="en-US" sz="2500" dirty="0">
+                <a:ea typeface="+mn-lt"/>
+                <a:cs typeface="+mn-lt"/>
+              </a:rPr>
+              <a:t> </a:t>
+            </a:r>
+            <a:r>
+              <a:rPr lang="en-US" sz="2500" dirty="0" err="1">
+                <a:ea typeface="+mn-lt"/>
+                <a:cs typeface="+mn-lt"/>
+              </a:rPr>
+              <a:t>en</a:t>
+            </a:r>
+            <a:r>
+              <a:rPr lang="en-US" sz="2500" dirty="0">
+                <a:ea typeface="+mn-lt"/>
+                <a:cs typeface="+mn-lt"/>
+              </a:rPr>
+              <a:t> los datasets</a:t>
+            </a:r>
+            <a:endParaRPr lang="en-US" sz="2500" dirty="0">
               <a:solidFill>
                 <a:srgbClr val="595959"/>
               </a:solidFill>
@@ -8154,27 +7881,27 @@
             <a:pPr marL="0" indent="0">
               <a:buNone/>
             </a:pPr>
-            <a:endParaRPr lang="en-US" sz="2500">
+            <a:endParaRPr lang="en-US" sz="2500" dirty="0">
               <a:ea typeface="+mn-lt"/>
               <a:cs typeface="+mn-lt"/>
             </a:endParaRPr>
           </a:p>
           <a:p>
             <a:r>
-              <a:rPr lang="en-US" sz="2500">
+              <a:rPr lang="en-US" sz="2500" dirty="0">
                 <a:ea typeface="+mn-lt"/>
                 <a:cs typeface="+mn-lt"/>
               </a:rPr>
               <a:t>Los CSV </a:t>
             </a:r>
             <a:r>
-              <a:rPr lang="en-US" sz="2500" err="1">
+              <a:rPr lang="en-US" sz="2500" dirty="0" err="1">
                 <a:ea typeface="+mn-lt"/>
                 <a:cs typeface="+mn-lt"/>
               </a:rPr>
               <a:t>actualizados</a:t>
             </a:r>
-            <a:endParaRPr lang="en-US" sz="2500">
+            <a:endParaRPr lang="en-US" sz="2500" dirty="0">
               <a:ea typeface="+mn-lt"/>
               <a:cs typeface="+mn-lt"/>
             </a:endParaRPr>
@@ -8227,6 +7954,338 @@
 </p:sld>
 </file>
 
+<file path=ppt/slides/slide5.xml><?xml version="1.0" encoding="utf-8"?>
+<p:sld xmlns:a="http://schemas.openxmlformats.org/drawingml/2006/main" xmlns:r="http://schemas.openxmlformats.org/officeDocument/2006/relationships" xmlns:p="http://schemas.openxmlformats.org/presentationml/2006/main">
+  <p:cSld>
+    <p:bg>
+      <p:bgPr>
+        <a:solidFill>
+          <a:schemeClr val="bg1"/>
+        </a:solidFill>
+        <a:effectLst/>
+      </p:bgPr>
+    </p:bg>
+    <p:spTree>
+      <p:nvGrpSpPr>
+        <p:cNvPr id="1" name=""/>
+        <p:cNvGrpSpPr/>
+        <p:nvPr/>
+      </p:nvGrpSpPr>
+      <p:grpSpPr>
+        <a:xfrm>
+          <a:off x="0" y="0"/>
+          <a:ext cx="0" cy="0"/>
+          <a:chOff x="0" y="0"/>
+          <a:chExt cx="0" cy="0"/>
+        </a:xfrm>
+      </p:grpSpPr>
+      <p:sp>
+        <p:nvSpPr>
+          <p:cNvPr id="10" name="Rectangle 9">
+            <a:extLst>
+              <a:ext uri="{FF2B5EF4-FFF2-40B4-BE49-F238E27FC236}">
+                <a16:creationId xmlns:a16="http://schemas.microsoft.com/office/drawing/2014/main" id="{DB8424AB-D56B-4256-866A-5B54DE93C20F}"/>
+              </a:ext>
+              <a:ext uri="{C183D7F6-B498-43B3-948B-1728B52AA6E4}">
+                <adec:decorative xmlns:adec="http://schemas.microsoft.com/office/drawing/2017/decorative" val="1"/>
+              </a:ext>
+            </a:extLst>
+          </p:cNvPr>
+          <p:cNvSpPr>
+            <a:spLocks noGrp="1" noRot="1" noChangeAspect="1" noMove="1" noResize="1" noEditPoints="1" noAdjustHandles="1" noChangeArrowheads="1" noChangeShapeType="1" noTextEdit="1"/>
+          </p:cNvSpPr>
+          <p:nvPr>
+            <p:extLst>
+              <p:ext uri="{386F3935-93C4-4BCD-93E2-E3B085C9AB24}">
+                <p16:designElem xmlns:p16="http://schemas.microsoft.com/office/powerpoint/2015/main" val="1"/>
+              </p:ext>
+            </p:extLst>
+          </p:nvPr>
+        </p:nvSpPr>
+        <p:spPr>
+          <a:xfrm>
+            <a:off x="0" y="761999"/>
+            <a:ext cx="9141619" cy="5334001"/>
+          </a:xfrm>
+          <a:prstGeom prst="rect">
+            <a:avLst/>
+          </a:prstGeom>
+          <a:solidFill>
+            <a:schemeClr val="accent1"/>
+          </a:solidFill>
+          <a:ln>
+            <a:noFill/>
+          </a:ln>
+        </p:spPr>
+        <p:style>
+          <a:lnRef idx="2">
+            <a:schemeClr val="accent1">
+              <a:shade val="50000"/>
+            </a:schemeClr>
+          </a:lnRef>
+          <a:fillRef idx="1">
+            <a:schemeClr val="accent1"/>
+          </a:fillRef>
+          <a:effectRef idx="0">
+            <a:schemeClr val="accent1"/>
+          </a:effectRef>
+          <a:fontRef idx="minor">
+            <a:schemeClr val="lt1"/>
+          </a:fontRef>
+        </p:style>
+      </p:sp>
+      <p:sp>
+        <p:nvSpPr>
+          <p:cNvPr id="12" name="Rectangle 11">
+            <a:extLst>
+              <a:ext uri="{FF2B5EF4-FFF2-40B4-BE49-F238E27FC236}">
+                <a16:creationId xmlns:a16="http://schemas.microsoft.com/office/drawing/2014/main" id="{FC999C28-AD33-4EB7-A5F1-C06D10A5FDF7}"/>
+              </a:ext>
+              <a:ext uri="{C183D7F6-B498-43B3-948B-1728B52AA6E4}">
+                <adec:decorative xmlns:adec="http://schemas.microsoft.com/office/drawing/2017/decorative" val="1"/>
+              </a:ext>
+            </a:extLst>
+          </p:cNvPr>
+          <p:cNvSpPr>
+            <a:spLocks noGrp="1" noRot="1" noChangeAspect="1" noMove="1" noResize="1" noEditPoints="1" noAdjustHandles="1" noChangeArrowheads="1" noChangeShapeType="1" noTextEdit="1"/>
+          </p:cNvSpPr>
+          <p:nvPr>
+            <p:extLst>
+              <p:ext uri="{386F3935-93C4-4BCD-93E2-E3B085C9AB24}">
+                <p16:designElem xmlns:p16="http://schemas.microsoft.com/office/powerpoint/2015/main" val="1"/>
+              </p:ext>
+            </p:extLst>
+          </p:nvPr>
+        </p:nvSpPr>
+        <p:spPr>
+          <a:xfrm>
+            <a:off x="9270263" y="761999"/>
+            <a:ext cx="2925318" cy="5334001"/>
+          </a:xfrm>
+          <a:prstGeom prst="rect">
+            <a:avLst/>
+          </a:prstGeom>
+          <a:solidFill>
+            <a:srgbClr val="C8C8C8">
+              <a:alpha val="49804"/>
+            </a:srgbClr>
+          </a:solidFill>
+          <a:ln>
+            <a:noFill/>
+          </a:ln>
+        </p:spPr>
+        <p:style>
+          <a:lnRef idx="2">
+            <a:schemeClr val="accent1">
+              <a:shade val="50000"/>
+            </a:schemeClr>
+          </a:lnRef>
+          <a:fillRef idx="1">
+            <a:schemeClr val="accent1"/>
+          </a:fillRef>
+          <a:effectRef idx="0">
+            <a:schemeClr val="accent1"/>
+          </a:effectRef>
+          <a:fontRef idx="minor">
+            <a:schemeClr val="lt1"/>
+          </a:fontRef>
+        </p:style>
+      </p:sp>
+      <p:sp useBgFill="1">
+        <p:nvSpPr>
+          <p:cNvPr id="14" name="Rectangle 13">
+            <a:extLst>
+              <a:ext uri="{FF2B5EF4-FFF2-40B4-BE49-F238E27FC236}">
+                <a16:creationId xmlns:a16="http://schemas.microsoft.com/office/drawing/2014/main" id="{9203ABB4-7E2A-4248-9FE7-4A419AFF2F17}"/>
+              </a:ext>
+              <a:ext uri="{C183D7F6-B498-43B3-948B-1728B52AA6E4}">
+                <adec:decorative xmlns:adec="http://schemas.microsoft.com/office/drawing/2017/decorative" val="1"/>
+              </a:ext>
+            </a:extLst>
+          </p:cNvPr>
+          <p:cNvSpPr>
+            <a:spLocks noGrp="1" noRot="1" noChangeAspect="1" noMove="1" noResize="1" noEditPoints="1" noAdjustHandles="1" noChangeArrowheads="1" noChangeShapeType="1" noTextEdit="1"/>
+          </p:cNvSpPr>
+          <p:nvPr>
+            <p:extLst>
+              <p:ext uri="{386F3935-93C4-4BCD-93E2-E3B085C9AB24}">
+                <p16:designElem xmlns:p16="http://schemas.microsoft.com/office/powerpoint/2015/main" val="1"/>
+              </p:ext>
+            </p:extLst>
+          </p:nvPr>
+        </p:nvSpPr>
+        <p:spPr>
+          <a:xfrm>
+            <a:off x="0" y="0"/>
+            <a:ext cx="12191999" cy="6858000"/>
+          </a:xfrm>
+          <a:prstGeom prst="rect">
+            <a:avLst/>
+          </a:prstGeom>
+          <a:ln>
+            <a:noFill/>
+          </a:ln>
+        </p:spPr>
+        <p:style>
+          <a:lnRef idx="2">
+            <a:schemeClr val="accent1">
+              <a:shade val="50000"/>
+            </a:schemeClr>
+          </a:lnRef>
+          <a:fillRef idx="1">
+            <a:schemeClr val="accent1"/>
+          </a:fillRef>
+          <a:effectRef idx="0">
+            <a:schemeClr val="accent1"/>
+          </a:effectRef>
+          <a:fontRef idx="minor">
+            <a:schemeClr val="lt1"/>
+          </a:fontRef>
+        </p:style>
+        <p:txBody>
+          <a:bodyPr rtlCol="0" anchor="ctr"/>
+          <a:lstStyle/>
+          <a:p>
+            <a:pPr algn="ctr"/>
+            <a:endParaRPr lang="en-US"/>
+          </a:p>
+        </p:txBody>
+      </p:sp>
+      <p:sp>
+        <p:nvSpPr>
+          <p:cNvPr id="16" name="Rectangle 15">
+            <a:extLst>
+              <a:ext uri="{FF2B5EF4-FFF2-40B4-BE49-F238E27FC236}">
+                <a16:creationId xmlns:a16="http://schemas.microsoft.com/office/drawing/2014/main" id="{3126970D-C1E5-4FB1-84E8-86CB9CED1C80}"/>
+              </a:ext>
+              <a:ext uri="{C183D7F6-B498-43B3-948B-1728B52AA6E4}">
+                <adec:decorative xmlns:adec="http://schemas.microsoft.com/office/drawing/2017/decorative" val="1"/>
+              </a:ext>
+            </a:extLst>
+          </p:cNvPr>
+          <p:cNvSpPr>
+            <a:spLocks noGrp="1" noRot="1" noChangeAspect="1" noMove="1" noResize="1" noEditPoints="1" noAdjustHandles="1" noChangeArrowheads="1" noChangeShapeType="1" noTextEdit="1"/>
+          </p:cNvSpPr>
+          <p:nvPr>
+            <p:extLst>
+              <p:ext uri="{386F3935-93C4-4BCD-93E2-E3B085C9AB24}">
+                <p16:designElem xmlns:p16="http://schemas.microsoft.com/office/powerpoint/2015/main" val="1"/>
+              </p:ext>
+            </p:extLst>
+          </p:nvPr>
+        </p:nvSpPr>
+        <p:spPr>
+          <a:xfrm>
+            <a:off x="0" y="4367639"/>
+            <a:ext cx="11707367" cy="1852186"/>
+          </a:xfrm>
+          <a:prstGeom prst="rect">
+            <a:avLst/>
+          </a:prstGeom>
+          <a:solidFill>
+            <a:schemeClr val="accent1"/>
+          </a:solidFill>
+          <a:ln>
+            <a:noFill/>
+          </a:ln>
+        </p:spPr>
+        <p:style>
+          <a:lnRef idx="2">
+            <a:schemeClr val="accent1">
+              <a:shade val="50000"/>
+            </a:schemeClr>
+          </a:lnRef>
+          <a:fillRef idx="1">
+            <a:schemeClr val="accent1"/>
+          </a:fillRef>
+          <a:effectRef idx="0">
+            <a:schemeClr val="accent1"/>
+          </a:effectRef>
+          <a:fontRef idx="minor">
+            <a:schemeClr val="lt1"/>
+          </a:fontRef>
+        </p:style>
+      </p:sp>
+      <p:sp>
+        <p:nvSpPr>
+          <p:cNvPr id="2" name="Título 1">
+            <a:extLst>
+              <a:ext uri="{FF2B5EF4-FFF2-40B4-BE49-F238E27FC236}">
+                <a16:creationId xmlns:a16="http://schemas.microsoft.com/office/drawing/2014/main" id="{FE4BFC60-F850-413C-A8BB-846DCEA5C980}"/>
+              </a:ext>
+            </a:extLst>
+          </p:cNvPr>
+          <p:cNvSpPr>
+            <a:spLocks noGrp="1"/>
+          </p:cNvSpPr>
+          <p:nvPr>
+            <p:ph type="title"/>
+          </p:nvPr>
+        </p:nvSpPr>
+        <p:spPr>
+          <a:xfrm>
+            <a:off x="1069848" y="4590661"/>
+            <a:ext cx="10210862" cy="1065690"/>
+          </a:xfrm>
+        </p:spPr>
+        <p:txBody>
+          <a:bodyPr vert="horz" lIns="91440" tIns="45720" rIns="91440" bIns="45720" rtlCol="0" anchor="b">
+            <a:normAutofit/>
+          </a:bodyPr>
+          <a:lstStyle/>
+          <a:p>
+            <a:r>
+              <a:rPr lang="en-US" sz="5900" spc="-100"/>
+              <a:t>Openrefine</a:t>
+            </a:r>
+          </a:p>
+        </p:txBody>
+      </p:sp>
+      <p:pic>
+        <p:nvPicPr>
+          <p:cNvPr id="5" name="Marcador de contenido 4">
+            <a:extLst>
+              <a:ext uri="{FF2B5EF4-FFF2-40B4-BE49-F238E27FC236}">
+                <a16:creationId xmlns:a16="http://schemas.microsoft.com/office/drawing/2014/main" id="{42A3844B-2535-4A4B-B5BC-BAB76C1F0BB1}"/>
+              </a:ext>
+            </a:extLst>
+          </p:cNvPr>
+          <p:cNvPicPr>
+            <a:picLocks noGrp="1" noChangeAspect="1"/>
+          </p:cNvPicPr>
+          <p:nvPr>
+            <p:ph idx="1"/>
+          </p:nvPr>
+        </p:nvPicPr>
+        <p:blipFill>
+          <a:blip r:embed="rId2"/>
+          <a:stretch>
+            <a:fillRect/>
+          </a:stretch>
+        </p:blipFill>
+        <p:spPr>
+          <a:xfrm>
+            <a:off x="235675" y="761999"/>
+            <a:ext cx="11720647" cy="2402732"/>
+          </a:xfrm>
+          <a:prstGeom prst="rect">
+            <a:avLst/>
+          </a:prstGeom>
+        </p:spPr>
+      </p:pic>
+    </p:spTree>
+    <p:extLst>
+      <p:ext uri="{BB962C8B-B14F-4D97-AF65-F5344CB8AC3E}">
+        <p14:creationId xmlns:p14="http://schemas.microsoft.com/office/powerpoint/2010/main" val="2735679163"/>
+      </p:ext>
+    </p:extLst>
+  </p:cSld>
+  <p:clrMapOvr>
+    <a:masterClrMapping/>
+  </p:clrMapOvr>
+</p:sld>
+</file>
+
 <file path=ppt/slides/slide6.xml><?xml version="1.0" encoding="utf-8"?>
 <p:sld xmlns:a="http://schemas.openxmlformats.org/drawingml/2006/main" xmlns:r="http://schemas.openxmlformats.org/officeDocument/2006/relationships" xmlns:p="http://schemas.openxmlformats.org/presentationml/2006/main">
   <p:cSld>
@@ -8740,14 +8799,6 @@
 <file path=ppt/slides/slide7.xml><?xml version="1.0" encoding="utf-8"?>
 <p:sld xmlns:a="http://schemas.openxmlformats.org/drawingml/2006/main" xmlns:r="http://schemas.openxmlformats.org/officeDocument/2006/relationships" xmlns:p="http://schemas.openxmlformats.org/presentationml/2006/main">
   <p:cSld>
-    <p:bg>
-      <p:bgPr>
-        <a:solidFill>
-          <a:schemeClr val="bg1"/>
-        </a:solidFill>
-        <a:effectLst/>
-      </p:bgPr>
-    </p:bg>
     <p:spTree>
       <p:nvGrpSpPr>
         <p:cNvPr id="1" name=""/>
@@ -8762,702 +8813,49 @@
           <a:chExt cx="0" cy="0"/>
         </a:xfrm>
       </p:grpSpPr>
-      <p:sp useBgFill="1">
-        <p:nvSpPr>
-          <p:cNvPr id="57" name="Rectangle 56">
+      <p:sp>
+        <p:nvSpPr>
+          <p:cNvPr id="2" name="Title 1">
             <a:extLst>
               <a:ext uri="{FF2B5EF4-FFF2-40B4-BE49-F238E27FC236}">
-                <a16:creationId xmlns:a16="http://schemas.microsoft.com/office/drawing/2014/main" id="{29DC5A77-10C9-4ECF-B7EB-8D917F36A9EE}"/>
-              </a:ext>
-              <a:ext uri="{C183D7F6-B498-43B3-948B-1728B52AA6E4}">
-                <adec:decorative xmlns:adec="http://schemas.microsoft.com/office/drawing/2017/decorative" val="1"/>
+                <a16:creationId xmlns:a16="http://schemas.microsoft.com/office/drawing/2014/main" id="{6F24B592-F271-4CC3-B211-576D5AF52ABD}"/>
               </a:ext>
             </a:extLst>
           </p:cNvPr>
           <p:cNvSpPr>
-            <a:spLocks noGrp="1" noRot="1" noChangeAspect="1" noMove="1" noResize="1" noEditPoints="1" noAdjustHandles="1" noChangeArrowheads="1" noChangeShapeType="1" noTextEdit="1"/>
-          </p:cNvSpPr>
-          <p:nvPr>
-            <p:extLst>
-              <p:ext uri="{386F3935-93C4-4BCD-93E2-E3B085C9AB24}">
-                <p16:designElem xmlns:p16="http://schemas.microsoft.com/office/powerpoint/2015/main" val="1"/>
-              </p:ext>
-            </p:extLst>
-          </p:nvPr>
-        </p:nvSpPr>
-        <p:spPr>
-          <a:xfrm>
-            <a:off x="0" y="0"/>
-            <a:ext cx="12192000" cy="6858000"/>
-          </a:xfrm>
-          <a:prstGeom prst="rect">
-            <a:avLst/>
-          </a:prstGeom>
-          <a:ln>
-            <a:noFill/>
-          </a:ln>
-        </p:spPr>
-        <p:style>
-          <a:lnRef idx="2">
-            <a:schemeClr val="accent1">
-              <a:shade val="50000"/>
-            </a:schemeClr>
-          </a:lnRef>
-          <a:fillRef idx="1">
-            <a:schemeClr val="accent1"/>
-          </a:fillRef>
-          <a:effectRef idx="0">
-            <a:schemeClr val="accent1"/>
-          </a:effectRef>
-          <a:fontRef idx="minor">
-            <a:schemeClr val="lt1"/>
-          </a:fontRef>
-        </p:style>
-        <p:txBody>
-          <a:bodyPr rtlCol="0" anchor="ctr"/>
-          <a:lstStyle/>
-          <a:p>
-            <a:pPr algn="ctr"/>
-            <a:endParaRPr lang="en-US"/>
-          </a:p>
-        </p:txBody>
-      </p:sp>
-      <p:sp>
-        <p:nvSpPr>
-          <p:cNvPr id="59" name="Rectangle 58">
-            <a:extLst>
-              <a:ext uri="{FF2B5EF4-FFF2-40B4-BE49-F238E27FC236}">
-                <a16:creationId xmlns:a16="http://schemas.microsoft.com/office/drawing/2014/main" id="{2FFE28B5-FB16-49A9-B851-3C35FAC0CACB}"/>
-              </a:ext>
-              <a:ext uri="{C183D7F6-B498-43B3-948B-1728B52AA6E4}">
-                <adec:decorative xmlns:adec="http://schemas.microsoft.com/office/drawing/2017/decorative" val="1"/>
-              </a:ext>
-            </a:extLst>
-          </p:cNvPr>
-          <p:cNvSpPr>
-            <a:spLocks noGrp="1" noRot="1" noChangeAspect="1" noMove="1" noResize="1" noEditPoints="1" noAdjustHandles="1" noChangeArrowheads="1" noChangeShapeType="1" noTextEdit="1"/>
-          </p:cNvSpPr>
-          <p:nvPr>
-            <p:extLst>
-              <p:ext uri="{386F3935-93C4-4BCD-93E2-E3B085C9AB24}">
-                <p16:designElem xmlns:p16="http://schemas.microsoft.com/office/powerpoint/2015/main" val="1"/>
-              </p:ext>
-            </p:extLst>
-          </p:nvPr>
-        </p:nvSpPr>
-        <p:spPr>
-          <a:xfrm>
-            <a:off x="1" y="758952"/>
-            <a:ext cx="10905976" cy="1651133"/>
-          </a:xfrm>
-          <a:prstGeom prst="rect">
-            <a:avLst/>
-          </a:prstGeom>
-          <a:solidFill>
-            <a:schemeClr val="accent1"/>
-          </a:solidFill>
-          <a:ln>
-            <a:noFill/>
-          </a:ln>
-        </p:spPr>
-        <p:style>
-          <a:lnRef idx="2">
-            <a:schemeClr val="accent1">
-              <a:shade val="50000"/>
-            </a:schemeClr>
-          </a:lnRef>
-          <a:fillRef idx="1">
-            <a:schemeClr val="accent1"/>
-          </a:fillRef>
-          <a:effectRef idx="0">
-            <a:schemeClr val="accent1"/>
-          </a:effectRef>
-          <a:fontRef idx="minor">
-            <a:schemeClr val="lt1"/>
-          </a:fontRef>
-        </p:style>
+            <a:spLocks noGrp="1"/>
+          </p:cNvSpPr>
+          <p:nvPr>
+            <p:ph type="title"/>
+          </p:nvPr>
+        </p:nvSpPr>
+        <p:spPr/>
         <p:txBody>
           <a:bodyPr/>
           <a:lstStyle/>
           <a:p>
-            <a:endParaRPr lang="en-US"/>
+            <a:r>
+              <a:rPr lang="en-US"/>
+              <a:t>Ciudades abiertas</a:t>
+            </a:r>
           </a:p>
         </p:txBody>
       </p:sp>
-      <p:sp>
-        <p:nvSpPr>
-          <p:cNvPr id="2" name="Title 1">
+      <p:pic>
+        <p:nvPicPr>
+          <p:cNvPr id="4" name="Picture 4" descr="Graphical user interface, application&#10;&#10;Description automatically generated">
             <a:extLst>
               <a:ext uri="{FF2B5EF4-FFF2-40B4-BE49-F238E27FC236}">
-                <a16:creationId xmlns:a16="http://schemas.microsoft.com/office/drawing/2014/main" id="{26BEDC25-1D7B-4DDA-A2B6-8441E3984999}"/>
-              </a:ext>
-            </a:extLst>
-          </p:cNvPr>
-          <p:cNvSpPr>
-            <a:spLocks noGrp="1"/>
-          </p:cNvSpPr>
-          <p:nvPr>
-            <p:ph type="title"/>
-          </p:nvPr>
-        </p:nvSpPr>
-        <p:spPr>
-          <a:xfrm>
-            <a:off x="1600754" y="1087374"/>
-            <a:ext cx="8983489" cy="1000978"/>
-          </a:xfrm>
-        </p:spPr>
-        <p:txBody>
-          <a:bodyPr>
-            <a:normAutofit/>
-          </a:bodyPr>
-          <a:lstStyle/>
-          <a:p>
-            <a:r>
-              <a:rPr lang="en-US" sz="4000"/>
-              <a:t>HandsOn5 – Links </a:t>
-            </a:r>
-          </a:p>
-        </p:txBody>
-      </p:sp>
-      <p:sp>
-        <p:nvSpPr>
-          <p:cNvPr id="61" name="Rectangle 60">
-            <a:extLst>
-              <a:ext uri="{FF2B5EF4-FFF2-40B4-BE49-F238E27FC236}">
-                <a16:creationId xmlns:a16="http://schemas.microsoft.com/office/drawing/2014/main" id="{01014442-855A-4E0F-8D09-C314661A48B9}"/>
-              </a:ext>
-              <a:ext uri="{C183D7F6-B498-43B3-948B-1728B52AA6E4}">
-                <adec:decorative xmlns:adec="http://schemas.microsoft.com/office/drawing/2017/decorative" val="1"/>
-              </a:ext>
-            </a:extLst>
-          </p:cNvPr>
-          <p:cNvSpPr>
-            <a:spLocks noGrp="1" noRot="1" noChangeAspect="1" noMove="1" noResize="1" noEditPoints="1" noAdjustHandles="1" noChangeArrowheads="1" noChangeShapeType="1" noTextEdit="1"/>
-          </p:cNvSpPr>
-          <p:nvPr>
-            <p:extLst>
-              <p:ext uri="{386F3935-93C4-4BCD-93E2-E3B085C9AB24}">
-                <p16:designElem xmlns:p16="http://schemas.microsoft.com/office/powerpoint/2015/main" val="1"/>
-              </p:ext>
-            </p:extLst>
-          </p:nvPr>
-        </p:nvSpPr>
-        <p:spPr>
-          <a:xfrm>
-            <a:off x="11014533" y="758952"/>
-            <a:ext cx="1185379" cy="1651133"/>
-          </a:xfrm>
-          <a:prstGeom prst="rect">
-            <a:avLst/>
-          </a:prstGeom>
-          <a:solidFill>
-            <a:srgbClr val="C8C8C8">
-              <a:alpha val="49804"/>
-            </a:srgbClr>
-          </a:solidFill>
-          <a:ln>
-            <a:noFill/>
-          </a:ln>
-        </p:spPr>
-        <p:style>
-          <a:lnRef idx="2">
-            <a:schemeClr val="accent1">
-              <a:shade val="50000"/>
-            </a:schemeClr>
-          </a:lnRef>
-          <a:fillRef idx="1">
-            <a:schemeClr val="accent1"/>
-          </a:fillRef>
-          <a:effectRef idx="0">
-            <a:schemeClr val="accent1"/>
-          </a:effectRef>
-          <a:fontRef idx="minor">
-            <a:schemeClr val="lt1"/>
-          </a:fontRef>
-        </p:style>
-      </p:sp>
-      <p:sp>
-        <p:nvSpPr>
-          <p:cNvPr id="63" name="Rectangle 62">
-            <a:extLst>
-              <a:ext uri="{FF2B5EF4-FFF2-40B4-BE49-F238E27FC236}">
-                <a16:creationId xmlns:a16="http://schemas.microsoft.com/office/drawing/2014/main" id="{9B1ABF09-86CF-414E-88A5-2B84CC7232A9}"/>
-              </a:ext>
-              <a:ext uri="{C183D7F6-B498-43B3-948B-1728B52AA6E4}">
-                <adec:decorative xmlns:adec="http://schemas.microsoft.com/office/drawing/2017/decorative" val="1"/>
-              </a:ext>
-            </a:extLst>
-          </p:cNvPr>
-          <p:cNvSpPr>
-            <a:spLocks noGrp="1" noRot="1" noChangeAspect="1" noMove="1" noResize="1" noEditPoints="1" noAdjustHandles="1" noChangeArrowheads="1" noChangeShapeType="1" noTextEdit="1"/>
-          </p:cNvSpPr>
-          <p:nvPr>
-            <p:extLst>
-              <p:ext uri="{386F3935-93C4-4BCD-93E2-E3B085C9AB24}">
-                <p16:designElem xmlns:p16="http://schemas.microsoft.com/office/powerpoint/2015/main" val="1"/>
-              </p:ext>
-            </p:extLst>
-          </p:nvPr>
-        </p:nvSpPr>
-        <p:spPr>
-          <a:xfrm>
-            <a:off x="763" y="2526526"/>
-            <a:ext cx="1169701" cy="3563378"/>
-          </a:xfrm>
-          <a:prstGeom prst="rect">
-            <a:avLst/>
-          </a:prstGeom>
-          <a:solidFill>
-            <a:srgbClr val="C8C8C8">
-              <a:alpha val="49804"/>
-            </a:srgbClr>
-          </a:solidFill>
-          <a:ln>
-            <a:noFill/>
-          </a:ln>
-        </p:spPr>
-        <p:style>
-          <a:lnRef idx="2">
-            <a:schemeClr val="accent1">
-              <a:shade val="50000"/>
-            </a:schemeClr>
-          </a:lnRef>
-          <a:fillRef idx="1">
-            <a:schemeClr val="accent1"/>
-          </a:fillRef>
-          <a:effectRef idx="0">
-            <a:schemeClr val="accent1"/>
-          </a:effectRef>
-          <a:fontRef idx="minor">
-            <a:schemeClr val="lt1"/>
-          </a:fontRef>
-        </p:style>
-      </p:sp>
-      <p:sp>
-        <p:nvSpPr>
-          <p:cNvPr id="65" name="Rectangle 64">
-            <a:extLst>
-              <a:ext uri="{FF2B5EF4-FFF2-40B4-BE49-F238E27FC236}">
-                <a16:creationId xmlns:a16="http://schemas.microsoft.com/office/drawing/2014/main" id="{3FE91770-CDBB-4D24-94E5-AD484F36CE87}"/>
-              </a:ext>
-              <a:ext uri="{C183D7F6-B498-43B3-948B-1728B52AA6E4}">
-                <adec:decorative xmlns:adec="http://schemas.microsoft.com/office/drawing/2017/decorative" val="1"/>
-              </a:ext>
-            </a:extLst>
-          </p:cNvPr>
-          <p:cNvSpPr>
-            <a:spLocks noGrp="1" noRot="1" noChangeAspect="1" noMove="1" noResize="1" noEditPoints="1" noAdjustHandles="1" noChangeArrowheads="1" noChangeShapeType="1" noTextEdit="1"/>
-          </p:cNvSpPr>
-          <p:nvPr>
-            <p:extLst>
-              <p:ext uri="{386F3935-93C4-4BCD-93E2-E3B085C9AB24}">
-                <p16:designElem xmlns:p16="http://schemas.microsoft.com/office/powerpoint/2015/main" val="1"/>
-              </p:ext>
-            </p:extLst>
-          </p:nvPr>
-        </p:nvSpPr>
-        <p:spPr>
-          <a:xfrm>
-            <a:off x="1279019" y="2526526"/>
-            <a:ext cx="10920893" cy="3563377"/>
-          </a:xfrm>
-          <a:prstGeom prst="rect">
-            <a:avLst/>
-          </a:prstGeom>
-          <a:solidFill>
-            <a:schemeClr val="bg2">
-              <a:lumMod val="60000"/>
-              <a:lumOff val="40000"/>
-              <a:alpha val="60000"/>
-            </a:schemeClr>
-          </a:solidFill>
-          <a:ln>
-            <a:noFill/>
-          </a:ln>
-        </p:spPr>
-        <p:style>
-          <a:lnRef idx="2">
-            <a:schemeClr val="accent1">
-              <a:shade val="50000"/>
-            </a:schemeClr>
-          </a:lnRef>
-          <a:fillRef idx="1">
-            <a:schemeClr val="accent1"/>
-          </a:fillRef>
-          <a:effectRef idx="0">
-            <a:schemeClr val="accent1"/>
-          </a:effectRef>
-          <a:fontRef idx="minor">
-            <a:schemeClr val="lt1"/>
-          </a:fontRef>
-        </p:style>
-        <p:txBody>
-          <a:bodyPr/>
-          <a:lstStyle/>
-          <a:p>
-            <a:endParaRPr lang="en-US"/>
-          </a:p>
-        </p:txBody>
-      </p:sp>
-      <p:sp>
-        <p:nvSpPr>
-          <p:cNvPr id="52" name="Content Placeholder 51">
-            <a:extLst>
-              <a:ext uri="{FF2B5EF4-FFF2-40B4-BE49-F238E27FC236}">
-                <a16:creationId xmlns:a16="http://schemas.microsoft.com/office/drawing/2014/main" id="{20AAB45A-FB01-4B86-BA72-FB4275D50482}"/>
-              </a:ext>
-            </a:extLst>
-          </p:cNvPr>
-          <p:cNvSpPr>
-            <a:spLocks noGrp="1"/>
-          </p:cNvSpPr>
-          <p:nvPr>
-            <p:ph idx="1"/>
-          </p:nvPr>
-        </p:nvSpPr>
-        <p:spPr>
-          <a:xfrm>
-            <a:off x="1600753" y="2357646"/>
-            <a:ext cx="8983489" cy="3554457"/>
-          </a:xfrm>
-        </p:spPr>
-        <p:txBody>
-          <a:bodyPr>
-            <a:normAutofit fontScale="85000" lnSpcReduction="20000"/>
-          </a:bodyPr>
-          <a:lstStyle/>
-          <a:p>
-            <a:endParaRPr lang="en-US" sz="2500">
-              <a:solidFill>
-                <a:schemeClr val="tx1"/>
-              </a:solidFill>
-            </a:endParaRPr>
-          </a:p>
-          <a:p>
-            <a:pPr algn="just">
-              <a:lnSpc>
-                <a:spcPct val="120000"/>
-              </a:lnSpc>
-              <a:spcBef>
-                <a:spcPts val="0"/>
-              </a:spcBef>
-              <a:buChar char="•"/>
-            </a:pPr>
-            <a:r>
-              <a:rPr lang="en-US" sz="2500">
-                <a:ea typeface="+mn-lt"/>
-                <a:cs typeface="+mn-lt"/>
-              </a:rPr>
-              <a:t>JSON con </a:t>
-            </a:r>
-            <a:r>
-              <a:rPr lang="en-US" sz="2500" err="1">
-                <a:ea typeface="+mn-lt"/>
-                <a:cs typeface="+mn-lt"/>
-              </a:rPr>
-              <a:t>el</a:t>
-            </a:r>
-            <a:r>
-              <a:rPr lang="en-US" sz="2500">
-                <a:ea typeface="+mn-lt"/>
-                <a:cs typeface="+mn-lt"/>
-              </a:rPr>
-              <a:t> linking de los </a:t>
-            </a:r>
-            <a:r>
-              <a:rPr lang="en-US" sz="2500" err="1">
-                <a:ea typeface="+mn-lt"/>
-                <a:cs typeface="+mn-lt"/>
-              </a:rPr>
-              <a:t>datos</a:t>
-            </a:r>
-            <a:r>
-              <a:rPr lang="en-US" sz="2500">
-                <a:ea typeface="+mn-lt"/>
-                <a:cs typeface="+mn-lt"/>
-              </a:rPr>
-              <a:t> con </a:t>
-            </a:r>
-            <a:r>
-              <a:rPr lang="en-US" sz="2500" err="1">
-                <a:ea typeface="+mn-lt"/>
-                <a:cs typeface="+mn-lt"/>
-              </a:rPr>
-              <a:t>Wikidata</a:t>
-            </a:r>
-            <a:endParaRPr lang="en-US" sz="2500">
-              <a:ea typeface="+mn-lt"/>
-              <a:cs typeface="+mn-lt"/>
-            </a:endParaRPr>
-          </a:p>
-          <a:p>
-            <a:pPr marL="0" indent="0" algn="just">
-              <a:lnSpc>
-                <a:spcPct val="120000"/>
-              </a:lnSpc>
-              <a:spcBef>
-                <a:spcPts val="0"/>
-              </a:spcBef>
-              <a:buNone/>
-            </a:pPr>
-            <a:endParaRPr lang="en-US" sz="2500">
-              <a:ea typeface="+mn-lt"/>
-              <a:cs typeface="+mn-lt"/>
-            </a:endParaRPr>
-          </a:p>
-          <a:p>
-            <a:pPr algn="just">
-              <a:lnSpc>
-                <a:spcPct val="120000"/>
-              </a:lnSpc>
-              <a:spcBef>
-                <a:spcPts val="0"/>
-              </a:spcBef>
-              <a:buChar char="•"/>
-            </a:pPr>
-            <a:r>
-              <a:rPr lang="en-US" sz="2500">
-                <a:ea typeface="+mn-lt"/>
-                <a:cs typeface="+mn-lt"/>
-              </a:rPr>
-              <a:t>El CSV con los </a:t>
-            </a:r>
-            <a:r>
-              <a:rPr lang="en-US" sz="2500" err="1">
-                <a:ea typeface="+mn-lt"/>
-                <a:cs typeface="+mn-lt"/>
-              </a:rPr>
-              <a:t>datos</a:t>
-            </a:r>
-            <a:r>
-              <a:rPr lang="en-US" sz="2500">
-                <a:ea typeface="+mn-lt"/>
-                <a:cs typeface="+mn-lt"/>
-              </a:rPr>
-              <a:t> y </a:t>
-            </a:r>
-            <a:r>
-              <a:rPr lang="en-US" sz="2500" err="1">
-                <a:ea typeface="+mn-lt"/>
-                <a:cs typeface="+mn-lt"/>
-              </a:rPr>
-              <a:t>liks</a:t>
-            </a:r>
-            <a:r>
-              <a:rPr lang="en-US" sz="2500">
-                <a:ea typeface="+mn-lt"/>
-                <a:cs typeface="+mn-lt"/>
-              </a:rPr>
-              <a:t> </a:t>
-            </a:r>
-            <a:r>
-              <a:rPr lang="en-US" sz="2500" err="1">
-                <a:ea typeface="+mn-lt"/>
-                <a:cs typeface="+mn-lt"/>
-              </a:rPr>
-              <a:t>actualizados</a:t>
-            </a:r>
-          </a:p>
-          <a:p>
-            <a:pPr marL="0" indent="0" algn="just">
-              <a:lnSpc>
-                <a:spcPct val="120000"/>
-              </a:lnSpc>
-              <a:spcBef>
-                <a:spcPts val="0"/>
-              </a:spcBef>
-              <a:buNone/>
-            </a:pPr>
-            <a:endParaRPr lang="en-US" sz="2500">
-              <a:ea typeface="+mn-lt"/>
-              <a:cs typeface="+mn-lt"/>
-            </a:endParaRPr>
-          </a:p>
-          <a:p>
-            <a:pPr algn="just">
-              <a:lnSpc>
-                <a:spcPct val="120000"/>
-              </a:lnSpc>
-              <a:spcBef>
-                <a:spcPts val="0"/>
-              </a:spcBef>
-              <a:buChar char="•"/>
-            </a:pPr>
-            <a:r>
-              <a:rPr lang="en-US" sz="2500" err="1">
-                <a:ea typeface="+mn-lt"/>
-                <a:cs typeface="+mn-lt"/>
-              </a:rPr>
-              <a:t>Fichero</a:t>
-            </a:r>
-            <a:r>
-              <a:rPr lang="en-US" sz="2500">
-                <a:ea typeface="+mn-lt"/>
-                <a:cs typeface="+mn-lt"/>
-              </a:rPr>
-              <a:t> RML con los mappings </a:t>
-            </a:r>
-            <a:r>
-              <a:rPr lang="en-US" sz="2500" err="1">
-                <a:ea typeface="+mn-lt"/>
-                <a:cs typeface="+mn-lt"/>
-              </a:rPr>
-              <a:t>actualizados</a:t>
-            </a:r>
-            <a:endParaRPr lang="en-US" sz="2500">
-              <a:ea typeface="+mn-lt"/>
-              <a:cs typeface="+mn-lt"/>
-            </a:endParaRPr>
-          </a:p>
-          <a:p>
-            <a:pPr marL="0" indent="0" algn="just">
-              <a:lnSpc>
-                <a:spcPct val="120000"/>
-              </a:lnSpc>
-              <a:spcBef>
-                <a:spcPts val="0"/>
-              </a:spcBef>
-              <a:buNone/>
-            </a:pPr>
-            <a:endParaRPr lang="en-US" sz="2500">
-              <a:ea typeface="+mn-lt"/>
-              <a:cs typeface="+mn-lt"/>
-            </a:endParaRPr>
-          </a:p>
-          <a:p>
-            <a:pPr algn="just">
-              <a:lnSpc>
-                <a:spcPct val="120000"/>
-              </a:lnSpc>
-              <a:spcBef>
-                <a:spcPts val="0"/>
-              </a:spcBef>
-              <a:buChar char="•"/>
-            </a:pPr>
-            <a:r>
-              <a:rPr lang="en-US" sz="2500" err="1">
-                <a:ea typeface="+mn-lt"/>
-                <a:cs typeface="+mn-lt"/>
-              </a:rPr>
-              <a:t>Fichero</a:t>
-            </a:r>
-            <a:r>
-              <a:rPr lang="en-US" sz="2500">
-                <a:ea typeface="+mn-lt"/>
-                <a:cs typeface="+mn-lt"/>
-              </a:rPr>
-              <a:t> RDF con la </a:t>
-            </a:r>
-            <a:r>
-              <a:rPr lang="en-US" sz="2500" err="1">
-                <a:ea typeface="+mn-lt"/>
-                <a:cs typeface="+mn-lt"/>
-              </a:rPr>
-              <a:t>sintaxis</a:t>
-            </a:r>
-            <a:r>
-              <a:rPr lang="en-US" sz="2500">
-                <a:ea typeface="+mn-lt"/>
-                <a:cs typeface="+mn-lt"/>
-              </a:rPr>
-              <a:t> de Turtle</a:t>
-            </a:r>
-          </a:p>
-          <a:p>
-            <a:pPr marL="0" indent="0" algn="just">
-              <a:lnSpc>
-                <a:spcPct val="120000"/>
-              </a:lnSpc>
-              <a:spcBef>
-                <a:spcPts val="0"/>
-              </a:spcBef>
-              <a:buNone/>
-            </a:pPr>
-            <a:endParaRPr lang="en-US" sz="2500">
-              <a:ea typeface="+mn-lt"/>
-              <a:cs typeface="+mn-lt"/>
-            </a:endParaRPr>
-          </a:p>
-          <a:p>
-            <a:pPr algn="just">
-              <a:lnSpc>
-                <a:spcPct val="120000"/>
-              </a:lnSpc>
-              <a:spcBef>
-                <a:spcPts val="0"/>
-              </a:spcBef>
-              <a:buChar char="•"/>
-            </a:pPr>
-            <a:r>
-              <a:rPr lang="en-US" sz="2500">
-                <a:ea typeface="+mn-lt"/>
-                <a:cs typeface="+mn-lt"/>
-              </a:rPr>
-              <a:t>Un </a:t>
-            </a:r>
-            <a:r>
-              <a:rPr lang="en-US" sz="2500" err="1">
-                <a:ea typeface="+mn-lt"/>
-                <a:cs typeface="+mn-lt"/>
-              </a:rPr>
-              <a:t>fichero</a:t>
-            </a:r>
-            <a:r>
-              <a:rPr lang="en-US" sz="2500">
-                <a:ea typeface="+mn-lt"/>
-                <a:cs typeface="+mn-lt"/>
-              </a:rPr>
-              <a:t> SPARQL con las queries para </a:t>
-            </a:r>
-          </a:p>
-          <a:p>
-            <a:pPr marL="0" indent="0" algn="just">
-              <a:lnSpc>
-                <a:spcPct val="120000"/>
-              </a:lnSpc>
-              <a:spcBef>
-                <a:spcPts val="0"/>
-              </a:spcBef>
-              <a:buNone/>
-            </a:pPr>
-            <a:r>
-              <a:rPr lang="en-US" sz="2500">
-                <a:ea typeface="+mn-lt"/>
-                <a:cs typeface="+mn-lt"/>
-              </a:rPr>
-              <a:t>    </a:t>
-            </a:r>
-            <a:r>
-              <a:rPr lang="en-US" sz="2500" err="1">
-                <a:ea typeface="+mn-lt"/>
-                <a:cs typeface="+mn-lt"/>
-              </a:rPr>
-              <a:t>verificar</a:t>
-            </a:r>
-            <a:r>
-              <a:rPr lang="en-US" sz="2500">
-                <a:ea typeface="+mn-lt"/>
-                <a:cs typeface="+mn-lt"/>
-              </a:rPr>
-              <a:t> los links</a:t>
-            </a:r>
-            <a:endParaRPr lang="en-US" sz="2500"/>
-          </a:p>
-        </p:txBody>
-      </p:sp>
-      <p:pic>
-        <p:nvPicPr>
-          <p:cNvPr id="53" name="Picture 53" descr="A picture containing logo&#10;&#10;Description automatically generated">
-            <a:extLst>
-              <a:ext uri="{FF2B5EF4-FFF2-40B4-BE49-F238E27FC236}">
-                <a16:creationId xmlns:a16="http://schemas.microsoft.com/office/drawing/2014/main" id="{A56E0CE5-AA55-4C48-BA2C-E321A655BA62}"/>
+                <a16:creationId xmlns:a16="http://schemas.microsoft.com/office/drawing/2014/main" id="{63FFDBDE-58A5-4F30-B550-01215CD8685B}"/>
               </a:ext>
             </a:extLst>
           </p:cNvPr>
           <p:cNvPicPr>
-            <a:picLocks noChangeAspect="1"/>
+            <a:picLocks noGrp="1" noChangeAspect="1"/>
           </p:cNvPicPr>
-          <p:nvPr/>
+          <p:nvPr>
+            <p:ph idx="1"/>
+          </p:nvPr>
         </p:nvPicPr>
         <p:blipFill>
           <a:blip r:embed="rId2"/>
@@ -9467,27 +8865,21 @@
         </p:blipFill>
         <p:spPr>
           <a:xfrm>
-            <a:off x="7729267" y="3163084"/>
-            <a:ext cx="3246407" cy="2314625"/>
+            <a:off x="4417322" y="864108"/>
+            <a:ext cx="6219091" cy="5120640"/>
           </a:xfrm>
-          <a:prstGeom prst="rect">
-            <a:avLst/>
-          </a:prstGeom>
         </p:spPr>
       </p:pic>
     </p:spTree>
     <p:extLst>
       <p:ext uri="{BB962C8B-B14F-4D97-AF65-F5344CB8AC3E}">
-        <p14:creationId xmlns:p14="http://schemas.microsoft.com/office/powerpoint/2010/main" val="1168108605"/>
+        <p14:creationId xmlns:p14="http://schemas.microsoft.com/office/powerpoint/2010/main" val="3905031737"/>
       </p:ext>
     </p:extLst>
   </p:cSld>
   <p:clrMapOvr>
     <a:masterClrMapping/>
   </p:clrMapOvr>
-  <p:transition spd="slow">
-    <p:push dir="u"/>
-  </p:transition>
 </p:sld>
 </file>
 

--- a/HandsOn/Group02/presentation/Group02_SafeCycling.pptx
+++ b/HandsOn/Group02/presentation/Group02_SafeCycling.pptx
@@ -7014,7 +7014,23 @@
                   <a:srgbClr val="595959"/>
                 </a:solidFill>
               </a:rPr>
-              <a:t> y la </a:t>
+              <a:t>(license CC BY-NC-SA 4.0 </a:t>
+            </a:r>
+            <a:r>
+              <a:rPr lang="en-US" sz="2500" dirty="0" err="1">
+                <a:solidFill>
+                  <a:srgbClr val="595959"/>
+                </a:solidFill>
+              </a:rPr>
+              <a:t>Internacional</a:t>
+            </a:r>
+            <a:r>
+              <a:rPr lang="en-US" sz="2500" dirty="0">
+                <a:solidFill>
+                  <a:srgbClr val="595959"/>
+                </a:solidFill>
+              </a:rPr>
+              <a:t>) y la </a:t>
             </a:r>
             <a:r>
               <a:rPr lang="en-US" sz="2500" dirty="0" err="1">
@@ -7299,7 +7315,7 @@
         </p:blipFill>
         <p:spPr>
           <a:xfrm>
-            <a:off x="7082964" y="233249"/>
+            <a:off x="6816626" y="233249"/>
             <a:ext cx="1381125" cy="2276475"/>
           </a:xfrm>
           <a:prstGeom prst="rect">
@@ -7335,7 +7351,7 @@
         </p:blipFill>
         <p:spPr>
           <a:xfrm>
-            <a:off x="8438150" y="233249"/>
+            <a:off x="8171812" y="233249"/>
             <a:ext cx="1781175" cy="1781175"/>
           </a:xfrm>
           <a:prstGeom prst="rect">
@@ -7371,7 +7387,7 @@
         </p:blipFill>
         <p:spPr>
           <a:xfrm>
-            <a:off x="10219325" y="226471"/>
+            <a:off x="9952987" y="226471"/>
             <a:ext cx="1857375" cy="4019550"/>
           </a:xfrm>
           <a:prstGeom prst="rect">
